--- a/asianhost pre/FPL.pptx
+++ b/asianhost pre/FPL.pptx
@@ -5,25 +5,16 @@
     <p:sldMasterId id="2147483901" r:id="rId1"/>
   </p:sldMasterIdLst>
   <p:notesMasterIdLst>
-    <p:notesMasterId r:id="rId15"/>
+    <p:notesMasterId r:id="rId6"/>
   </p:notesMasterIdLst>
   <p:handoutMasterIdLst>
-    <p:handoutMasterId r:id="rId16"/>
+    <p:handoutMasterId r:id="rId7"/>
   </p:handoutMasterIdLst>
   <p:sldIdLst>
     <p:sldId id="256" r:id="rId2"/>
     <p:sldId id="260" r:id="rId3"/>
-    <p:sldId id="259" r:id="rId4"/>
-    <p:sldId id="261" r:id="rId5"/>
-    <p:sldId id="262" r:id="rId6"/>
-    <p:sldId id="269" r:id="rId7"/>
-    <p:sldId id="270" r:id="rId8"/>
-    <p:sldId id="263" r:id="rId9"/>
-    <p:sldId id="266" r:id="rId10"/>
-    <p:sldId id="264" r:id="rId11"/>
-    <p:sldId id="265" r:id="rId12"/>
-    <p:sldId id="267" r:id="rId13"/>
-    <p:sldId id="268" r:id="rId14"/>
+    <p:sldId id="261" r:id="rId4"/>
+    <p:sldId id="262" r:id="rId5"/>
   </p:sldIdLst>
   <p:sldSz cx="12192000" cy="6858000"/>
   <p:notesSz cx="6858000" cy="9144000"/>
@@ -283,7 +274,7 @@
               <a:rPr lang="en-US" smtClean="0">
                 <a:latin typeface="Arial" charset="0"/>
               </a:rPr>
-              <a:t>11/23/2019</a:t>
+              <a:t>11/28/2019</a:t>
             </a:fld>
             <a:endParaRPr lang="en-US" dirty="0">
               <a:latin typeface="Arial" charset="0"/>
@@ -461,7 +452,7 @@
             <a:fld id="{5B96CA4F-2197-CC40-B4FC-798A937A9DC6}" type="datetimeFigureOut">
               <a:rPr lang="en-US" smtClean="0"/>
               <a:pPr/>
-              <a:t>11/23/2019</a:t>
+              <a:t>11/28/2019</a:t>
             </a:fld>
             <a:endParaRPr lang="en-US" dirty="0"/>
           </a:p>
@@ -777,6 +768,38 @@
           <a:bodyPr/>
           <a:lstStyle/>
           <a:p>
+            <a:pPr marL="0" marR="0" lvl="0" indent="0" algn="l" defTabSz="1219170" rtl="0" eaLnBrk="1" fontAlgn="auto" latinLnBrk="0" hangingPunct="1">
+              <a:lnSpc>
+                <a:spcPct val="100000"/>
+              </a:lnSpc>
+              <a:spcBef>
+                <a:spcPts val="0"/>
+              </a:spcBef>
+              <a:spcAft>
+                <a:spcPts val="0"/>
+              </a:spcAft>
+              <a:buClrTx/>
+              <a:buSzTx/>
+              <a:buFontTx/>
+              <a:buNone/>
+              <a:tabLst/>
+              <a:defRPr/>
+            </a:pPr>
+            <a:r>
+              <a:rPr lang="en-US" altLang="zh-CN" baseline="0" dirty="0"/>
+              <a:t>This work is going to propose a </a:t>
+            </a:r>
+            <a:r>
+              <a:rPr lang="en-US" altLang="zh-CN" sz="1600" cap="none" dirty="0"/>
+              <a:t>Fluctuating Power Logic</a:t>
+            </a:r>
+            <a:r>
+              <a:rPr lang="en-US" altLang="zh-CN" baseline="0" dirty="0"/>
+              <a:t>. This is a joint work done by my tutor Fan Zhang and my classmates in Zhejiang University. </a:t>
+            </a:r>
+            <a:endParaRPr lang="zh-CN" altLang="en-US" dirty="0"/>
+          </a:p>
+          <a:p>
             <a:endParaRPr lang="zh-CN" altLang="en-US" dirty="0"/>
           </a:p>
         </p:txBody>
@@ -799,7 +822,7 @@
             <a:fld id="{02322656-8894-1544-92AA-01B3CF5E6182}" type="slidenum">
               <a:rPr lang="en-US" smtClean="0"/>
               <a:pPr/>
-              <a:t>10</a:t>
+              <a:t>1</a:t>
             </a:fld>
             <a:endParaRPr lang="en-US" dirty="0"/>
           </a:p>
@@ -808,7 +831,7 @@
     </p:spTree>
     <p:extLst>
       <p:ext uri="{BB962C8B-B14F-4D97-AF65-F5344CB8AC3E}">
-        <p14:creationId xmlns:p14="http://schemas.microsoft.com/office/powerpoint/2010/main" val="3914408588"/>
+        <p14:creationId xmlns:p14="http://schemas.microsoft.com/office/powerpoint/2010/main" val="2282947620"/>
       </p:ext>
     </p:extLst>
   </p:cSld>
@@ -2546,691 +2569,6 @@
 </p:sld>
 </file>
 
-<file path=ppt/slides/slide10.xml><?xml version="1.0" encoding="utf-8"?>
-<p:sld xmlns:a="http://schemas.openxmlformats.org/drawingml/2006/main" xmlns:r="http://schemas.openxmlformats.org/officeDocument/2006/relationships" xmlns:p="http://schemas.openxmlformats.org/presentationml/2006/main">
-  <p:cSld>
-    <p:spTree>
-      <p:nvGrpSpPr>
-        <p:cNvPr id="1" name=""/>
-        <p:cNvGrpSpPr/>
-        <p:nvPr/>
-      </p:nvGrpSpPr>
-      <p:grpSpPr>
-        <a:xfrm>
-          <a:off x="0" y="0"/>
-          <a:ext cx="0" cy="0"/>
-          <a:chOff x="0" y="0"/>
-          <a:chExt cx="0" cy="0"/>
-        </a:xfrm>
-      </p:grpSpPr>
-      <p:sp>
-        <p:nvSpPr>
-          <p:cNvPr id="2" name="内容占位符 1">
-            <a:extLst>
-              <a:ext uri="{FF2B5EF4-FFF2-40B4-BE49-F238E27FC236}">
-                <a16:creationId xmlns:a16="http://schemas.microsoft.com/office/drawing/2014/main" id="{583B3B95-8443-4EC2-9F13-E699E15BB421}"/>
-              </a:ext>
-            </a:extLst>
-          </p:cNvPr>
-          <p:cNvSpPr>
-            <a:spLocks noGrp="1"/>
-          </p:cNvSpPr>
-          <p:nvPr>
-            <p:ph sz="quarter" idx="10"/>
-          </p:nvPr>
-        </p:nvSpPr>
-        <p:spPr>
-          <a:xfrm>
-            <a:off x="566928" y="1838575"/>
-            <a:ext cx="10515600" cy="3848100"/>
-          </a:xfrm>
-        </p:spPr>
-        <p:txBody>
-          <a:bodyPr/>
-          <a:lstStyle/>
-          <a:p>
-            <a:r>
-              <a:rPr lang="zh-CN" altLang="en-US" dirty="0"/>
-              <a:t>实现第一个版本</a:t>
-            </a:r>
-            <a:r>
-              <a:rPr lang="en-US" altLang="zh-CN" dirty="0"/>
-              <a:t>128-128</a:t>
-            </a:r>
-            <a:r>
-              <a:rPr lang="zh-CN" altLang="en-US" dirty="0"/>
-              <a:t>时，没有出现太多问题，调试过程中输出不对的情况通过利用源码将中间变量打印出来对照排除了错误。</a:t>
-            </a:r>
-            <a:endParaRPr lang="en-US" altLang="zh-CN" dirty="0"/>
-          </a:p>
-          <a:p>
-            <a:r>
-              <a:rPr lang="zh-CN" altLang="en-US" dirty="0"/>
-              <a:t>在实现</a:t>
-            </a:r>
-            <a:r>
-              <a:rPr lang="en-US" altLang="zh-CN" dirty="0"/>
-              <a:t>128-256</a:t>
-            </a:r>
-            <a:r>
-              <a:rPr lang="zh-CN" altLang="en-US" dirty="0"/>
-              <a:t>时，由于没有注意文档描述的原因出现一些问题。</a:t>
-            </a:r>
-            <a:endParaRPr lang="en-US" altLang="zh-CN" dirty="0"/>
-          </a:p>
-          <a:p>
-            <a:endParaRPr lang="en-US" altLang="zh-CN" dirty="0"/>
-          </a:p>
-          <a:p>
-            <a:pPr marL="0" indent="0">
-              <a:buNone/>
-            </a:pPr>
-            <a:endParaRPr lang="en-US" altLang="zh-CN" dirty="0"/>
-          </a:p>
-          <a:p>
-            <a:r>
-              <a:rPr lang="zh-CN" altLang="en-US" dirty="0"/>
-              <a:t>在</a:t>
-            </a:r>
-            <a:r>
-              <a:rPr lang="en-US" altLang="zh-CN" dirty="0"/>
-              <a:t>128-128</a:t>
-            </a:r>
-            <a:r>
-              <a:rPr lang="zh-CN" altLang="en-US" dirty="0"/>
-              <a:t>中有上述描述，类似小端模式。在</a:t>
-            </a:r>
-            <a:r>
-              <a:rPr lang="en-US" altLang="zh-CN" dirty="0"/>
-              <a:t>128-256</a:t>
-            </a:r>
-            <a:r>
-              <a:rPr lang="zh-CN" altLang="en-US" dirty="0"/>
-              <a:t>的密钥扩展函数中</a:t>
-            </a:r>
-          </a:p>
-        </p:txBody>
-      </p:sp>
-      <p:sp>
-        <p:nvSpPr>
-          <p:cNvPr id="3" name="标题 2">
-            <a:extLst>
-              <a:ext uri="{FF2B5EF4-FFF2-40B4-BE49-F238E27FC236}">
-                <a16:creationId xmlns:a16="http://schemas.microsoft.com/office/drawing/2014/main" id="{27D80640-AD0F-40CC-A8F9-46AC05E4DDE4}"/>
-              </a:ext>
-            </a:extLst>
-          </p:cNvPr>
-          <p:cNvSpPr>
-            <a:spLocks noGrp="1"/>
-          </p:cNvSpPr>
-          <p:nvPr>
-            <p:ph type="title"/>
-          </p:nvPr>
-        </p:nvSpPr>
-        <p:spPr/>
-        <p:txBody>
-          <a:bodyPr/>
-          <a:lstStyle/>
-          <a:p>
-            <a:r>
-              <a:rPr lang="zh-CN" altLang="en-US" dirty="0"/>
-              <a:t>实现过程中的问题</a:t>
-            </a:r>
-          </a:p>
-        </p:txBody>
-      </p:sp>
-      <p:pic>
-        <p:nvPicPr>
-          <p:cNvPr id="4" name="图片 3">
-            <a:extLst>
-              <a:ext uri="{FF2B5EF4-FFF2-40B4-BE49-F238E27FC236}">
-                <a16:creationId xmlns:a16="http://schemas.microsoft.com/office/drawing/2014/main" id="{F298BB14-7E34-4007-A0A8-61606C5E9996}"/>
-              </a:ext>
-            </a:extLst>
-          </p:cNvPr>
-          <p:cNvPicPr>
-            <a:picLocks noChangeAspect="1"/>
-          </p:cNvPicPr>
-          <p:nvPr/>
-        </p:nvPicPr>
-        <p:blipFill rotWithShape="1">
-          <a:blip r:embed="rId3"/>
-          <a:srcRect b="29462"/>
-          <a:stretch/>
-        </p:blipFill>
-        <p:spPr>
-          <a:xfrm>
-            <a:off x="566928" y="3087724"/>
-            <a:ext cx="10515600" cy="868430"/>
-          </a:xfrm>
-          <a:prstGeom prst="rect">
-            <a:avLst/>
-          </a:prstGeom>
-        </p:spPr>
-      </p:pic>
-      <p:pic>
-        <p:nvPicPr>
-          <p:cNvPr id="7" name="图片 6">
-            <a:extLst>
-              <a:ext uri="{FF2B5EF4-FFF2-40B4-BE49-F238E27FC236}">
-                <a16:creationId xmlns:a16="http://schemas.microsoft.com/office/drawing/2014/main" id="{DACD17EC-5DB4-4152-BECB-86FB37BAF9E4}"/>
-              </a:ext>
-            </a:extLst>
-          </p:cNvPr>
-          <p:cNvPicPr>
-            <a:picLocks noChangeAspect="1"/>
-          </p:cNvPicPr>
-          <p:nvPr/>
-        </p:nvPicPr>
-        <p:blipFill>
-          <a:blip r:embed="rId4"/>
-          <a:stretch>
-            <a:fillRect/>
-          </a:stretch>
-        </p:blipFill>
-        <p:spPr>
-          <a:xfrm>
-            <a:off x="566928" y="4770365"/>
-            <a:ext cx="7451834" cy="1763721"/>
-          </a:xfrm>
-          <a:prstGeom prst="rect">
-            <a:avLst/>
-          </a:prstGeom>
-        </p:spPr>
-      </p:pic>
-    </p:spTree>
-    <p:extLst>
-      <p:ext uri="{BB962C8B-B14F-4D97-AF65-F5344CB8AC3E}">
-        <p14:creationId xmlns:p14="http://schemas.microsoft.com/office/powerpoint/2010/main" val="414358130"/>
-      </p:ext>
-    </p:extLst>
-  </p:cSld>
-  <p:clrMapOvr>
-    <a:masterClrMapping/>
-  </p:clrMapOvr>
-</p:sld>
-</file>
-
-<file path=ppt/slides/slide11.xml><?xml version="1.0" encoding="utf-8"?>
-<p:sld xmlns:a="http://schemas.openxmlformats.org/drawingml/2006/main" xmlns:r="http://schemas.openxmlformats.org/officeDocument/2006/relationships" xmlns:p="http://schemas.openxmlformats.org/presentationml/2006/main">
-  <p:cSld>
-    <p:spTree>
-      <p:nvGrpSpPr>
-        <p:cNvPr id="1" name=""/>
-        <p:cNvGrpSpPr/>
-        <p:nvPr/>
-      </p:nvGrpSpPr>
-      <p:grpSpPr>
-        <a:xfrm>
-          <a:off x="0" y="0"/>
-          <a:ext cx="0" cy="0"/>
-          <a:chOff x="0" y="0"/>
-          <a:chExt cx="0" cy="0"/>
-        </a:xfrm>
-      </p:grpSpPr>
-      <p:sp>
-        <p:nvSpPr>
-          <p:cNvPr id="2" name="内容占位符 1">
-            <a:extLst>
-              <a:ext uri="{FF2B5EF4-FFF2-40B4-BE49-F238E27FC236}">
-                <a16:creationId xmlns:a16="http://schemas.microsoft.com/office/drawing/2014/main" id="{29E7EB45-1F76-4CA2-B0A6-D9CDC3DBA856}"/>
-              </a:ext>
-            </a:extLst>
-          </p:cNvPr>
-          <p:cNvSpPr>
-            <a:spLocks noGrp="1"/>
-          </p:cNvSpPr>
-          <p:nvPr>
-            <p:ph sz="quarter" idx="10"/>
-          </p:nvPr>
-        </p:nvSpPr>
-        <p:spPr/>
-        <p:txBody>
-          <a:bodyPr/>
-          <a:lstStyle/>
-          <a:p>
-            <a:r>
-              <a:rPr lang="zh-CN" altLang="en-US" dirty="0"/>
-              <a:t>故在</a:t>
-            </a:r>
-            <a:r>
-              <a:rPr lang="en-US" altLang="zh-CN" dirty="0"/>
-              <a:t>128-256</a:t>
-            </a:r>
-            <a:r>
-              <a:rPr lang="zh-CN" altLang="en-US" dirty="0"/>
-              <a:t>实现中，其实是用输入密钥的后半部分作为初始密钥。</a:t>
-            </a:r>
-            <a:endParaRPr lang="en-US" altLang="zh-CN" dirty="0"/>
-          </a:p>
-          <a:p>
-            <a:r>
-              <a:rPr lang="zh-CN" altLang="en-US" dirty="0"/>
-              <a:t>主要遇到的问题在实现</a:t>
-            </a:r>
-            <a:r>
-              <a:rPr lang="en-US" altLang="zh-CN" dirty="0"/>
-              <a:t>256-256</a:t>
-            </a:r>
-            <a:r>
-              <a:rPr lang="zh-CN" altLang="en-US" dirty="0"/>
-              <a:t>过程中</a:t>
-            </a:r>
-            <a:endParaRPr lang="en-US" altLang="zh-CN" dirty="0"/>
-          </a:p>
-          <a:p>
-            <a:r>
-              <a:rPr lang="zh-CN" altLang="en-US" dirty="0"/>
-              <a:t>由于</a:t>
-            </a:r>
-            <a:r>
-              <a:rPr lang="en-US" altLang="zh-CN" dirty="0"/>
-              <a:t>TANGRAM</a:t>
-            </a:r>
-            <a:r>
-              <a:rPr lang="zh-CN" altLang="en-US" dirty="0"/>
-              <a:t>实现主要针对</a:t>
-            </a:r>
-            <a:r>
-              <a:rPr lang="en-US" altLang="zh-CN" dirty="0"/>
-              <a:t>32/64</a:t>
-            </a:r>
-            <a:r>
-              <a:rPr lang="zh-CN" altLang="en-US" dirty="0"/>
-              <a:t>比特数。</a:t>
-            </a:r>
-            <a:br>
-              <a:rPr lang="en-US" altLang="zh-CN" dirty="0"/>
-            </a:br>
-            <a:r>
-              <a:rPr lang="zh-CN" altLang="en-US" dirty="0"/>
-              <a:t>在</a:t>
-            </a:r>
-            <a:r>
-              <a:rPr lang="en-US" altLang="zh-CN" dirty="0"/>
-              <a:t>TANGRAM-128</a:t>
-            </a:r>
-            <a:r>
-              <a:rPr lang="zh-CN" altLang="en-US" dirty="0"/>
-              <a:t>中，采用将输入的</a:t>
-            </a:r>
-            <a:r>
-              <a:rPr lang="en-US" altLang="zh-CN" dirty="0"/>
-              <a:t>unsigned char </a:t>
-            </a:r>
-            <a:r>
-              <a:rPr lang="zh-CN" altLang="en-US" dirty="0"/>
-              <a:t>数据移位异或得到</a:t>
-            </a:r>
-            <a:r>
-              <a:rPr lang="en-US" altLang="zh-CN" dirty="0"/>
-              <a:t>32</a:t>
-            </a:r>
-            <a:r>
-              <a:rPr lang="zh-CN" altLang="en-US" dirty="0"/>
-              <a:t>比特数。（此处可待优化）</a:t>
-            </a:r>
-            <a:endParaRPr lang="en-US" altLang="zh-CN" dirty="0"/>
-          </a:p>
-          <a:p>
-            <a:endParaRPr lang="en-US" altLang="zh-CN" dirty="0"/>
-          </a:p>
-          <a:p>
-            <a:r>
-              <a:rPr lang="zh-CN" altLang="en-US" dirty="0"/>
-              <a:t>然而在</a:t>
-            </a:r>
-            <a:r>
-              <a:rPr lang="en-US" altLang="zh-CN" dirty="0"/>
-              <a:t>TANGRAM-256</a:t>
-            </a:r>
-            <a:r>
-              <a:rPr lang="zh-CN" altLang="en-US" dirty="0"/>
-              <a:t>中，同样的拼接会产生错误输出。经查找可能是由于“</a:t>
-            </a:r>
-            <a:r>
-              <a:rPr lang="en-US" altLang="zh-CN" dirty="0"/>
-              <a:t>&lt;&lt;</a:t>
-            </a:r>
-            <a:r>
-              <a:rPr lang="zh-CN" altLang="en-US" dirty="0"/>
-              <a:t>”移位符对</a:t>
-            </a:r>
-            <a:r>
-              <a:rPr lang="en-US" altLang="zh-CN" dirty="0"/>
-              <a:t>32</a:t>
-            </a:r>
-            <a:r>
-              <a:rPr lang="zh-CN" altLang="en-US" dirty="0"/>
-              <a:t>位以上的数据移位的时候会有不确定的结果产生。</a:t>
-            </a:r>
-            <a:endParaRPr lang="en-US" altLang="zh-CN" dirty="0"/>
-          </a:p>
-          <a:p>
-            <a:r>
-              <a:rPr lang="en-US" altLang="zh-CN" dirty="0" err="1"/>
-              <a:t>Shiftrow</a:t>
-            </a:r>
-            <a:r>
-              <a:rPr lang="en-US" altLang="zh-CN" dirty="0"/>
-              <a:t> </a:t>
-            </a:r>
-            <a:r>
-              <a:rPr lang="zh-CN" altLang="en-US" dirty="0"/>
-              <a:t>操作中同样会遇到这个问题</a:t>
-            </a:r>
-          </a:p>
-        </p:txBody>
-      </p:sp>
-      <p:sp>
-        <p:nvSpPr>
-          <p:cNvPr id="3" name="标题 2">
-            <a:extLst>
-              <a:ext uri="{FF2B5EF4-FFF2-40B4-BE49-F238E27FC236}">
-                <a16:creationId xmlns:a16="http://schemas.microsoft.com/office/drawing/2014/main" id="{B5D6DEB0-EAED-4CF0-B94B-EA83344FEA5F}"/>
-              </a:ext>
-            </a:extLst>
-          </p:cNvPr>
-          <p:cNvSpPr>
-            <a:spLocks noGrp="1"/>
-          </p:cNvSpPr>
-          <p:nvPr>
-            <p:ph type="title"/>
-          </p:nvPr>
-        </p:nvSpPr>
-        <p:spPr/>
-        <p:txBody>
-          <a:bodyPr/>
-          <a:lstStyle/>
-          <a:p>
-            <a:r>
-              <a:rPr lang="zh-CN" altLang="en-US" dirty="0"/>
-              <a:t>实现过程中的问题</a:t>
-            </a:r>
-          </a:p>
-        </p:txBody>
-      </p:sp>
-      <p:pic>
-        <p:nvPicPr>
-          <p:cNvPr id="4" name="图片 3">
-            <a:extLst>
-              <a:ext uri="{FF2B5EF4-FFF2-40B4-BE49-F238E27FC236}">
-                <a16:creationId xmlns:a16="http://schemas.microsoft.com/office/drawing/2014/main" id="{01E87A9D-CA95-4DBA-9650-FAB57C172837}"/>
-              </a:ext>
-            </a:extLst>
-          </p:cNvPr>
-          <p:cNvPicPr>
-            <a:picLocks noChangeAspect="1"/>
-          </p:cNvPicPr>
-          <p:nvPr/>
-        </p:nvPicPr>
-        <p:blipFill>
-          <a:blip r:embed="rId2"/>
-          <a:stretch>
-            <a:fillRect/>
-          </a:stretch>
-        </p:blipFill>
-        <p:spPr>
-          <a:xfrm>
-            <a:off x="224403" y="4488046"/>
-            <a:ext cx="11743194" cy="319000"/>
-          </a:xfrm>
-          <a:prstGeom prst="rect">
-            <a:avLst/>
-          </a:prstGeom>
-        </p:spPr>
-      </p:pic>
-    </p:spTree>
-    <p:extLst>
-      <p:ext uri="{BB962C8B-B14F-4D97-AF65-F5344CB8AC3E}">
-        <p14:creationId xmlns:p14="http://schemas.microsoft.com/office/powerpoint/2010/main" val="218119388"/>
-      </p:ext>
-    </p:extLst>
-  </p:cSld>
-  <p:clrMapOvr>
-    <a:masterClrMapping/>
-  </p:clrMapOvr>
-</p:sld>
-</file>
-
-<file path=ppt/slides/slide12.xml><?xml version="1.0" encoding="utf-8"?>
-<p:sld xmlns:a="http://schemas.openxmlformats.org/drawingml/2006/main" xmlns:r="http://schemas.openxmlformats.org/officeDocument/2006/relationships" xmlns:p="http://schemas.openxmlformats.org/presentationml/2006/main">
-  <p:cSld>
-    <p:spTree>
-      <p:nvGrpSpPr>
-        <p:cNvPr id="1" name=""/>
-        <p:cNvGrpSpPr/>
-        <p:nvPr/>
-      </p:nvGrpSpPr>
-      <p:grpSpPr>
-        <a:xfrm>
-          <a:off x="0" y="0"/>
-          <a:ext cx="0" cy="0"/>
-          <a:chOff x="0" y="0"/>
-          <a:chExt cx="0" cy="0"/>
-        </a:xfrm>
-      </p:grpSpPr>
-      <p:sp>
-        <p:nvSpPr>
-          <p:cNvPr id="2" name="内容占位符 1">
-            <a:extLst>
-              <a:ext uri="{FF2B5EF4-FFF2-40B4-BE49-F238E27FC236}">
-                <a16:creationId xmlns:a16="http://schemas.microsoft.com/office/drawing/2014/main" id="{546544D2-C6DF-42E7-9472-0393C6BD6FCC}"/>
-              </a:ext>
-            </a:extLst>
-          </p:cNvPr>
-          <p:cNvSpPr>
-            <a:spLocks noGrp="1"/>
-          </p:cNvSpPr>
-          <p:nvPr>
-            <p:ph sz="quarter" idx="10"/>
-          </p:nvPr>
-        </p:nvSpPr>
-        <p:spPr/>
-        <p:txBody>
-          <a:bodyPr/>
-          <a:lstStyle/>
-          <a:p>
-            <a:r>
-              <a:rPr lang="zh-CN" altLang="en-US" dirty="0"/>
-              <a:t>改进直接采用寻址的方式获取</a:t>
-            </a:r>
-            <a:r>
-              <a:rPr lang="en-US" altLang="zh-CN" dirty="0"/>
-              <a:t>64</a:t>
-            </a:r>
-            <a:r>
-              <a:rPr lang="zh-CN" altLang="en-US" dirty="0"/>
-              <a:t>比特数</a:t>
-            </a:r>
-            <a:endParaRPr lang="en-US" altLang="zh-CN" dirty="0"/>
-          </a:p>
-          <a:p>
-            <a:endParaRPr lang="zh-CN" altLang="en-US" dirty="0"/>
-          </a:p>
-        </p:txBody>
-      </p:sp>
-      <p:sp>
-        <p:nvSpPr>
-          <p:cNvPr id="3" name="标题 2">
-            <a:extLst>
-              <a:ext uri="{FF2B5EF4-FFF2-40B4-BE49-F238E27FC236}">
-                <a16:creationId xmlns:a16="http://schemas.microsoft.com/office/drawing/2014/main" id="{1DBB8935-BDEC-4B60-A48C-C1199853E99D}"/>
-              </a:ext>
-            </a:extLst>
-          </p:cNvPr>
-          <p:cNvSpPr>
-            <a:spLocks noGrp="1"/>
-          </p:cNvSpPr>
-          <p:nvPr>
-            <p:ph type="title"/>
-          </p:nvPr>
-        </p:nvSpPr>
-        <p:spPr/>
-        <p:txBody>
-          <a:bodyPr/>
-          <a:lstStyle/>
-          <a:p>
-            <a:r>
-              <a:rPr lang="zh-CN" altLang="en-US" dirty="0"/>
-              <a:t>实现过程中的问题</a:t>
-            </a:r>
-          </a:p>
-        </p:txBody>
-      </p:sp>
-      <p:pic>
-        <p:nvPicPr>
-          <p:cNvPr id="4" name="图片 3">
-            <a:extLst>
-              <a:ext uri="{FF2B5EF4-FFF2-40B4-BE49-F238E27FC236}">
-                <a16:creationId xmlns:a16="http://schemas.microsoft.com/office/drawing/2014/main" id="{DFE7C925-CD10-4D77-BF2E-73677B91D5D8}"/>
-              </a:ext>
-            </a:extLst>
-          </p:cNvPr>
-          <p:cNvPicPr>
-            <a:picLocks noChangeAspect="1"/>
-          </p:cNvPicPr>
-          <p:nvPr/>
-        </p:nvPicPr>
-        <p:blipFill>
-          <a:blip r:embed="rId2"/>
-          <a:stretch>
-            <a:fillRect/>
-          </a:stretch>
-        </p:blipFill>
-        <p:spPr>
-          <a:xfrm>
-            <a:off x="827114" y="2752065"/>
-            <a:ext cx="5560009" cy="2114226"/>
-          </a:xfrm>
-          <a:prstGeom prst="rect">
-            <a:avLst/>
-          </a:prstGeom>
-        </p:spPr>
-      </p:pic>
-    </p:spTree>
-    <p:extLst>
-      <p:ext uri="{BB962C8B-B14F-4D97-AF65-F5344CB8AC3E}">
-        <p14:creationId xmlns:p14="http://schemas.microsoft.com/office/powerpoint/2010/main" val="4186265816"/>
-      </p:ext>
-    </p:extLst>
-  </p:cSld>
-  <p:clrMapOvr>
-    <a:masterClrMapping/>
-  </p:clrMapOvr>
-</p:sld>
-</file>
-
-<file path=ppt/slides/slide13.xml><?xml version="1.0" encoding="utf-8"?>
-<p:sld xmlns:a="http://schemas.openxmlformats.org/drawingml/2006/main" xmlns:r="http://schemas.openxmlformats.org/officeDocument/2006/relationships" xmlns:p="http://schemas.openxmlformats.org/presentationml/2006/main">
-  <p:cSld>
-    <p:spTree>
-      <p:nvGrpSpPr>
-        <p:cNvPr id="1" name=""/>
-        <p:cNvGrpSpPr/>
-        <p:nvPr/>
-      </p:nvGrpSpPr>
-      <p:grpSpPr>
-        <a:xfrm>
-          <a:off x="0" y="0"/>
-          <a:ext cx="0" cy="0"/>
-          <a:chOff x="0" y="0"/>
-          <a:chExt cx="0" cy="0"/>
-        </a:xfrm>
-      </p:grpSpPr>
-      <p:sp>
-        <p:nvSpPr>
-          <p:cNvPr id="2" name="内容占位符 1">
-            <a:extLst>
-              <a:ext uri="{FF2B5EF4-FFF2-40B4-BE49-F238E27FC236}">
-                <a16:creationId xmlns:a16="http://schemas.microsoft.com/office/drawing/2014/main" id="{E4B8D7B0-42C3-45E0-9AFD-F5D5A64514BD}"/>
-              </a:ext>
-            </a:extLst>
-          </p:cNvPr>
-          <p:cNvSpPr>
-            <a:spLocks noGrp="1"/>
-          </p:cNvSpPr>
-          <p:nvPr>
-            <p:ph sz="quarter" idx="10"/>
-          </p:nvPr>
-        </p:nvSpPr>
-        <p:spPr/>
-        <p:txBody>
-          <a:bodyPr/>
-          <a:lstStyle/>
-          <a:p>
-            <a:r>
-              <a:rPr lang="zh-CN" altLang="en-US" dirty="0"/>
-              <a:t>算法本身将查表操作优化为逻辑运算操作</a:t>
-            </a:r>
-            <a:endParaRPr lang="en-US" altLang="zh-CN" dirty="0"/>
-          </a:p>
-          <a:p>
-            <a:r>
-              <a:rPr lang="zh-CN" altLang="en-US" dirty="0"/>
-              <a:t>所有的密码状态和秘钥，都尽量指针（地址）传递，尽量少用临时变量传递密码状态和秘钥</a:t>
-            </a:r>
-            <a:endParaRPr lang="en-US" altLang="zh-CN" dirty="0"/>
-          </a:p>
-          <a:p>
-            <a:endParaRPr lang="en-US" altLang="zh-CN" dirty="0"/>
-          </a:p>
-          <a:p>
-            <a:r>
-              <a:rPr lang="zh-CN" altLang="en-US" dirty="0"/>
-              <a:t>（分工合作，后续优化部分由熊佳明同学担任）</a:t>
-            </a:r>
-            <a:endParaRPr lang="en-US" altLang="zh-CN" dirty="0"/>
-          </a:p>
-          <a:p>
-            <a:endParaRPr lang="en-US" altLang="zh-CN" dirty="0"/>
-          </a:p>
-          <a:p>
-            <a:endParaRPr lang="zh-CN" altLang="en-US" dirty="0"/>
-          </a:p>
-        </p:txBody>
-      </p:sp>
-      <p:sp>
-        <p:nvSpPr>
-          <p:cNvPr id="3" name="标题 2">
-            <a:extLst>
-              <a:ext uri="{FF2B5EF4-FFF2-40B4-BE49-F238E27FC236}">
-                <a16:creationId xmlns:a16="http://schemas.microsoft.com/office/drawing/2014/main" id="{393AA416-341A-4DFE-94A6-FB698946C8D6}"/>
-              </a:ext>
-            </a:extLst>
-          </p:cNvPr>
-          <p:cNvSpPr>
-            <a:spLocks noGrp="1"/>
-          </p:cNvSpPr>
-          <p:nvPr>
-            <p:ph type="title"/>
-          </p:nvPr>
-        </p:nvSpPr>
-        <p:spPr/>
-        <p:txBody>
-          <a:bodyPr/>
-          <a:lstStyle/>
-          <a:p>
-            <a:r>
-              <a:rPr lang="zh-CN" altLang="en-US" dirty="0"/>
-              <a:t>优化</a:t>
-            </a:r>
-          </a:p>
-        </p:txBody>
-      </p:sp>
-    </p:spTree>
-    <p:extLst>
-      <p:ext uri="{BB962C8B-B14F-4D97-AF65-F5344CB8AC3E}">
-        <p14:creationId xmlns:p14="http://schemas.microsoft.com/office/powerpoint/2010/main" val="271487596"/>
-      </p:ext>
-    </p:extLst>
-  </p:cSld>
-  <p:clrMapOvr>
-    <a:masterClrMapping/>
-  </p:clrMapOvr>
-</p:sld>
-</file>
-
 <file path=ppt/slides/slide2.xml><?xml version="1.0" encoding="utf-8"?>
 <p:sld xmlns:a="http://schemas.openxmlformats.org/drawingml/2006/main" xmlns:r="http://schemas.openxmlformats.org/officeDocument/2006/relationships" xmlns:p="http://schemas.openxmlformats.org/presentationml/2006/main">
   <p:cSld>
@@ -3337,7 +2675,7 @@
           <p:cNvPr id="2" name="内容占位符 1">
             <a:extLst>
               <a:ext uri="{FF2B5EF4-FFF2-40B4-BE49-F238E27FC236}">
-                <a16:creationId xmlns:a16="http://schemas.microsoft.com/office/drawing/2014/main" id="{B08816D6-3362-46A8-8318-609A3523CA45}"/>
+                <a16:creationId xmlns:a16="http://schemas.microsoft.com/office/drawing/2014/main" id="{23C9DA0B-E1AC-4BE1-A92F-D1392501FE38}"/>
               </a:ext>
             </a:extLst>
           </p:cNvPr>
@@ -3348,108 +2686,29 @@
             <p:ph sz="quarter" idx="10"/>
           </p:nvPr>
         </p:nvSpPr>
-        <p:spPr>
-          <a:xfrm>
-            <a:off x="440804" y="1407650"/>
-            <a:ext cx="10515600" cy="4383550"/>
-          </a:xfrm>
-        </p:spPr>
+        <p:spPr/>
         <p:txBody>
           <a:bodyPr/>
           <a:lstStyle/>
           <a:p>
-            <a:pPr>
-              <a:lnSpc>
-                <a:spcPct val="150000"/>
-              </a:lnSpc>
-            </a:pPr>
-            <a:r>
-              <a:rPr lang="zh-CN" altLang="en-US" dirty="0"/>
-              <a:t>概述</a:t>
-            </a:r>
-            <a:endParaRPr lang="en-US" altLang="zh-CN" dirty="0"/>
-          </a:p>
-          <a:p>
-            <a:pPr>
-              <a:lnSpc>
-                <a:spcPct val="150000"/>
-              </a:lnSpc>
-            </a:pPr>
             <a:r>
               <a:rPr lang="en-US" altLang="zh-CN" dirty="0"/>
-              <a:t>TANGRAM </a:t>
-            </a:r>
-            <a:r>
-              <a:rPr lang="zh-CN" altLang="en-US" dirty="0"/>
-              <a:t>，</a:t>
+              <a:t>Hiding :noise, clock randomizer, dual-rail </a:t>
             </a:r>
             <a:r>
               <a:rPr lang="en-US" altLang="zh-CN" dirty="0" err="1"/>
-              <a:t>迭代型分组密码算法，其分组长度</a:t>
+              <a:t>precharge</a:t>
             </a:r>
             <a:r>
               <a:rPr lang="en-US" altLang="zh-CN" dirty="0"/>
-              <a:t>/密钥长度分别为 128/128、128/256 和 256/256 </a:t>
-            </a:r>
-            <a:r>
-              <a:rPr lang="en-US" altLang="zh-CN" dirty="0" err="1"/>
-              <a:t>比特</a:t>
-            </a:r>
-            <a:r>
-              <a:rPr lang="zh-CN" altLang="en-US" dirty="0"/>
-              <a:t>。</a:t>
-            </a:r>
-            <a:endParaRPr lang="en-US" altLang="zh-CN" dirty="0"/>
-          </a:p>
-          <a:p>
-            <a:pPr>
-              <a:lnSpc>
-                <a:spcPct val="150000"/>
-              </a:lnSpc>
-            </a:pPr>
+              <a:t> logics </a:t>
+            </a:r>
+          </a:p>
+          <a:p>
             <a:r>
               <a:rPr lang="en-US" altLang="zh-CN" dirty="0"/>
-              <a:t>TANGRAM</a:t>
-            </a:r>
-            <a:r>
-              <a:rPr lang="zh-CN" altLang="en-US" dirty="0"/>
-              <a:t>算法的主要设计思想是采用</a:t>
-            </a:r>
-            <a:r>
-              <a:rPr lang="zh-CN" altLang="en-US" dirty="0">
-                <a:solidFill>
-                  <a:srgbClr val="FF0000"/>
-                </a:solidFill>
-              </a:rPr>
-              <a:t>比特切片方法</a:t>
-            </a:r>
-            <a:r>
-              <a:rPr lang="zh-CN" altLang="en-US" dirty="0"/>
-              <a:t>来设计适合多个软硬件平台的系列分组密码。</a:t>
-            </a:r>
-            <a:endParaRPr lang="en-US" altLang="zh-CN" dirty="0"/>
-          </a:p>
-          <a:p>
-            <a:pPr>
-              <a:lnSpc>
-                <a:spcPct val="150000"/>
-              </a:lnSpc>
-            </a:pPr>
-            <a:r>
-              <a:rPr lang="en-US" altLang="zh-CN" dirty="0"/>
-              <a:t>TANGRAM 的整体结构为 SP 网络（Substitution-Permutation  network），128 比特的加密状态用一个4 × 32的矩形比特阵列描述，256 </a:t>
-            </a:r>
-            <a:r>
-              <a:rPr lang="en-US" altLang="zh-CN" dirty="0" err="1"/>
-              <a:t>比特的加密状态用一个</a:t>
-            </a:r>
-            <a:r>
-              <a:rPr lang="en-US" altLang="zh-CN" dirty="0"/>
-              <a:t> 4 × 64 的矩形比特阵列描述。</a:t>
-            </a:r>
-            <a:endParaRPr lang="zh-CN" altLang="zh-CN" dirty="0"/>
-          </a:p>
-          <a:p>
+              <a:t>Masking:</a:t>
+            </a:r>
             <a:endParaRPr lang="zh-CN" altLang="en-US" dirty="0"/>
           </a:p>
         </p:txBody>
@@ -3459,7 +2718,7 @@
           <p:cNvPr id="3" name="标题 2">
             <a:extLst>
               <a:ext uri="{FF2B5EF4-FFF2-40B4-BE49-F238E27FC236}">
-                <a16:creationId xmlns:a16="http://schemas.microsoft.com/office/drawing/2014/main" id="{67FD4A20-BAF2-4AE3-A257-2382BFC0A0CB}"/>
+                <a16:creationId xmlns:a16="http://schemas.microsoft.com/office/drawing/2014/main" id="{0C529C24-48D0-4E02-8655-3B6BA5100286}"/>
               </a:ext>
             </a:extLst>
           </p:cNvPr>
@@ -3470,27 +2729,23 @@
             <p:ph type="title"/>
           </p:nvPr>
         </p:nvSpPr>
-        <p:spPr>
-          <a:xfrm>
-            <a:off x="566928" y="973435"/>
-            <a:ext cx="10515600" cy="868430"/>
-          </a:xfrm>
-        </p:spPr>
+        <p:spPr/>
         <p:txBody>
           <a:bodyPr/>
           <a:lstStyle/>
           <a:p>
             <a:r>
-              <a:rPr lang="zh-CN" altLang="en-US" dirty="0"/>
-              <a:t>实现</a:t>
-            </a:r>
+              <a:rPr lang="en-US" altLang="zh-CN" dirty="0"/>
+              <a:t>Mainstream SCA countermeasures</a:t>
+            </a:r>
+            <a:endParaRPr lang="zh-CN" altLang="en-US" dirty="0"/>
           </a:p>
         </p:txBody>
       </p:sp>
     </p:spTree>
     <p:extLst>
       <p:ext uri="{BB962C8B-B14F-4D97-AF65-F5344CB8AC3E}">
-        <p14:creationId xmlns:p14="http://schemas.microsoft.com/office/powerpoint/2010/main" val="2763135571"/>
+        <p14:creationId xmlns:p14="http://schemas.microsoft.com/office/powerpoint/2010/main" val="3286262450"/>
       </p:ext>
     </p:extLst>
   </p:cSld>
@@ -3522,7 +2777,7 @@
           <p:cNvPr id="2" name="内容占位符 1">
             <a:extLst>
               <a:ext uri="{FF2B5EF4-FFF2-40B4-BE49-F238E27FC236}">
-                <a16:creationId xmlns:a16="http://schemas.microsoft.com/office/drawing/2014/main" id="{941E7CEC-2249-49D8-BF2C-EE7FA5940470}"/>
+                <a16:creationId xmlns:a16="http://schemas.microsoft.com/office/drawing/2014/main" id="{70CB29AE-3FA5-4DD5-BDED-26E218537B98}"/>
               </a:ext>
             </a:extLst>
           </p:cNvPr>
@@ -3538,87 +2793,7 @@
           <a:bodyPr/>
           <a:lstStyle/>
           <a:p>
-            <a:pPr>
-              <a:lnSpc>
-                <a:spcPct val="150000"/>
-              </a:lnSpc>
-            </a:pPr>
-            <a:r>
-              <a:rPr lang="zh-CN" altLang="en-US" dirty="0"/>
-              <a:t>简单概括说明文档中对比特切片的定义：</a:t>
-            </a:r>
-            <a:endParaRPr lang="en-US" altLang="zh-CN" dirty="0"/>
-          </a:p>
-          <a:p>
-            <a:pPr>
-              <a:lnSpc>
-                <a:spcPct val="150000"/>
-              </a:lnSpc>
-            </a:pPr>
-            <a:r>
-              <a:rPr lang="zh-CN" altLang="en-US" dirty="0"/>
-              <a:t>模拟硬件实现的过程，将</a:t>
-            </a:r>
-            <a:r>
-              <a:rPr lang="en-US" altLang="zh-CN" dirty="0"/>
-              <a:t>S</a:t>
-            </a:r>
-            <a:r>
-              <a:rPr lang="zh-CN" altLang="en-US" dirty="0"/>
-              <a:t>盒查表操作用基于比特的逻辑指令操作替代</a:t>
-            </a:r>
-            <a:endParaRPr lang="en-US" altLang="zh-CN" dirty="0"/>
-          </a:p>
-          <a:p>
-            <a:pPr>
-              <a:lnSpc>
-                <a:spcPct val="150000"/>
-              </a:lnSpc>
-            </a:pPr>
-            <a:r>
-              <a:rPr lang="zh-CN" altLang="en-US" dirty="0"/>
-              <a:t>将</a:t>
-            </a:r>
-            <a:r>
-              <a:rPr lang="en-US" altLang="zh-CN" dirty="0"/>
-              <a:t>32</a:t>
-            </a:r>
-            <a:r>
-              <a:rPr lang="zh-CN" altLang="en-US" dirty="0"/>
-              <a:t>或</a:t>
-            </a:r>
-            <a:r>
-              <a:rPr lang="en-US" altLang="zh-CN" dirty="0"/>
-              <a:t>64</a:t>
-            </a:r>
-            <a:r>
-              <a:rPr lang="zh-CN" altLang="en-US" dirty="0"/>
-              <a:t>次查表操作替代为</a:t>
-            </a:r>
-            <a:r>
-              <a:rPr lang="en-US" altLang="zh-CN" dirty="0"/>
-              <a:t>12</a:t>
-            </a:r>
-            <a:r>
-              <a:rPr lang="zh-CN" altLang="en-US" dirty="0"/>
-              <a:t>次对</a:t>
-            </a:r>
-            <a:r>
-              <a:rPr lang="en-US" altLang="zh-CN" dirty="0"/>
-              <a:t>32</a:t>
-            </a:r>
-            <a:r>
-              <a:rPr lang="zh-CN" altLang="en-US" dirty="0"/>
-              <a:t>、</a:t>
-            </a:r>
-            <a:r>
-              <a:rPr lang="en-US" altLang="zh-CN" dirty="0"/>
-              <a:t>64</a:t>
-            </a:r>
-            <a:r>
-              <a:rPr lang="zh-CN" altLang="en-US" dirty="0"/>
-              <a:t>比特数据的逻辑指令操作</a:t>
-            </a:r>
+            <a:endParaRPr lang="zh-CN" altLang="en-US"/>
           </a:p>
         </p:txBody>
       </p:sp>
@@ -3627,7 +2802,7 @@
           <p:cNvPr id="3" name="标题 2">
             <a:extLst>
               <a:ext uri="{FF2B5EF4-FFF2-40B4-BE49-F238E27FC236}">
-                <a16:creationId xmlns:a16="http://schemas.microsoft.com/office/drawing/2014/main" id="{44343968-6A64-46E1-9F68-30A185818D7D}"/>
+                <a16:creationId xmlns:a16="http://schemas.microsoft.com/office/drawing/2014/main" id="{A0839FEE-9E32-4CCA-B6E9-D5EB418AEA88}"/>
               </a:ext>
             </a:extLst>
           </p:cNvPr>
@@ -3643,852 +2818,14 @@
           <a:bodyPr/>
           <a:lstStyle/>
           <a:p>
-            <a:r>
-              <a:rPr lang="zh-CN" altLang="en-US" dirty="0"/>
-              <a:t>比特切片</a:t>
-            </a:r>
+            <a:endParaRPr lang="zh-CN" altLang="en-US"/>
           </a:p>
         </p:txBody>
       </p:sp>
     </p:spTree>
     <p:extLst>
       <p:ext uri="{BB962C8B-B14F-4D97-AF65-F5344CB8AC3E}">
-        <p14:creationId xmlns:p14="http://schemas.microsoft.com/office/powerpoint/2010/main" val="936486522"/>
-      </p:ext>
-    </p:extLst>
-  </p:cSld>
-  <p:clrMapOvr>
-    <a:masterClrMapping/>
-  </p:clrMapOvr>
-</p:sld>
-</file>
-
-<file path=ppt/slides/slide5.xml><?xml version="1.0" encoding="utf-8"?>
-<p:sld xmlns:a="http://schemas.openxmlformats.org/drawingml/2006/main" xmlns:r="http://schemas.openxmlformats.org/officeDocument/2006/relationships" xmlns:p="http://schemas.openxmlformats.org/presentationml/2006/main">
-  <p:cSld>
-    <p:spTree>
-      <p:nvGrpSpPr>
-        <p:cNvPr id="1" name=""/>
-        <p:cNvGrpSpPr/>
-        <p:nvPr/>
-      </p:nvGrpSpPr>
-      <p:grpSpPr>
-        <a:xfrm>
-          <a:off x="0" y="0"/>
-          <a:ext cx="0" cy="0"/>
-          <a:chOff x="0" y="0"/>
-          <a:chExt cx="0" cy="0"/>
-        </a:xfrm>
-      </p:grpSpPr>
-      <p:sp>
-        <p:nvSpPr>
-          <p:cNvPr id="2" name="内容占位符 1">
-            <a:extLst>
-              <a:ext uri="{FF2B5EF4-FFF2-40B4-BE49-F238E27FC236}">
-                <a16:creationId xmlns:a16="http://schemas.microsoft.com/office/drawing/2014/main" id="{2AD462D2-4AF7-4C25-8330-B8267B9D4F6E}"/>
-              </a:ext>
-            </a:extLst>
-          </p:cNvPr>
-          <p:cNvSpPr>
-            <a:spLocks noGrp="1"/>
-          </p:cNvSpPr>
-          <p:nvPr>
-            <p:ph sz="quarter" idx="10"/>
-          </p:nvPr>
-        </p:nvSpPr>
-        <p:spPr>
-          <a:xfrm>
-            <a:off x="566928" y="2185416"/>
-            <a:ext cx="3017100" cy="3848100"/>
-          </a:xfrm>
-        </p:spPr>
-        <p:txBody>
-          <a:bodyPr/>
-          <a:lstStyle/>
-          <a:p>
-            <a:r>
-              <a:rPr lang="en-US" altLang="zh-CN" dirty="0"/>
-              <a:t>TANGRAM</a:t>
-            </a:r>
-            <a:r>
-              <a:rPr lang="zh-CN" altLang="en-US" dirty="0"/>
-              <a:t>算法，类比</a:t>
-            </a:r>
-            <a:r>
-              <a:rPr lang="en-US" altLang="zh-CN" dirty="0"/>
-              <a:t>AES</a:t>
-            </a:r>
-            <a:r>
-              <a:rPr lang="zh-CN" altLang="en-US" dirty="0"/>
-              <a:t>，同样包括</a:t>
-            </a:r>
-            <a:r>
-              <a:rPr lang="en-US" altLang="zh-CN" dirty="0" err="1"/>
-              <a:t>Addroundkey</a:t>
-            </a:r>
-            <a:r>
-              <a:rPr lang="zh-CN" altLang="en-US" dirty="0"/>
-              <a:t>，</a:t>
-            </a:r>
-            <a:r>
-              <a:rPr lang="en-US" altLang="zh-CN" dirty="0" err="1"/>
-              <a:t>Subcolumn</a:t>
-            </a:r>
-            <a:r>
-              <a:rPr lang="zh-CN" altLang="en-US" dirty="0"/>
-              <a:t>（类比</a:t>
-            </a:r>
-            <a:r>
-              <a:rPr lang="en-US" altLang="zh-CN" dirty="0" err="1"/>
-              <a:t>subbytes,mixcolumn</a:t>
-            </a:r>
-            <a:r>
-              <a:rPr lang="zh-CN" altLang="en-US" dirty="0"/>
-              <a:t>），</a:t>
-            </a:r>
-            <a:r>
-              <a:rPr lang="en-US" altLang="zh-CN" dirty="0" err="1"/>
-              <a:t>Shiftrow</a:t>
-            </a:r>
-            <a:r>
-              <a:rPr lang="zh-CN" altLang="en-US" dirty="0"/>
-              <a:t>。</a:t>
-            </a:r>
-            <a:endParaRPr lang="en-US" altLang="zh-CN" dirty="0"/>
-          </a:p>
-          <a:p>
-            <a:endParaRPr lang="zh-CN" altLang="en-US" dirty="0"/>
-          </a:p>
-        </p:txBody>
-      </p:sp>
-      <p:sp>
-        <p:nvSpPr>
-          <p:cNvPr id="3" name="标题 2">
-            <a:extLst>
-              <a:ext uri="{FF2B5EF4-FFF2-40B4-BE49-F238E27FC236}">
-                <a16:creationId xmlns:a16="http://schemas.microsoft.com/office/drawing/2014/main" id="{463EF874-F250-4A87-830E-750960A5A930}"/>
-              </a:ext>
-            </a:extLst>
-          </p:cNvPr>
-          <p:cNvSpPr>
-            <a:spLocks noGrp="1"/>
-          </p:cNvSpPr>
-          <p:nvPr>
-            <p:ph type="title"/>
-          </p:nvPr>
-        </p:nvSpPr>
-        <p:spPr/>
-        <p:txBody>
-          <a:bodyPr/>
-          <a:lstStyle/>
-          <a:p>
-            <a:r>
-              <a:rPr lang="zh-CN" altLang="en-US" dirty="0"/>
-              <a:t>算法简介</a:t>
-            </a:r>
-          </a:p>
-        </p:txBody>
-      </p:sp>
-      <p:pic>
-        <p:nvPicPr>
-          <p:cNvPr id="5" name="图片 4">
-            <a:extLst>
-              <a:ext uri="{FF2B5EF4-FFF2-40B4-BE49-F238E27FC236}">
-                <a16:creationId xmlns:a16="http://schemas.microsoft.com/office/drawing/2014/main" id="{FDFC22E2-8A8D-44C3-9615-889908B627C5}"/>
-              </a:ext>
-            </a:extLst>
-          </p:cNvPr>
-          <p:cNvPicPr>
-            <a:picLocks noChangeAspect="1"/>
-          </p:cNvPicPr>
-          <p:nvPr/>
-        </p:nvPicPr>
-        <p:blipFill>
-          <a:blip r:embed="rId2"/>
-          <a:stretch>
-            <a:fillRect/>
-          </a:stretch>
-        </p:blipFill>
-        <p:spPr>
-          <a:xfrm>
-            <a:off x="3748436" y="1395606"/>
-            <a:ext cx="7995376" cy="5264967"/>
-          </a:xfrm>
-          <a:prstGeom prst="rect">
-            <a:avLst/>
-          </a:prstGeom>
-        </p:spPr>
-      </p:pic>
-    </p:spTree>
-    <p:extLst>
-      <p:ext uri="{BB962C8B-B14F-4D97-AF65-F5344CB8AC3E}">
-        <p14:creationId xmlns:p14="http://schemas.microsoft.com/office/powerpoint/2010/main" val="3750304302"/>
-      </p:ext>
-    </p:extLst>
-  </p:cSld>
-  <p:clrMapOvr>
-    <a:masterClrMapping/>
-  </p:clrMapOvr>
-</p:sld>
-</file>
-
-<file path=ppt/slides/slide6.xml><?xml version="1.0" encoding="utf-8"?>
-<p:sld xmlns:a="http://schemas.openxmlformats.org/drawingml/2006/main" xmlns:r="http://schemas.openxmlformats.org/officeDocument/2006/relationships" xmlns:p="http://schemas.openxmlformats.org/presentationml/2006/main">
-  <p:cSld>
-    <p:spTree>
-      <p:nvGrpSpPr>
-        <p:cNvPr id="1" name=""/>
-        <p:cNvGrpSpPr/>
-        <p:nvPr/>
-      </p:nvGrpSpPr>
-      <p:grpSpPr>
-        <a:xfrm>
-          <a:off x="0" y="0"/>
-          <a:ext cx="0" cy="0"/>
-          <a:chOff x="0" y="0"/>
-          <a:chExt cx="0" cy="0"/>
-        </a:xfrm>
-      </p:grpSpPr>
-      <p:sp>
-        <p:nvSpPr>
-          <p:cNvPr id="2" name="内容占位符 1">
-            <a:extLst>
-              <a:ext uri="{FF2B5EF4-FFF2-40B4-BE49-F238E27FC236}">
-                <a16:creationId xmlns:a16="http://schemas.microsoft.com/office/drawing/2014/main" id="{F94922F3-66F5-41C0-93B0-0273BF7235A0}"/>
-              </a:ext>
-            </a:extLst>
-          </p:cNvPr>
-          <p:cNvSpPr>
-            <a:spLocks noGrp="1"/>
-          </p:cNvSpPr>
-          <p:nvPr>
-            <p:ph sz="quarter" idx="10"/>
-          </p:nvPr>
-        </p:nvSpPr>
-        <p:spPr/>
-        <p:txBody>
-          <a:bodyPr/>
-          <a:lstStyle/>
-          <a:p>
-            <a:r>
-              <a:rPr lang="en-US" altLang="zh-CN" dirty="0"/>
-              <a:t>1. </a:t>
-            </a:r>
-            <a:r>
-              <a:rPr lang="zh-CN" altLang="en-US" dirty="0"/>
-              <a:t>对密钥状态矩阵采用相同的</a:t>
-            </a:r>
-            <a:r>
-              <a:rPr lang="en-US" altLang="zh-CN" dirty="0"/>
-              <a:t>S</a:t>
-            </a:r>
-            <a:r>
-              <a:rPr lang="zh-CN" altLang="en-US" dirty="0"/>
-              <a:t>盒操作；</a:t>
-            </a:r>
-            <a:endParaRPr lang="en-US" altLang="zh-CN" dirty="0"/>
-          </a:p>
-          <a:p>
-            <a:r>
-              <a:rPr lang="en-US" altLang="zh-CN" dirty="0"/>
-              <a:t>2. </a:t>
-            </a:r>
-            <a:r>
-              <a:rPr lang="zh-CN" altLang="en-US" dirty="0"/>
-              <a:t>进行一轮</a:t>
-            </a:r>
-            <a:r>
-              <a:rPr lang="en-US" altLang="zh-CN" dirty="0"/>
-              <a:t>Feistel</a:t>
-            </a:r>
-            <a:r>
-              <a:rPr lang="zh-CN" altLang="en-US" dirty="0"/>
-              <a:t>变换：</a:t>
-            </a:r>
-            <a:endParaRPr lang="en-US" altLang="zh-CN" dirty="0"/>
-          </a:p>
-          <a:p>
-            <a:endParaRPr lang="en-US" altLang="zh-CN" dirty="0"/>
-          </a:p>
-          <a:p>
-            <a:endParaRPr lang="en-US" altLang="zh-CN" dirty="0"/>
-          </a:p>
-          <a:p>
-            <a:endParaRPr lang="en-US" altLang="zh-CN" dirty="0"/>
-          </a:p>
-          <a:p>
-            <a:r>
-              <a:rPr lang="zh-CN" altLang="en-US" dirty="0"/>
-              <a:t>对密钥状态的第一行的 </a:t>
-            </a:r>
-            <a:r>
-              <a:rPr lang="en-US" altLang="zh-CN" dirty="0"/>
-              <a:t>6/7 </a:t>
-            </a:r>
-            <a:r>
-              <a:rPr lang="zh-CN" altLang="en-US" dirty="0"/>
-              <a:t>个比特异或</a:t>
-            </a:r>
-            <a:r>
-              <a:rPr lang="en-US" altLang="zh-CN" dirty="0"/>
-              <a:t>6/7</a:t>
-            </a:r>
-            <a:r>
-              <a:rPr lang="zh-CN" altLang="en-US" dirty="0"/>
-              <a:t>比特的轮常数。轮常数由一个 </a:t>
-            </a:r>
-            <a:r>
-              <a:rPr lang="en-US" altLang="zh-CN" dirty="0"/>
-              <a:t>6/7 </a:t>
-            </a:r>
-            <a:r>
-              <a:rPr lang="zh-CN" altLang="en-US" dirty="0"/>
-              <a:t>比特的线性反馈移位寄存器生成。</a:t>
-            </a:r>
-            <a:br>
-              <a:rPr lang="en-US" altLang="zh-CN" dirty="0"/>
-            </a:br>
-            <a:endParaRPr lang="zh-CN" altLang="en-US" dirty="0"/>
-          </a:p>
-        </p:txBody>
-      </p:sp>
-      <p:sp>
-        <p:nvSpPr>
-          <p:cNvPr id="3" name="标题 2">
-            <a:extLst>
-              <a:ext uri="{FF2B5EF4-FFF2-40B4-BE49-F238E27FC236}">
-                <a16:creationId xmlns:a16="http://schemas.microsoft.com/office/drawing/2014/main" id="{57B0AF91-AAF6-4A2B-977C-CF220C7F05B9}"/>
-              </a:ext>
-            </a:extLst>
-          </p:cNvPr>
-          <p:cNvSpPr>
-            <a:spLocks noGrp="1"/>
-          </p:cNvSpPr>
-          <p:nvPr>
-            <p:ph type="title"/>
-          </p:nvPr>
-        </p:nvSpPr>
-        <p:spPr/>
-        <p:txBody>
-          <a:bodyPr/>
-          <a:lstStyle/>
-          <a:p>
-            <a:r>
-              <a:rPr lang="zh-CN" altLang="en-US" dirty="0"/>
-              <a:t>算法简介（密钥生成）</a:t>
-            </a:r>
-          </a:p>
-        </p:txBody>
-      </p:sp>
-      <p:pic>
-        <p:nvPicPr>
-          <p:cNvPr id="4" name="图片 3">
-            <a:extLst>
-              <a:ext uri="{FF2B5EF4-FFF2-40B4-BE49-F238E27FC236}">
-                <a16:creationId xmlns:a16="http://schemas.microsoft.com/office/drawing/2014/main" id="{23E2D25B-D46C-403C-9F9A-44E3B93F4EC0}"/>
-              </a:ext>
-            </a:extLst>
-          </p:cNvPr>
-          <p:cNvPicPr>
-            <a:picLocks noChangeAspect="1"/>
-          </p:cNvPicPr>
-          <p:nvPr/>
-        </p:nvPicPr>
-        <p:blipFill>
-          <a:blip r:embed="rId2"/>
-          <a:stretch>
-            <a:fillRect/>
-          </a:stretch>
-        </p:blipFill>
-        <p:spPr>
-          <a:xfrm>
-            <a:off x="4454462" y="2753471"/>
-            <a:ext cx="3575441" cy="1790442"/>
-          </a:xfrm>
-          <a:prstGeom prst="rect">
-            <a:avLst/>
-          </a:prstGeom>
-        </p:spPr>
-      </p:pic>
-    </p:spTree>
-    <p:extLst>
-      <p:ext uri="{BB962C8B-B14F-4D97-AF65-F5344CB8AC3E}">
-        <p14:creationId xmlns:p14="http://schemas.microsoft.com/office/powerpoint/2010/main" val="3419599588"/>
-      </p:ext>
-    </p:extLst>
-  </p:cSld>
-  <p:clrMapOvr>
-    <a:masterClrMapping/>
-  </p:clrMapOvr>
-</p:sld>
-</file>
-
-<file path=ppt/slides/slide7.xml><?xml version="1.0" encoding="utf-8"?>
-<p:sld xmlns:a="http://schemas.openxmlformats.org/drawingml/2006/main" xmlns:r="http://schemas.openxmlformats.org/officeDocument/2006/relationships" xmlns:p="http://schemas.openxmlformats.org/presentationml/2006/main">
-  <p:cSld>
-    <p:spTree>
-      <p:nvGrpSpPr>
-        <p:cNvPr id="1" name=""/>
-        <p:cNvGrpSpPr/>
-        <p:nvPr/>
-      </p:nvGrpSpPr>
-      <p:grpSpPr>
-        <a:xfrm>
-          <a:off x="0" y="0"/>
-          <a:ext cx="0" cy="0"/>
-          <a:chOff x="0" y="0"/>
-          <a:chExt cx="0" cy="0"/>
-        </a:xfrm>
-      </p:grpSpPr>
-      <p:sp>
-        <p:nvSpPr>
-          <p:cNvPr id="2" name="内容占位符 1">
-            <a:extLst>
-              <a:ext uri="{FF2B5EF4-FFF2-40B4-BE49-F238E27FC236}">
-                <a16:creationId xmlns:a16="http://schemas.microsoft.com/office/drawing/2014/main" id="{F6743B25-D02F-4512-A727-BCD6D4C27239}"/>
-              </a:ext>
-            </a:extLst>
-          </p:cNvPr>
-          <p:cNvSpPr>
-            <a:spLocks noGrp="1"/>
-          </p:cNvSpPr>
-          <p:nvPr>
-            <p:ph sz="quarter" idx="10"/>
-          </p:nvPr>
-        </p:nvSpPr>
-        <p:spPr/>
-        <p:txBody>
-          <a:bodyPr/>
-          <a:lstStyle/>
-          <a:p>
-            <a:endParaRPr lang="zh-CN" altLang="en-US"/>
-          </a:p>
-        </p:txBody>
-      </p:sp>
-      <p:sp>
-        <p:nvSpPr>
-          <p:cNvPr id="3" name="标题 2">
-            <a:extLst>
-              <a:ext uri="{FF2B5EF4-FFF2-40B4-BE49-F238E27FC236}">
-                <a16:creationId xmlns:a16="http://schemas.microsoft.com/office/drawing/2014/main" id="{3F8BEA63-0864-41F1-B9DA-ACE242FFD1A2}"/>
-              </a:ext>
-            </a:extLst>
-          </p:cNvPr>
-          <p:cNvSpPr>
-            <a:spLocks noGrp="1"/>
-          </p:cNvSpPr>
-          <p:nvPr>
-            <p:ph type="title"/>
-          </p:nvPr>
-        </p:nvSpPr>
-        <p:spPr/>
-        <p:txBody>
-          <a:bodyPr/>
-          <a:lstStyle/>
-          <a:p>
-            <a:r>
-              <a:rPr lang="zh-CN" altLang="en-US" dirty="0"/>
-              <a:t>算法简介（密钥生成）</a:t>
-            </a:r>
-          </a:p>
-        </p:txBody>
-      </p:sp>
-      <p:pic>
-        <p:nvPicPr>
-          <p:cNvPr id="4" name="图片 3">
-            <a:extLst>
-              <a:ext uri="{FF2B5EF4-FFF2-40B4-BE49-F238E27FC236}">
-                <a16:creationId xmlns:a16="http://schemas.microsoft.com/office/drawing/2014/main" id="{B9877085-B5FD-4AFF-A86F-E4FC8834F039}"/>
-              </a:ext>
-            </a:extLst>
-          </p:cNvPr>
-          <p:cNvPicPr>
-            <a:picLocks noChangeAspect="1"/>
-          </p:cNvPicPr>
-          <p:nvPr/>
-        </p:nvPicPr>
-        <p:blipFill>
-          <a:blip r:embed="rId2"/>
-          <a:stretch>
-            <a:fillRect/>
-          </a:stretch>
-        </p:blipFill>
-        <p:spPr>
-          <a:xfrm>
-            <a:off x="411705" y="2185416"/>
-            <a:ext cx="9960203" cy="4160881"/>
-          </a:xfrm>
-          <a:prstGeom prst="rect">
-            <a:avLst/>
-          </a:prstGeom>
-        </p:spPr>
-      </p:pic>
-    </p:spTree>
-    <p:extLst>
-      <p:ext uri="{BB962C8B-B14F-4D97-AF65-F5344CB8AC3E}">
-        <p14:creationId xmlns:p14="http://schemas.microsoft.com/office/powerpoint/2010/main" val="1349295334"/>
-      </p:ext>
-    </p:extLst>
-  </p:cSld>
-  <p:clrMapOvr>
-    <a:masterClrMapping/>
-  </p:clrMapOvr>
-</p:sld>
-</file>
-
-<file path=ppt/slides/slide8.xml><?xml version="1.0" encoding="utf-8"?>
-<p:sld xmlns:a="http://schemas.openxmlformats.org/drawingml/2006/main" xmlns:r="http://schemas.openxmlformats.org/officeDocument/2006/relationships" xmlns:p="http://schemas.openxmlformats.org/presentationml/2006/main">
-  <p:cSld>
-    <p:spTree>
-      <p:nvGrpSpPr>
-        <p:cNvPr id="1" name=""/>
-        <p:cNvGrpSpPr/>
-        <p:nvPr/>
-      </p:nvGrpSpPr>
-      <p:grpSpPr>
-        <a:xfrm>
-          <a:off x="0" y="0"/>
-          <a:ext cx="0" cy="0"/>
-          <a:chOff x="0" y="0"/>
-          <a:chExt cx="0" cy="0"/>
-        </a:xfrm>
-      </p:grpSpPr>
-      <p:sp>
-        <p:nvSpPr>
-          <p:cNvPr id="2" name="内容占位符 1">
-            <a:extLst>
-              <a:ext uri="{FF2B5EF4-FFF2-40B4-BE49-F238E27FC236}">
-                <a16:creationId xmlns:a16="http://schemas.microsoft.com/office/drawing/2014/main" id="{6D706C6D-8790-4954-8D8D-FB1D90B469B4}"/>
-              </a:ext>
-            </a:extLst>
-          </p:cNvPr>
-          <p:cNvSpPr>
-            <a:spLocks noGrp="1"/>
-          </p:cNvSpPr>
-          <p:nvPr>
-            <p:ph sz="quarter" idx="10"/>
-          </p:nvPr>
-        </p:nvSpPr>
-        <p:spPr/>
-        <p:txBody>
-          <a:bodyPr/>
-          <a:lstStyle/>
-          <a:p>
-            <a:r>
-              <a:rPr lang="en-US" altLang="zh-CN" dirty="0"/>
-              <a:t>TANGRAM</a:t>
-            </a:r>
-            <a:r>
-              <a:rPr lang="zh-CN" altLang="en-US" dirty="0"/>
-              <a:t>的轮函数针对状态矩阵的一整行</a:t>
-            </a:r>
-            <a:r>
-              <a:rPr lang="en-US" altLang="zh-CN" dirty="0"/>
-              <a:t>32/64</a:t>
-            </a:r>
-            <a:r>
-              <a:rPr lang="zh-CN" altLang="en-US" dirty="0"/>
-              <a:t>比特进行操作</a:t>
-            </a:r>
-            <a:endParaRPr lang="en-US" altLang="zh-CN" dirty="0"/>
-          </a:p>
-          <a:p>
-            <a:r>
-              <a:rPr lang="en-US" altLang="zh-CN" dirty="0"/>
-              <a:t>TANGRAM</a:t>
-            </a:r>
-            <a:r>
-              <a:rPr lang="zh-CN" altLang="en-US" dirty="0"/>
-              <a:t>的</a:t>
-            </a:r>
-            <a:r>
-              <a:rPr lang="en-US" altLang="zh-CN" dirty="0" err="1"/>
-              <a:t>Subcolumn</a:t>
-            </a:r>
-            <a:r>
-              <a:rPr lang="zh-CN" altLang="en-US" dirty="0"/>
-              <a:t>操作中类比</a:t>
-            </a:r>
-            <a:r>
-              <a:rPr lang="en-US" altLang="zh-CN" dirty="0"/>
-              <a:t>AES</a:t>
-            </a:r>
-            <a:r>
-              <a:rPr lang="zh-CN" altLang="en-US" dirty="0"/>
-              <a:t>中</a:t>
-            </a:r>
-            <a:r>
-              <a:rPr lang="en-US" altLang="zh-CN" dirty="0"/>
-              <a:t>S</a:t>
-            </a:r>
-            <a:r>
-              <a:rPr lang="zh-CN" altLang="en-US"/>
-              <a:t>盒查表的</a:t>
-            </a:r>
-            <a:r>
-              <a:rPr lang="zh-CN" altLang="en-US" dirty="0"/>
-              <a:t>操作，但针对状态矩阵中同一列</a:t>
-            </a:r>
-            <a:r>
-              <a:rPr lang="en-US" altLang="zh-CN" dirty="0"/>
-              <a:t>4</a:t>
-            </a:r>
-            <a:r>
-              <a:rPr lang="zh-CN" altLang="en-US" dirty="0"/>
-              <a:t>比特进行查表。</a:t>
-            </a:r>
-          </a:p>
-        </p:txBody>
-      </p:sp>
-      <p:sp>
-        <p:nvSpPr>
-          <p:cNvPr id="3" name="标题 2">
-            <a:extLst>
-              <a:ext uri="{FF2B5EF4-FFF2-40B4-BE49-F238E27FC236}">
-                <a16:creationId xmlns:a16="http://schemas.microsoft.com/office/drawing/2014/main" id="{890F6409-0D9D-4A4A-B2DF-FE78662A9B12}"/>
-              </a:ext>
-            </a:extLst>
-          </p:cNvPr>
-          <p:cNvSpPr>
-            <a:spLocks noGrp="1"/>
-          </p:cNvSpPr>
-          <p:nvPr>
-            <p:ph type="title"/>
-          </p:nvPr>
-        </p:nvSpPr>
-        <p:spPr/>
-        <p:txBody>
-          <a:bodyPr/>
-          <a:lstStyle/>
-          <a:p>
-            <a:r>
-              <a:rPr lang="en-US" altLang="zh-CN" dirty="0"/>
-              <a:t>TANGRAM</a:t>
-            </a:r>
-            <a:r>
-              <a:rPr lang="zh-CN" altLang="en-US" dirty="0"/>
-              <a:t>与</a:t>
-            </a:r>
-            <a:r>
-              <a:rPr lang="en-US" altLang="zh-CN" dirty="0"/>
-              <a:t>AES</a:t>
-            </a:r>
-            <a:r>
-              <a:rPr lang="zh-CN" altLang="en-US" dirty="0"/>
-              <a:t>区别</a:t>
-            </a:r>
-          </a:p>
-        </p:txBody>
-      </p:sp>
-      <p:pic>
-        <p:nvPicPr>
-          <p:cNvPr id="4" name="图片 3">
-            <a:extLst>
-              <a:ext uri="{FF2B5EF4-FFF2-40B4-BE49-F238E27FC236}">
-                <a16:creationId xmlns:a16="http://schemas.microsoft.com/office/drawing/2014/main" id="{60C177BC-4788-4B95-A2DE-89572C687547}"/>
-              </a:ext>
-            </a:extLst>
-          </p:cNvPr>
-          <p:cNvPicPr>
-            <a:picLocks noChangeAspect="1"/>
-          </p:cNvPicPr>
-          <p:nvPr/>
-        </p:nvPicPr>
-        <p:blipFill>
-          <a:blip r:embed="rId2"/>
-          <a:stretch>
-            <a:fillRect/>
-          </a:stretch>
-        </p:blipFill>
-        <p:spPr>
-          <a:xfrm>
-            <a:off x="7222214" y="3506403"/>
-            <a:ext cx="3383550" cy="2935233"/>
-          </a:xfrm>
-          <a:prstGeom prst="rect">
-            <a:avLst/>
-          </a:prstGeom>
-        </p:spPr>
-      </p:pic>
-      <p:pic>
-        <p:nvPicPr>
-          <p:cNvPr id="5" name="图片 4">
-            <a:extLst>
-              <a:ext uri="{FF2B5EF4-FFF2-40B4-BE49-F238E27FC236}">
-                <a16:creationId xmlns:a16="http://schemas.microsoft.com/office/drawing/2014/main" id="{427D18E4-E195-455E-A8D5-D0B0E5B5A5AB}"/>
-              </a:ext>
-            </a:extLst>
-          </p:cNvPr>
-          <p:cNvPicPr>
-            <a:picLocks noChangeAspect="1"/>
-          </p:cNvPicPr>
-          <p:nvPr/>
-        </p:nvPicPr>
-        <p:blipFill>
-          <a:blip r:embed="rId3"/>
-          <a:stretch>
-            <a:fillRect/>
-          </a:stretch>
-        </p:blipFill>
-        <p:spPr>
-          <a:xfrm>
-            <a:off x="1109472" y="4031396"/>
-            <a:ext cx="4000847" cy="1470787"/>
-          </a:xfrm>
-          <a:prstGeom prst="rect">
-            <a:avLst/>
-          </a:prstGeom>
-        </p:spPr>
-      </p:pic>
-    </p:spTree>
-    <p:extLst>
-      <p:ext uri="{BB962C8B-B14F-4D97-AF65-F5344CB8AC3E}">
-        <p14:creationId xmlns:p14="http://schemas.microsoft.com/office/powerpoint/2010/main" val="3567385447"/>
-      </p:ext>
-    </p:extLst>
-  </p:cSld>
-  <p:clrMapOvr>
-    <a:masterClrMapping/>
-  </p:clrMapOvr>
-</p:sld>
-</file>
-
-<file path=ppt/slides/slide9.xml><?xml version="1.0" encoding="utf-8"?>
-<p:sld xmlns:a="http://schemas.openxmlformats.org/drawingml/2006/main" xmlns:r="http://schemas.openxmlformats.org/officeDocument/2006/relationships" xmlns:p="http://schemas.openxmlformats.org/presentationml/2006/main">
-  <p:cSld>
-    <p:spTree>
-      <p:nvGrpSpPr>
-        <p:cNvPr id="1" name=""/>
-        <p:cNvGrpSpPr/>
-        <p:nvPr/>
-      </p:nvGrpSpPr>
-      <p:grpSpPr>
-        <a:xfrm>
-          <a:off x="0" y="0"/>
-          <a:ext cx="0" cy="0"/>
-          <a:chOff x="0" y="0"/>
-          <a:chExt cx="0" cy="0"/>
-        </a:xfrm>
-      </p:grpSpPr>
-      <p:sp>
-        <p:nvSpPr>
-          <p:cNvPr id="2" name="内容占位符 1">
-            <a:extLst>
-              <a:ext uri="{FF2B5EF4-FFF2-40B4-BE49-F238E27FC236}">
-                <a16:creationId xmlns:a16="http://schemas.microsoft.com/office/drawing/2014/main" id="{368A06E8-C01E-4A30-97D2-041C975A3CC3}"/>
-              </a:ext>
-            </a:extLst>
-          </p:cNvPr>
-          <p:cNvSpPr>
-            <a:spLocks noGrp="1"/>
-          </p:cNvSpPr>
-          <p:nvPr>
-            <p:ph sz="quarter" idx="10"/>
-          </p:nvPr>
-        </p:nvSpPr>
-        <p:spPr>
-          <a:xfrm>
-            <a:off x="566928" y="2174905"/>
-            <a:ext cx="10515600" cy="3848100"/>
-          </a:xfrm>
-        </p:spPr>
-        <p:txBody>
-          <a:bodyPr/>
-          <a:lstStyle/>
-          <a:p>
-            <a:r>
-              <a:rPr lang="zh-CN" altLang="en-US" dirty="0"/>
-              <a:t>同时</a:t>
-            </a:r>
-            <a:r>
-              <a:rPr lang="en-US" altLang="zh-CN" dirty="0"/>
-              <a:t>TANGRAM</a:t>
-            </a:r>
-            <a:r>
-              <a:rPr lang="zh-CN" altLang="en-US" dirty="0"/>
-              <a:t>将这种查表操作进一步优化为逻辑指令运算</a:t>
-            </a:r>
-            <a:endParaRPr lang="en-US" altLang="zh-CN" dirty="0"/>
-          </a:p>
-          <a:p>
-            <a:endParaRPr lang="zh-CN" altLang="en-US" dirty="0"/>
-          </a:p>
-        </p:txBody>
-      </p:sp>
-      <p:sp>
-        <p:nvSpPr>
-          <p:cNvPr id="3" name="标题 2">
-            <a:extLst>
-              <a:ext uri="{FF2B5EF4-FFF2-40B4-BE49-F238E27FC236}">
-                <a16:creationId xmlns:a16="http://schemas.microsoft.com/office/drawing/2014/main" id="{FFE3091B-C112-4E2F-9785-27B39CFC5A05}"/>
-              </a:ext>
-            </a:extLst>
-          </p:cNvPr>
-          <p:cNvSpPr>
-            <a:spLocks noGrp="1"/>
-          </p:cNvSpPr>
-          <p:nvPr>
-            <p:ph type="title"/>
-          </p:nvPr>
-        </p:nvSpPr>
-        <p:spPr/>
-        <p:txBody>
-          <a:bodyPr/>
-          <a:lstStyle/>
-          <a:p>
-            <a:r>
-              <a:rPr lang="en-US" altLang="zh-CN" dirty="0"/>
-              <a:t>TANGRAM</a:t>
-            </a:r>
-            <a:r>
-              <a:rPr lang="zh-CN" altLang="en-US" dirty="0"/>
-              <a:t>与</a:t>
-            </a:r>
-            <a:r>
-              <a:rPr lang="en-US" altLang="zh-CN" dirty="0"/>
-              <a:t>AES</a:t>
-            </a:r>
-            <a:r>
-              <a:rPr lang="zh-CN" altLang="en-US" dirty="0"/>
-              <a:t>区别</a:t>
-            </a:r>
-          </a:p>
-        </p:txBody>
-      </p:sp>
-      <p:pic>
-        <p:nvPicPr>
-          <p:cNvPr id="4" name="图片 3">
-            <a:extLst>
-              <a:ext uri="{FF2B5EF4-FFF2-40B4-BE49-F238E27FC236}">
-                <a16:creationId xmlns:a16="http://schemas.microsoft.com/office/drawing/2014/main" id="{6BE4FD5C-E44F-4E40-898E-4ECE48B17681}"/>
-              </a:ext>
-            </a:extLst>
-          </p:cNvPr>
-          <p:cNvPicPr>
-            <a:picLocks noChangeAspect="1"/>
-          </p:cNvPicPr>
-          <p:nvPr/>
-        </p:nvPicPr>
-        <p:blipFill>
-          <a:blip r:embed="rId2"/>
-          <a:stretch>
-            <a:fillRect/>
-          </a:stretch>
-        </p:blipFill>
-        <p:spPr>
-          <a:xfrm>
-            <a:off x="838256" y="2608286"/>
-            <a:ext cx="8873303" cy="4249714"/>
-          </a:xfrm>
-          <a:prstGeom prst="rect">
-            <a:avLst/>
-          </a:prstGeom>
-        </p:spPr>
-      </p:pic>
-    </p:spTree>
-    <p:extLst>
-      <p:ext uri="{BB962C8B-B14F-4D97-AF65-F5344CB8AC3E}">
-        <p14:creationId xmlns:p14="http://schemas.microsoft.com/office/powerpoint/2010/main" val="4209204761"/>
+        <p14:creationId xmlns:p14="http://schemas.microsoft.com/office/powerpoint/2010/main" val="3175982351"/>
       </p:ext>
     </p:extLst>
   </p:cSld>

--- a/asianhost pre/FPL.pptx
+++ b/asianhost pre/FPL.pptx
@@ -5,16 +5,22 @@
     <p:sldMasterId id="2147483901" r:id="rId1"/>
   </p:sldMasterIdLst>
   <p:notesMasterIdLst>
-    <p:notesMasterId r:id="rId6"/>
+    <p:notesMasterId r:id="rId12"/>
   </p:notesMasterIdLst>
   <p:handoutMasterIdLst>
-    <p:handoutMasterId r:id="rId7"/>
+    <p:handoutMasterId r:id="rId13"/>
   </p:handoutMasterIdLst>
   <p:sldIdLst>
     <p:sldId id="256" r:id="rId2"/>
     <p:sldId id="260" r:id="rId3"/>
-    <p:sldId id="261" r:id="rId4"/>
-    <p:sldId id="262" r:id="rId5"/>
+    <p:sldId id="263" r:id="rId4"/>
+    <p:sldId id="261" r:id="rId5"/>
+    <p:sldId id="262" r:id="rId6"/>
+    <p:sldId id="264" r:id="rId7"/>
+    <p:sldId id="265" r:id="rId8"/>
+    <p:sldId id="266" r:id="rId9"/>
+    <p:sldId id="267" r:id="rId10"/>
+    <p:sldId id="268" r:id="rId11"/>
   </p:sldIdLst>
   <p:sldSz cx="12192000" cy="6858000"/>
   <p:notesSz cx="6858000" cy="9144000"/>
@@ -274,7 +280,7 @@
               <a:rPr lang="en-US" smtClean="0">
                 <a:latin typeface="Arial" charset="0"/>
               </a:rPr>
-              <a:t>11/28/2019</a:t>
+              <a:t>11/30/2019</a:t>
             </a:fld>
             <a:endParaRPr lang="en-US" dirty="0">
               <a:latin typeface="Arial" charset="0"/>
@@ -452,7 +458,7 @@
             <a:fld id="{5B96CA4F-2197-CC40-B4FC-798A937A9DC6}" type="datetimeFigureOut">
               <a:rPr lang="en-US" smtClean="0"/>
               <a:pPr/>
-              <a:t>11/28/2019</a:t>
+              <a:t>11/30/2019</a:t>
             </a:fld>
             <a:endParaRPr lang="en-US" dirty="0"/>
           </a:p>
@@ -841,6 +847,101 @@
 </p:notes>
 </file>
 
+<file path=ppt/notesSlides/notesSlide2.xml><?xml version="1.0" encoding="utf-8"?>
+<p:notes xmlns:a="http://schemas.openxmlformats.org/drawingml/2006/main" xmlns:r="http://schemas.openxmlformats.org/officeDocument/2006/relationships" xmlns:p="http://schemas.openxmlformats.org/presentationml/2006/main">
+  <p:cSld>
+    <p:spTree>
+      <p:nvGrpSpPr>
+        <p:cNvPr id="1" name=""/>
+        <p:cNvGrpSpPr/>
+        <p:nvPr/>
+      </p:nvGrpSpPr>
+      <p:grpSpPr>
+        <a:xfrm>
+          <a:off x="0" y="0"/>
+          <a:ext cx="0" cy="0"/>
+          <a:chOff x="0" y="0"/>
+          <a:chExt cx="0" cy="0"/>
+        </a:xfrm>
+      </p:grpSpPr>
+      <p:sp>
+        <p:nvSpPr>
+          <p:cNvPr id="2" name="幻灯片图像占位符 1"/>
+          <p:cNvSpPr>
+            <a:spLocks noGrp="1" noRot="1" noChangeAspect="1"/>
+          </p:cNvSpPr>
+          <p:nvPr>
+            <p:ph type="sldImg"/>
+          </p:nvPr>
+        </p:nvSpPr>
+        <p:spPr/>
+      </p:sp>
+      <p:sp>
+        <p:nvSpPr>
+          <p:cNvPr id="3" name="备注占位符 2"/>
+          <p:cNvSpPr>
+            <a:spLocks noGrp="1"/>
+          </p:cNvSpPr>
+          <p:nvPr>
+            <p:ph type="body" idx="1"/>
+          </p:nvPr>
+        </p:nvSpPr>
+        <p:spPr/>
+        <p:txBody>
+          <a:bodyPr/>
+          <a:lstStyle/>
+          <a:p>
+            <a:r>
+              <a:rPr lang="en-US" altLang="zh-CN" dirty="0"/>
+              <a:t>The masking and hiding is used to remove the dependence of the two parts.</a:t>
+            </a:r>
+          </a:p>
+          <a:p>
+            <a:r>
+              <a:rPr lang="en-US" altLang="zh-CN" dirty="0"/>
+              <a:t>Our work aims to remove the correlation between key-dependent data and power dissipation directly, regardless of whether the power model is known to the adversary.</a:t>
+            </a:r>
+            <a:endParaRPr lang="zh-CN" altLang="en-US" dirty="0"/>
+          </a:p>
+        </p:txBody>
+      </p:sp>
+      <p:sp>
+        <p:nvSpPr>
+          <p:cNvPr id="4" name="灯片编号占位符 3"/>
+          <p:cNvSpPr>
+            <a:spLocks noGrp="1"/>
+          </p:cNvSpPr>
+          <p:nvPr>
+            <p:ph type="sldNum" sz="quarter" idx="5"/>
+          </p:nvPr>
+        </p:nvSpPr>
+        <p:spPr/>
+        <p:txBody>
+          <a:bodyPr/>
+          <a:lstStyle/>
+          <a:p>
+            <a:fld id="{02322656-8894-1544-92AA-01B3CF5E6182}" type="slidenum">
+              <a:rPr lang="en-US" smtClean="0"/>
+              <a:pPr/>
+              <a:t>5</a:t>
+            </a:fld>
+            <a:endParaRPr lang="en-US" dirty="0"/>
+          </a:p>
+        </p:txBody>
+      </p:sp>
+    </p:spTree>
+    <p:extLst>
+      <p:ext uri="{BB962C8B-B14F-4D97-AF65-F5344CB8AC3E}">
+        <p14:creationId xmlns:p14="http://schemas.microsoft.com/office/powerpoint/2010/main" val="3005727602"/>
+      </p:ext>
+    </p:extLst>
+  </p:cSld>
+  <p:clrMapOvr>
+    <a:masterClrMapping/>
+  </p:clrMapOvr>
+</p:notes>
+</file>
+
 <file path=ppt/slideLayouts/slideLayout1.xml><?xml version="1.0" encoding="utf-8"?>
 <p:sldLayout xmlns:a="http://schemas.openxmlformats.org/drawingml/2006/main" xmlns:r="http://schemas.openxmlformats.org/officeDocument/2006/relationships" xmlns:p="http://schemas.openxmlformats.org/presentationml/2006/main" preserve="1" userDrawn="1">
   <p:cSld name="Title Slide White">
@@ -1232,7 +1333,7 @@
         </p:nvSpPr>
         <p:spPr>
           <a:xfrm>
-            <a:off x="566928" y="1316736"/>
+            <a:off x="566928" y="1059284"/>
             <a:ext cx="10515600" cy="868430"/>
           </a:xfrm>
           <a:prstGeom prst="rect">
@@ -1450,7 +1551,7 @@
         </p:nvSpPr>
         <p:spPr>
           <a:xfrm>
-            <a:off x="566928" y="1316736"/>
+            <a:off x="566928" y="1050406"/>
             <a:ext cx="10515600" cy="868430"/>
           </a:xfrm>
           <a:prstGeom prst="rect">
@@ -1610,7 +1711,7 @@
         </p:nvSpPr>
         <p:spPr>
           <a:xfrm>
-            <a:off x="566928" y="1316736"/>
+            <a:off x="566928" y="1167891"/>
             <a:ext cx="10515600" cy="868430"/>
           </a:xfrm>
           <a:prstGeom prst="rect">
@@ -2569,6 +2670,116 @@
 </p:sld>
 </file>
 
+<file path=ppt/slides/slide10.xml><?xml version="1.0" encoding="utf-8"?>
+<p:sld xmlns:a="http://schemas.openxmlformats.org/drawingml/2006/main" xmlns:r="http://schemas.openxmlformats.org/officeDocument/2006/relationships" xmlns:p="http://schemas.openxmlformats.org/presentationml/2006/main">
+  <p:cSld>
+    <p:spTree>
+      <p:nvGrpSpPr>
+        <p:cNvPr id="1" name=""/>
+        <p:cNvGrpSpPr/>
+        <p:nvPr/>
+      </p:nvGrpSpPr>
+      <p:grpSpPr>
+        <a:xfrm>
+          <a:off x="0" y="0"/>
+          <a:ext cx="0" cy="0"/>
+          <a:chOff x="0" y="0"/>
+          <a:chExt cx="0" cy="0"/>
+        </a:xfrm>
+      </p:grpSpPr>
+      <p:sp>
+        <p:nvSpPr>
+          <p:cNvPr id="2" name="内容占位符 1">
+            <a:extLst>
+              <a:ext uri="{FF2B5EF4-FFF2-40B4-BE49-F238E27FC236}">
+                <a16:creationId xmlns:a16="http://schemas.microsoft.com/office/drawing/2014/main" id="{7BB6FC00-3FDC-473B-BD7E-3A85676BF280}"/>
+              </a:ext>
+            </a:extLst>
+          </p:cNvPr>
+          <p:cNvSpPr>
+            <a:spLocks noGrp="1"/>
+          </p:cNvSpPr>
+          <p:nvPr>
+            <p:ph sz="quarter" idx="10"/>
+          </p:nvPr>
+        </p:nvSpPr>
+        <p:spPr/>
+        <p:txBody>
+          <a:bodyPr/>
+          <a:lstStyle/>
+          <a:p>
+            <a:endParaRPr lang="zh-CN" altLang="en-US"/>
+          </a:p>
+        </p:txBody>
+      </p:sp>
+      <p:sp>
+        <p:nvSpPr>
+          <p:cNvPr id="3" name="标题 2">
+            <a:extLst>
+              <a:ext uri="{FF2B5EF4-FFF2-40B4-BE49-F238E27FC236}">
+                <a16:creationId xmlns:a16="http://schemas.microsoft.com/office/drawing/2014/main" id="{09D8FFD0-0885-4D92-B0EE-4F9E93F98F09}"/>
+              </a:ext>
+            </a:extLst>
+          </p:cNvPr>
+          <p:cNvSpPr>
+            <a:spLocks noGrp="1"/>
+          </p:cNvSpPr>
+          <p:nvPr>
+            <p:ph type="title"/>
+          </p:nvPr>
+        </p:nvSpPr>
+        <p:spPr/>
+        <p:txBody>
+          <a:bodyPr/>
+          <a:lstStyle/>
+          <a:p>
+            <a:endParaRPr lang="zh-CN" altLang="en-US"/>
+          </a:p>
+        </p:txBody>
+      </p:sp>
+      <p:pic>
+        <p:nvPicPr>
+          <p:cNvPr id="4" name="图片 3">
+            <a:extLst>
+              <a:ext uri="{FF2B5EF4-FFF2-40B4-BE49-F238E27FC236}">
+                <a16:creationId xmlns:a16="http://schemas.microsoft.com/office/drawing/2014/main" id="{41B7D7D9-53FD-4E23-AD8B-6A57B3E914C1}"/>
+              </a:ext>
+            </a:extLst>
+          </p:cNvPr>
+          <p:cNvPicPr>
+            <a:picLocks noChangeAspect="1"/>
+          </p:cNvPicPr>
+          <p:nvPr/>
+        </p:nvPicPr>
+        <p:blipFill>
+          <a:blip r:embed="rId2"/>
+          <a:stretch>
+            <a:fillRect/>
+          </a:stretch>
+        </p:blipFill>
+        <p:spPr>
+          <a:xfrm>
+            <a:off x="566928" y="2185416"/>
+            <a:ext cx="7416001" cy="3609933"/>
+          </a:xfrm>
+          <a:prstGeom prst="rect">
+            <a:avLst/>
+          </a:prstGeom>
+        </p:spPr>
+      </p:pic>
+    </p:spTree>
+    <p:extLst>
+      <p:ext uri="{BB962C8B-B14F-4D97-AF65-F5344CB8AC3E}">
+        <p14:creationId xmlns:p14="http://schemas.microsoft.com/office/powerpoint/2010/main" val="2418458100"/>
+      </p:ext>
+    </p:extLst>
+  </p:cSld>
+  <p:clrMapOvr>
+    <a:masterClrMapping/>
+  </p:clrMapOvr>
+</p:sld>
+</file>
+
 <file path=ppt/slides/slide2.xml><?xml version="1.0" encoding="utf-8"?>
 <p:sld xmlns:a="http://schemas.openxmlformats.org/drawingml/2006/main" xmlns:r="http://schemas.openxmlformats.org/officeDocument/2006/relationships" xmlns:p="http://schemas.openxmlformats.org/presentationml/2006/main">
   <p:cSld>
@@ -2607,6 +2818,10 @@
           <a:bodyPr/>
           <a:lstStyle/>
           <a:p>
+            <a:r>
+              <a:rPr lang="en-US" altLang="zh-CN" dirty="0"/>
+              <a:t>Introduction</a:t>
+            </a:r>
             <a:endParaRPr lang="zh-CN" altLang="en-US" dirty="0"/>
           </a:p>
         </p:txBody>
@@ -2675,7 +2890,7 @@
           <p:cNvPr id="2" name="内容占位符 1">
             <a:extLst>
               <a:ext uri="{FF2B5EF4-FFF2-40B4-BE49-F238E27FC236}">
-                <a16:creationId xmlns:a16="http://schemas.microsoft.com/office/drawing/2014/main" id="{23C9DA0B-E1AC-4BE1-A92F-D1392501FE38}"/>
+                <a16:creationId xmlns:a16="http://schemas.microsoft.com/office/drawing/2014/main" id="{48921638-2199-429B-A098-AD6FF0C03589}"/>
               </a:ext>
             </a:extLst>
           </p:cNvPr>
@@ -2692,24 +2907,19 @@
           <a:lstStyle/>
           <a:p>
             <a:r>
-              <a:rPr lang="en-US" altLang="zh-CN" dirty="0"/>
-              <a:t>Hiding :noise, clock randomizer, dual-rail </a:t>
-            </a:r>
-            <a:r>
-              <a:rPr lang="en-US" altLang="zh-CN" dirty="0" err="1"/>
-              <a:t>precharge</a:t>
-            </a:r>
-            <a:r>
-              <a:rPr lang="en-US" altLang="zh-CN" dirty="0"/>
-              <a:t> logics </a:t>
-            </a:r>
-          </a:p>
-          <a:p>
-            <a:r>
-              <a:rPr lang="en-US" altLang="zh-CN" dirty="0"/>
-              <a:t>Masking:</a:t>
-            </a:r>
-            <a:endParaRPr lang="zh-CN" altLang="en-US" dirty="0"/>
+              <a:rPr lang="en-US" altLang="zh-CN" sz="3200" dirty="0"/>
+              <a:t>Side-Channel Analysis</a:t>
+            </a:r>
+          </a:p>
+          <a:p>
+            <a:pPr marL="0" indent="0">
+              <a:buNone/>
+            </a:pPr>
+            <a:r>
+              <a:rPr lang="en-US" altLang="zh-CN" sz="3200" dirty="0"/>
+              <a:t>Power dissipation correlates to switching operations</a:t>
+            </a:r>
+            <a:endParaRPr lang="zh-CN" altLang="en-US" sz="3200" dirty="0"/>
           </a:p>
         </p:txBody>
       </p:sp>
@@ -2718,7 +2928,7 @@
           <p:cNvPr id="3" name="标题 2">
             <a:extLst>
               <a:ext uri="{FF2B5EF4-FFF2-40B4-BE49-F238E27FC236}">
-                <a16:creationId xmlns:a16="http://schemas.microsoft.com/office/drawing/2014/main" id="{0C529C24-48D0-4E02-8655-3B6BA5100286}"/>
+                <a16:creationId xmlns:a16="http://schemas.microsoft.com/office/drawing/2014/main" id="{5B9B75C1-99D3-466D-85F5-98B9EADDA9E7}"/>
               </a:ext>
             </a:extLst>
           </p:cNvPr>
@@ -2736,16 +2946,51 @@
           <a:p>
             <a:r>
               <a:rPr lang="en-US" altLang="zh-CN" dirty="0"/>
-              <a:t>Mainstream SCA countermeasures</a:t>
+              <a:t>Introduction</a:t>
             </a:r>
             <a:endParaRPr lang="zh-CN" altLang="en-US" dirty="0"/>
           </a:p>
         </p:txBody>
       </p:sp>
+      <p:pic>
+        <p:nvPicPr>
+          <p:cNvPr id="4" name="Picture 35">
+            <a:extLst>
+              <a:ext uri="{FF2B5EF4-FFF2-40B4-BE49-F238E27FC236}">
+                <a16:creationId xmlns:a16="http://schemas.microsoft.com/office/drawing/2014/main" id="{D6D7B43E-F0C5-460C-9C7A-74D1F54FB0D8}"/>
+              </a:ext>
+            </a:extLst>
+          </p:cNvPr>
+          <p:cNvPicPr>
+            <a:picLocks noChangeAspect="1"/>
+          </p:cNvPicPr>
+          <p:nvPr/>
+        </p:nvPicPr>
+        <p:blipFill>
+          <a:blip r:embed="rId2"/>
+          <a:srcRect/>
+          <a:stretch>
+            <a:fillRect/>
+          </a:stretch>
+        </p:blipFill>
+        <p:spPr bwMode="auto">
+          <a:xfrm>
+            <a:off x="566928" y="3386879"/>
+            <a:ext cx="5013892" cy="3151851"/>
+          </a:xfrm>
+          <a:prstGeom prst="rect">
+            <a:avLst/>
+          </a:prstGeom>
+          <a:noFill/>
+          <a:ln>
+            <a:noFill/>
+          </a:ln>
+        </p:spPr>
+      </p:pic>
     </p:spTree>
     <p:extLst>
       <p:ext uri="{BB962C8B-B14F-4D97-AF65-F5344CB8AC3E}">
-        <p14:creationId xmlns:p14="http://schemas.microsoft.com/office/powerpoint/2010/main" val="3286262450"/>
+        <p14:creationId xmlns:p14="http://schemas.microsoft.com/office/powerpoint/2010/main" val="3089038006"/>
       </p:ext>
     </p:extLst>
   </p:cSld>
@@ -2777,6 +3022,120 @@
           <p:cNvPr id="2" name="内容占位符 1">
             <a:extLst>
               <a:ext uri="{FF2B5EF4-FFF2-40B4-BE49-F238E27FC236}">
+                <a16:creationId xmlns:a16="http://schemas.microsoft.com/office/drawing/2014/main" id="{23C9DA0B-E1AC-4BE1-A92F-D1392501FE38}"/>
+              </a:ext>
+            </a:extLst>
+          </p:cNvPr>
+          <p:cNvSpPr>
+            <a:spLocks noGrp="1"/>
+          </p:cNvSpPr>
+          <p:nvPr>
+            <p:ph sz="quarter" idx="10"/>
+          </p:nvPr>
+        </p:nvSpPr>
+        <p:spPr/>
+        <p:txBody>
+          <a:bodyPr/>
+          <a:lstStyle/>
+          <a:p>
+            <a:pPr>
+              <a:lnSpc>
+                <a:spcPct val="150000"/>
+              </a:lnSpc>
+            </a:pPr>
+            <a:r>
+              <a:rPr lang="en-US" altLang="zh-CN" sz="2800" dirty="0"/>
+              <a:t>Hiding :noise, clock randomizer, dual-rail </a:t>
+            </a:r>
+            <a:r>
+              <a:rPr lang="en-US" altLang="zh-CN" sz="2800" dirty="0" err="1"/>
+              <a:t>precharge</a:t>
+            </a:r>
+            <a:r>
+              <a:rPr lang="en-US" altLang="zh-CN" sz="2800" dirty="0"/>
+              <a:t> logics </a:t>
+            </a:r>
+          </a:p>
+          <a:p>
+            <a:pPr>
+              <a:lnSpc>
+                <a:spcPct val="150000"/>
+              </a:lnSpc>
+            </a:pPr>
+            <a:r>
+              <a:rPr lang="en-US" altLang="zh-CN" sz="2800" dirty="0"/>
+              <a:t>Masking: algorithm level, hardware level</a:t>
+            </a:r>
+          </a:p>
+          <a:p>
+            <a:endParaRPr lang="zh-CN" altLang="en-US" dirty="0"/>
+          </a:p>
+        </p:txBody>
+      </p:sp>
+      <p:sp>
+        <p:nvSpPr>
+          <p:cNvPr id="3" name="标题 2">
+            <a:extLst>
+              <a:ext uri="{FF2B5EF4-FFF2-40B4-BE49-F238E27FC236}">
+                <a16:creationId xmlns:a16="http://schemas.microsoft.com/office/drawing/2014/main" id="{0C529C24-48D0-4E02-8655-3B6BA5100286}"/>
+              </a:ext>
+            </a:extLst>
+          </p:cNvPr>
+          <p:cNvSpPr>
+            <a:spLocks noGrp="1"/>
+          </p:cNvSpPr>
+          <p:nvPr>
+            <p:ph type="title"/>
+          </p:nvPr>
+        </p:nvSpPr>
+        <p:spPr/>
+        <p:txBody>
+          <a:bodyPr/>
+          <a:lstStyle/>
+          <a:p>
+            <a:r>
+              <a:rPr lang="en-US" altLang="zh-CN" dirty="0"/>
+              <a:t>Mainstream SCA countermeasures</a:t>
+            </a:r>
+            <a:endParaRPr lang="zh-CN" altLang="en-US" dirty="0"/>
+          </a:p>
+        </p:txBody>
+      </p:sp>
+    </p:spTree>
+    <p:extLst>
+      <p:ext uri="{BB962C8B-B14F-4D97-AF65-F5344CB8AC3E}">
+        <p14:creationId xmlns:p14="http://schemas.microsoft.com/office/powerpoint/2010/main" val="3286262450"/>
+      </p:ext>
+    </p:extLst>
+  </p:cSld>
+  <p:clrMapOvr>
+    <a:masterClrMapping/>
+  </p:clrMapOvr>
+</p:sld>
+</file>
+
+<file path=ppt/slides/slide5.xml><?xml version="1.0" encoding="utf-8"?>
+<p:sld xmlns:a="http://schemas.openxmlformats.org/drawingml/2006/main" xmlns:r="http://schemas.openxmlformats.org/officeDocument/2006/relationships" xmlns:p="http://schemas.openxmlformats.org/presentationml/2006/main">
+  <p:cSld>
+    <p:spTree>
+      <p:nvGrpSpPr>
+        <p:cNvPr id="1" name=""/>
+        <p:cNvGrpSpPr/>
+        <p:nvPr/>
+      </p:nvGrpSpPr>
+      <p:grpSpPr>
+        <a:xfrm>
+          <a:off x="0" y="0"/>
+          <a:ext cx="0" cy="0"/>
+          <a:chOff x="0" y="0"/>
+          <a:chExt cx="0" cy="0"/>
+        </a:xfrm>
+      </p:grpSpPr>
+      <p:sp>
+        <p:nvSpPr>
+          <p:cNvPr id="2" name="内容占位符 1">
+            <a:extLst>
+              <a:ext uri="{FF2B5EF4-FFF2-40B4-BE49-F238E27FC236}">
                 <a16:creationId xmlns:a16="http://schemas.microsoft.com/office/drawing/2014/main" id="{70CB29AE-3FA5-4DD5-BDED-26E218537B98}"/>
               </a:ext>
             </a:extLst>
@@ -2818,14 +3177,450 @@
           <a:bodyPr/>
           <a:lstStyle/>
           <a:p>
-            <a:endParaRPr lang="zh-CN" altLang="en-US"/>
+            <a:r>
+              <a:rPr lang="en-US" altLang="zh-CN" dirty="0"/>
+              <a:t>New countermeasure</a:t>
+            </a:r>
+            <a:endParaRPr lang="zh-CN" altLang="en-US" dirty="0"/>
           </a:p>
         </p:txBody>
       </p:sp>
+      <p:pic>
+        <p:nvPicPr>
+          <p:cNvPr id="4" name="图片 3">
+            <a:extLst>
+              <a:ext uri="{FF2B5EF4-FFF2-40B4-BE49-F238E27FC236}">
+                <a16:creationId xmlns:a16="http://schemas.microsoft.com/office/drawing/2014/main" id="{7A5EA8F4-AFEE-477E-90FC-CAADFA7A790F}"/>
+              </a:ext>
+            </a:extLst>
+          </p:cNvPr>
+          <p:cNvPicPr>
+            <a:picLocks noChangeAspect="1"/>
+          </p:cNvPicPr>
+          <p:nvPr/>
+        </p:nvPicPr>
+        <p:blipFill>
+          <a:blip r:embed="rId3"/>
+          <a:stretch>
+            <a:fillRect/>
+          </a:stretch>
+        </p:blipFill>
+        <p:spPr>
+          <a:xfrm>
+            <a:off x="566927" y="2293156"/>
+            <a:ext cx="9691169" cy="3896050"/>
+          </a:xfrm>
+          <a:prstGeom prst="rect">
+            <a:avLst/>
+          </a:prstGeom>
+        </p:spPr>
+      </p:pic>
     </p:spTree>
     <p:extLst>
       <p:ext uri="{BB962C8B-B14F-4D97-AF65-F5344CB8AC3E}">
         <p14:creationId xmlns:p14="http://schemas.microsoft.com/office/powerpoint/2010/main" val="3175982351"/>
+      </p:ext>
+    </p:extLst>
+  </p:cSld>
+  <p:clrMapOvr>
+    <a:masterClrMapping/>
+  </p:clrMapOvr>
+</p:sld>
+</file>
+
+<file path=ppt/slides/slide6.xml><?xml version="1.0" encoding="utf-8"?>
+<p:sld xmlns:a="http://schemas.openxmlformats.org/drawingml/2006/main" xmlns:r="http://schemas.openxmlformats.org/officeDocument/2006/relationships" xmlns:p="http://schemas.openxmlformats.org/presentationml/2006/main">
+  <p:cSld>
+    <p:spTree>
+      <p:nvGrpSpPr>
+        <p:cNvPr id="1" name=""/>
+        <p:cNvGrpSpPr/>
+        <p:nvPr/>
+      </p:nvGrpSpPr>
+      <p:grpSpPr>
+        <a:xfrm>
+          <a:off x="0" y="0"/>
+          <a:ext cx="0" cy="0"/>
+          <a:chOff x="0" y="0"/>
+          <a:chExt cx="0" cy="0"/>
+        </a:xfrm>
+      </p:grpSpPr>
+      <p:sp>
+        <p:nvSpPr>
+          <p:cNvPr id="2" name="内容占位符 1">
+            <a:extLst>
+              <a:ext uri="{FF2B5EF4-FFF2-40B4-BE49-F238E27FC236}">
+                <a16:creationId xmlns:a16="http://schemas.microsoft.com/office/drawing/2014/main" id="{D106545D-4D2E-427D-8585-D1E556880C46}"/>
+              </a:ext>
+            </a:extLst>
+          </p:cNvPr>
+          <p:cNvSpPr>
+            <a:spLocks noGrp="1"/>
+          </p:cNvSpPr>
+          <p:nvPr>
+            <p:ph sz="quarter" idx="10"/>
+          </p:nvPr>
+        </p:nvSpPr>
+        <p:spPr>
+          <a:xfrm>
+            <a:off x="566927" y="2185416"/>
+            <a:ext cx="11173127" cy="3848100"/>
+          </a:xfrm>
+        </p:spPr>
+        <p:txBody>
+          <a:bodyPr/>
+          <a:lstStyle/>
+          <a:p>
+            <a:pPr>
+              <a:lnSpc>
+                <a:spcPct val="200000"/>
+              </a:lnSpc>
+            </a:pPr>
+            <a:r>
+              <a:rPr lang="en-US" altLang="zh-CN" sz="2800" dirty="0"/>
+              <a:t>We propose a novel cell-level logic:</a:t>
+            </a:r>
+            <a:r>
+              <a:rPr lang="zh-CN" altLang="en-US" sz="2800" dirty="0"/>
+              <a:t> </a:t>
+            </a:r>
+            <a:r>
+              <a:rPr lang="en-US" altLang="zh-CN" sz="2800" dirty="0"/>
+              <a:t>Fluctuating power logic(FPL</a:t>
+            </a:r>
+          </a:p>
+          <a:p>
+            <a:pPr>
+              <a:lnSpc>
+                <a:spcPct val="200000"/>
+              </a:lnSpc>
+            </a:pPr>
+            <a:r>
+              <a:rPr lang="en-US" altLang="zh-CN" sz="2800" dirty="0"/>
+              <a:t>We analyzed side-channel security on PRESENT/AES implementation</a:t>
+            </a:r>
+          </a:p>
+          <a:p>
+            <a:pPr>
+              <a:lnSpc>
+                <a:spcPct val="200000"/>
+              </a:lnSpc>
+            </a:pPr>
+            <a:r>
+              <a:rPr lang="en-US" altLang="zh-CN" sz="2800" dirty="0"/>
+              <a:t>We compared FPL with standard-cell-based and WDDL-based implementation</a:t>
+            </a:r>
+          </a:p>
+          <a:p>
+            <a:endParaRPr lang="zh-CN" altLang="en-US" dirty="0"/>
+          </a:p>
+        </p:txBody>
+      </p:sp>
+      <p:sp>
+        <p:nvSpPr>
+          <p:cNvPr id="3" name="标题 2">
+            <a:extLst>
+              <a:ext uri="{FF2B5EF4-FFF2-40B4-BE49-F238E27FC236}">
+                <a16:creationId xmlns:a16="http://schemas.microsoft.com/office/drawing/2014/main" id="{72C5E491-FA3A-4682-ACC7-95B9FACB18EA}"/>
+              </a:ext>
+            </a:extLst>
+          </p:cNvPr>
+          <p:cNvSpPr>
+            <a:spLocks noGrp="1"/>
+          </p:cNvSpPr>
+          <p:nvPr>
+            <p:ph type="title"/>
+          </p:nvPr>
+        </p:nvSpPr>
+        <p:spPr/>
+        <p:txBody>
+          <a:bodyPr/>
+          <a:lstStyle/>
+          <a:p>
+            <a:r>
+              <a:rPr lang="en-US" altLang="zh-CN" dirty="0"/>
+              <a:t>Our contributions</a:t>
+            </a:r>
+            <a:endParaRPr lang="zh-CN" altLang="en-US" dirty="0"/>
+          </a:p>
+        </p:txBody>
+      </p:sp>
+    </p:spTree>
+    <p:extLst>
+      <p:ext uri="{BB962C8B-B14F-4D97-AF65-F5344CB8AC3E}">
+        <p14:creationId xmlns:p14="http://schemas.microsoft.com/office/powerpoint/2010/main" val="804900035"/>
+      </p:ext>
+    </p:extLst>
+  </p:cSld>
+  <p:clrMapOvr>
+    <a:masterClrMapping/>
+  </p:clrMapOvr>
+</p:sld>
+</file>
+
+<file path=ppt/slides/slide7.xml><?xml version="1.0" encoding="utf-8"?>
+<p:sld xmlns:a="http://schemas.openxmlformats.org/drawingml/2006/main" xmlns:r="http://schemas.openxmlformats.org/officeDocument/2006/relationships" xmlns:p="http://schemas.openxmlformats.org/presentationml/2006/main">
+  <p:cSld>
+    <p:spTree>
+      <p:nvGrpSpPr>
+        <p:cNvPr id="1" name=""/>
+        <p:cNvGrpSpPr/>
+        <p:nvPr/>
+      </p:nvGrpSpPr>
+      <p:grpSpPr>
+        <a:xfrm>
+          <a:off x="0" y="0"/>
+          <a:ext cx="0" cy="0"/>
+          <a:chOff x="0" y="0"/>
+          <a:chExt cx="0" cy="0"/>
+        </a:xfrm>
+      </p:grpSpPr>
+      <p:sp>
+        <p:nvSpPr>
+          <p:cNvPr id="2" name="内容占位符 1">
+            <a:extLst>
+              <a:ext uri="{FF2B5EF4-FFF2-40B4-BE49-F238E27FC236}">
+                <a16:creationId xmlns:a16="http://schemas.microsoft.com/office/drawing/2014/main" id="{F52924A7-E7FE-41B2-AC34-B11CBF6D2F76}"/>
+              </a:ext>
+            </a:extLst>
+          </p:cNvPr>
+          <p:cNvSpPr>
+            <a:spLocks noGrp="1"/>
+          </p:cNvSpPr>
+          <p:nvPr>
+            <p:ph sz="quarter" idx="10"/>
+          </p:nvPr>
+        </p:nvSpPr>
+        <p:spPr/>
+        <p:txBody>
+          <a:bodyPr/>
+          <a:lstStyle/>
+          <a:p>
+            <a:r>
+              <a:rPr lang="en-US" altLang="zh-CN" sz="2800" dirty="0"/>
+              <a:t>This scheme is based on a </a:t>
+            </a:r>
+            <a:r>
+              <a:rPr lang="en-US" altLang="zh-CN" sz="2800" dirty="0">
+                <a:solidFill>
+                  <a:srgbClr val="FF0000"/>
+                </a:solidFill>
+              </a:rPr>
+              <a:t>cascade voltage logic</a:t>
+            </a:r>
+            <a:r>
+              <a:rPr lang="en-US" altLang="zh-CN" sz="2800" dirty="0"/>
+              <a:t>(CVL) and further enhanced with a </a:t>
+            </a:r>
+            <a:r>
+              <a:rPr lang="en-US" altLang="zh-CN" sz="2800" dirty="0">
+                <a:solidFill>
+                  <a:srgbClr val="FF0000"/>
+                </a:solidFill>
+              </a:rPr>
+              <a:t>compensatory unit </a:t>
+            </a:r>
+            <a:r>
+              <a:rPr lang="en-US" altLang="zh-CN" sz="2800" dirty="0"/>
+              <a:t>(CU).</a:t>
+            </a:r>
+            <a:endParaRPr lang="zh-CN" altLang="en-US" sz="2800" dirty="0"/>
+          </a:p>
+        </p:txBody>
+      </p:sp>
+      <p:sp>
+        <p:nvSpPr>
+          <p:cNvPr id="3" name="标题 2">
+            <a:extLst>
+              <a:ext uri="{FF2B5EF4-FFF2-40B4-BE49-F238E27FC236}">
+                <a16:creationId xmlns:a16="http://schemas.microsoft.com/office/drawing/2014/main" id="{D5B9EFF5-7548-4B4A-8F4B-CD4E08A808F5}"/>
+              </a:ext>
+            </a:extLst>
+          </p:cNvPr>
+          <p:cNvSpPr>
+            <a:spLocks noGrp="1"/>
+          </p:cNvSpPr>
+          <p:nvPr>
+            <p:ph type="title"/>
+          </p:nvPr>
+        </p:nvSpPr>
+        <p:spPr/>
+        <p:txBody>
+          <a:bodyPr/>
+          <a:lstStyle/>
+          <a:p>
+            <a:r>
+              <a:rPr lang="en-US" altLang="zh-CN" dirty="0"/>
+              <a:t>FPL</a:t>
+            </a:r>
+            <a:endParaRPr lang="zh-CN" altLang="en-US" dirty="0"/>
+          </a:p>
+        </p:txBody>
+      </p:sp>
+    </p:spTree>
+    <p:extLst>
+      <p:ext uri="{BB962C8B-B14F-4D97-AF65-F5344CB8AC3E}">
+        <p14:creationId xmlns:p14="http://schemas.microsoft.com/office/powerpoint/2010/main" val="934692059"/>
+      </p:ext>
+    </p:extLst>
+  </p:cSld>
+  <p:clrMapOvr>
+    <a:masterClrMapping/>
+  </p:clrMapOvr>
+</p:sld>
+</file>
+
+<file path=ppt/slides/slide8.xml><?xml version="1.0" encoding="utf-8"?>
+<p:sld xmlns:a="http://schemas.openxmlformats.org/drawingml/2006/main" xmlns:r="http://schemas.openxmlformats.org/officeDocument/2006/relationships" xmlns:p="http://schemas.openxmlformats.org/presentationml/2006/main">
+  <p:cSld>
+    <p:spTree>
+      <p:nvGrpSpPr>
+        <p:cNvPr id="1" name=""/>
+        <p:cNvGrpSpPr/>
+        <p:nvPr/>
+      </p:nvGrpSpPr>
+      <p:grpSpPr>
+        <a:xfrm>
+          <a:off x="0" y="0"/>
+          <a:ext cx="0" cy="0"/>
+          <a:chOff x="0" y="0"/>
+          <a:chExt cx="0" cy="0"/>
+        </a:xfrm>
+      </p:grpSpPr>
+      <p:sp>
+        <p:nvSpPr>
+          <p:cNvPr id="2" name="内容占位符 1">
+            <a:extLst>
+              <a:ext uri="{FF2B5EF4-FFF2-40B4-BE49-F238E27FC236}">
+                <a16:creationId xmlns:a16="http://schemas.microsoft.com/office/drawing/2014/main" id="{2458B580-A2B1-4863-BCF5-FE4D2184E851}"/>
+              </a:ext>
+            </a:extLst>
+          </p:cNvPr>
+          <p:cNvSpPr>
+            <a:spLocks noGrp="1"/>
+          </p:cNvSpPr>
+          <p:nvPr>
+            <p:ph sz="quarter" idx="10"/>
+          </p:nvPr>
+        </p:nvSpPr>
+        <p:spPr/>
+        <p:txBody>
+          <a:bodyPr/>
+          <a:lstStyle/>
+          <a:p>
+            <a:endParaRPr lang="zh-CN" altLang="en-US"/>
+          </a:p>
+        </p:txBody>
+      </p:sp>
+      <p:sp>
+        <p:nvSpPr>
+          <p:cNvPr id="3" name="标题 2">
+            <a:extLst>
+              <a:ext uri="{FF2B5EF4-FFF2-40B4-BE49-F238E27FC236}">
+                <a16:creationId xmlns:a16="http://schemas.microsoft.com/office/drawing/2014/main" id="{A040F038-732E-4258-8C96-56D66EC7B981}"/>
+              </a:ext>
+            </a:extLst>
+          </p:cNvPr>
+          <p:cNvSpPr>
+            <a:spLocks noGrp="1"/>
+          </p:cNvSpPr>
+          <p:nvPr>
+            <p:ph type="title"/>
+          </p:nvPr>
+        </p:nvSpPr>
+        <p:spPr/>
+        <p:txBody>
+          <a:bodyPr/>
+          <a:lstStyle/>
+          <a:p>
+            <a:endParaRPr lang="zh-CN" altLang="en-US"/>
+          </a:p>
+        </p:txBody>
+      </p:sp>
+    </p:spTree>
+    <p:extLst>
+      <p:ext uri="{BB962C8B-B14F-4D97-AF65-F5344CB8AC3E}">
+        <p14:creationId xmlns:p14="http://schemas.microsoft.com/office/powerpoint/2010/main" val="2386864251"/>
+      </p:ext>
+    </p:extLst>
+  </p:cSld>
+  <p:clrMapOvr>
+    <a:masterClrMapping/>
+  </p:clrMapOvr>
+</p:sld>
+</file>
+
+<file path=ppt/slides/slide9.xml><?xml version="1.0" encoding="utf-8"?>
+<p:sld xmlns:a="http://schemas.openxmlformats.org/drawingml/2006/main" xmlns:r="http://schemas.openxmlformats.org/officeDocument/2006/relationships" xmlns:p="http://schemas.openxmlformats.org/presentationml/2006/main">
+  <p:cSld>
+    <p:spTree>
+      <p:nvGrpSpPr>
+        <p:cNvPr id="1" name=""/>
+        <p:cNvGrpSpPr/>
+        <p:nvPr/>
+      </p:nvGrpSpPr>
+      <p:grpSpPr>
+        <a:xfrm>
+          <a:off x="0" y="0"/>
+          <a:ext cx="0" cy="0"/>
+          <a:chOff x="0" y="0"/>
+          <a:chExt cx="0" cy="0"/>
+        </a:xfrm>
+      </p:grpSpPr>
+      <p:sp>
+        <p:nvSpPr>
+          <p:cNvPr id="2" name="内容占位符 1">
+            <a:extLst>
+              <a:ext uri="{FF2B5EF4-FFF2-40B4-BE49-F238E27FC236}">
+                <a16:creationId xmlns:a16="http://schemas.microsoft.com/office/drawing/2014/main" id="{AC093D86-76D3-46B5-805D-F0D1F813C3CE}"/>
+              </a:ext>
+            </a:extLst>
+          </p:cNvPr>
+          <p:cNvSpPr>
+            <a:spLocks noGrp="1"/>
+          </p:cNvSpPr>
+          <p:nvPr>
+            <p:ph sz="quarter" idx="10"/>
+          </p:nvPr>
+        </p:nvSpPr>
+        <p:spPr/>
+        <p:txBody>
+          <a:bodyPr/>
+          <a:lstStyle/>
+          <a:p>
+            <a:endParaRPr lang="zh-CN" altLang="en-US"/>
+          </a:p>
+        </p:txBody>
+      </p:sp>
+      <p:sp>
+        <p:nvSpPr>
+          <p:cNvPr id="3" name="标题 2">
+            <a:extLst>
+              <a:ext uri="{FF2B5EF4-FFF2-40B4-BE49-F238E27FC236}">
+                <a16:creationId xmlns:a16="http://schemas.microsoft.com/office/drawing/2014/main" id="{FE9B6BED-E651-4289-8242-7161559F6395}"/>
+              </a:ext>
+            </a:extLst>
+          </p:cNvPr>
+          <p:cNvSpPr>
+            <a:spLocks noGrp="1"/>
+          </p:cNvSpPr>
+          <p:nvPr>
+            <p:ph type="title"/>
+          </p:nvPr>
+        </p:nvSpPr>
+        <p:spPr/>
+        <p:txBody>
+          <a:bodyPr/>
+          <a:lstStyle/>
+          <a:p>
+            <a:endParaRPr lang="zh-CN" altLang="en-US"/>
+          </a:p>
+        </p:txBody>
+      </p:sp>
+    </p:spTree>
+    <p:extLst>
+      <p:ext uri="{BB962C8B-B14F-4D97-AF65-F5344CB8AC3E}">
+        <p14:creationId xmlns:p14="http://schemas.microsoft.com/office/powerpoint/2010/main" val="3856115087"/>
       </p:ext>
     </p:extLst>
   </p:cSld>

--- a/asianhost pre/FPL.pptx
+++ b/asianhost pre/FPL.pptx
@@ -3286,7 +3286,7 @@
             </a:r>
             <a:r>
               <a:rPr lang="en-US" altLang="zh-CN" sz="2800" dirty="0"/>
-              <a:t>Fluctuating power logic(FPL</a:t>
+              <a:t>Fluctuating power logic(FPL)</a:t>
             </a:r>
           </a:p>
           <a:p>

--- a/asianhost pre/FPL.pptx
+++ b/asianhost pre/FPL.pptx
@@ -5,10 +5,10 @@
     <p:sldMasterId id="2147483901" r:id="rId1"/>
   </p:sldMasterIdLst>
   <p:notesMasterIdLst>
-    <p:notesMasterId r:id="rId12"/>
+    <p:notesMasterId r:id="rId21"/>
   </p:notesMasterIdLst>
   <p:handoutMasterIdLst>
-    <p:handoutMasterId r:id="rId13"/>
+    <p:handoutMasterId r:id="rId22"/>
   </p:handoutMasterIdLst>
   <p:sldIdLst>
     <p:sldId id="256" r:id="rId2"/>
@@ -19,8 +19,17 @@
     <p:sldId id="264" r:id="rId7"/>
     <p:sldId id="265" r:id="rId8"/>
     <p:sldId id="266" r:id="rId9"/>
-    <p:sldId id="267" r:id="rId10"/>
-    <p:sldId id="268" r:id="rId11"/>
+    <p:sldId id="269" r:id="rId10"/>
+    <p:sldId id="272" r:id="rId11"/>
+    <p:sldId id="271" r:id="rId12"/>
+    <p:sldId id="267" r:id="rId13"/>
+    <p:sldId id="268" r:id="rId14"/>
+    <p:sldId id="273" r:id="rId15"/>
+    <p:sldId id="274" r:id="rId16"/>
+    <p:sldId id="275" r:id="rId17"/>
+    <p:sldId id="276" r:id="rId18"/>
+    <p:sldId id="277" r:id="rId19"/>
+    <p:sldId id="278" r:id="rId20"/>
   </p:sldIdLst>
   <p:sldSz cx="12192000" cy="6858000"/>
   <p:notesSz cx="6858000" cy="9144000"/>
@@ -280,7 +289,7 @@
               <a:rPr lang="en-US" smtClean="0">
                 <a:latin typeface="Arial" charset="0"/>
               </a:rPr>
-              <a:t>11/30/2019</a:t>
+              <a:t>12/1/2019</a:t>
             </a:fld>
             <a:endParaRPr lang="en-US" dirty="0">
               <a:latin typeface="Arial" charset="0"/>
@@ -458,7 +467,7 @@
             <a:fld id="{5B96CA4F-2197-CC40-B4FC-798A937A9DC6}" type="datetimeFigureOut">
               <a:rPr lang="en-US" smtClean="0"/>
               <a:pPr/>
-              <a:t>11/30/2019</a:t>
+              <a:t>12/1/2019</a:t>
             </a:fld>
             <a:endParaRPr lang="en-US" dirty="0"/>
           </a:p>
@@ -801,7 +810,15 @@
             </a:r>
             <a:r>
               <a:rPr lang="en-US" altLang="zh-CN" baseline="0" dirty="0"/>
-              <a:t>. This is a joint work done by my tutor Fan Zhang and my classmates in Zhejiang University. </a:t>
+              <a:t>. This is a joint work done by my tutor Fan Zhang and my </a:t>
+            </a:r>
+            <a:r>
+              <a:rPr lang="en-US" altLang="zh-CN" baseline="0" dirty="0" err="1"/>
+              <a:t>parteners</a:t>
+            </a:r>
+            <a:r>
+              <a:rPr lang="en-US" altLang="zh-CN" baseline="0" dirty="0"/>
+              <a:t> in Zhejiang University. </a:t>
             </a:r>
             <a:endParaRPr lang="zh-CN" altLang="en-US" dirty="0"/>
           </a:p>
@@ -838,6 +855,272 @@
     <p:extLst>
       <p:ext uri="{BB962C8B-B14F-4D97-AF65-F5344CB8AC3E}">
         <p14:creationId xmlns:p14="http://schemas.microsoft.com/office/powerpoint/2010/main" val="2282947620"/>
+      </p:ext>
+    </p:extLst>
+  </p:cSld>
+  <p:clrMapOvr>
+    <a:masterClrMapping/>
+  </p:clrMapOvr>
+</p:notes>
+</file>
+
+<file path=ppt/notesSlides/notesSlide10.xml><?xml version="1.0" encoding="utf-8"?>
+<p:notes xmlns:a="http://schemas.openxmlformats.org/drawingml/2006/main" xmlns:r="http://schemas.openxmlformats.org/officeDocument/2006/relationships" xmlns:p="http://schemas.openxmlformats.org/presentationml/2006/main">
+  <p:cSld>
+    <p:spTree>
+      <p:nvGrpSpPr>
+        <p:cNvPr id="1" name=""/>
+        <p:cNvGrpSpPr/>
+        <p:nvPr/>
+      </p:nvGrpSpPr>
+      <p:grpSpPr>
+        <a:xfrm>
+          <a:off x="0" y="0"/>
+          <a:ext cx="0" cy="0"/>
+          <a:chOff x="0" y="0"/>
+          <a:chExt cx="0" cy="0"/>
+        </a:xfrm>
+      </p:grpSpPr>
+      <p:sp>
+        <p:nvSpPr>
+          <p:cNvPr id="2" name="幻灯片图像占位符 1"/>
+          <p:cNvSpPr>
+            <a:spLocks noGrp="1" noRot="1" noChangeAspect="1"/>
+          </p:cNvSpPr>
+          <p:nvPr>
+            <p:ph type="sldImg"/>
+          </p:nvPr>
+        </p:nvSpPr>
+        <p:spPr/>
+      </p:sp>
+      <p:sp>
+        <p:nvSpPr>
+          <p:cNvPr id="3" name="备注占位符 2"/>
+          <p:cNvSpPr>
+            <a:spLocks noGrp="1"/>
+          </p:cNvSpPr>
+          <p:nvPr>
+            <p:ph type="body" idx="1"/>
+          </p:nvPr>
+        </p:nvSpPr>
+        <p:spPr/>
+        <p:txBody>
+          <a:bodyPr/>
+          <a:lstStyle/>
+          <a:p>
+            <a:r>
+              <a:rPr lang="en-US" altLang="zh-CN" sz="1600" b="0" i="0" u="none" strike="noStrike" kern="1200" baseline="0" dirty="0">
+                <a:solidFill>
+                  <a:schemeClr val="tx1"/>
+                </a:solidFill>
+                <a:latin typeface="Arial" charset="0"/>
+                <a:ea typeface="+mn-ea"/>
+                <a:cs typeface="+mn-cs"/>
+              </a:rPr>
+              <a:t>For the purpose of illustration and for the sake of page limitation, only the case of n = 4 is applied and verified in the same test bench for both algorithms</a:t>
+            </a:r>
+          </a:p>
+          <a:p>
+            <a:r>
+              <a:rPr lang="en-US" altLang="zh-CN" sz="1600" b="0" i="0" u="none" strike="noStrike" kern="1200" baseline="0" dirty="0">
+                <a:solidFill>
+                  <a:schemeClr val="tx1"/>
+                </a:solidFill>
+                <a:latin typeface="Arial" charset="0"/>
+                <a:ea typeface="+mn-ea"/>
+                <a:cs typeface="+mn-cs"/>
+              </a:rPr>
+              <a:t>compiling and synthesis by Design Compiler (DC)</a:t>
+            </a:r>
+          </a:p>
+          <a:p>
+            <a:r>
+              <a:rPr lang="en-US" altLang="zh-CN" sz="1600" b="0" i="0" u="none" strike="noStrike" kern="1200" baseline="0" dirty="0">
+                <a:solidFill>
+                  <a:schemeClr val="tx1"/>
+                </a:solidFill>
+                <a:latin typeface="Arial" charset="0"/>
+                <a:ea typeface="+mn-ea"/>
+                <a:cs typeface="+mn-cs"/>
+              </a:rPr>
+              <a:t>In this simulation setup, all power traces are acquired from ideal digital circuits by detailed transistor level simulation through HSPICE</a:t>
+            </a:r>
+          </a:p>
+          <a:p>
+            <a:r>
+              <a:rPr lang="en-US" altLang="zh-CN" sz="1600" b="0" i="0" u="none" strike="noStrike" kern="1200" baseline="0" dirty="0">
+                <a:solidFill>
+                  <a:schemeClr val="tx1"/>
+                </a:solidFill>
+                <a:latin typeface="Arial" charset="0"/>
+                <a:ea typeface="+mn-ea"/>
+                <a:cs typeface="+mn-cs"/>
+              </a:rPr>
+              <a:t>The applied experiment setup consists of two 4/8-bit input registers(Data, Key), one 4/8-bit output register, one 4/8-bit XOR gate and</a:t>
+            </a:r>
+          </a:p>
+          <a:p>
+            <a:r>
+              <a:rPr lang="en-US" altLang="zh-CN" sz="1600" b="0" i="0" u="none" strike="noStrike" kern="1200" baseline="0" dirty="0">
+                <a:solidFill>
+                  <a:schemeClr val="tx1"/>
+                </a:solidFill>
+                <a:latin typeface="Arial" charset="0"/>
+                <a:ea typeface="+mn-ea"/>
+                <a:cs typeface="+mn-cs"/>
+              </a:rPr>
+              <a:t>the </a:t>
+            </a:r>
+            <a:r>
+              <a:rPr lang="en-US" altLang="zh-CN" sz="1600" b="0" i="0" u="none" strike="noStrike" kern="1200" baseline="0" dirty="0" err="1">
+                <a:solidFill>
+                  <a:schemeClr val="tx1"/>
+                </a:solidFill>
+                <a:latin typeface="Arial" charset="0"/>
+                <a:ea typeface="+mn-ea"/>
+                <a:cs typeface="+mn-cs"/>
+              </a:rPr>
+              <a:t>SBox</a:t>
+            </a:r>
+            <a:r>
+              <a:rPr lang="en-US" altLang="zh-CN" sz="1600" b="0" i="0" u="none" strike="noStrike" kern="1200" baseline="0" dirty="0">
+                <a:solidFill>
+                  <a:schemeClr val="tx1"/>
+                </a:solidFill>
+                <a:latin typeface="Arial" charset="0"/>
+                <a:ea typeface="+mn-ea"/>
+                <a:cs typeface="+mn-cs"/>
+              </a:rPr>
+              <a:t> module from the PRESENT/AES algorithms</a:t>
+            </a:r>
+            <a:endParaRPr lang="zh-CN" altLang="en-US" dirty="0"/>
+          </a:p>
+        </p:txBody>
+      </p:sp>
+      <p:sp>
+        <p:nvSpPr>
+          <p:cNvPr id="4" name="灯片编号占位符 3"/>
+          <p:cNvSpPr>
+            <a:spLocks noGrp="1"/>
+          </p:cNvSpPr>
+          <p:nvPr>
+            <p:ph type="sldNum" sz="quarter" idx="5"/>
+          </p:nvPr>
+        </p:nvSpPr>
+        <p:spPr/>
+        <p:txBody>
+          <a:bodyPr/>
+          <a:lstStyle/>
+          <a:p>
+            <a:fld id="{02322656-8894-1544-92AA-01B3CF5E6182}" type="slidenum">
+              <a:rPr lang="en-US" smtClean="0"/>
+              <a:pPr/>
+              <a:t>13</a:t>
+            </a:fld>
+            <a:endParaRPr lang="en-US" dirty="0"/>
+          </a:p>
+        </p:txBody>
+      </p:sp>
+    </p:spTree>
+    <p:extLst>
+      <p:ext uri="{BB962C8B-B14F-4D97-AF65-F5344CB8AC3E}">
+        <p14:creationId xmlns:p14="http://schemas.microsoft.com/office/powerpoint/2010/main" val="2681745086"/>
+      </p:ext>
+    </p:extLst>
+  </p:cSld>
+  <p:clrMapOvr>
+    <a:masterClrMapping/>
+  </p:clrMapOvr>
+</p:notes>
+</file>
+
+<file path=ppt/notesSlides/notesSlide11.xml><?xml version="1.0" encoding="utf-8"?>
+<p:notes xmlns:a="http://schemas.openxmlformats.org/drawingml/2006/main" xmlns:r="http://schemas.openxmlformats.org/officeDocument/2006/relationships" xmlns:p="http://schemas.openxmlformats.org/presentationml/2006/main">
+  <p:cSld>
+    <p:spTree>
+      <p:nvGrpSpPr>
+        <p:cNvPr id="1" name=""/>
+        <p:cNvGrpSpPr/>
+        <p:nvPr/>
+      </p:nvGrpSpPr>
+      <p:grpSpPr>
+        <a:xfrm>
+          <a:off x="0" y="0"/>
+          <a:ext cx="0" cy="0"/>
+          <a:chOff x="0" y="0"/>
+          <a:chExt cx="0" cy="0"/>
+        </a:xfrm>
+      </p:grpSpPr>
+      <p:sp>
+        <p:nvSpPr>
+          <p:cNvPr id="2" name="幻灯片图像占位符 1"/>
+          <p:cNvSpPr>
+            <a:spLocks noGrp="1" noRot="1" noChangeAspect="1"/>
+          </p:cNvSpPr>
+          <p:nvPr>
+            <p:ph type="sldImg"/>
+          </p:nvPr>
+        </p:nvSpPr>
+        <p:spPr/>
+      </p:sp>
+      <p:sp>
+        <p:nvSpPr>
+          <p:cNvPr id="3" name="备注占位符 2"/>
+          <p:cNvSpPr>
+            <a:spLocks noGrp="1"/>
+          </p:cNvSpPr>
+          <p:nvPr>
+            <p:ph type="body" idx="1"/>
+          </p:nvPr>
+        </p:nvSpPr>
+        <p:spPr/>
+        <p:txBody>
+          <a:bodyPr/>
+          <a:lstStyle/>
+          <a:p>
+            <a:r>
+              <a:rPr lang="en-US" altLang="zh-CN" sz="1600" b="0" i="0" u="none" strike="noStrike" kern="1200" baseline="0" dirty="0">
+                <a:solidFill>
+                  <a:schemeClr val="tx1"/>
+                </a:solidFill>
+                <a:latin typeface="Arial" charset="0"/>
+                <a:ea typeface="+mn-ea"/>
+                <a:cs typeface="+mn-cs"/>
+              </a:rPr>
+              <a:t>To be specific, the Gate equivalents (GE) of SC-, FPL- and WDDL-based testbench implementations are summarized in the first row of Table. I.</a:t>
+            </a:r>
+            <a:endParaRPr lang="zh-CN" altLang="en-US" dirty="0"/>
+          </a:p>
+        </p:txBody>
+      </p:sp>
+      <p:sp>
+        <p:nvSpPr>
+          <p:cNvPr id="4" name="灯片编号占位符 3"/>
+          <p:cNvSpPr>
+            <a:spLocks noGrp="1"/>
+          </p:cNvSpPr>
+          <p:nvPr>
+            <p:ph type="sldNum" sz="quarter" idx="5"/>
+          </p:nvPr>
+        </p:nvSpPr>
+        <p:spPr/>
+        <p:txBody>
+          <a:bodyPr/>
+          <a:lstStyle/>
+          <a:p>
+            <a:fld id="{02322656-8894-1544-92AA-01B3CF5E6182}" type="slidenum">
+              <a:rPr lang="en-US" smtClean="0"/>
+              <a:pPr/>
+              <a:t>14</a:t>
+            </a:fld>
+            <a:endParaRPr lang="en-US" dirty="0"/>
+          </a:p>
+        </p:txBody>
+      </p:sp>
+    </p:spTree>
+    <p:extLst>
+      <p:ext uri="{BB962C8B-B14F-4D97-AF65-F5344CB8AC3E}">
+        <p14:creationId xmlns:p14="http://schemas.microsoft.com/office/powerpoint/2010/main" val="1518347687"/>
       </p:ext>
     </p:extLst>
   </p:cSld>
@@ -893,6 +1176,232 @@
           <a:p>
             <a:r>
               <a:rPr lang="en-US" altLang="zh-CN" dirty="0"/>
+              <a:t>The SCA in the title means side channel analysis. And it cares about the power dissipation correlations with switching operations</a:t>
+            </a:r>
+          </a:p>
+          <a:p>
+            <a:pPr marL="0" indent="0">
+              <a:buNone/>
+            </a:pPr>
+            <a:r>
+              <a:rPr lang="en-US" altLang="zh-CN" sz="1600" dirty="0"/>
+              <a:t>We investigated that Major power consumption comes from the clock distribution network and Flip-Flops (FFs) (about 30%-60% of the whole consumption is from FF</a:t>
+            </a:r>
+          </a:p>
+          <a:p>
+            <a:pPr marL="0" indent="0">
+              <a:buNone/>
+            </a:pPr>
+            <a:r>
+              <a:rPr lang="en-US" altLang="zh-CN" sz="1600" dirty="0"/>
+              <a:t>So our work concentrate on </a:t>
+            </a:r>
+            <a:r>
+              <a:rPr lang="en-US" altLang="zh-CN" sz="1600" dirty="0" err="1"/>
+              <a:t>modifiyng</a:t>
+            </a:r>
+            <a:r>
+              <a:rPr lang="en-US" altLang="zh-CN" sz="1600" dirty="0"/>
+              <a:t> the flip-flops</a:t>
+            </a:r>
+          </a:p>
+          <a:p>
+            <a:pPr marL="0" indent="0">
+              <a:buNone/>
+            </a:pPr>
+            <a:endParaRPr lang="zh-CN" altLang="en-US" sz="1600" dirty="0"/>
+          </a:p>
+          <a:p>
+            <a:endParaRPr lang="zh-CN" altLang="en-US" dirty="0"/>
+          </a:p>
+        </p:txBody>
+      </p:sp>
+      <p:sp>
+        <p:nvSpPr>
+          <p:cNvPr id="4" name="灯片编号占位符 3"/>
+          <p:cNvSpPr>
+            <a:spLocks noGrp="1"/>
+          </p:cNvSpPr>
+          <p:nvPr>
+            <p:ph type="sldNum" sz="quarter" idx="5"/>
+          </p:nvPr>
+        </p:nvSpPr>
+        <p:spPr/>
+        <p:txBody>
+          <a:bodyPr/>
+          <a:lstStyle/>
+          <a:p>
+            <a:fld id="{02322656-8894-1544-92AA-01B3CF5E6182}" type="slidenum">
+              <a:rPr lang="en-US" smtClean="0"/>
+              <a:pPr/>
+              <a:t>3</a:t>
+            </a:fld>
+            <a:endParaRPr lang="en-US" dirty="0"/>
+          </a:p>
+        </p:txBody>
+      </p:sp>
+    </p:spTree>
+    <p:extLst>
+      <p:ext uri="{BB962C8B-B14F-4D97-AF65-F5344CB8AC3E}">
+        <p14:creationId xmlns:p14="http://schemas.microsoft.com/office/powerpoint/2010/main" val="2525158127"/>
+      </p:ext>
+    </p:extLst>
+  </p:cSld>
+  <p:clrMapOvr>
+    <a:masterClrMapping/>
+  </p:clrMapOvr>
+</p:notes>
+</file>
+
+<file path=ppt/notesSlides/notesSlide3.xml><?xml version="1.0" encoding="utf-8"?>
+<p:notes xmlns:a="http://schemas.openxmlformats.org/drawingml/2006/main" xmlns:r="http://schemas.openxmlformats.org/officeDocument/2006/relationships" xmlns:p="http://schemas.openxmlformats.org/presentationml/2006/main">
+  <p:cSld>
+    <p:spTree>
+      <p:nvGrpSpPr>
+        <p:cNvPr id="1" name=""/>
+        <p:cNvGrpSpPr/>
+        <p:nvPr/>
+      </p:nvGrpSpPr>
+      <p:grpSpPr>
+        <a:xfrm>
+          <a:off x="0" y="0"/>
+          <a:ext cx="0" cy="0"/>
+          <a:chOff x="0" y="0"/>
+          <a:chExt cx="0" cy="0"/>
+        </a:xfrm>
+      </p:grpSpPr>
+      <p:sp>
+        <p:nvSpPr>
+          <p:cNvPr id="2" name="幻灯片图像占位符 1"/>
+          <p:cNvSpPr>
+            <a:spLocks noGrp="1" noRot="1" noChangeAspect="1"/>
+          </p:cNvSpPr>
+          <p:nvPr>
+            <p:ph type="sldImg"/>
+          </p:nvPr>
+        </p:nvSpPr>
+        <p:spPr/>
+      </p:sp>
+      <p:sp>
+        <p:nvSpPr>
+          <p:cNvPr id="3" name="备注占位符 2"/>
+          <p:cNvSpPr>
+            <a:spLocks noGrp="1"/>
+          </p:cNvSpPr>
+          <p:nvPr>
+            <p:ph type="body" idx="1"/>
+          </p:nvPr>
+        </p:nvSpPr>
+        <p:spPr/>
+        <p:txBody>
+          <a:bodyPr/>
+          <a:lstStyle/>
+          <a:p>
+            <a:r>
+              <a:rPr lang="en-US" altLang="zh-CN" dirty="0"/>
+              <a:t>The two mainstream SCA countermeasures are hiding and masking.</a:t>
+            </a:r>
+          </a:p>
+          <a:p>
+            <a:r>
+              <a:rPr lang="en-US" altLang="zh-CN" dirty="0"/>
+              <a:t>Hiding means we can use noise, clock randomizer or dual-rail </a:t>
+            </a:r>
+            <a:r>
+              <a:rPr lang="en-US" altLang="zh-CN" dirty="0" err="1"/>
+              <a:t>precharge</a:t>
+            </a:r>
+            <a:r>
+              <a:rPr lang="en-US" altLang="zh-CN" dirty="0"/>
+              <a:t> logics to hide the dependence of the power consumption with data</a:t>
+            </a:r>
+            <a:endParaRPr lang="zh-CN" altLang="en-US" dirty="0"/>
+          </a:p>
+        </p:txBody>
+      </p:sp>
+      <p:sp>
+        <p:nvSpPr>
+          <p:cNvPr id="4" name="灯片编号占位符 3"/>
+          <p:cNvSpPr>
+            <a:spLocks noGrp="1"/>
+          </p:cNvSpPr>
+          <p:nvPr>
+            <p:ph type="sldNum" sz="quarter" idx="5"/>
+          </p:nvPr>
+        </p:nvSpPr>
+        <p:spPr/>
+        <p:txBody>
+          <a:bodyPr/>
+          <a:lstStyle/>
+          <a:p>
+            <a:fld id="{02322656-8894-1544-92AA-01B3CF5E6182}" type="slidenum">
+              <a:rPr lang="en-US" smtClean="0"/>
+              <a:pPr/>
+              <a:t>4</a:t>
+            </a:fld>
+            <a:endParaRPr lang="en-US" dirty="0"/>
+          </a:p>
+        </p:txBody>
+      </p:sp>
+    </p:spTree>
+    <p:extLst>
+      <p:ext uri="{BB962C8B-B14F-4D97-AF65-F5344CB8AC3E}">
+        <p14:creationId xmlns:p14="http://schemas.microsoft.com/office/powerpoint/2010/main" val="3761623522"/>
+      </p:ext>
+    </p:extLst>
+  </p:cSld>
+  <p:clrMapOvr>
+    <a:masterClrMapping/>
+  </p:clrMapOvr>
+</p:notes>
+</file>
+
+<file path=ppt/notesSlides/notesSlide4.xml><?xml version="1.0" encoding="utf-8"?>
+<p:notes xmlns:a="http://schemas.openxmlformats.org/drawingml/2006/main" xmlns:r="http://schemas.openxmlformats.org/officeDocument/2006/relationships" xmlns:p="http://schemas.openxmlformats.org/presentationml/2006/main">
+  <p:cSld>
+    <p:spTree>
+      <p:nvGrpSpPr>
+        <p:cNvPr id="1" name=""/>
+        <p:cNvGrpSpPr/>
+        <p:nvPr/>
+      </p:nvGrpSpPr>
+      <p:grpSpPr>
+        <a:xfrm>
+          <a:off x="0" y="0"/>
+          <a:ext cx="0" cy="0"/>
+          <a:chOff x="0" y="0"/>
+          <a:chExt cx="0" cy="0"/>
+        </a:xfrm>
+      </p:grpSpPr>
+      <p:sp>
+        <p:nvSpPr>
+          <p:cNvPr id="2" name="幻灯片图像占位符 1"/>
+          <p:cNvSpPr>
+            <a:spLocks noGrp="1" noRot="1" noChangeAspect="1"/>
+          </p:cNvSpPr>
+          <p:nvPr>
+            <p:ph type="sldImg"/>
+          </p:nvPr>
+        </p:nvSpPr>
+        <p:spPr/>
+      </p:sp>
+      <p:sp>
+        <p:nvSpPr>
+          <p:cNvPr id="3" name="备注占位符 2"/>
+          <p:cNvSpPr>
+            <a:spLocks noGrp="1"/>
+          </p:cNvSpPr>
+          <p:nvPr>
+            <p:ph type="body" idx="1"/>
+          </p:nvPr>
+        </p:nvSpPr>
+        <p:spPr/>
+        <p:txBody>
+          <a:bodyPr/>
+          <a:lstStyle/>
+          <a:p>
+            <a:r>
+              <a:rPr lang="en-US" altLang="zh-CN" dirty="0"/>
               <a:t>The masking and hiding is used to remove the dependence of the two parts.</a:t>
             </a:r>
           </a:p>
@@ -933,6 +1442,861 @@
     <p:extLst>
       <p:ext uri="{BB962C8B-B14F-4D97-AF65-F5344CB8AC3E}">
         <p14:creationId xmlns:p14="http://schemas.microsoft.com/office/powerpoint/2010/main" val="3005727602"/>
+      </p:ext>
+    </p:extLst>
+  </p:cSld>
+  <p:clrMapOvr>
+    <a:masterClrMapping/>
+  </p:clrMapOvr>
+</p:notes>
+</file>
+
+<file path=ppt/notesSlides/notesSlide5.xml><?xml version="1.0" encoding="utf-8"?>
+<p:notes xmlns:a="http://schemas.openxmlformats.org/drawingml/2006/main" xmlns:r="http://schemas.openxmlformats.org/officeDocument/2006/relationships" xmlns:p="http://schemas.openxmlformats.org/presentationml/2006/main">
+  <p:cSld>
+    <p:spTree>
+      <p:nvGrpSpPr>
+        <p:cNvPr id="1" name=""/>
+        <p:cNvGrpSpPr/>
+        <p:nvPr/>
+      </p:nvGrpSpPr>
+      <p:grpSpPr>
+        <a:xfrm>
+          <a:off x="0" y="0"/>
+          <a:ext cx="0" cy="0"/>
+          <a:chOff x="0" y="0"/>
+          <a:chExt cx="0" cy="0"/>
+        </a:xfrm>
+      </p:grpSpPr>
+      <p:sp>
+        <p:nvSpPr>
+          <p:cNvPr id="2" name="幻灯片图像占位符 1"/>
+          <p:cNvSpPr>
+            <a:spLocks noGrp="1" noRot="1" noChangeAspect="1"/>
+          </p:cNvSpPr>
+          <p:nvPr>
+            <p:ph type="sldImg"/>
+          </p:nvPr>
+        </p:nvSpPr>
+        <p:spPr/>
+      </p:sp>
+      <p:sp>
+        <p:nvSpPr>
+          <p:cNvPr id="3" name="备注占位符 2"/>
+          <p:cNvSpPr>
+            <a:spLocks noGrp="1"/>
+          </p:cNvSpPr>
+          <p:nvPr>
+            <p:ph type="body" idx="1"/>
+          </p:nvPr>
+        </p:nvSpPr>
+        <p:spPr/>
+        <p:txBody>
+          <a:bodyPr/>
+          <a:lstStyle/>
+          <a:p>
+            <a:r>
+              <a:rPr lang="en-US" altLang="zh-CN" dirty="0"/>
+              <a:t>the CVL unit consists of n NMOS and n diodes</a:t>
+            </a:r>
+          </a:p>
+          <a:p>
+            <a:r>
+              <a:rPr lang="en-US" altLang="zh-CN" dirty="0"/>
+              <a:t>Then it has one PMOS and one n-input OR-gate</a:t>
+            </a:r>
+          </a:p>
+          <a:p>
+            <a:r>
+              <a:rPr lang="en-US" altLang="zh-CN" dirty="0"/>
+              <a:t>The input of the OR-gate is controlled by PRNG</a:t>
+            </a:r>
+          </a:p>
+          <a:p>
+            <a:r>
+              <a:rPr lang="en-US" altLang="zh-CN" dirty="0"/>
+              <a:t>And the CVL unit will produce a voltage drop</a:t>
+            </a:r>
+          </a:p>
+          <a:p>
+            <a:r>
+              <a:rPr lang="en-US" altLang="zh-CN" dirty="0"/>
+              <a:t>Use </a:t>
+            </a:r>
+            <a:r>
+              <a:rPr lang="en-US" altLang="zh-CN" dirty="0" err="1"/>
+              <a:t>vddm</a:t>
+            </a:r>
+            <a:r>
+              <a:rPr lang="en-US" altLang="zh-CN" dirty="0"/>
+              <a:t> to substitute the VDD with a random voltage drop</a:t>
+            </a:r>
+            <a:endParaRPr lang="zh-CN" altLang="en-US" dirty="0"/>
+          </a:p>
+        </p:txBody>
+      </p:sp>
+      <p:sp>
+        <p:nvSpPr>
+          <p:cNvPr id="4" name="灯片编号占位符 3"/>
+          <p:cNvSpPr>
+            <a:spLocks noGrp="1"/>
+          </p:cNvSpPr>
+          <p:nvPr>
+            <p:ph type="sldNum" sz="quarter" idx="5"/>
+          </p:nvPr>
+        </p:nvSpPr>
+        <p:spPr/>
+        <p:txBody>
+          <a:bodyPr/>
+          <a:lstStyle/>
+          <a:p>
+            <a:fld id="{02322656-8894-1544-92AA-01B3CF5E6182}" type="slidenum">
+              <a:rPr lang="en-US" smtClean="0"/>
+              <a:pPr/>
+              <a:t>8</a:t>
+            </a:fld>
+            <a:endParaRPr lang="en-US" dirty="0"/>
+          </a:p>
+        </p:txBody>
+      </p:sp>
+    </p:spTree>
+    <p:extLst>
+      <p:ext uri="{BB962C8B-B14F-4D97-AF65-F5344CB8AC3E}">
+        <p14:creationId xmlns:p14="http://schemas.microsoft.com/office/powerpoint/2010/main" val="520256759"/>
+      </p:ext>
+    </p:extLst>
+  </p:cSld>
+  <p:clrMapOvr>
+    <a:masterClrMapping/>
+  </p:clrMapOvr>
+</p:notes>
+</file>
+
+<file path=ppt/notesSlides/notesSlide6.xml><?xml version="1.0" encoding="utf-8"?>
+<p:notes xmlns:a="http://schemas.openxmlformats.org/drawingml/2006/main" xmlns:r="http://schemas.openxmlformats.org/officeDocument/2006/relationships" xmlns:p="http://schemas.openxmlformats.org/presentationml/2006/main">
+  <p:cSld>
+    <p:spTree>
+      <p:nvGrpSpPr>
+        <p:cNvPr id="1" name=""/>
+        <p:cNvGrpSpPr/>
+        <p:nvPr/>
+      </p:nvGrpSpPr>
+      <p:grpSpPr>
+        <a:xfrm>
+          <a:off x="0" y="0"/>
+          <a:ext cx="0" cy="0"/>
+          <a:chOff x="0" y="0"/>
+          <a:chExt cx="0" cy="0"/>
+        </a:xfrm>
+      </p:grpSpPr>
+      <p:sp>
+        <p:nvSpPr>
+          <p:cNvPr id="2" name="幻灯片图像占位符 1"/>
+          <p:cNvSpPr>
+            <a:spLocks noGrp="1" noRot="1" noChangeAspect="1"/>
+          </p:cNvSpPr>
+          <p:nvPr>
+            <p:ph type="sldImg"/>
+          </p:nvPr>
+        </p:nvSpPr>
+        <p:spPr/>
+      </p:sp>
+      <p:sp>
+        <p:nvSpPr>
+          <p:cNvPr id="3" name="备注占位符 2"/>
+          <p:cNvSpPr>
+            <a:spLocks noGrp="1"/>
+          </p:cNvSpPr>
+          <p:nvPr>
+            <p:ph type="body" idx="1"/>
+          </p:nvPr>
+        </p:nvSpPr>
+        <p:spPr/>
+        <p:txBody>
+          <a:bodyPr/>
+          <a:lstStyle/>
+          <a:p>
+            <a:r>
+              <a:rPr lang="en-US" altLang="zh-CN" dirty="0"/>
+              <a:t>K=0</a:t>
+            </a:r>
+            <a:r>
+              <a:rPr lang="zh-CN" altLang="en-US" dirty="0"/>
+              <a:t>  </a:t>
+            </a:r>
+            <a:r>
+              <a:rPr lang="en-US" altLang="zh-CN" dirty="0"/>
+              <a:t>all</a:t>
+            </a:r>
+            <a:r>
+              <a:rPr lang="zh-CN" altLang="en-US" dirty="0"/>
+              <a:t> </a:t>
+            </a:r>
+            <a:r>
+              <a:rPr lang="en-US" altLang="zh-CN" dirty="0"/>
+              <a:t>NMOS</a:t>
+            </a:r>
+            <a:r>
+              <a:rPr lang="zh-CN" altLang="en-US" dirty="0"/>
+              <a:t> </a:t>
+            </a:r>
+            <a:r>
+              <a:rPr lang="en-US" altLang="zh-CN" dirty="0"/>
+              <a:t>are shut off, the OR-gate output digital 0</a:t>
+            </a:r>
+          </a:p>
+          <a:p>
+            <a:r>
+              <a:rPr lang="en-US" altLang="zh-CN" dirty="0"/>
+              <a:t>K=1 only one of </a:t>
+            </a:r>
+            <a:r>
+              <a:rPr lang="en-US" altLang="zh-CN" dirty="0" err="1"/>
+              <a:t>Vmi</a:t>
+            </a:r>
+            <a:r>
+              <a:rPr lang="en-US" altLang="zh-CN" dirty="0"/>
+              <a:t> equal to 1</a:t>
+            </a:r>
+          </a:p>
+          <a:p>
+            <a:r>
+              <a:rPr lang="en-US" altLang="zh-CN" dirty="0"/>
+              <a:t>k=&gt;1</a:t>
+            </a:r>
+          </a:p>
+          <a:p>
+            <a:r>
+              <a:rPr lang="en-US" altLang="zh-CN" sz="1600" b="0" i="0" u="none" strike="noStrike" kern="1200" baseline="0" dirty="0">
+                <a:solidFill>
+                  <a:schemeClr val="tx1"/>
+                </a:solidFill>
+                <a:latin typeface="Arial" charset="0"/>
+                <a:ea typeface="+mn-ea"/>
+                <a:cs typeface="+mn-cs"/>
+              </a:rPr>
+              <a:t>Depending on the values of </a:t>
+            </a:r>
+            <a:r>
+              <a:rPr lang="en-US" altLang="zh-CN" sz="1600" b="0" i="0" u="none" strike="noStrike" kern="1200" baseline="0" dirty="0" err="1">
+                <a:solidFill>
+                  <a:schemeClr val="tx1"/>
+                </a:solidFill>
+                <a:latin typeface="Arial" charset="0"/>
+                <a:ea typeface="+mn-ea"/>
+                <a:cs typeface="+mn-cs"/>
+              </a:rPr>
+              <a:t>VMi</a:t>
+            </a:r>
+            <a:r>
+              <a:rPr lang="en-US" altLang="zh-CN" sz="1600" b="0" i="0" u="none" strike="noStrike" kern="1200" baseline="0" dirty="0">
+                <a:solidFill>
+                  <a:schemeClr val="tx1"/>
+                </a:solidFill>
+                <a:latin typeface="Arial" charset="0"/>
+                <a:ea typeface="+mn-ea"/>
+                <a:cs typeface="+mn-cs"/>
+              </a:rPr>
+              <a:t> in the CVL unit, there are different values of Ra and </a:t>
+            </a:r>
+            <a:r>
+              <a:rPr lang="en-US" altLang="zh-CN" sz="1600" b="0" i="0" u="none" strike="noStrike" kern="1200" baseline="0" dirty="0" err="1">
+                <a:solidFill>
+                  <a:schemeClr val="tx1"/>
+                </a:solidFill>
+                <a:latin typeface="Arial" charset="0"/>
+                <a:ea typeface="+mn-ea"/>
+                <a:cs typeface="+mn-cs"/>
+              </a:rPr>
+              <a:t>Vdp</a:t>
+            </a:r>
+            <a:r>
+              <a:rPr lang="en-US" altLang="zh-CN" sz="1600" b="0" i="0" u="none" strike="noStrike" kern="1200" baseline="0" dirty="0">
+                <a:solidFill>
+                  <a:schemeClr val="tx1"/>
+                </a:solidFill>
+                <a:latin typeface="Arial" charset="0"/>
+                <a:ea typeface="+mn-ea"/>
+                <a:cs typeface="+mn-cs"/>
+              </a:rPr>
+              <a:t>, resulting in different discrete power consumptions for some fixed data transition in the whole FPL circuit.</a:t>
+            </a:r>
+            <a:endParaRPr lang="en-US" altLang="zh-CN" dirty="0"/>
+          </a:p>
+        </p:txBody>
+      </p:sp>
+      <p:sp>
+        <p:nvSpPr>
+          <p:cNvPr id="4" name="灯片编号占位符 3"/>
+          <p:cNvSpPr>
+            <a:spLocks noGrp="1"/>
+          </p:cNvSpPr>
+          <p:nvPr>
+            <p:ph type="sldNum" sz="quarter" idx="5"/>
+          </p:nvPr>
+        </p:nvSpPr>
+        <p:spPr/>
+        <p:txBody>
+          <a:bodyPr/>
+          <a:lstStyle/>
+          <a:p>
+            <a:fld id="{02322656-8894-1544-92AA-01B3CF5E6182}" type="slidenum">
+              <a:rPr lang="en-US" smtClean="0"/>
+              <a:pPr/>
+              <a:t>9</a:t>
+            </a:fld>
+            <a:endParaRPr lang="en-US" dirty="0"/>
+          </a:p>
+        </p:txBody>
+      </p:sp>
+    </p:spTree>
+    <p:extLst>
+      <p:ext uri="{BB962C8B-B14F-4D97-AF65-F5344CB8AC3E}">
+        <p14:creationId xmlns:p14="http://schemas.microsoft.com/office/powerpoint/2010/main" val="1457475388"/>
+      </p:ext>
+    </p:extLst>
+  </p:cSld>
+  <p:clrMapOvr>
+    <a:masterClrMapping/>
+  </p:clrMapOvr>
+</p:notes>
+</file>
+
+<file path=ppt/notesSlides/notesSlide7.xml><?xml version="1.0" encoding="utf-8"?>
+<p:notes xmlns:a="http://schemas.openxmlformats.org/drawingml/2006/main" xmlns:r="http://schemas.openxmlformats.org/officeDocument/2006/relationships" xmlns:p="http://schemas.openxmlformats.org/presentationml/2006/main">
+  <p:cSld>
+    <p:spTree>
+      <p:nvGrpSpPr>
+        <p:cNvPr id="1" name=""/>
+        <p:cNvGrpSpPr/>
+        <p:nvPr/>
+      </p:nvGrpSpPr>
+      <p:grpSpPr>
+        <a:xfrm>
+          <a:off x="0" y="0"/>
+          <a:ext cx="0" cy="0"/>
+          <a:chOff x="0" y="0"/>
+          <a:chExt cx="0" cy="0"/>
+        </a:xfrm>
+      </p:grpSpPr>
+      <p:sp>
+        <p:nvSpPr>
+          <p:cNvPr id="2" name="幻灯片图像占位符 1"/>
+          <p:cNvSpPr>
+            <a:spLocks noGrp="1" noRot="1" noChangeAspect="1"/>
+          </p:cNvSpPr>
+          <p:nvPr>
+            <p:ph type="sldImg"/>
+          </p:nvPr>
+        </p:nvSpPr>
+        <p:spPr/>
+      </p:sp>
+      <p:sp>
+        <p:nvSpPr>
+          <p:cNvPr id="3" name="备注占位符 2"/>
+          <p:cNvSpPr>
+            <a:spLocks noGrp="1"/>
+          </p:cNvSpPr>
+          <p:nvPr>
+            <p:ph type="body" idx="1"/>
+          </p:nvPr>
+        </p:nvSpPr>
+        <p:spPr/>
+        <p:txBody>
+          <a:bodyPr/>
+          <a:lstStyle/>
+          <a:p>
+            <a:pPr marL="0" marR="0" lvl="0" indent="0" algn="l" defTabSz="1219170" rtl="0" eaLnBrk="1" fontAlgn="auto" latinLnBrk="0" hangingPunct="1">
+              <a:lnSpc>
+                <a:spcPct val="100000"/>
+              </a:lnSpc>
+              <a:spcBef>
+                <a:spcPts val="0"/>
+              </a:spcBef>
+              <a:spcAft>
+                <a:spcPts val="0"/>
+              </a:spcAft>
+              <a:buClrTx/>
+              <a:buSzTx/>
+              <a:buFontTx/>
+              <a:buNone/>
+              <a:tabLst/>
+              <a:defRPr/>
+            </a:pPr>
+            <a:r>
+              <a:rPr lang="en-US" altLang="zh-CN" sz="1600" b="0" i="0" u="none" strike="noStrike" kern="1200" baseline="0" dirty="0">
+                <a:solidFill>
+                  <a:schemeClr val="tx1"/>
+                </a:solidFill>
+                <a:latin typeface="Arial" charset="0"/>
+                <a:ea typeface="+mn-ea"/>
+                <a:cs typeface="+mn-cs"/>
+              </a:rPr>
+              <a:t>The components in the original circuit C can be split into two parts, </a:t>
+            </a:r>
+            <a:r>
+              <a:rPr lang="en-US" altLang="zh-CN" sz="1600" b="0" i="0" u="none" strike="noStrike" kern="1200" baseline="0" dirty="0" err="1">
+                <a:solidFill>
+                  <a:schemeClr val="tx1"/>
+                </a:solidFill>
+                <a:latin typeface="Arial" charset="0"/>
+                <a:ea typeface="+mn-ea"/>
+                <a:cs typeface="+mn-cs"/>
+              </a:rPr>
+              <a:t>i.e.,those</a:t>
+            </a:r>
+            <a:r>
+              <a:rPr lang="en-US" altLang="zh-CN" sz="1600" b="0" i="0" u="none" strike="noStrike" kern="1200" baseline="0" dirty="0">
+                <a:solidFill>
+                  <a:schemeClr val="tx1"/>
+                </a:solidFill>
+                <a:latin typeface="Arial" charset="0"/>
+                <a:ea typeface="+mn-ea"/>
+                <a:cs typeface="+mn-cs"/>
+              </a:rPr>
+              <a:t> on and off the critical paths denoted as </a:t>
+            </a:r>
+            <a:r>
+              <a:rPr lang="en-US" altLang="zh-CN" sz="1600" b="0" i="0" u="none" strike="noStrike" kern="1200" baseline="0" dirty="0" err="1">
+                <a:solidFill>
+                  <a:schemeClr val="tx1"/>
+                </a:solidFill>
+                <a:latin typeface="Arial" charset="0"/>
+                <a:ea typeface="+mn-ea"/>
+                <a:cs typeface="+mn-cs"/>
+              </a:rPr>
+              <a:t>CPi</a:t>
+            </a:r>
+            <a:r>
+              <a:rPr lang="en-US" altLang="zh-CN" sz="1600" b="0" i="0" u="none" strike="noStrike" kern="1200" baseline="0" dirty="0">
+                <a:solidFill>
+                  <a:schemeClr val="tx1"/>
+                </a:solidFill>
+                <a:latin typeface="Arial" charset="0"/>
+                <a:ea typeface="+mn-ea"/>
+                <a:cs typeface="+mn-cs"/>
+              </a:rPr>
+              <a:t> and </a:t>
+            </a:r>
+            <a:r>
+              <a:rPr lang="en-US" altLang="zh-CN" sz="1600" b="0" i="0" u="none" strike="noStrike" kern="1200" baseline="0" dirty="0" err="1">
+                <a:solidFill>
+                  <a:schemeClr val="tx1"/>
+                </a:solidFill>
+                <a:latin typeface="Arial" charset="0"/>
+                <a:ea typeface="+mn-ea"/>
+                <a:cs typeface="+mn-cs"/>
+              </a:rPr>
+              <a:t>NCPi</a:t>
+            </a:r>
+            <a:r>
+              <a:rPr lang="en-US" altLang="zh-CN" sz="1600" b="0" i="0" u="none" strike="noStrike" kern="1200" baseline="0" dirty="0">
+                <a:solidFill>
+                  <a:schemeClr val="tx1"/>
+                </a:solidFill>
+                <a:latin typeface="Arial" charset="0"/>
+                <a:ea typeface="+mn-ea"/>
+                <a:cs typeface="+mn-cs"/>
+              </a:rPr>
+              <a:t>, respectively.</a:t>
+            </a:r>
+          </a:p>
+          <a:p>
+            <a:pPr marL="0" marR="0" lvl="0" indent="0" algn="l" defTabSz="1219170" rtl="0" eaLnBrk="1" fontAlgn="auto" latinLnBrk="0" hangingPunct="1">
+              <a:lnSpc>
+                <a:spcPct val="100000"/>
+              </a:lnSpc>
+              <a:spcBef>
+                <a:spcPts val="0"/>
+              </a:spcBef>
+              <a:spcAft>
+                <a:spcPts val="0"/>
+              </a:spcAft>
+              <a:buClrTx/>
+              <a:buSzTx/>
+              <a:buFontTx/>
+              <a:buNone/>
+              <a:tabLst/>
+              <a:defRPr/>
+            </a:pPr>
+            <a:endParaRPr lang="zh-CN" altLang="en-US" dirty="0"/>
+          </a:p>
+          <a:p>
+            <a:endParaRPr lang="zh-CN" altLang="en-US" dirty="0"/>
+          </a:p>
+        </p:txBody>
+      </p:sp>
+      <p:sp>
+        <p:nvSpPr>
+          <p:cNvPr id="4" name="灯片编号占位符 3"/>
+          <p:cNvSpPr>
+            <a:spLocks noGrp="1"/>
+          </p:cNvSpPr>
+          <p:nvPr>
+            <p:ph type="sldNum" sz="quarter" idx="5"/>
+          </p:nvPr>
+        </p:nvSpPr>
+        <p:spPr/>
+        <p:txBody>
+          <a:bodyPr/>
+          <a:lstStyle/>
+          <a:p>
+            <a:fld id="{02322656-8894-1544-92AA-01B3CF5E6182}" type="slidenum">
+              <a:rPr lang="en-US" smtClean="0"/>
+              <a:pPr/>
+              <a:t>10</a:t>
+            </a:fld>
+            <a:endParaRPr lang="en-US" dirty="0"/>
+          </a:p>
+        </p:txBody>
+      </p:sp>
+    </p:spTree>
+    <p:extLst>
+      <p:ext uri="{BB962C8B-B14F-4D97-AF65-F5344CB8AC3E}">
+        <p14:creationId xmlns:p14="http://schemas.microsoft.com/office/powerpoint/2010/main" val="2702013047"/>
+      </p:ext>
+    </p:extLst>
+  </p:cSld>
+  <p:clrMapOvr>
+    <a:masterClrMapping/>
+  </p:clrMapOvr>
+</p:notes>
+</file>
+
+<file path=ppt/notesSlides/notesSlide8.xml><?xml version="1.0" encoding="utf-8"?>
+<p:notes xmlns:a="http://schemas.openxmlformats.org/drawingml/2006/main" xmlns:r="http://schemas.openxmlformats.org/officeDocument/2006/relationships" xmlns:p="http://schemas.openxmlformats.org/presentationml/2006/main">
+  <p:cSld>
+    <p:spTree>
+      <p:nvGrpSpPr>
+        <p:cNvPr id="1" name=""/>
+        <p:cNvGrpSpPr/>
+        <p:nvPr/>
+      </p:nvGrpSpPr>
+      <p:grpSpPr>
+        <a:xfrm>
+          <a:off x="0" y="0"/>
+          <a:ext cx="0" cy="0"/>
+          <a:chOff x="0" y="0"/>
+          <a:chExt cx="0" cy="0"/>
+        </a:xfrm>
+      </p:grpSpPr>
+      <p:sp>
+        <p:nvSpPr>
+          <p:cNvPr id="2" name="幻灯片图像占位符 1"/>
+          <p:cNvSpPr>
+            <a:spLocks noGrp="1" noRot="1" noChangeAspect="1"/>
+          </p:cNvSpPr>
+          <p:nvPr>
+            <p:ph type="sldImg"/>
+          </p:nvPr>
+        </p:nvSpPr>
+        <p:spPr/>
+      </p:sp>
+      <p:sp>
+        <p:nvSpPr>
+          <p:cNvPr id="3" name="备注占位符 2"/>
+          <p:cNvSpPr>
+            <a:spLocks noGrp="1"/>
+          </p:cNvSpPr>
+          <p:nvPr>
+            <p:ph type="body" idx="1"/>
+          </p:nvPr>
+        </p:nvSpPr>
+        <p:spPr/>
+        <p:txBody>
+          <a:bodyPr/>
+          <a:lstStyle/>
+          <a:p>
+            <a:r>
+              <a:rPr lang="en-US" altLang="zh-CN" sz="1600" b="0" i="0" u="none" strike="noStrike" kern="1200" baseline="0" dirty="0">
+                <a:solidFill>
+                  <a:schemeClr val="tx1"/>
+                </a:solidFill>
+                <a:latin typeface="Arial" charset="0"/>
+                <a:ea typeface="+mn-ea"/>
+                <a:cs typeface="+mn-cs"/>
+              </a:rPr>
+              <a:t>the critical paths are marked in brown and those components off the critical paths which are connected with </a:t>
+            </a:r>
+            <a:r>
+              <a:rPr lang="en-US" altLang="zh-CN" sz="1600" b="0" i="0" u="none" strike="noStrike" kern="1200" baseline="0" dirty="0" err="1">
+                <a:solidFill>
+                  <a:schemeClr val="tx1"/>
+                </a:solidFill>
+                <a:latin typeface="Arial" charset="0"/>
+                <a:ea typeface="+mn-ea"/>
+                <a:cs typeface="+mn-cs"/>
+              </a:rPr>
+              <a:t>VDDm</a:t>
+            </a:r>
+            <a:r>
+              <a:rPr lang="en-US" altLang="zh-CN" sz="1600" b="0" i="0" u="none" strike="noStrike" kern="1200" baseline="0" dirty="0">
+                <a:solidFill>
+                  <a:schemeClr val="tx1"/>
+                </a:solidFill>
+                <a:latin typeface="Arial" charset="0"/>
+                <a:ea typeface="+mn-ea"/>
+                <a:cs typeface="+mn-cs"/>
+              </a:rPr>
+              <a:t> are marked in blue </a:t>
+            </a:r>
+          </a:p>
+          <a:p>
+            <a:endParaRPr lang="zh-CN" altLang="en-US" dirty="0"/>
+          </a:p>
+        </p:txBody>
+      </p:sp>
+      <p:sp>
+        <p:nvSpPr>
+          <p:cNvPr id="4" name="灯片编号占位符 3"/>
+          <p:cNvSpPr>
+            <a:spLocks noGrp="1"/>
+          </p:cNvSpPr>
+          <p:nvPr>
+            <p:ph type="sldNum" sz="quarter" idx="5"/>
+          </p:nvPr>
+        </p:nvSpPr>
+        <p:spPr/>
+        <p:txBody>
+          <a:bodyPr/>
+          <a:lstStyle/>
+          <a:p>
+            <a:fld id="{02322656-8894-1544-92AA-01B3CF5E6182}" type="slidenum">
+              <a:rPr lang="en-US" smtClean="0"/>
+              <a:pPr/>
+              <a:t>11</a:t>
+            </a:fld>
+            <a:endParaRPr lang="en-US" dirty="0"/>
+          </a:p>
+        </p:txBody>
+      </p:sp>
+    </p:spTree>
+    <p:extLst>
+      <p:ext uri="{BB962C8B-B14F-4D97-AF65-F5344CB8AC3E}">
+        <p14:creationId xmlns:p14="http://schemas.microsoft.com/office/powerpoint/2010/main" val="2667024294"/>
+      </p:ext>
+    </p:extLst>
+  </p:cSld>
+  <p:clrMapOvr>
+    <a:masterClrMapping/>
+  </p:clrMapOvr>
+</p:notes>
+</file>
+
+<file path=ppt/notesSlides/notesSlide9.xml><?xml version="1.0" encoding="utf-8"?>
+<p:notes xmlns:a="http://schemas.openxmlformats.org/drawingml/2006/main" xmlns:r="http://schemas.openxmlformats.org/officeDocument/2006/relationships" xmlns:p="http://schemas.openxmlformats.org/presentationml/2006/main">
+  <p:cSld>
+    <p:spTree>
+      <p:nvGrpSpPr>
+        <p:cNvPr id="1" name=""/>
+        <p:cNvGrpSpPr/>
+        <p:nvPr/>
+      </p:nvGrpSpPr>
+      <p:grpSpPr>
+        <a:xfrm>
+          <a:off x="0" y="0"/>
+          <a:ext cx="0" cy="0"/>
+          <a:chOff x="0" y="0"/>
+          <a:chExt cx="0" cy="0"/>
+        </a:xfrm>
+      </p:grpSpPr>
+      <p:sp>
+        <p:nvSpPr>
+          <p:cNvPr id="2" name="幻灯片图像占位符 1"/>
+          <p:cNvSpPr>
+            <a:spLocks noGrp="1" noRot="1" noChangeAspect="1"/>
+          </p:cNvSpPr>
+          <p:nvPr>
+            <p:ph type="sldImg"/>
+          </p:nvPr>
+        </p:nvSpPr>
+        <p:spPr/>
+      </p:sp>
+      <p:sp>
+        <p:nvSpPr>
+          <p:cNvPr id="3" name="备注占位符 2"/>
+          <p:cNvSpPr>
+            <a:spLocks noGrp="1"/>
+          </p:cNvSpPr>
+          <p:nvPr>
+            <p:ph type="body" idx="1"/>
+          </p:nvPr>
+        </p:nvSpPr>
+        <p:spPr/>
+        <p:txBody>
+          <a:bodyPr/>
+          <a:lstStyle/>
+          <a:p>
+            <a:r>
+              <a:rPr lang="en-US" altLang="zh-CN" sz="1600" b="0" i="0" u="none" strike="noStrike" kern="1200" baseline="0" dirty="0">
+                <a:solidFill>
+                  <a:schemeClr val="tx1"/>
+                </a:solidFill>
+                <a:latin typeface="Arial" charset="0"/>
+                <a:ea typeface="+mn-ea"/>
+                <a:cs typeface="+mn-cs"/>
+              </a:rPr>
+              <a:t>When the FF makes a 0 to 1 or 1 to 0 transition during the clock pulse window (</a:t>
+            </a:r>
+            <a:r>
+              <a:rPr lang="en-US" altLang="zh-CN" sz="1600" b="0" i="0" u="none" strike="noStrike" kern="1200" baseline="0" dirty="0" err="1">
+                <a:solidFill>
+                  <a:schemeClr val="tx1"/>
+                </a:solidFill>
+                <a:latin typeface="Arial" charset="0"/>
+                <a:ea typeface="+mn-ea"/>
+                <a:cs typeface="+mn-cs"/>
+              </a:rPr>
+              <a:t>tCLKp</a:t>
+            </a:r>
+            <a:r>
+              <a:rPr lang="en-US" altLang="zh-CN" sz="1600" b="0" i="0" u="none" strike="noStrike" kern="1200" baseline="0" dirty="0">
+                <a:solidFill>
+                  <a:schemeClr val="tx1"/>
+                </a:solidFill>
+                <a:latin typeface="Arial" charset="0"/>
+                <a:ea typeface="+mn-ea"/>
+                <a:cs typeface="+mn-cs"/>
+              </a:rPr>
+              <a:t> ), one of the pass-transistor gates controlled by D or DB is switched off while the other one outputs 0. So the short-circuit path is shut down, i.e., the CU is off.</a:t>
+            </a:r>
+          </a:p>
+          <a:p>
+            <a:r>
+              <a:rPr lang="en-US" altLang="zh-CN" sz="1600" b="0" i="0" u="none" strike="noStrike" kern="1200" baseline="0" dirty="0">
+                <a:solidFill>
+                  <a:schemeClr val="tx1"/>
+                </a:solidFill>
+                <a:latin typeface="Arial" charset="0"/>
+                <a:ea typeface="+mn-ea"/>
+                <a:cs typeface="+mn-cs"/>
+              </a:rPr>
+              <a:t>Otherwise, when the inputs of FF keep unchanged, the CU is turned on, which consumes compensatory dynamic power during </a:t>
+            </a:r>
+            <a:r>
+              <a:rPr lang="en-US" altLang="zh-CN" sz="1600" b="0" i="0" u="none" strike="noStrike" kern="1200" baseline="0" dirty="0" err="1">
+                <a:solidFill>
+                  <a:schemeClr val="tx1"/>
+                </a:solidFill>
+                <a:latin typeface="Arial" charset="0"/>
+                <a:ea typeface="+mn-ea"/>
+                <a:cs typeface="+mn-cs"/>
+              </a:rPr>
+              <a:t>CLKp</a:t>
+            </a:r>
+            <a:r>
+              <a:rPr lang="en-US" altLang="zh-CN" sz="1600" b="0" i="0" u="none" strike="noStrike" kern="1200" baseline="0" dirty="0">
+                <a:solidFill>
+                  <a:schemeClr val="tx1"/>
+                </a:solidFill>
+                <a:latin typeface="Arial" charset="0"/>
+                <a:ea typeface="+mn-ea"/>
+                <a:cs typeface="+mn-cs"/>
+              </a:rPr>
+              <a:t>.</a:t>
+            </a:r>
+          </a:p>
+          <a:p>
+            <a:r>
+              <a:rPr lang="en-US" altLang="zh-CN" sz="1600" b="0" i="0" u="none" strike="noStrike" kern="1200" baseline="0" dirty="0">
+                <a:solidFill>
+                  <a:schemeClr val="tx1"/>
+                </a:solidFill>
+                <a:latin typeface="Arial" charset="0"/>
+                <a:ea typeface="+mn-ea"/>
+                <a:cs typeface="+mn-cs"/>
+              </a:rPr>
+              <a:t>As aforementioned, the total power of FPL-FF (</a:t>
+            </a:r>
+            <a:r>
+              <a:rPr lang="en-US" altLang="zh-CN" sz="1600" b="0" i="0" u="none" strike="noStrike" kern="1200" baseline="0" dirty="0" err="1">
+                <a:solidFill>
+                  <a:schemeClr val="tx1"/>
+                </a:solidFill>
+                <a:latin typeface="Arial" charset="0"/>
+                <a:ea typeface="+mn-ea"/>
+                <a:cs typeface="+mn-cs"/>
+              </a:rPr>
+              <a:t>Ptotal</a:t>
+            </a:r>
+            <a:r>
+              <a:rPr lang="en-US" altLang="zh-CN" sz="1600" b="0" i="0" u="none" strike="noStrike" kern="1200" baseline="0" dirty="0">
+                <a:solidFill>
+                  <a:schemeClr val="tx1"/>
+                </a:solidFill>
+                <a:latin typeface="Arial" charset="0"/>
+                <a:ea typeface="+mn-ea"/>
+                <a:cs typeface="+mn-cs"/>
+              </a:rPr>
+              <a:t>) consists of three parts: the power of original FF (PFF ), the power of CVL unit</a:t>
+            </a:r>
+          </a:p>
+          <a:p>
+            <a:r>
+              <a:rPr lang="en-US" altLang="zh-CN" sz="1600" b="0" i="0" u="none" strike="noStrike" kern="1200" baseline="0" dirty="0">
+                <a:solidFill>
+                  <a:schemeClr val="tx1"/>
+                </a:solidFill>
+                <a:latin typeface="Arial" charset="0"/>
+                <a:ea typeface="+mn-ea"/>
+                <a:cs typeface="+mn-cs"/>
+              </a:rPr>
+              <a:t>(PCV L) and the power of CU (PCU). So the randomness of power is derived from the uncertain sum of three parts relying on </a:t>
+            </a:r>
+            <a:r>
+              <a:rPr lang="en-US" altLang="zh-CN" sz="1600" b="0" i="0" u="none" strike="noStrike" kern="1200" baseline="0" dirty="0" err="1">
+                <a:solidFill>
+                  <a:schemeClr val="tx1"/>
+                </a:solidFill>
+                <a:latin typeface="Arial" charset="0"/>
+                <a:ea typeface="+mn-ea"/>
+                <a:cs typeface="+mn-cs"/>
+              </a:rPr>
+              <a:t>VDDm</a:t>
+            </a:r>
+            <a:r>
+              <a:rPr lang="en-US" altLang="zh-CN" sz="1600" b="0" i="0" u="none" strike="noStrike" kern="1200" baseline="0" dirty="0">
+                <a:solidFill>
+                  <a:schemeClr val="tx1"/>
+                </a:solidFill>
+                <a:latin typeface="Arial" charset="0"/>
+                <a:ea typeface="+mn-ea"/>
+                <a:cs typeface="+mn-cs"/>
+              </a:rPr>
+              <a:t>.</a:t>
+            </a:r>
+            <a:endParaRPr lang="zh-CN" altLang="en-US" dirty="0"/>
+          </a:p>
+        </p:txBody>
+      </p:sp>
+      <p:sp>
+        <p:nvSpPr>
+          <p:cNvPr id="4" name="灯片编号占位符 3"/>
+          <p:cNvSpPr>
+            <a:spLocks noGrp="1"/>
+          </p:cNvSpPr>
+          <p:nvPr>
+            <p:ph type="sldNum" sz="quarter" idx="5"/>
+          </p:nvPr>
+        </p:nvSpPr>
+        <p:spPr/>
+        <p:txBody>
+          <a:bodyPr/>
+          <a:lstStyle/>
+          <a:p>
+            <a:fld id="{02322656-8894-1544-92AA-01B3CF5E6182}" type="slidenum">
+              <a:rPr lang="en-US" smtClean="0"/>
+              <a:pPr/>
+              <a:t>12</a:t>
+            </a:fld>
+            <a:endParaRPr lang="en-US" dirty="0"/>
+          </a:p>
+        </p:txBody>
+      </p:sp>
+    </p:spTree>
+    <p:extLst>
+      <p:ext uri="{BB962C8B-B14F-4D97-AF65-F5344CB8AC3E}">
+        <p14:creationId xmlns:p14="http://schemas.microsoft.com/office/powerpoint/2010/main" val="864290698"/>
       </p:ext>
     </p:extLst>
   </p:cSld>
@@ -1346,7 +2710,7 @@
           </a:bodyPr>
           <a:lstStyle>
             <a:lvl1pPr>
-              <a:defRPr sz="3200" b="0"/>
+              <a:defRPr sz="3600" b="0"/>
             </a:lvl1pPr>
           </a:lstStyle>
           <a:p>
@@ -2643,7 +4007,14 @@
           <a:p>
             <a:r>
               <a:rPr lang="en-US" altLang="zh-CN" sz="4800" cap="none" dirty="0"/>
-              <a:t>Fluctuating Power Logic: SCA Protection By V</a:t>
+              <a:t>Fluctuating Power Logic: </a:t>
+            </a:r>
+            <a:br>
+              <a:rPr lang="en-US" altLang="zh-CN" sz="4800" cap="none" dirty="0"/>
+            </a:br>
+            <a:r>
+              <a:rPr lang="en-US" altLang="zh-CN" sz="4800" cap="none" dirty="0"/>
+              <a:t>SCA Protection By V</a:t>
             </a:r>
             <a:r>
               <a:rPr lang="en-US" altLang="zh-CN" sz="4800" cap="none" baseline="-25000" dirty="0"/>
@@ -2692,6 +4063,430 @@
           <p:cNvPr id="2" name="内容占位符 1">
             <a:extLst>
               <a:ext uri="{FF2B5EF4-FFF2-40B4-BE49-F238E27FC236}">
+                <a16:creationId xmlns:a16="http://schemas.microsoft.com/office/drawing/2014/main" id="{8105B43A-A9B9-42C0-A9A7-0010ED6F361F}"/>
+              </a:ext>
+            </a:extLst>
+          </p:cNvPr>
+          <p:cNvSpPr>
+            <a:spLocks noGrp="1"/>
+          </p:cNvSpPr>
+          <p:nvPr>
+            <p:ph sz="quarter" idx="10"/>
+          </p:nvPr>
+        </p:nvSpPr>
+        <p:spPr/>
+        <p:txBody>
+          <a:bodyPr/>
+          <a:lstStyle/>
+          <a:p>
+            <a:r>
+              <a:rPr lang="en-US" altLang="zh-CN" sz="2800" dirty="0"/>
+              <a:t>CP: circuit on critical path</a:t>
+            </a:r>
+          </a:p>
+          <a:p>
+            <a:r>
+              <a:rPr lang="en-US" altLang="zh-CN" sz="2800" dirty="0"/>
+              <a:t>NCP: circuit on non-critical path</a:t>
+            </a:r>
+            <a:endParaRPr lang="zh-CN" altLang="en-US" sz="2800" dirty="0"/>
+          </a:p>
+        </p:txBody>
+      </p:sp>
+      <p:sp>
+        <p:nvSpPr>
+          <p:cNvPr id="3" name="标题 2">
+            <a:extLst>
+              <a:ext uri="{FF2B5EF4-FFF2-40B4-BE49-F238E27FC236}">
+                <a16:creationId xmlns:a16="http://schemas.microsoft.com/office/drawing/2014/main" id="{B5348497-1149-4878-9B35-A71068589C12}"/>
+              </a:ext>
+            </a:extLst>
+          </p:cNvPr>
+          <p:cNvSpPr>
+            <a:spLocks noGrp="1"/>
+          </p:cNvSpPr>
+          <p:nvPr>
+            <p:ph type="title"/>
+          </p:nvPr>
+        </p:nvSpPr>
+        <p:spPr/>
+        <p:txBody>
+          <a:bodyPr/>
+          <a:lstStyle/>
+          <a:p>
+            <a:r>
+              <a:rPr lang="en-US" altLang="zh-CN" dirty="0"/>
+              <a:t>cascade voltage logic(CVL) </a:t>
+            </a:r>
+            <a:endParaRPr lang="zh-CN" altLang="en-US" dirty="0"/>
+          </a:p>
+        </p:txBody>
+      </p:sp>
+      <p:pic>
+        <p:nvPicPr>
+          <p:cNvPr id="4" name="内容占位符 3">
+            <a:extLst>
+              <a:ext uri="{FF2B5EF4-FFF2-40B4-BE49-F238E27FC236}">
+                <a16:creationId xmlns:a16="http://schemas.microsoft.com/office/drawing/2014/main" id="{66D6D901-DCC3-4664-94AB-CDA5C64A2DC5}"/>
+              </a:ext>
+            </a:extLst>
+          </p:cNvPr>
+          <p:cNvPicPr>
+            <a:picLocks noChangeAspect="1"/>
+          </p:cNvPicPr>
+          <p:nvPr/>
+        </p:nvPicPr>
+        <p:blipFill>
+          <a:blip r:embed="rId3"/>
+          <a:stretch>
+            <a:fillRect/>
+          </a:stretch>
+        </p:blipFill>
+        <p:spPr>
+          <a:xfrm>
+            <a:off x="682542" y="3429000"/>
+            <a:ext cx="8713746" cy="2891004"/>
+          </a:xfrm>
+          <a:prstGeom prst="rect">
+            <a:avLst/>
+          </a:prstGeom>
+        </p:spPr>
+      </p:pic>
+    </p:spTree>
+    <p:extLst>
+      <p:ext uri="{BB962C8B-B14F-4D97-AF65-F5344CB8AC3E}">
+        <p14:creationId xmlns:p14="http://schemas.microsoft.com/office/powerpoint/2010/main" val="3329766639"/>
+      </p:ext>
+    </p:extLst>
+  </p:cSld>
+  <p:clrMapOvr>
+    <a:masterClrMapping/>
+  </p:clrMapOvr>
+</p:sld>
+</file>
+
+<file path=ppt/slides/slide11.xml><?xml version="1.0" encoding="utf-8"?>
+<p:sld xmlns:a="http://schemas.openxmlformats.org/drawingml/2006/main" xmlns:r="http://schemas.openxmlformats.org/officeDocument/2006/relationships" xmlns:p="http://schemas.openxmlformats.org/presentationml/2006/main">
+  <p:cSld>
+    <p:spTree>
+      <p:nvGrpSpPr>
+        <p:cNvPr id="1" name=""/>
+        <p:cNvGrpSpPr/>
+        <p:nvPr/>
+      </p:nvGrpSpPr>
+      <p:grpSpPr>
+        <a:xfrm>
+          <a:off x="0" y="0"/>
+          <a:ext cx="0" cy="0"/>
+          <a:chOff x="0" y="0"/>
+          <a:chExt cx="0" cy="0"/>
+        </a:xfrm>
+      </p:grpSpPr>
+      <p:sp>
+        <p:nvSpPr>
+          <p:cNvPr id="2" name="内容占位符 1">
+            <a:extLst>
+              <a:ext uri="{FF2B5EF4-FFF2-40B4-BE49-F238E27FC236}">
+                <a16:creationId xmlns:a16="http://schemas.microsoft.com/office/drawing/2014/main" id="{E2DAE2ED-16EA-4194-B690-97A91408083F}"/>
+              </a:ext>
+            </a:extLst>
+          </p:cNvPr>
+          <p:cNvSpPr>
+            <a:spLocks noGrp="1"/>
+          </p:cNvSpPr>
+          <p:nvPr>
+            <p:ph sz="quarter" idx="10"/>
+          </p:nvPr>
+        </p:nvSpPr>
+        <p:spPr/>
+        <p:txBody>
+          <a:bodyPr/>
+          <a:lstStyle/>
+          <a:p>
+            <a:r>
+              <a:rPr lang="en-US" altLang="zh-CN" dirty="0"/>
+              <a:t>Critical paths marked in brown</a:t>
+            </a:r>
+          </a:p>
+          <a:p>
+            <a:r>
+              <a:rPr lang="en-US" altLang="zh-CN" dirty="0"/>
+              <a:t>Non-critical paths marked in blue</a:t>
+            </a:r>
+          </a:p>
+          <a:p>
+            <a:r>
+              <a:rPr lang="en-US" altLang="zh-CN" dirty="0"/>
+              <a:t>Transistors connected with </a:t>
+            </a:r>
+            <a:r>
+              <a:rPr lang="en-US" altLang="zh-CN" dirty="0" err="1"/>
+              <a:t>VDD</a:t>
+            </a:r>
+            <a:r>
+              <a:rPr lang="en-US" altLang="zh-CN" baseline="-25000" dirty="0" err="1"/>
+              <a:t>m</a:t>
+            </a:r>
+            <a:r>
+              <a:rPr lang="en-US" altLang="zh-CN" dirty="0"/>
+              <a:t> </a:t>
+            </a:r>
+          </a:p>
+          <a:p>
+            <a:pPr marL="0" indent="0">
+              <a:buNone/>
+            </a:pPr>
+            <a:r>
+              <a:rPr lang="en-US" altLang="zh-CN" dirty="0"/>
+              <a:t>	marked in grey  </a:t>
+            </a:r>
+          </a:p>
+          <a:p>
+            <a:endParaRPr lang="zh-CN" altLang="en-US" dirty="0"/>
+          </a:p>
+        </p:txBody>
+      </p:sp>
+      <p:sp>
+        <p:nvSpPr>
+          <p:cNvPr id="3" name="标题 2">
+            <a:extLst>
+              <a:ext uri="{FF2B5EF4-FFF2-40B4-BE49-F238E27FC236}">
+                <a16:creationId xmlns:a16="http://schemas.microsoft.com/office/drawing/2014/main" id="{FBFC8AC4-1B0B-418D-BBB4-17D77E82C362}"/>
+              </a:ext>
+            </a:extLst>
+          </p:cNvPr>
+          <p:cNvSpPr>
+            <a:spLocks noGrp="1"/>
+          </p:cNvSpPr>
+          <p:nvPr>
+            <p:ph type="title"/>
+          </p:nvPr>
+        </p:nvSpPr>
+        <p:spPr/>
+        <p:txBody>
+          <a:bodyPr/>
+          <a:lstStyle/>
+          <a:p>
+            <a:r>
+              <a:rPr lang="en-US" altLang="zh-CN" dirty="0"/>
+              <a:t>Modified FF with FPL</a:t>
+            </a:r>
+            <a:endParaRPr lang="zh-CN" altLang="en-US" dirty="0"/>
+          </a:p>
+        </p:txBody>
+      </p:sp>
+      <p:pic>
+        <p:nvPicPr>
+          <p:cNvPr id="4" name="图片 3">
+            <a:extLst>
+              <a:ext uri="{FF2B5EF4-FFF2-40B4-BE49-F238E27FC236}">
+                <a16:creationId xmlns:a16="http://schemas.microsoft.com/office/drawing/2014/main" id="{2A1979C5-0E82-4994-A960-7A2E2F8C5000}"/>
+              </a:ext>
+            </a:extLst>
+          </p:cNvPr>
+          <p:cNvPicPr>
+            <a:picLocks noChangeAspect="1"/>
+          </p:cNvPicPr>
+          <p:nvPr/>
+        </p:nvPicPr>
+        <p:blipFill>
+          <a:blip r:embed="rId3"/>
+          <a:stretch>
+            <a:fillRect/>
+          </a:stretch>
+        </p:blipFill>
+        <p:spPr>
+          <a:xfrm>
+            <a:off x="5580362" y="1356865"/>
+            <a:ext cx="5747401" cy="5022767"/>
+          </a:xfrm>
+          <a:prstGeom prst="rect">
+            <a:avLst/>
+          </a:prstGeom>
+        </p:spPr>
+      </p:pic>
+    </p:spTree>
+    <p:extLst>
+      <p:ext uri="{BB962C8B-B14F-4D97-AF65-F5344CB8AC3E}">
+        <p14:creationId xmlns:p14="http://schemas.microsoft.com/office/powerpoint/2010/main" val="2186359727"/>
+      </p:ext>
+    </p:extLst>
+  </p:cSld>
+  <p:clrMapOvr>
+    <a:masterClrMapping/>
+  </p:clrMapOvr>
+</p:sld>
+</file>
+
+<file path=ppt/slides/slide12.xml><?xml version="1.0" encoding="utf-8"?>
+<p:sld xmlns:a="http://schemas.openxmlformats.org/drawingml/2006/main" xmlns:r="http://schemas.openxmlformats.org/officeDocument/2006/relationships" xmlns:p="http://schemas.openxmlformats.org/presentationml/2006/main">
+  <p:cSld>
+    <p:spTree>
+      <p:nvGrpSpPr>
+        <p:cNvPr id="1" name=""/>
+        <p:cNvGrpSpPr/>
+        <p:nvPr/>
+      </p:nvGrpSpPr>
+      <p:grpSpPr>
+        <a:xfrm>
+          <a:off x="0" y="0"/>
+          <a:ext cx="0" cy="0"/>
+          <a:chOff x="0" y="0"/>
+          <a:chExt cx="0" cy="0"/>
+        </a:xfrm>
+      </p:grpSpPr>
+      <p:sp>
+        <p:nvSpPr>
+          <p:cNvPr id="2" name="内容占位符 1">
+            <a:extLst>
+              <a:ext uri="{FF2B5EF4-FFF2-40B4-BE49-F238E27FC236}">
+                <a16:creationId xmlns:a16="http://schemas.microsoft.com/office/drawing/2014/main" id="{AC093D86-76D3-46B5-805D-F0D1F813C3CE}"/>
+              </a:ext>
+            </a:extLst>
+          </p:cNvPr>
+          <p:cNvSpPr>
+            <a:spLocks noGrp="1"/>
+          </p:cNvSpPr>
+          <p:nvPr>
+            <p:ph sz="quarter" idx="10"/>
+          </p:nvPr>
+        </p:nvSpPr>
+        <p:spPr/>
+        <p:txBody>
+          <a:bodyPr/>
+          <a:lstStyle/>
+          <a:p>
+            <a:r>
+              <a:rPr lang="en-US" altLang="zh-CN" dirty="0"/>
+              <a:t>the power consumption for variant data transitions (0 →1 and 1→0) is larger than that for invariant ones (0→0 and 1→1)</a:t>
+            </a:r>
+          </a:p>
+          <a:p>
+            <a:r>
+              <a:rPr lang="en-US" altLang="zh-CN" dirty="0"/>
+              <a:t>When the FF makes a 0→1 or 1→0</a:t>
+            </a:r>
+          </a:p>
+          <a:p>
+            <a:pPr marL="0" indent="0">
+              <a:buNone/>
+            </a:pPr>
+            <a:r>
+              <a:rPr lang="en-US" altLang="zh-CN" dirty="0"/>
+              <a:t>	the CU is off</a:t>
+            </a:r>
+          </a:p>
+          <a:p>
+            <a:r>
+              <a:rPr lang="en-US" altLang="zh-CN" dirty="0"/>
+              <a:t>when the inputs of FF keep unchanged</a:t>
+            </a:r>
+          </a:p>
+          <a:p>
+            <a:pPr marL="0" indent="0">
+              <a:buNone/>
+            </a:pPr>
+            <a:r>
+              <a:rPr lang="en-US" altLang="zh-CN" dirty="0"/>
+              <a:t>	the CU is turned on</a:t>
+            </a:r>
+          </a:p>
+        </p:txBody>
+      </p:sp>
+      <p:sp>
+        <p:nvSpPr>
+          <p:cNvPr id="3" name="标题 2">
+            <a:extLst>
+              <a:ext uri="{FF2B5EF4-FFF2-40B4-BE49-F238E27FC236}">
+                <a16:creationId xmlns:a16="http://schemas.microsoft.com/office/drawing/2014/main" id="{FE9B6BED-E651-4289-8242-7161559F6395}"/>
+              </a:ext>
+            </a:extLst>
+          </p:cNvPr>
+          <p:cNvSpPr>
+            <a:spLocks noGrp="1"/>
+          </p:cNvSpPr>
+          <p:nvPr>
+            <p:ph type="title"/>
+          </p:nvPr>
+        </p:nvSpPr>
+        <p:spPr/>
+        <p:txBody>
+          <a:bodyPr/>
+          <a:lstStyle/>
+          <a:p>
+            <a:r>
+              <a:rPr lang="en-US" altLang="zh-CN" dirty="0"/>
+              <a:t>compensatory unit (CU)</a:t>
+            </a:r>
+            <a:endParaRPr lang="zh-CN" altLang="en-US" dirty="0"/>
+          </a:p>
+        </p:txBody>
+      </p:sp>
+      <p:pic>
+        <p:nvPicPr>
+          <p:cNvPr id="6" name="图片 5">
+            <a:extLst>
+              <a:ext uri="{FF2B5EF4-FFF2-40B4-BE49-F238E27FC236}">
+                <a16:creationId xmlns:a16="http://schemas.microsoft.com/office/drawing/2014/main" id="{26349635-BD07-4A18-8106-D3DE6D728918}"/>
+              </a:ext>
+            </a:extLst>
+          </p:cNvPr>
+          <p:cNvPicPr>
+            <a:picLocks noChangeAspect="1"/>
+          </p:cNvPicPr>
+          <p:nvPr/>
+        </p:nvPicPr>
+        <p:blipFill>
+          <a:blip r:embed="rId3"/>
+          <a:stretch>
+            <a:fillRect/>
+          </a:stretch>
+        </p:blipFill>
+        <p:spPr>
+          <a:xfrm>
+            <a:off x="7926351" y="2889476"/>
+            <a:ext cx="3156177" cy="2274829"/>
+          </a:xfrm>
+          <a:prstGeom prst="rect">
+            <a:avLst/>
+          </a:prstGeom>
+        </p:spPr>
+      </p:pic>
+    </p:spTree>
+    <p:extLst>
+      <p:ext uri="{BB962C8B-B14F-4D97-AF65-F5344CB8AC3E}">
+        <p14:creationId xmlns:p14="http://schemas.microsoft.com/office/powerpoint/2010/main" val="3856115087"/>
+      </p:ext>
+    </p:extLst>
+  </p:cSld>
+  <p:clrMapOvr>
+    <a:masterClrMapping/>
+  </p:clrMapOvr>
+</p:sld>
+</file>
+
+<file path=ppt/slides/slide13.xml><?xml version="1.0" encoding="utf-8"?>
+<p:sld xmlns:a="http://schemas.openxmlformats.org/drawingml/2006/main" xmlns:r="http://schemas.openxmlformats.org/officeDocument/2006/relationships" xmlns:p="http://schemas.openxmlformats.org/presentationml/2006/main">
+  <p:cSld>
+    <p:spTree>
+      <p:nvGrpSpPr>
+        <p:cNvPr id="1" name=""/>
+        <p:cNvGrpSpPr/>
+        <p:nvPr/>
+      </p:nvGrpSpPr>
+      <p:grpSpPr>
+        <a:xfrm>
+          <a:off x="0" y="0"/>
+          <a:ext cx="0" cy="0"/>
+          <a:chOff x="0" y="0"/>
+          <a:chExt cx="0" cy="0"/>
+        </a:xfrm>
+      </p:grpSpPr>
+      <p:sp>
+        <p:nvSpPr>
+          <p:cNvPr id="2" name="内容占位符 1">
+            <a:extLst>
+              <a:ext uri="{FF2B5EF4-FFF2-40B4-BE49-F238E27FC236}">
                 <a16:creationId xmlns:a16="http://schemas.microsoft.com/office/drawing/2014/main" id="{7BB6FC00-3FDC-473B-BD7E-3A85676BF280}"/>
               </a:ext>
             </a:extLst>
@@ -2703,12 +4498,21 @@
             <p:ph sz="quarter" idx="10"/>
           </p:nvPr>
         </p:nvSpPr>
-        <p:spPr/>
+        <p:spPr>
+          <a:xfrm>
+            <a:off x="566928" y="1815302"/>
+            <a:ext cx="10515600" cy="3848100"/>
+          </a:xfrm>
+        </p:spPr>
         <p:txBody>
           <a:bodyPr/>
           <a:lstStyle/>
           <a:p>
-            <a:endParaRPr lang="zh-CN" altLang="en-US"/>
+            <a:r>
+              <a:rPr lang="en-US" altLang="zh-CN" sz="3200" dirty="0"/>
+              <a:t>Testbench</a:t>
+            </a:r>
+            <a:endParaRPr lang="zh-CN" altLang="en-US" sz="3200" dirty="0"/>
           </a:p>
         </p:txBody>
       </p:sp>
@@ -2733,7 +4537,11 @@
           <a:bodyPr/>
           <a:lstStyle/>
           <a:p>
-            <a:endParaRPr lang="zh-CN" altLang="en-US"/>
+            <a:r>
+              <a:rPr lang="en-US" altLang="zh-CN" dirty="0"/>
+              <a:t>3. Simulation</a:t>
+            </a:r>
+            <a:endParaRPr lang="zh-CN" altLang="en-US" dirty="0"/>
           </a:p>
         </p:txBody>
       </p:sp>
@@ -2743,6 +4551,280 @@
             <a:extLst>
               <a:ext uri="{FF2B5EF4-FFF2-40B4-BE49-F238E27FC236}">
                 <a16:creationId xmlns:a16="http://schemas.microsoft.com/office/drawing/2014/main" id="{41B7D7D9-53FD-4E23-AD8B-6A57B3E914C1}"/>
+              </a:ext>
+            </a:extLst>
+          </p:cNvPr>
+          <p:cNvPicPr>
+            <a:picLocks noChangeAspect="1"/>
+          </p:cNvPicPr>
+          <p:nvPr/>
+        </p:nvPicPr>
+        <p:blipFill>
+          <a:blip r:embed="rId3"/>
+          <a:stretch>
+            <a:fillRect/>
+          </a:stretch>
+        </p:blipFill>
+        <p:spPr>
+          <a:xfrm>
+            <a:off x="566928" y="2457559"/>
+            <a:ext cx="7905275" cy="3848100"/>
+          </a:xfrm>
+          <a:prstGeom prst="rect">
+            <a:avLst/>
+          </a:prstGeom>
+        </p:spPr>
+      </p:pic>
+    </p:spTree>
+    <p:extLst>
+      <p:ext uri="{BB962C8B-B14F-4D97-AF65-F5344CB8AC3E}">
+        <p14:creationId xmlns:p14="http://schemas.microsoft.com/office/powerpoint/2010/main" val="2418458100"/>
+      </p:ext>
+    </p:extLst>
+  </p:cSld>
+  <p:clrMapOvr>
+    <a:masterClrMapping/>
+  </p:clrMapOvr>
+</p:sld>
+</file>
+
+<file path=ppt/slides/slide14.xml><?xml version="1.0" encoding="utf-8"?>
+<p:sld xmlns:a="http://schemas.openxmlformats.org/drawingml/2006/main" xmlns:r="http://schemas.openxmlformats.org/officeDocument/2006/relationships" xmlns:p="http://schemas.openxmlformats.org/presentationml/2006/main">
+  <p:cSld>
+    <p:spTree>
+      <p:nvGrpSpPr>
+        <p:cNvPr id="1" name=""/>
+        <p:cNvGrpSpPr/>
+        <p:nvPr/>
+      </p:nvGrpSpPr>
+      <p:grpSpPr>
+        <a:xfrm>
+          <a:off x="0" y="0"/>
+          <a:ext cx="0" cy="0"/>
+          <a:chOff x="0" y="0"/>
+          <a:chExt cx="0" cy="0"/>
+        </a:xfrm>
+      </p:grpSpPr>
+      <p:sp>
+        <p:nvSpPr>
+          <p:cNvPr id="2" name="内容占位符 1">
+            <a:extLst>
+              <a:ext uri="{FF2B5EF4-FFF2-40B4-BE49-F238E27FC236}">
+                <a16:creationId xmlns:a16="http://schemas.microsoft.com/office/drawing/2014/main" id="{C53AF7A3-EA6E-432A-9C23-A9E1F7EC31B2}"/>
+              </a:ext>
+            </a:extLst>
+          </p:cNvPr>
+          <p:cNvSpPr>
+            <a:spLocks noGrp="1"/>
+          </p:cNvSpPr>
+          <p:nvPr>
+            <p:ph sz="quarter" idx="10"/>
+          </p:nvPr>
+        </p:nvSpPr>
+        <p:spPr/>
+        <p:txBody>
+          <a:bodyPr/>
+          <a:lstStyle/>
+          <a:p>
+            <a:r>
+              <a:rPr lang="zh-CN" altLang="en-US" dirty="0"/>
+              <a:t>（</a:t>
+            </a:r>
+            <a:r>
+              <a:rPr lang="en-US" altLang="zh-CN" dirty="0"/>
+              <a:t>GE</a:t>
+            </a:r>
+            <a:r>
+              <a:rPr lang="zh-CN" altLang="en-US" dirty="0"/>
+              <a:t>）</a:t>
+            </a:r>
+            <a:r>
+              <a:rPr lang="en-US" altLang="zh-CN" dirty="0"/>
+              <a:t>Gate equivalents</a:t>
+            </a:r>
+          </a:p>
+          <a:p>
+            <a:r>
+              <a:rPr lang="en-US" altLang="zh-CN" dirty="0"/>
+              <a:t>(SC-FF)  standard-cell-based FF</a:t>
+            </a:r>
+          </a:p>
+          <a:p>
+            <a:r>
+              <a:rPr lang="en-US" altLang="zh-CN" dirty="0"/>
+              <a:t>(WDDL) dynamic differential logic </a:t>
+            </a:r>
+            <a:endParaRPr lang="zh-CN" altLang="en-US" dirty="0"/>
+          </a:p>
+        </p:txBody>
+      </p:sp>
+      <p:sp>
+        <p:nvSpPr>
+          <p:cNvPr id="3" name="标题 2">
+            <a:extLst>
+              <a:ext uri="{FF2B5EF4-FFF2-40B4-BE49-F238E27FC236}">
+                <a16:creationId xmlns:a16="http://schemas.microsoft.com/office/drawing/2014/main" id="{39B68D36-8E6B-4B3C-8AB9-89CB2D36A094}"/>
+              </a:ext>
+            </a:extLst>
+          </p:cNvPr>
+          <p:cNvSpPr>
+            <a:spLocks noGrp="1"/>
+          </p:cNvSpPr>
+          <p:nvPr>
+            <p:ph type="title"/>
+          </p:nvPr>
+        </p:nvSpPr>
+        <p:spPr/>
+        <p:txBody>
+          <a:bodyPr/>
+          <a:lstStyle/>
+          <a:p>
+            <a:r>
+              <a:rPr lang="en-US" altLang="zh-CN" dirty="0"/>
+              <a:t>Simulation results</a:t>
+            </a:r>
+            <a:endParaRPr lang="zh-CN" altLang="en-US" dirty="0"/>
+          </a:p>
+        </p:txBody>
+      </p:sp>
+      <p:pic>
+        <p:nvPicPr>
+          <p:cNvPr id="4" name="图片 3">
+            <a:extLst>
+              <a:ext uri="{FF2B5EF4-FFF2-40B4-BE49-F238E27FC236}">
+                <a16:creationId xmlns:a16="http://schemas.microsoft.com/office/drawing/2014/main" id="{9A14B229-195F-449F-AA01-441F3875F24E}"/>
+              </a:ext>
+            </a:extLst>
+          </p:cNvPr>
+          <p:cNvPicPr>
+            <a:picLocks noChangeAspect="1"/>
+          </p:cNvPicPr>
+          <p:nvPr/>
+        </p:nvPicPr>
+        <p:blipFill>
+          <a:blip r:embed="rId3"/>
+          <a:stretch>
+            <a:fillRect/>
+          </a:stretch>
+        </p:blipFill>
+        <p:spPr>
+          <a:xfrm>
+            <a:off x="468957" y="3828934"/>
+            <a:ext cx="11070421" cy="2462284"/>
+          </a:xfrm>
+          <a:prstGeom prst="rect">
+            <a:avLst/>
+          </a:prstGeom>
+        </p:spPr>
+      </p:pic>
+    </p:spTree>
+    <p:extLst>
+      <p:ext uri="{BB962C8B-B14F-4D97-AF65-F5344CB8AC3E}">
+        <p14:creationId xmlns:p14="http://schemas.microsoft.com/office/powerpoint/2010/main" val="2693606700"/>
+      </p:ext>
+    </p:extLst>
+  </p:cSld>
+  <p:clrMapOvr>
+    <a:masterClrMapping/>
+  </p:clrMapOvr>
+</p:sld>
+</file>
+
+<file path=ppt/slides/slide15.xml><?xml version="1.0" encoding="utf-8"?>
+<p:sld xmlns:a="http://schemas.openxmlformats.org/drawingml/2006/main" xmlns:r="http://schemas.openxmlformats.org/officeDocument/2006/relationships" xmlns:p="http://schemas.openxmlformats.org/presentationml/2006/main">
+  <p:cSld>
+    <p:spTree>
+      <p:nvGrpSpPr>
+        <p:cNvPr id="1" name=""/>
+        <p:cNvGrpSpPr/>
+        <p:nvPr/>
+      </p:nvGrpSpPr>
+      <p:grpSpPr>
+        <a:xfrm>
+          <a:off x="0" y="0"/>
+          <a:ext cx="0" cy="0"/>
+          <a:chOff x="0" y="0"/>
+          <a:chExt cx="0" cy="0"/>
+        </a:xfrm>
+      </p:grpSpPr>
+      <p:sp>
+        <p:nvSpPr>
+          <p:cNvPr id="2" name="内容占位符 1">
+            <a:extLst>
+              <a:ext uri="{FF2B5EF4-FFF2-40B4-BE49-F238E27FC236}">
+                <a16:creationId xmlns:a16="http://schemas.microsoft.com/office/drawing/2014/main" id="{09BC46AF-4035-4089-B7FC-BB5372F7A013}"/>
+              </a:ext>
+            </a:extLst>
+          </p:cNvPr>
+          <p:cNvSpPr>
+            <a:spLocks noGrp="1"/>
+          </p:cNvSpPr>
+          <p:nvPr>
+            <p:ph sz="quarter" idx="10"/>
+          </p:nvPr>
+        </p:nvSpPr>
+        <p:spPr>
+          <a:xfrm>
+            <a:off x="566928" y="1507671"/>
+            <a:ext cx="10515600" cy="3848100"/>
+          </a:xfrm>
+        </p:spPr>
+        <p:txBody>
+          <a:bodyPr/>
+          <a:lstStyle/>
+          <a:p>
+            <a:r>
+              <a:rPr lang="en-US" altLang="zh-CN" sz="3200" dirty="0"/>
+              <a:t>Correlation vs. number of traces</a:t>
+            </a:r>
+          </a:p>
+          <a:p>
+            <a:pPr marL="0" indent="0">
+              <a:buNone/>
+            </a:pPr>
+            <a:r>
+              <a:rPr lang="en-US" altLang="zh-CN" sz="3200" dirty="0"/>
+              <a:t>Standard AES                           FPL AES</a:t>
+            </a:r>
+            <a:endParaRPr lang="zh-CN" altLang="en-US" sz="3200" dirty="0"/>
+          </a:p>
+        </p:txBody>
+      </p:sp>
+      <p:sp>
+        <p:nvSpPr>
+          <p:cNvPr id="3" name="标题 2">
+            <a:extLst>
+              <a:ext uri="{FF2B5EF4-FFF2-40B4-BE49-F238E27FC236}">
+                <a16:creationId xmlns:a16="http://schemas.microsoft.com/office/drawing/2014/main" id="{7A107608-763D-4B7F-9941-DB3CF5C08589}"/>
+              </a:ext>
+            </a:extLst>
+          </p:cNvPr>
+          <p:cNvSpPr>
+            <a:spLocks noGrp="1"/>
+          </p:cNvSpPr>
+          <p:nvPr>
+            <p:ph type="title"/>
+          </p:nvPr>
+        </p:nvSpPr>
+        <p:spPr/>
+        <p:txBody>
+          <a:bodyPr/>
+          <a:lstStyle/>
+          <a:p>
+            <a:r>
+              <a:rPr lang="en-US" altLang="zh-CN" dirty="0"/>
+              <a:t>Comparation(AES)</a:t>
+            </a:r>
+            <a:endParaRPr lang="zh-CN" altLang="en-US" dirty="0"/>
+          </a:p>
+        </p:txBody>
+      </p:sp>
+      <p:pic>
+        <p:nvPicPr>
+          <p:cNvPr id="6" name="图片 5">
+            <a:extLst>
+              <a:ext uri="{FF2B5EF4-FFF2-40B4-BE49-F238E27FC236}">
+                <a16:creationId xmlns:a16="http://schemas.microsoft.com/office/drawing/2014/main" id="{D56AC7DA-4B4E-4BEF-B2D6-155C24D0DBA2}"/>
               </a:ext>
             </a:extLst>
           </p:cNvPr>
@@ -2759,8 +4841,38 @@
         </p:blipFill>
         <p:spPr>
           <a:xfrm>
-            <a:off x="566928" y="2185416"/>
-            <a:ext cx="7416001" cy="3609933"/>
+            <a:off x="6096001" y="2607432"/>
+            <a:ext cx="5146500" cy="4092969"/>
+          </a:xfrm>
+          <a:prstGeom prst="rect">
+            <a:avLst/>
+          </a:prstGeom>
+        </p:spPr>
+      </p:pic>
+      <p:pic>
+        <p:nvPicPr>
+          <p:cNvPr id="7" name="图片 6">
+            <a:extLst>
+              <a:ext uri="{FF2B5EF4-FFF2-40B4-BE49-F238E27FC236}">
+                <a16:creationId xmlns:a16="http://schemas.microsoft.com/office/drawing/2014/main" id="{F1EC4D41-CCAB-49FC-9F9C-019837210437}"/>
+              </a:ext>
+            </a:extLst>
+          </p:cNvPr>
+          <p:cNvPicPr>
+            <a:picLocks noChangeAspect="1"/>
+          </p:cNvPicPr>
+          <p:nvPr/>
+        </p:nvPicPr>
+        <p:blipFill>
+          <a:blip r:embed="rId3"/>
+          <a:stretch>
+            <a:fillRect/>
+          </a:stretch>
+        </p:blipFill>
+        <p:spPr>
+          <a:xfrm>
+            <a:off x="472111" y="2722687"/>
+            <a:ext cx="5146500" cy="4020057"/>
           </a:xfrm>
           <a:prstGeom prst="rect">
             <a:avLst/>
@@ -2770,7 +4882,596 @@
     </p:spTree>
     <p:extLst>
       <p:ext uri="{BB962C8B-B14F-4D97-AF65-F5344CB8AC3E}">
-        <p14:creationId xmlns:p14="http://schemas.microsoft.com/office/powerpoint/2010/main" val="2418458100"/>
+        <p14:creationId xmlns:p14="http://schemas.microsoft.com/office/powerpoint/2010/main" val="2316044312"/>
+      </p:ext>
+    </p:extLst>
+  </p:cSld>
+  <p:clrMapOvr>
+    <a:masterClrMapping/>
+  </p:clrMapOvr>
+</p:sld>
+</file>
+
+<file path=ppt/slides/slide16.xml><?xml version="1.0" encoding="utf-8"?>
+<p:sld xmlns:a="http://schemas.openxmlformats.org/drawingml/2006/main" xmlns:r="http://schemas.openxmlformats.org/officeDocument/2006/relationships" xmlns:p="http://schemas.openxmlformats.org/presentationml/2006/main">
+  <p:cSld>
+    <p:spTree>
+      <p:nvGrpSpPr>
+        <p:cNvPr id="1" name=""/>
+        <p:cNvGrpSpPr/>
+        <p:nvPr/>
+      </p:nvGrpSpPr>
+      <p:grpSpPr>
+        <a:xfrm>
+          <a:off x="0" y="0"/>
+          <a:ext cx="0" cy="0"/>
+          <a:chOff x="0" y="0"/>
+          <a:chExt cx="0" cy="0"/>
+        </a:xfrm>
+      </p:grpSpPr>
+      <p:sp>
+        <p:nvSpPr>
+          <p:cNvPr id="2" name="内容占位符 1">
+            <a:extLst>
+              <a:ext uri="{FF2B5EF4-FFF2-40B4-BE49-F238E27FC236}">
+                <a16:creationId xmlns:a16="http://schemas.microsoft.com/office/drawing/2014/main" id="{FD51678B-7E47-4879-900F-220F164BF3B5}"/>
+              </a:ext>
+            </a:extLst>
+          </p:cNvPr>
+          <p:cNvSpPr>
+            <a:spLocks noGrp="1"/>
+          </p:cNvSpPr>
+          <p:nvPr>
+            <p:ph sz="quarter" idx="10"/>
+          </p:nvPr>
+        </p:nvSpPr>
+        <p:spPr>
+          <a:xfrm>
+            <a:off x="566928" y="1673787"/>
+            <a:ext cx="10515600" cy="3848100"/>
+          </a:xfrm>
+        </p:spPr>
+        <p:txBody>
+          <a:bodyPr/>
+          <a:lstStyle/>
+          <a:p>
+            <a:r>
+              <a:rPr lang="en-US" altLang="zh-CN" sz="3200" dirty="0"/>
+              <a:t>Correlation vs. length of a trace</a:t>
+            </a:r>
+          </a:p>
+          <a:p>
+            <a:r>
+              <a:rPr lang="en-US" altLang="zh-CN" sz="3200" dirty="0"/>
+              <a:t>Standard AES                        PFL AES</a:t>
+            </a:r>
+            <a:endParaRPr lang="zh-CN" altLang="en-US" sz="3200" dirty="0"/>
+          </a:p>
+        </p:txBody>
+      </p:sp>
+      <p:sp>
+        <p:nvSpPr>
+          <p:cNvPr id="3" name="标题 2">
+            <a:extLst>
+              <a:ext uri="{FF2B5EF4-FFF2-40B4-BE49-F238E27FC236}">
+                <a16:creationId xmlns:a16="http://schemas.microsoft.com/office/drawing/2014/main" id="{CB1FA917-7E0B-410A-8496-4B78991F3FD7}"/>
+              </a:ext>
+            </a:extLst>
+          </p:cNvPr>
+          <p:cNvSpPr>
+            <a:spLocks noGrp="1"/>
+          </p:cNvSpPr>
+          <p:nvPr>
+            <p:ph type="title"/>
+          </p:nvPr>
+        </p:nvSpPr>
+        <p:spPr/>
+        <p:txBody>
+          <a:bodyPr/>
+          <a:lstStyle/>
+          <a:p>
+            <a:r>
+              <a:rPr lang="en-US" altLang="zh-CN" dirty="0"/>
+              <a:t>Comparation(AES)</a:t>
+            </a:r>
+            <a:endParaRPr lang="zh-CN" altLang="en-US" dirty="0"/>
+          </a:p>
+        </p:txBody>
+      </p:sp>
+      <p:pic>
+        <p:nvPicPr>
+          <p:cNvPr id="5" name="图片 4">
+            <a:extLst>
+              <a:ext uri="{FF2B5EF4-FFF2-40B4-BE49-F238E27FC236}">
+                <a16:creationId xmlns:a16="http://schemas.microsoft.com/office/drawing/2014/main" id="{9C504EBC-4E3C-4BA6-B68D-64B84C07DEBB}"/>
+              </a:ext>
+            </a:extLst>
+          </p:cNvPr>
+          <p:cNvPicPr>
+            <a:picLocks noChangeAspect="1"/>
+          </p:cNvPicPr>
+          <p:nvPr/>
+        </p:nvPicPr>
+        <p:blipFill>
+          <a:blip r:embed="rId2"/>
+          <a:stretch>
+            <a:fillRect/>
+          </a:stretch>
+        </p:blipFill>
+        <p:spPr>
+          <a:xfrm>
+            <a:off x="708443" y="2873829"/>
+            <a:ext cx="4381257" cy="3429000"/>
+          </a:xfrm>
+          <a:prstGeom prst="rect">
+            <a:avLst/>
+          </a:prstGeom>
+        </p:spPr>
+      </p:pic>
+      <p:pic>
+        <p:nvPicPr>
+          <p:cNvPr id="6" name="图片 5">
+            <a:extLst>
+              <a:ext uri="{FF2B5EF4-FFF2-40B4-BE49-F238E27FC236}">
+                <a16:creationId xmlns:a16="http://schemas.microsoft.com/office/drawing/2014/main" id="{9A0D97A3-1486-43F8-9AC0-2D4F8B793C33}"/>
+              </a:ext>
+            </a:extLst>
+          </p:cNvPr>
+          <p:cNvPicPr>
+            <a:picLocks noChangeAspect="1"/>
+          </p:cNvPicPr>
+          <p:nvPr/>
+        </p:nvPicPr>
+        <p:blipFill>
+          <a:blip r:embed="rId3"/>
+          <a:stretch>
+            <a:fillRect/>
+          </a:stretch>
+        </p:blipFill>
+        <p:spPr>
+          <a:xfrm>
+            <a:off x="5934662" y="2873829"/>
+            <a:ext cx="4302903" cy="3382704"/>
+          </a:xfrm>
+          <a:prstGeom prst="rect">
+            <a:avLst/>
+          </a:prstGeom>
+        </p:spPr>
+      </p:pic>
+    </p:spTree>
+    <p:extLst>
+      <p:ext uri="{BB962C8B-B14F-4D97-AF65-F5344CB8AC3E}">
+        <p14:creationId xmlns:p14="http://schemas.microsoft.com/office/powerpoint/2010/main" val="1988783917"/>
+      </p:ext>
+    </p:extLst>
+  </p:cSld>
+  <p:clrMapOvr>
+    <a:masterClrMapping/>
+  </p:clrMapOvr>
+</p:sld>
+</file>
+
+<file path=ppt/slides/slide17.xml><?xml version="1.0" encoding="utf-8"?>
+<p:sld xmlns:a="http://schemas.openxmlformats.org/drawingml/2006/main" xmlns:r="http://schemas.openxmlformats.org/officeDocument/2006/relationships" xmlns:p="http://schemas.openxmlformats.org/presentationml/2006/main">
+  <p:cSld>
+    <p:spTree>
+      <p:nvGrpSpPr>
+        <p:cNvPr id="1" name=""/>
+        <p:cNvGrpSpPr/>
+        <p:nvPr/>
+      </p:nvGrpSpPr>
+      <p:grpSpPr>
+        <a:xfrm>
+          <a:off x="0" y="0"/>
+          <a:ext cx="0" cy="0"/>
+          <a:chOff x="0" y="0"/>
+          <a:chExt cx="0" cy="0"/>
+        </a:xfrm>
+      </p:grpSpPr>
+      <p:sp>
+        <p:nvSpPr>
+          <p:cNvPr id="2" name="内容占位符 1">
+            <a:extLst>
+              <a:ext uri="{FF2B5EF4-FFF2-40B4-BE49-F238E27FC236}">
+                <a16:creationId xmlns:a16="http://schemas.microsoft.com/office/drawing/2014/main" id="{2D0CD491-143B-4169-B4E0-6CDE331C024C}"/>
+              </a:ext>
+            </a:extLst>
+          </p:cNvPr>
+          <p:cNvSpPr>
+            <a:spLocks noGrp="1"/>
+          </p:cNvSpPr>
+          <p:nvPr>
+            <p:ph sz="quarter" idx="10"/>
+          </p:nvPr>
+        </p:nvSpPr>
+        <p:spPr>
+          <a:xfrm>
+            <a:off x="566927" y="1567086"/>
+            <a:ext cx="10515600" cy="3848100"/>
+          </a:xfrm>
+        </p:spPr>
+        <p:txBody>
+          <a:bodyPr/>
+          <a:lstStyle/>
+          <a:p>
+            <a:r>
+              <a:rPr lang="en-US" altLang="zh-CN" sz="3200" dirty="0"/>
+              <a:t>Correlation vs. number of traces</a:t>
+            </a:r>
+          </a:p>
+          <a:p>
+            <a:r>
+              <a:rPr lang="en-US" altLang="zh-CN" sz="3200" dirty="0"/>
+              <a:t>Standard                                 FPL</a:t>
+            </a:r>
+          </a:p>
+          <a:p>
+            <a:endParaRPr lang="zh-CN" altLang="en-US" dirty="0"/>
+          </a:p>
+        </p:txBody>
+      </p:sp>
+      <p:sp>
+        <p:nvSpPr>
+          <p:cNvPr id="3" name="标题 2">
+            <a:extLst>
+              <a:ext uri="{FF2B5EF4-FFF2-40B4-BE49-F238E27FC236}">
+                <a16:creationId xmlns:a16="http://schemas.microsoft.com/office/drawing/2014/main" id="{014C11E1-6641-4425-8AA0-B7EB24AF6B09}"/>
+              </a:ext>
+            </a:extLst>
+          </p:cNvPr>
+          <p:cNvSpPr>
+            <a:spLocks noGrp="1"/>
+          </p:cNvSpPr>
+          <p:nvPr>
+            <p:ph type="title"/>
+          </p:nvPr>
+        </p:nvSpPr>
+        <p:spPr/>
+        <p:txBody>
+          <a:bodyPr/>
+          <a:lstStyle/>
+          <a:p>
+            <a:r>
+              <a:rPr lang="en-US" altLang="zh-CN" dirty="0"/>
+              <a:t>Comparation(PRESENT)</a:t>
+            </a:r>
+            <a:endParaRPr lang="zh-CN" altLang="en-US" dirty="0"/>
+          </a:p>
+        </p:txBody>
+      </p:sp>
+      <p:pic>
+        <p:nvPicPr>
+          <p:cNvPr id="4" name="图片 3">
+            <a:extLst>
+              <a:ext uri="{FF2B5EF4-FFF2-40B4-BE49-F238E27FC236}">
+                <a16:creationId xmlns:a16="http://schemas.microsoft.com/office/drawing/2014/main" id="{3D6A1F9E-E899-4923-98A3-2DDBA3F4EB07}"/>
+              </a:ext>
+            </a:extLst>
+          </p:cNvPr>
+          <p:cNvPicPr>
+            <a:picLocks noChangeAspect="1"/>
+          </p:cNvPicPr>
+          <p:nvPr/>
+        </p:nvPicPr>
+        <p:blipFill>
+          <a:blip r:embed="rId2"/>
+          <a:stretch>
+            <a:fillRect/>
+          </a:stretch>
+        </p:blipFill>
+        <p:spPr>
+          <a:xfrm>
+            <a:off x="566927" y="2728053"/>
+            <a:ext cx="4712643" cy="3742963"/>
+          </a:xfrm>
+          <a:prstGeom prst="rect">
+            <a:avLst/>
+          </a:prstGeom>
+        </p:spPr>
+      </p:pic>
+      <p:pic>
+        <p:nvPicPr>
+          <p:cNvPr id="6" name="图片 5">
+            <a:extLst>
+              <a:ext uri="{FF2B5EF4-FFF2-40B4-BE49-F238E27FC236}">
+                <a16:creationId xmlns:a16="http://schemas.microsoft.com/office/drawing/2014/main" id="{5CCECBB4-2A5B-4926-979A-92BC0EC38E9F}"/>
+              </a:ext>
+            </a:extLst>
+          </p:cNvPr>
+          <p:cNvPicPr>
+            <a:picLocks noChangeAspect="1"/>
+          </p:cNvPicPr>
+          <p:nvPr/>
+        </p:nvPicPr>
+        <p:blipFill>
+          <a:blip r:embed="rId3"/>
+          <a:stretch>
+            <a:fillRect/>
+          </a:stretch>
+        </p:blipFill>
+        <p:spPr>
+          <a:xfrm>
+            <a:off x="6013662" y="2796030"/>
+            <a:ext cx="4589024" cy="3607011"/>
+          </a:xfrm>
+          <a:prstGeom prst="rect">
+            <a:avLst/>
+          </a:prstGeom>
+        </p:spPr>
+      </p:pic>
+    </p:spTree>
+    <p:extLst>
+      <p:ext uri="{BB962C8B-B14F-4D97-AF65-F5344CB8AC3E}">
+        <p14:creationId xmlns:p14="http://schemas.microsoft.com/office/powerpoint/2010/main" val="712662938"/>
+      </p:ext>
+    </p:extLst>
+  </p:cSld>
+  <p:clrMapOvr>
+    <a:masterClrMapping/>
+  </p:clrMapOvr>
+</p:sld>
+</file>
+
+<file path=ppt/slides/slide18.xml><?xml version="1.0" encoding="utf-8"?>
+<p:sld xmlns:a="http://schemas.openxmlformats.org/drawingml/2006/main" xmlns:r="http://schemas.openxmlformats.org/officeDocument/2006/relationships" xmlns:p="http://schemas.openxmlformats.org/presentationml/2006/main">
+  <p:cSld>
+    <p:spTree>
+      <p:nvGrpSpPr>
+        <p:cNvPr id="1" name=""/>
+        <p:cNvGrpSpPr/>
+        <p:nvPr/>
+      </p:nvGrpSpPr>
+      <p:grpSpPr>
+        <a:xfrm>
+          <a:off x="0" y="0"/>
+          <a:ext cx="0" cy="0"/>
+          <a:chOff x="0" y="0"/>
+          <a:chExt cx="0" cy="0"/>
+        </a:xfrm>
+      </p:grpSpPr>
+      <p:sp>
+        <p:nvSpPr>
+          <p:cNvPr id="2" name="内容占位符 1">
+            <a:extLst>
+              <a:ext uri="{FF2B5EF4-FFF2-40B4-BE49-F238E27FC236}">
+                <a16:creationId xmlns:a16="http://schemas.microsoft.com/office/drawing/2014/main" id="{0360A4F5-11FE-46C8-8F47-2496BA88A02A}"/>
+              </a:ext>
+            </a:extLst>
+          </p:cNvPr>
+          <p:cNvSpPr>
+            <a:spLocks noGrp="1"/>
+          </p:cNvSpPr>
+          <p:nvPr>
+            <p:ph sz="quarter" idx="10"/>
+          </p:nvPr>
+        </p:nvSpPr>
+        <p:spPr>
+          <a:xfrm>
+            <a:off x="566928" y="1793531"/>
+            <a:ext cx="10515600" cy="3848100"/>
+          </a:xfrm>
+        </p:spPr>
+        <p:txBody>
+          <a:bodyPr/>
+          <a:lstStyle/>
+          <a:p>
+            <a:r>
+              <a:rPr lang="en-US" altLang="zh-CN" sz="3200" dirty="0"/>
+              <a:t>Correlation vs. length of a trace</a:t>
+            </a:r>
+          </a:p>
+          <a:p>
+            <a:r>
+              <a:rPr lang="en-US" altLang="zh-CN" sz="3200" dirty="0"/>
+              <a:t>Standard                             FPL</a:t>
+            </a:r>
+          </a:p>
+          <a:p>
+            <a:endParaRPr lang="zh-CN" altLang="en-US" dirty="0"/>
+          </a:p>
+        </p:txBody>
+      </p:sp>
+      <p:sp>
+        <p:nvSpPr>
+          <p:cNvPr id="3" name="标题 2">
+            <a:extLst>
+              <a:ext uri="{FF2B5EF4-FFF2-40B4-BE49-F238E27FC236}">
+                <a16:creationId xmlns:a16="http://schemas.microsoft.com/office/drawing/2014/main" id="{FC83C413-911E-48E1-9F6F-24D4D27E8040}"/>
+              </a:ext>
+            </a:extLst>
+          </p:cNvPr>
+          <p:cNvSpPr>
+            <a:spLocks noGrp="1"/>
+          </p:cNvSpPr>
+          <p:nvPr>
+            <p:ph type="title"/>
+          </p:nvPr>
+        </p:nvSpPr>
+        <p:spPr/>
+        <p:txBody>
+          <a:bodyPr/>
+          <a:lstStyle/>
+          <a:p>
+            <a:r>
+              <a:rPr lang="en-US" altLang="zh-CN" dirty="0"/>
+              <a:t>Comparation(PRESENT)</a:t>
+            </a:r>
+            <a:endParaRPr lang="zh-CN" altLang="en-US" dirty="0"/>
+          </a:p>
+        </p:txBody>
+      </p:sp>
+      <p:pic>
+        <p:nvPicPr>
+          <p:cNvPr id="4" name="图片 3">
+            <a:extLst>
+              <a:ext uri="{FF2B5EF4-FFF2-40B4-BE49-F238E27FC236}">
+                <a16:creationId xmlns:a16="http://schemas.microsoft.com/office/drawing/2014/main" id="{3D80BC6B-144F-4B4E-8476-4FBB794C3A82}"/>
+              </a:ext>
+            </a:extLst>
+          </p:cNvPr>
+          <p:cNvPicPr>
+            <a:picLocks noChangeAspect="1"/>
+          </p:cNvPicPr>
+          <p:nvPr/>
+        </p:nvPicPr>
+        <p:blipFill>
+          <a:blip r:embed="rId2"/>
+          <a:stretch>
+            <a:fillRect/>
+          </a:stretch>
+        </p:blipFill>
+        <p:spPr>
+          <a:xfrm>
+            <a:off x="566928" y="2940809"/>
+            <a:ext cx="4592901" cy="3511950"/>
+          </a:xfrm>
+          <a:prstGeom prst="rect">
+            <a:avLst/>
+          </a:prstGeom>
+        </p:spPr>
+      </p:pic>
+      <p:pic>
+        <p:nvPicPr>
+          <p:cNvPr id="5" name="图片 4">
+            <a:extLst>
+              <a:ext uri="{FF2B5EF4-FFF2-40B4-BE49-F238E27FC236}">
+                <a16:creationId xmlns:a16="http://schemas.microsoft.com/office/drawing/2014/main" id="{0FA089C4-6E49-4BD0-BD5C-0BA77D225C0A}"/>
+              </a:ext>
+            </a:extLst>
+          </p:cNvPr>
+          <p:cNvPicPr>
+            <a:picLocks noChangeAspect="1"/>
+          </p:cNvPicPr>
+          <p:nvPr/>
+        </p:nvPicPr>
+        <p:blipFill>
+          <a:blip r:embed="rId3"/>
+          <a:stretch>
+            <a:fillRect/>
+          </a:stretch>
+        </p:blipFill>
+        <p:spPr>
+          <a:xfrm>
+            <a:off x="5975927" y="2940810"/>
+            <a:ext cx="4592901" cy="3545720"/>
+          </a:xfrm>
+          <a:prstGeom prst="rect">
+            <a:avLst/>
+          </a:prstGeom>
+        </p:spPr>
+      </p:pic>
+    </p:spTree>
+    <p:extLst>
+      <p:ext uri="{BB962C8B-B14F-4D97-AF65-F5344CB8AC3E}">
+        <p14:creationId xmlns:p14="http://schemas.microsoft.com/office/powerpoint/2010/main" val="4273608845"/>
+      </p:ext>
+    </p:extLst>
+  </p:cSld>
+  <p:clrMapOvr>
+    <a:masterClrMapping/>
+  </p:clrMapOvr>
+</p:sld>
+</file>
+
+<file path=ppt/slides/slide19.xml><?xml version="1.0" encoding="utf-8"?>
+<p:sld xmlns:a="http://schemas.openxmlformats.org/drawingml/2006/main" xmlns:r="http://schemas.openxmlformats.org/officeDocument/2006/relationships" xmlns:p="http://schemas.openxmlformats.org/presentationml/2006/main">
+  <p:cSld>
+    <p:spTree>
+      <p:nvGrpSpPr>
+        <p:cNvPr id="1" name=""/>
+        <p:cNvGrpSpPr/>
+        <p:nvPr/>
+      </p:nvGrpSpPr>
+      <p:grpSpPr>
+        <a:xfrm>
+          <a:off x="0" y="0"/>
+          <a:ext cx="0" cy="0"/>
+          <a:chOff x="0" y="0"/>
+          <a:chExt cx="0" cy="0"/>
+        </a:xfrm>
+      </p:grpSpPr>
+      <p:sp>
+        <p:nvSpPr>
+          <p:cNvPr id="2" name="内容占位符 1">
+            <a:extLst>
+              <a:ext uri="{FF2B5EF4-FFF2-40B4-BE49-F238E27FC236}">
+                <a16:creationId xmlns:a16="http://schemas.microsoft.com/office/drawing/2014/main" id="{FF878810-7FB6-47C1-9265-738B5DCC564F}"/>
+              </a:ext>
+            </a:extLst>
+          </p:cNvPr>
+          <p:cNvSpPr>
+            <a:spLocks noGrp="1"/>
+          </p:cNvSpPr>
+          <p:nvPr>
+            <p:ph sz="quarter" idx="10"/>
+          </p:nvPr>
+        </p:nvSpPr>
+        <p:spPr/>
+        <p:txBody>
+          <a:bodyPr/>
+          <a:lstStyle/>
+          <a:p>
+            <a:r>
+              <a:rPr lang="en-US" altLang="zh-CN" sz="3200" dirty="0"/>
+              <a:t>proposed a power-diffusing logic named as fluctuating power logic (FPL)</a:t>
+            </a:r>
+          </a:p>
+          <a:p>
+            <a:r>
+              <a:rPr lang="en-US" altLang="zh-CN" sz="3200" dirty="0"/>
+              <a:t>analyzed side-channel security on PRESENT/AES implementation</a:t>
+            </a:r>
+          </a:p>
+          <a:p>
+            <a:r>
+              <a:rPr lang="en-US" altLang="zh-CN" sz="3200" dirty="0"/>
+              <a:t>compared FPL with standard-cell-based and WDDL-based implementation</a:t>
+            </a:r>
+          </a:p>
+          <a:p>
+            <a:endParaRPr lang="en-US" altLang="zh-CN" sz="3200" dirty="0"/>
+          </a:p>
+          <a:p>
+            <a:endParaRPr lang="en-US" altLang="zh-CN" sz="3200" dirty="0"/>
+          </a:p>
+          <a:p>
+            <a:endParaRPr lang="zh-CN" altLang="en-US" dirty="0"/>
+          </a:p>
+        </p:txBody>
+      </p:sp>
+      <p:sp>
+        <p:nvSpPr>
+          <p:cNvPr id="3" name="标题 2">
+            <a:extLst>
+              <a:ext uri="{FF2B5EF4-FFF2-40B4-BE49-F238E27FC236}">
+                <a16:creationId xmlns:a16="http://schemas.microsoft.com/office/drawing/2014/main" id="{F615003A-D450-4BB3-BFA8-F1302C2DFA6D}"/>
+              </a:ext>
+            </a:extLst>
+          </p:cNvPr>
+          <p:cNvSpPr>
+            <a:spLocks noGrp="1"/>
+          </p:cNvSpPr>
+          <p:nvPr>
+            <p:ph type="title"/>
+          </p:nvPr>
+        </p:nvSpPr>
+        <p:spPr/>
+        <p:txBody>
+          <a:bodyPr/>
+          <a:lstStyle/>
+          <a:p>
+            <a:r>
+              <a:rPr lang="en-US" altLang="zh-CN" dirty="0"/>
+              <a:t>Conclusion</a:t>
+            </a:r>
+            <a:endParaRPr lang="zh-CN" altLang="en-US" dirty="0"/>
+          </a:p>
+        </p:txBody>
+      </p:sp>
+    </p:spTree>
+    <p:extLst>
+      <p:ext uri="{BB962C8B-B14F-4D97-AF65-F5344CB8AC3E}">
+        <p14:creationId xmlns:p14="http://schemas.microsoft.com/office/powerpoint/2010/main" val="1126469158"/>
       </p:ext>
     </p:extLst>
   </p:cSld>
@@ -2818,11 +5519,49 @@
           <a:bodyPr/>
           <a:lstStyle/>
           <a:p>
-            <a:r>
-              <a:rPr lang="en-US" altLang="zh-CN" dirty="0"/>
-              <a:t>Introduction</a:t>
-            </a:r>
-            <a:endParaRPr lang="zh-CN" altLang="en-US" dirty="0"/>
+            <a:pPr>
+              <a:lnSpc>
+                <a:spcPct val="150000"/>
+              </a:lnSpc>
+            </a:pPr>
+            <a:r>
+              <a:rPr lang="en-US" altLang="zh-CN" sz="3600" dirty="0"/>
+              <a:t>1. Introduction</a:t>
+            </a:r>
+          </a:p>
+          <a:p>
+            <a:pPr>
+              <a:lnSpc>
+                <a:spcPct val="150000"/>
+              </a:lnSpc>
+            </a:pPr>
+            <a:r>
+              <a:rPr lang="en-US" altLang="zh-CN" sz="3600" dirty="0"/>
+              <a:t>2. FPL scheme</a:t>
+            </a:r>
+          </a:p>
+          <a:p>
+            <a:pPr>
+              <a:lnSpc>
+                <a:spcPct val="150000"/>
+              </a:lnSpc>
+            </a:pPr>
+            <a:r>
+              <a:rPr lang="en-US" altLang="zh-CN" sz="3600" dirty="0"/>
+              <a:t>3. Simulation</a:t>
+            </a:r>
+          </a:p>
+          <a:p>
+            <a:pPr>
+              <a:lnSpc>
+                <a:spcPct val="150000"/>
+              </a:lnSpc>
+            </a:pPr>
+            <a:r>
+              <a:rPr lang="en-US" altLang="zh-CN" sz="3600" dirty="0"/>
+              <a:t>4. Conclusion</a:t>
+            </a:r>
+            <a:endParaRPr lang="zh-CN" altLang="en-US" sz="3600" dirty="0"/>
           </a:p>
         </p:txBody>
       </p:sp>
@@ -2901,13 +5640,18 @@
             <p:ph sz="quarter" idx="10"/>
           </p:nvPr>
         </p:nvSpPr>
-        <p:spPr/>
+        <p:spPr>
+          <a:xfrm>
+            <a:off x="566928" y="1638878"/>
+            <a:ext cx="11320272" cy="3848100"/>
+          </a:xfrm>
+        </p:spPr>
         <p:txBody>
           <a:bodyPr/>
           <a:lstStyle/>
           <a:p>
             <a:r>
-              <a:rPr lang="en-US" altLang="zh-CN" sz="3200" dirty="0"/>
+              <a:rPr lang="en-US" altLang="zh-CN" sz="3600" dirty="0"/>
               <a:t>Side-Channel Analysis</a:t>
             </a:r>
           </a:p>
@@ -2918,6 +5662,24 @@
             <a:r>
               <a:rPr lang="en-US" altLang="zh-CN" sz="3200" dirty="0"/>
               <a:t>Power dissipation correlates to switching operations</a:t>
+            </a:r>
+          </a:p>
+          <a:p>
+            <a:pPr marL="0" indent="0">
+              <a:buNone/>
+            </a:pPr>
+            <a:r>
+              <a:rPr lang="en-US" altLang="zh-CN" sz="3200" dirty="0"/>
+              <a:t>Major power consumption comes from the clock distribution network and Flip-Flops </a:t>
+            </a:r>
+          </a:p>
+          <a:p>
+            <a:pPr marL="0" indent="0">
+              <a:buNone/>
+            </a:pPr>
+            <a:r>
+              <a:rPr lang="en-US" altLang="zh-CN" sz="3200" dirty="0"/>
+              <a:t>(FFs) (estimated 30%-60%)</a:t>
             </a:r>
             <a:endParaRPr lang="zh-CN" altLang="en-US" sz="3200" dirty="0"/>
           </a:p>
@@ -2946,7 +5708,7 @@
           <a:p>
             <a:r>
               <a:rPr lang="en-US" altLang="zh-CN" dirty="0"/>
-              <a:t>Introduction</a:t>
+              <a:t>1. Introduction</a:t>
             </a:r>
             <a:endParaRPr lang="zh-CN" altLang="en-US" dirty="0"/>
           </a:p>
@@ -2967,7 +5729,7 @@
           <p:nvPr/>
         </p:nvPicPr>
         <p:blipFill>
-          <a:blip r:embed="rId2"/>
+          <a:blip r:embed="rId3"/>
           <a:srcRect/>
           <a:stretch>
             <a:fillRect/>
@@ -2975,7 +5737,7 @@
         </p:blipFill>
         <p:spPr bwMode="auto">
           <a:xfrm>
-            <a:off x="566928" y="3386879"/>
+            <a:off x="5706486" y="3562928"/>
             <a:ext cx="5013892" cy="3151851"/>
           </a:xfrm>
           <a:prstGeom prst="rect">
@@ -3044,15 +5806,23 @@
               </a:lnSpc>
             </a:pPr>
             <a:r>
-              <a:rPr lang="en-US" altLang="zh-CN" sz="2800" dirty="0"/>
-              <a:t>Hiding :noise, clock randomizer, dual-rail </a:t>
-            </a:r>
-            <a:r>
-              <a:rPr lang="en-US" altLang="zh-CN" sz="2800" dirty="0" err="1"/>
+              <a:rPr lang="en-US" altLang="zh-CN" sz="3200" dirty="0">
+                <a:solidFill>
+                  <a:srgbClr val="FF0000"/>
+                </a:solidFill>
+              </a:rPr>
+              <a:t>Hiding</a:t>
+            </a:r>
+            <a:r>
+              <a:rPr lang="en-US" altLang="zh-CN" sz="3200" dirty="0"/>
+              <a:t> :noise, clock randomizer, dual-rail </a:t>
+            </a:r>
+            <a:r>
+              <a:rPr lang="en-US" altLang="zh-CN" sz="3200" dirty="0" err="1"/>
               <a:t>precharge</a:t>
             </a:r>
             <a:r>
-              <a:rPr lang="en-US" altLang="zh-CN" sz="2800" dirty="0"/>
+              <a:rPr lang="en-US" altLang="zh-CN" sz="3200" dirty="0"/>
               <a:t> logics </a:t>
             </a:r>
           </a:p>
@@ -3063,8 +5833,16 @@
               </a:lnSpc>
             </a:pPr>
             <a:r>
-              <a:rPr lang="en-US" altLang="zh-CN" sz="2800" dirty="0"/>
-              <a:t>Masking: algorithm level, hardware level</a:t>
+              <a:rPr lang="en-US" altLang="zh-CN" sz="3200" dirty="0">
+                <a:solidFill>
+                  <a:srgbClr val="FF0000"/>
+                </a:solidFill>
+              </a:rPr>
+              <a:t>Masking</a:t>
+            </a:r>
+            <a:r>
+              <a:rPr lang="en-US" altLang="zh-CN" sz="3200" dirty="0"/>
+              <a:t>: algorithm level, hardware level</a:t>
             </a:r>
           </a:p>
           <a:p>
@@ -3179,7 +5957,11 @@
           <a:p>
             <a:r>
               <a:rPr lang="en-US" altLang="zh-CN" dirty="0"/>
-              <a:t>New countermeasure</a:t>
+              <a:t>New </a:t>
+            </a:r>
+            <a:r>
+              <a:rPr lang="en-US" altLang="zh-CN" dirty="0" err="1"/>
+              <a:t>countermeasure:FPL</a:t>
             </a:r>
             <a:endParaRPr lang="zh-CN" altLang="en-US" dirty="0"/>
           </a:p>
@@ -3263,7 +6045,7 @@
         </p:nvSpPr>
         <p:spPr>
           <a:xfrm>
-            <a:off x="566927" y="2185416"/>
+            <a:off x="566927" y="1743981"/>
             <a:ext cx="11173127" cy="3848100"/>
           </a:xfrm>
         </p:spPr>
@@ -3273,7 +6055,7 @@
           <a:p>
             <a:pPr>
               <a:lnSpc>
-                <a:spcPct val="200000"/>
+                <a:spcPct val="150000"/>
               </a:lnSpc>
             </a:pPr>
             <a:r>
@@ -3292,7 +6074,7 @@
           <a:p>
             <a:pPr>
               <a:lnSpc>
-                <a:spcPct val="200000"/>
+                <a:spcPct val="150000"/>
               </a:lnSpc>
             </a:pPr>
             <a:r>
@@ -3303,7 +6085,7 @@
           <a:p>
             <a:pPr>
               <a:lnSpc>
-                <a:spcPct val="200000"/>
+                <a:spcPct val="150000"/>
               </a:lnSpc>
             </a:pPr>
             <a:r>
@@ -3396,12 +6178,29 @@
           <a:bodyPr/>
           <a:lstStyle/>
           <a:p>
-            <a:r>
-              <a:rPr lang="en-US" altLang="zh-CN" sz="2800" dirty="0"/>
+            <a:pPr>
+              <a:lnSpc>
+                <a:spcPct val="150000"/>
+              </a:lnSpc>
+            </a:pPr>
+            <a:r>
+              <a:rPr lang="en-US" altLang="zh-CN" sz="3200" dirty="0"/>
+              <a:t>The proposed logic is highlighted with a modified secure FF.</a:t>
+            </a:r>
+            <a:endParaRPr lang="en-US" altLang="zh-CN" sz="3600" dirty="0"/>
+          </a:p>
+          <a:p>
+            <a:pPr>
+              <a:lnSpc>
+                <a:spcPct val="150000"/>
+              </a:lnSpc>
+            </a:pPr>
+            <a:r>
+              <a:rPr lang="en-US" altLang="zh-CN" sz="3200" dirty="0"/>
               <a:t>This scheme is based on a </a:t>
             </a:r>
             <a:r>
-              <a:rPr lang="en-US" altLang="zh-CN" sz="2800" dirty="0">
+              <a:rPr lang="en-US" altLang="zh-CN" sz="3200" dirty="0">
                 <a:solidFill>
                   <a:srgbClr val="FF0000"/>
                 </a:solidFill>
@@ -3409,11 +6208,11 @@
               <a:t>cascade voltage logic</a:t>
             </a:r>
             <a:r>
-              <a:rPr lang="en-US" altLang="zh-CN" sz="2800" dirty="0"/>
+              <a:rPr lang="en-US" altLang="zh-CN" sz="3200" dirty="0"/>
               <a:t>(CVL) and further enhanced with a </a:t>
             </a:r>
             <a:r>
-              <a:rPr lang="en-US" altLang="zh-CN" sz="2800" dirty="0">
+              <a:rPr lang="en-US" altLang="zh-CN" sz="3200" dirty="0">
                 <a:solidFill>
                   <a:srgbClr val="FF0000"/>
                 </a:solidFill>
@@ -3421,10 +6220,10 @@
               <a:t>compensatory unit </a:t>
             </a:r>
             <a:r>
-              <a:rPr lang="en-US" altLang="zh-CN" sz="2800" dirty="0"/>
+              <a:rPr lang="en-US" altLang="zh-CN" sz="3200" dirty="0"/>
               <a:t>(CU).</a:t>
             </a:r>
-            <a:endParaRPr lang="zh-CN" altLang="en-US" sz="2800" dirty="0"/>
+            <a:endParaRPr lang="zh-CN" altLang="en-US" sz="3200" dirty="0"/>
           </a:p>
         </p:txBody>
       </p:sp>
@@ -3451,7 +6250,7 @@
           <a:p>
             <a:r>
               <a:rPr lang="en-US" altLang="zh-CN" dirty="0"/>
-              <a:t>FPL</a:t>
+              <a:t>2. FPL scheme</a:t>
             </a:r>
             <a:endParaRPr lang="zh-CN" altLang="en-US" dirty="0"/>
           </a:p>
@@ -3503,12 +6302,55 @@
             <p:ph sz="quarter" idx="10"/>
           </p:nvPr>
         </p:nvSpPr>
-        <p:spPr/>
+        <p:spPr>
+          <a:xfrm>
+            <a:off x="430294" y="3308621"/>
+            <a:ext cx="10515600" cy="3848100"/>
+          </a:xfrm>
+        </p:spPr>
         <p:txBody>
           <a:bodyPr/>
           <a:lstStyle/>
           <a:p>
-            <a:endParaRPr lang="zh-CN" altLang="en-US"/>
+            <a:r>
+              <a:rPr lang="en-US" altLang="zh-CN" dirty="0"/>
+              <a:t>n NMOS, </a:t>
+            </a:r>
+          </a:p>
+          <a:p>
+            <a:r>
+              <a:rPr lang="en-US" altLang="zh-CN" dirty="0"/>
+              <a:t>n diodes </a:t>
+            </a:r>
+          </a:p>
+          <a:p>
+            <a:r>
+              <a:rPr lang="en-US" altLang="zh-CN" dirty="0"/>
+              <a:t>one PMOS </a:t>
+            </a:r>
+          </a:p>
+          <a:p>
+            <a:r>
+              <a:rPr lang="en-US" altLang="zh-CN" dirty="0"/>
+              <a:t>one “n-input” OR-gate.</a:t>
+            </a:r>
+          </a:p>
+          <a:p>
+            <a:r>
+              <a:rPr lang="en-US" altLang="zh-CN" dirty="0" err="1"/>
+              <a:t>V</a:t>
+            </a:r>
+            <a:r>
+              <a:rPr lang="en-US" altLang="zh-CN" baseline="-25000" dirty="0" err="1"/>
+              <a:t>dp</a:t>
+            </a:r>
+            <a:r>
+              <a:rPr lang="en-US" altLang="zh-CN" dirty="0"/>
+              <a:t>: voltage drop</a:t>
+            </a:r>
+          </a:p>
+          <a:p>
+            <a:endParaRPr lang="zh-CN" altLang="en-US" dirty="0"/>
           </a:p>
         </p:txBody>
       </p:sp>
@@ -3533,10 +6375,206 @@
           <a:bodyPr/>
           <a:lstStyle/>
           <a:p>
-            <a:endParaRPr lang="zh-CN" altLang="en-US"/>
-          </a:p>
-        </p:txBody>
-      </p:sp>
+            <a:r>
+              <a:rPr lang="en-US" altLang="zh-CN" dirty="0"/>
+              <a:t>cascade voltage logic(CVL) </a:t>
+            </a:r>
+            <a:endParaRPr lang="zh-CN" altLang="en-US" dirty="0"/>
+          </a:p>
+        </p:txBody>
+      </p:sp>
+      <p:pic>
+        <p:nvPicPr>
+          <p:cNvPr id="6" name="图片 5">
+            <a:extLst>
+              <a:ext uri="{FF2B5EF4-FFF2-40B4-BE49-F238E27FC236}">
+                <a16:creationId xmlns:a16="http://schemas.microsoft.com/office/drawing/2014/main" id="{209F34F2-5AB0-4DAB-8A43-4E3098C39EF5}"/>
+              </a:ext>
+            </a:extLst>
+          </p:cNvPr>
+          <p:cNvPicPr>
+            <a:picLocks noChangeAspect="1"/>
+          </p:cNvPicPr>
+          <p:nvPr/>
+        </p:nvPicPr>
+        <p:blipFill>
+          <a:blip r:embed="rId3"/>
+          <a:stretch>
+            <a:fillRect/>
+          </a:stretch>
+        </p:blipFill>
+        <p:spPr>
+          <a:xfrm>
+            <a:off x="3083933" y="1685079"/>
+            <a:ext cx="9034494" cy="3183467"/>
+          </a:xfrm>
+          <a:prstGeom prst="rect">
+            <a:avLst/>
+          </a:prstGeom>
+        </p:spPr>
+      </p:pic>
+      <mc:AlternateContent xmlns:mc="http://schemas.openxmlformats.org/markup-compatibility/2006">
+        <mc:Choice xmlns:a14="http://schemas.microsoft.com/office/drawing/2010/main" Requires="a14">
+          <p:sp>
+            <p:nvSpPr>
+              <p:cNvPr id="7" name="矩形 6">
+                <a:extLst>
+                  <a:ext uri="{FF2B5EF4-FFF2-40B4-BE49-F238E27FC236}">
+                    <a16:creationId xmlns:a16="http://schemas.microsoft.com/office/drawing/2014/main" id="{9C019C99-671B-4A42-9AF4-EF9CB2764C67}"/>
+                  </a:ext>
+                </a:extLst>
+              </p:cNvPr>
+              <p:cNvSpPr/>
+              <p:nvPr/>
+            </p:nvSpPr>
+            <p:spPr>
+              <a:xfrm>
+                <a:off x="6450830" y="4823037"/>
+                <a:ext cx="4631698" cy="689099"/>
+              </a:xfrm>
+              <a:prstGeom prst="rect">
+                <a:avLst/>
+              </a:prstGeom>
+            </p:spPr>
+            <p:txBody>
+              <a:bodyPr wrap="square">
+                <a:spAutoFit/>
+              </a:bodyPr>
+              <a:lstStyle/>
+              <a:p>
+                <a14:m>
+                  <m:oMathPara xmlns:m="http://schemas.openxmlformats.org/officeDocument/2006/math">
+                    <m:oMathParaPr>
+                      <m:jc m:val="centerGroup"/>
+                    </m:oMathParaPr>
+                    <m:oMath xmlns:m="http://schemas.openxmlformats.org/officeDocument/2006/math">
+                      <m:r>
+                        <a:rPr lang="zh-CN" altLang="en-US" sz="3600" i="1">
+                          <a:latin typeface="Cambria Math" panose="02040503050406030204" pitchFamily="18" charset="0"/>
+                        </a:rPr>
+                        <m:t>𝑉𝐷</m:t>
+                      </m:r>
+                      <m:sSub>
+                        <m:sSubPr>
+                          <m:ctrlPr>
+                            <a:rPr lang="zh-CN" altLang="en-US" sz="3600" i="1">
+                              <a:latin typeface="Cambria Math" panose="02040503050406030204" pitchFamily="18" charset="0"/>
+                            </a:rPr>
+                          </m:ctrlPr>
+                        </m:sSubPr>
+                        <m:e>
+                          <m:r>
+                            <a:rPr lang="zh-CN" altLang="en-US" sz="3600" i="1">
+                              <a:latin typeface="Cambria Math" panose="02040503050406030204" pitchFamily="18" charset="0"/>
+                            </a:rPr>
+                            <m:t>𝐷</m:t>
+                          </m:r>
+                        </m:e>
+                        <m:sub>
+                          <m:r>
+                            <a:rPr lang="zh-CN" altLang="en-US" sz="3600" i="1">
+                              <a:latin typeface="Cambria Math" panose="02040503050406030204" pitchFamily="18" charset="0"/>
+                            </a:rPr>
+                            <m:t>𝑚</m:t>
+                          </m:r>
+                        </m:sub>
+                      </m:sSub>
+                      <m:r>
+                        <a:rPr lang="zh-CN" altLang="en-US" sz="3600" i="0">
+                          <a:latin typeface="Cambria Math" panose="02040503050406030204" pitchFamily="18" charset="0"/>
+                        </a:rPr>
+                        <m:t>=</m:t>
+                      </m:r>
+                      <m:r>
+                        <a:rPr lang="zh-CN" altLang="en-US" sz="3600" i="1">
+                          <a:latin typeface="Cambria Math" panose="02040503050406030204" pitchFamily="18" charset="0"/>
+                        </a:rPr>
+                        <m:t>𝑉𝐷𝐷</m:t>
+                      </m:r>
+                      <m:r>
+                        <a:rPr lang="zh-CN" altLang="en-US" sz="3600" i="0">
+                          <a:latin typeface="Cambria Math" panose="02040503050406030204" pitchFamily="18" charset="0"/>
+                        </a:rPr>
+                        <m:t>−</m:t>
+                      </m:r>
+                      <m:sSub>
+                        <m:sSubPr>
+                          <m:ctrlPr>
+                            <a:rPr lang="zh-CN" altLang="en-US" sz="3600" i="1">
+                              <a:latin typeface="Cambria Math" panose="02040503050406030204" pitchFamily="18" charset="0"/>
+                            </a:rPr>
+                          </m:ctrlPr>
+                        </m:sSubPr>
+                        <m:e>
+                          <m:r>
+                            <a:rPr lang="zh-CN" altLang="en-US" sz="3600" i="1">
+                              <a:latin typeface="Cambria Math" panose="02040503050406030204" pitchFamily="18" charset="0"/>
+                            </a:rPr>
+                            <m:t>𝑉</m:t>
+                          </m:r>
+                        </m:e>
+                        <m:sub>
+                          <m:r>
+                            <a:rPr lang="zh-CN" altLang="en-US" sz="3600" i="1">
+                              <a:latin typeface="Cambria Math" panose="02040503050406030204" pitchFamily="18" charset="0"/>
+                            </a:rPr>
+                            <m:t>𝑑𝑝</m:t>
+                          </m:r>
+                        </m:sub>
+                      </m:sSub>
+                    </m:oMath>
+                  </m:oMathPara>
+                </a14:m>
+                <a:endParaRPr lang="zh-CN" altLang="en-US" sz="3600" dirty="0"/>
+              </a:p>
+            </p:txBody>
+          </p:sp>
+        </mc:Choice>
+        <mc:Fallback>
+          <p:sp>
+            <p:nvSpPr>
+              <p:cNvPr id="7" name="矩形 6">
+                <a:extLst>
+                  <a:ext uri="{FF2B5EF4-FFF2-40B4-BE49-F238E27FC236}">
+                    <a16:creationId xmlns:a16="http://schemas.microsoft.com/office/drawing/2014/main" id="{9C019C99-671B-4A42-9AF4-EF9CB2764C67}"/>
+                  </a:ext>
+                </a:extLst>
+              </p:cNvPr>
+              <p:cNvSpPr>
+                <a:spLocks noRot="1" noChangeAspect="1" noMove="1" noResize="1" noEditPoints="1" noAdjustHandles="1" noChangeArrowheads="1" noChangeShapeType="1" noTextEdit="1"/>
+              </p:cNvSpPr>
+              <p:nvPr/>
+            </p:nvSpPr>
+            <p:spPr>
+              <a:xfrm>
+                <a:off x="6450830" y="4823037"/>
+                <a:ext cx="4631698" cy="689099"/>
+              </a:xfrm>
+              <a:prstGeom prst="rect">
+                <a:avLst/>
+              </a:prstGeom>
+              <a:blipFill>
+                <a:blip r:embed="rId4"/>
+                <a:stretch>
+                  <a:fillRect/>
+                </a:stretch>
+              </a:blipFill>
+            </p:spPr>
+            <p:txBody>
+              <a:bodyPr/>
+              <a:lstStyle/>
+              <a:p>
+                <a:r>
+                  <a:rPr lang="zh-CN" altLang="en-US">
+                    <a:noFill/>
+                  </a:rPr>
+                  <a:t> </a:t>
+                </a:r>
+              </a:p>
+            </p:txBody>
+          </p:sp>
+        </mc:Fallback>
+      </mc:AlternateContent>
     </p:spTree>
     <p:extLst>
       <p:ext uri="{BB962C8B-B14F-4D97-AF65-F5344CB8AC3E}">
@@ -3572,7 +6610,7 @@
           <p:cNvPr id="2" name="内容占位符 1">
             <a:extLst>
               <a:ext uri="{FF2B5EF4-FFF2-40B4-BE49-F238E27FC236}">
-                <a16:creationId xmlns:a16="http://schemas.microsoft.com/office/drawing/2014/main" id="{AC093D86-76D3-46B5-805D-F0D1F813C3CE}"/>
+                <a16:creationId xmlns:a16="http://schemas.microsoft.com/office/drawing/2014/main" id="{001F8BDF-7689-44CC-81EB-FDC06971640A}"/>
               </a:ext>
             </a:extLst>
           </p:cNvPr>
@@ -3588,7 +6626,130 @@
           <a:bodyPr/>
           <a:lstStyle/>
           <a:p>
-            <a:endParaRPr lang="zh-CN" altLang="en-US"/>
+            <a:r>
+              <a:rPr lang="en-US" altLang="zh-CN" sz="2800" dirty="0"/>
+              <a:t>K=0 ,</a:t>
+            </a:r>
+            <a:r>
+              <a:rPr lang="en-US" altLang="zh-CN" sz="2800" dirty="0" err="1"/>
+              <a:t>V</a:t>
+            </a:r>
+            <a:r>
+              <a:rPr lang="en-US" altLang="zh-CN" sz="2800" baseline="-25000" dirty="0" err="1"/>
+              <a:t>dp</a:t>
+            </a:r>
+            <a:r>
+              <a:rPr lang="en-US" altLang="zh-CN" sz="2800" dirty="0"/>
+              <a:t>=0</a:t>
+            </a:r>
+          </a:p>
+          <a:p>
+            <a:endParaRPr lang="en-US" altLang="zh-CN" sz="2800" dirty="0"/>
+          </a:p>
+          <a:p>
+            <a:r>
+              <a:rPr lang="en-US" altLang="zh-CN" sz="2800" dirty="0"/>
+              <a:t>K=1, </a:t>
+            </a:r>
+            <a:r>
+              <a:rPr lang="en-US" altLang="zh-CN" sz="2800" dirty="0" err="1"/>
+              <a:t>V</a:t>
+            </a:r>
+            <a:r>
+              <a:rPr lang="en-US" altLang="zh-CN" sz="2800" baseline="-25000" dirty="0" err="1"/>
+              <a:t>dp</a:t>
+            </a:r>
+            <a:r>
+              <a:rPr lang="en-US" altLang="zh-CN" sz="2800" dirty="0"/>
+              <a:t>=V</a:t>
+            </a:r>
+            <a:r>
+              <a:rPr lang="en-US" altLang="zh-CN" sz="2800" baseline="-25000" dirty="0"/>
+              <a:t>th0</a:t>
+            </a:r>
+            <a:endParaRPr lang="en-US" altLang="zh-CN" sz="2800" dirty="0"/>
+          </a:p>
+          <a:p>
+            <a:endParaRPr lang="en-US" altLang="zh-CN" sz="2800" dirty="0"/>
+          </a:p>
+          <a:p>
+            <a:r>
+              <a:rPr lang="en-US" altLang="zh-CN" sz="2800" dirty="0"/>
+              <a:t>K&gt;1, 0&lt;</a:t>
+            </a:r>
+            <a:r>
+              <a:rPr lang="en-US" altLang="zh-CN" sz="2800" dirty="0" err="1"/>
+              <a:t>V</a:t>
+            </a:r>
+            <a:r>
+              <a:rPr lang="en-US" altLang="zh-CN" sz="2800" baseline="-25000" dirty="0" err="1"/>
+              <a:t>dp</a:t>
+            </a:r>
+            <a:r>
+              <a:rPr lang="en-US" altLang="zh-CN" sz="2800" dirty="0"/>
+              <a:t>&lt;V</a:t>
+            </a:r>
+            <a:r>
+              <a:rPr lang="en-US" altLang="zh-CN" sz="2800" baseline="-25000" dirty="0"/>
+              <a:t>th0</a:t>
+            </a:r>
+            <a:endParaRPr lang="en-US" altLang="zh-CN" sz="2800" dirty="0"/>
+          </a:p>
+          <a:p>
+            <a:pPr marL="0" indent="0">
+              <a:buNone/>
+            </a:pPr>
+            <a:endParaRPr lang="en-US" altLang="zh-CN" dirty="0"/>
+          </a:p>
+          <a:p>
+            <a:pPr marL="0" indent="0">
+              <a:buNone/>
+            </a:pPr>
+            <a:r>
+              <a:rPr lang="en-US" altLang="zh-CN" dirty="0"/>
+              <a:t>K denotes the total number of </a:t>
+            </a:r>
+            <a:r>
+              <a:rPr lang="en-US" altLang="zh-CN" dirty="0" err="1"/>
+              <a:t>VM</a:t>
+            </a:r>
+            <a:r>
+              <a:rPr lang="en-US" altLang="zh-CN" baseline="-25000" dirty="0" err="1"/>
+              <a:t>i</a:t>
+            </a:r>
+            <a:r>
+              <a:rPr lang="en-US" altLang="zh-CN" baseline="-25000" dirty="0"/>
+              <a:t> </a:t>
+            </a:r>
+            <a:r>
+              <a:rPr lang="en-US" altLang="zh-CN" dirty="0"/>
+              <a:t>whose logic value is “1”</a:t>
+            </a:r>
+          </a:p>
+          <a:p>
+            <a:pPr marL="0" indent="0">
+              <a:buNone/>
+            </a:pPr>
+            <a:r>
+              <a:rPr lang="en-US" altLang="zh-CN" dirty="0"/>
+              <a:t>V</a:t>
+            </a:r>
+            <a:r>
+              <a:rPr lang="en-US" altLang="zh-CN" baseline="-25000" dirty="0"/>
+              <a:t>th0</a:t>
+            </a:r>
+            <a:r>
+              <a:rPr lang="en-US" altLang="zh-CN" dirty="0"/>
+              <a:t> denotes the threshold</a:t>
+            </a:r>
+            <a:r>
+              <a:rPr lang="zh-CN" altLang="en-US" dirty="0"/>
+              <a:t> </a:t>
+            </a:r>
+            <a:r>
+              <a:rPr lang="en-US" altLang="zh-CN" dirty="0"/>
+              <a:t>voltage of NMOS and diode</a:t>
+            </a:r>
           </a:p>
         </p:txBody>
       </p:sp>
@@ -3597,7 +6758,7 @@
           <p:cNvPr id="3" name="标题 2">
             <a:extLst>
               <a:ext uri="{FF2B5EF4-FFF2-40B4-BE49-F238E27FC236}">
-                <a16:creationId xmlns:a16="http://schemas.microsoft.com/office/drawing/2014/main" id="{FE9B6BED-E651-4289-8242-7161559F6395}"/>
+                <a16:creationId xmlns:a16="http://schemas.microsoft.com/office/drawing/2014/main" id="{43AD0D29-089A-4E18-A43A-4AFAE65D3C54}"/>
               </a:ext>
             </a:extLst>
           </p:cNvPr>
@@ -3613,14 +6774,48 @@
           <a:bodyPr/>
           <a:lstStyle/>
           <a:p>
-            <a:endParaRPr lang="zh-CN" altLang="en-US"/>
-          </a:p>
-        </p:txBody>
-      </p:sp>
+            <a:r>
+              <a:rPr lang="en-US" altLang="zh-CN" dirty="0"/>
+              <a:t>cascade voltage logic(CVL) </a:t>
+            </a:r>
+            <a:endParaRPr lang="zh-CN" altLang="en-US" dirty="0"/>
+          </a:p>
+        </p:txBody>
+      </p:sp>
+      <p:pic>
+        <p:nvPicPr>
+          <p:cNvPr id="4" name="图片 3">
+            <a:extLst>
+              <a:ext uri="{FF2B5EF4-FFF2-40B4-BE49-F238E27FC236}">
+                <a16:creationId xmlns:a16="http://schemas.microsoft.com/office/drawing/2014/main" id="{2E8F945E-CCFA-4F5E-B256-572EC476F995}"/>
+              </a:ext>
+            </a:extLst>
+          </p:cNvPr>
+          <p:cNvPicPr>
+            <a:picLocks noChangeAspect="1"/>
+          </p:cNvPicPr>
+          <p:nvPr/>
+        </p:nvPicPr>
+        <p:blipFill>
+          <a:blip r:embed="rId3"/>
+          <a:stretch>
+            <a:fillRect/>
+          </a:stretch>
+        </p:blipFill>
+        <p:spPr>
+          <a:xfrm>
+            <a:off x="4750933" y="1867280"/>
+            <a:ext cx="7230601" cy="3546500"/>
+          </a:xfrm>
+          <a:prstGeom prst="rect">
+            <a:avLst/>
+          </a:prstGeom>
+        </p:spPr>
+      </p:pic>
     </p:spTree>
     <p:extLst>
       <p:ext uri="{BB962C8B-B14F-4D97-AF65-F5344CB8AC3E}">
-        <p14:creationId xmlns:p14="http://schemas.microsoft.com/office/powerpoint/2010/main" val="3856115087"/>
+        <p14:creationId xmlns:p14="http://schemas.microsoft.com/office/powerpoint/2010/main" val="1970416084"/>
       </p:ext>
     </p:extLst>
   </p:cSld>

--- a/asianhost pre/FPL.pptx
+++ b/asianhost pre/FPL.pptx
@@ -5,10 +5,10 @@
     <p:sldMasterId id="2147483901" r:id="rId1"/>
   </p:sldMasterIdLst>
   <p:notesMasterIdLst>
-    <p:notesMasterId r:id="rId21"/>
+    <p:notesMasterId r:id="rId24"/>
   </p:notesMasterIdLst>
   <p:handoutMasterIdLst>
-    <p:handoutMasterId r:id="rId22"/>
+    <p:handoutMasterId r:id="rId25"/>
   </p:handoutMasterIdLst>
   <p:sldIdLst>
     <p:sldId id="256" r:id="rId2"/>
@@ -17,19 +17,22 @@
     <p:sldId id="261" r:id="rId5"/>
     <p:sldId id="262" r:id="rId6"/>
     <p:sldId id="264" r:id="rId7"/>
-    <p:sldId id="265" r:id="rId8"/>
-    <p:sldId id="266" r:id="rId9"/>
-    <p:sldId id="269" r:id="rId10"/>
-    <p:sldId id="272" r:id="rId11"/>
-    <p:sldId id="271" r:id="rId12"/>
-    <p:sldId id="267" r:id="rId13"/>
-    <p:sldId id="268" r:id="rId14"/>
-    <p:sldId id="273" r:id="rId15"/>
-    <p:sldId id="274" r:id="rId16"/>
-    <p:sldId id="275" r:id="rId17"/>
-    <p:sldId id="276" r:id="rId18"/>
-    <p:sldId id="277" r:id="rId19"/>
-    <p:sldId id="278" r:id="rId20"/>
+    <p:sldId id="279" r:id="rId8"/>
+    <p:sldId id="265" r:id="rId9"/>
+    <p:sldId id="266" r:id="rId10"/>
+    <p:sldId id="269" r:id="rId11"/>
+    <p:sldId id="272" r:id="rId12"/>
+    <p:sldId id="271" r:id="rId13"/>
+    <p:sldId id="267" r:id="rId14"/>
+    <p:sldId id="280" r:id="rId15"/>
+    <p:sldId id="268" r:id="rId16"/>
+    <p:sldId id="273" r:id="rId17"/>
+    <p:sldId id="274" r:id="rId18"/>
+    <p:sldId id="275" r:id="rId19"/>
+    <p:sldId id="276" r:id="rId20"/>
+    <p:sldId id="277" r:id="rId21"/>
+    <p:sldId id="281" r:id="rId22"/>
+    <p:sldId id="278" r:id="rId23"/>
   </p:sldIdLst>
   <p:sldSz cx="12192000" cy="6858000"/>
   <p:notesSz cx="6858000" cy="9144000"/>
@@ -289,7 +292,7 @@
               <a:rPr lang="en-US" smtClean="0">
                 <a:latin typeface="Arial" charset="0"/>
               </a:rPr>
-              <a:t>12/1/2019</a:t>
+              <a:t>12/3/2019</a:t>
             </a:fld>
             <a:endParaRPr lang="en-US" dirty="0">
               <a:latin typeface="Arial" charset="0"/>
@@ -467,7 +470,7 @@
             <a:fld id="{5B96CA4F-2197-CC40-B4FC-798A937A9DC6}" type="datetimeFigureOut">
               <a:rPr lang="en-US" smtClean="0"/>
               <a:pPr/>
-              <a:t>12/1/2019</a:t>
+              <a:t>12/3/2019</a:t>
             </a:fld>
             <a:endParaRPr lang="en-US" dirty="0"/>
           </a:p>
@@ -917,7 +920,7 @@
                 <a:ea typeface="+mn-ea"/>
                 <a:cs typeface="+mn-cs"/>
               </a:rPr>
-              <a:t>For the purpose of illustration and for the sake of page limitation, only the case of n = 4 is applied and verified in the same test bench for both algorithms</a:t>
+              <a:t>For the purpose of illustration, only the case of n equal to 4 is applied and verified in the same test bench for both algorithms</a:t>
             </a:r>
           </a:p>
           <a:p>
@@ -1015,7 +1018,7 @@
             <a:fld id="{02322656-8894-1544-92AA-01B3CF5E6182}" type="slidenum">
               <a:rPr lang="en-US" smtClean="0"/>
               <a:pPr/>
-              <a:t>13</a:t>
+              <a:t>15</a:t>
             </a:fld>
             <a:endParaRPr lang="en-US" dirty="0"/>
           </a:p>
@@ -1089,6 +1092,30 @@
               </a:rPr>
               <a:t>To be specific, the Gate equivalents (GE) of SC-, FPL- and WDDL-based testbench implementations are summarized in the first row of Table. I.</a:t>
             </a:r>
+          </a:p>
+          <a:p>
+            <a:r>
+              <a:rPr lang="en-US" altLang="zh-CN" sz="1600" b="0" i="0" u="none" strike="noStrike" kern="1200" baseline="0" dirty="0" err="1">
+                <a:solidFill>
+                  <a:schemeClr val="tx1"/>
+                </a:solidFill>
+                <a:latin typeface="Arial" charset="0"/>
+                <a:ea typeface="+mn-ea"/>
+                <a:cs typeface="+mn-cs"/>
+              </a:rPr>
+              <a:t>Pavg</a:t>
+            </a:r>
+            <a:r>
+              <a:rPr lang="en-US" altLang="zh-CN" sz="1600" b="0" i="0" u="none" strike="noStrike" kern="1200" baseline="0">
+                <a:solidFill>
+                  <a:schemeClr val="tx1"/>
+                </a:solidFill>
+                <a:latin typeface="Arial" charset="0"/>
+                <a:ea typeface="+mn-ea"/>
+                <a:cs typeface="+mn-cs"/>
+              </a:rPr>
+              <a:t> and P are the mean and standard deviation</a:t>
+            </a:r>
             <a:endParaRPr lang="zh-CN" altLang="en-US" dirty="0"/>
           </a:p>
         </p:txBody>
@@ -1111,7 +1138,7 @@
             <a:fld id="{02322656-8894-1544-92AA-01B3CF5E6182}" type="slidenum">
               <a:rPr lang="en-US" smtClean="0"/>
               <a:pPr/>
-              <a:t>14</a:t>
+              <a:t>16</a:t>
             </a:fld>
             <a:endParaRPr lang="en-US" dirty="0"/>
           </a:p>
@@ -1176,7 +1203,7 @@
           <a:p>
             <a:r>
               <a:rPr lang="en-US" altLang="zh-CN" dirty="0"/>
-              <a:t>The SCA in the title means side channel analysis. And it cares about the power dissipation correlations with switching operations</a:t>
+              <a:t>The SCA in the title means side channel analysis. And it cares about the power dissipation correlations with switching operations using power models like hamming weight</a:t>
             </a:r>
           </a:p>
           <a:p>
@@ -1185,7 +1212,7 @@
             </a:pPr>
             <a:r>
               <a:rPr lang="en-US" altLang="zh-CN" sz="1600" dirty="0"/>
-              <a:t>We investigated that Major power consumption comes from the clock distribution network and Flip-Flops (FFs) (about 30%-60% of the whole consumption is from FF</a:t>
+              <a:t>And it will lead to threats of information security</a:t>
             </a:r>
           </a:p>
           <a:p>
@@ -1194,15 +1221,16 @@
             </a:pPr>
             <a:r>
               <a:rPr lang="en-US" altLang="zh-CN" sz="1600" dirty="0"/>
-              <a:t>So our work concentrate on </a:t>
-            </a:r>
-            <a:r>
-              <a:rPr lang="en-US" altLang="zh-CN" sz="1600" dirty="0" err="1"/>
-              <a:t>modifiyng</a:t>
-            </a:r>
+              <a:t>We investigated that Major power consumption comes from the clock distribution network and Flip-Flops (FFs) (about 30%-60% of the whole consumption is from FF</a:t>
+            </a:r>
+          </a:p>
+          <a:p>
+            <a:pPr marL="0" indent="0">
+              <a:buNone/>
+            </a:pPr>
             <a:r>
               <a:rPr lang="en-US" altLang="zh-CN" sz="1600" dirty="0"/>
-              <a:t> the flip-flops</a:t>
+              <a:t>So our work concentrate on improving the flip-flops</a:t>
             </a:r>
           </a:p>
           <a:p>
@@ -1299,7 +1327,7 @@
           <a:p>
             <a:r>
               <a:rPr lang="en-US" altLang="zh-CN" dirty="0"/>
-              <a:t>The two mainstream SCA countermeasures are hiding and masking.</a:t>
+              <a:t>There have some countermeasures to overcome the severe challenge of SCA. The two mainstream SCA countermeasures are hiding and masking.</a:t>
             </a:r>
           </a:p>
           <a:p>
@@ -1313,7 +1341,24 @@
             </a:r>
             <a:r>
               <a:rPr lang="en-US" altLang="zh-CN" dirty="0"/>
-              <a:t> logics to hide the dependence of the power consumption with data</a:t>
+              <a:t> logics to hide the dependence between the power consumption and data</a:t>
+            </a:r>
+          </a:p>
+          <a:p>
+            <a:r>
+              <a:rPr lang="en-US" altLang="zh-CN" dirty="0"/>
+              <a:t>And masking can de-correlate the </a:t>
+            </a:r>
+            <a:r>
+              <a:rPr lang="en-US" altLang="zh-CN" sz="1600" b="0" i="0" u="none" strike="noStrike" kern="1200" baseline="0" dirty="0">
+                <a:solidFill>
+                  <a:schemeClr val="tx1"/>
+                </a:solidFill>
+                <a:latin typeface="Arial" charset="0"/>
+                <a:ea typeface="+mn-ea"/>
+                <a:cs typeface="+mn-cs"/>
+              </a:rPr>
+              <a:t>dependency between the actual data and the power model by algorithm or some hardware model</a:t>
             </a:r>
             <a:endParaRPr lang="zh-CN" altLang="en-US" dirty="0"/>
           </a:p>
@@ -1402,7 +1447,7 @@
           <a:p>
             <a:r>
               <a:rPr lang="en-US" altLang="zh-CN" dirty="0"/>
-              <a:t>The masking and hiding is used to remove the dependence of the two parts.</a:t>
+              <a:t>The masking and hiding care more about the power model.</a:t>
             </a:r>
           </a:p>
           <a:p>
@@ -1497,31 +1542,19 @@
           <a:p>
             <a:r>
               <a:rPr lang="en-US" altLang="zh-CN" dirty="0"/>
-              <a:t>the CVL unit consists of n NMOS and n diodes</a:t>
+              <a:t>the CVL unit is connected to VDD and a PRNG pseudo random number generator. consists of n NMOS and n diodes</a:t>
             </a:r>
           </a:p>
           <a:p>
             <a:r>
               <a:rPr lang="en-US" altLang="zh-CN" dirty="0"/>
-              <a:t>Then it has one PMOS and one n-input OR-gate</a:t>
+              <a:t>Then it has one PMOS and one n-input OR-gate. The input of the OR-gate is controlled by PRNG</a:t>
             </a:r>
           </a:p>
           <a:p>
             <a:r>
               <a:rPr lang="en-US" altLang="zh-CN" dirty="0"/>
-              <a:t>The input of the OR-gate is controlled by PRNG</a:t>
-            </a:r>
-          </a:p>
-          <a:p>
-            <a:r>
-              <a:rPr lang="en-US" altLang="zh-CN" dirty="0"/>
-              <a:t>And the CVL unit will produce a voltage drop</a:t>
-            </a:r>
-          </a:p>
-          <a:p>
-            <a:r>
-              <a:rPr lang="en-US" altLang="zh-CN" dirty="0"/>
-              <a:t>Use </a:t>
+              <a:t>And the CVL unit will produce a OUTPUT named </a:t>
             </a:r>
             <a:r>
               <a:rPr lang="en-US" altLang="zh-CN" dirty="0" err="1"/>
@@ -1529,7 +1562,7 @@
             </a:r>
             <a:r>
               <a:rPr lang="en-US" altLang="zh-CN" dirty="0"/>
-              <a:t> to substitute the VDD with a random voltage drop</a:t>
+              <a:t> to substitute the VDD with a random voltage drop.</a:t>
             </a:r>
             <a:endParaRPr lang="zh-CN" altLang="en-US" dirty="0"/>
           </a:p>
@@ -1553,7 +1586,7 @@
             <a:fld id="{02322656-8894-1544-92AA-01B3CF5E6182}" type="slidenum">
               <a:rPr lang="en-US" smtClean="0"/>
               <a:pPr/>
-              <a:t>8</a:t>
+              <a:t>9</a:t>
             </a:fld>
             <a:endParaRPr lang="en-US" dirty="0"/>
           </a:p>
@@ -1616,9 +1649,48 @@
           <a:bodyPr/>
           <a:lstStyle/>
           <a:p>
+            <a:pPr marL="0" marR="0" lvl="0" indent="0" algn="l" defTabSz="1219170" rtl="0" eaLnBrk="1" fontAlgn="auto" latinLnBrk="0" hangingPunct="1">
+              <a:lnSpc>
+                <a:spcPct val="100000"/>
+              </a:lnSpc>
+              <a:spcBef>
+                <a:spcPts val="0"/>
+              </a:spcBef>
+              <a:spcAft>
+                <a:spcPts val="0"/>
+              </a:spcAft>
+              <a:buClrTx/>
+              <a:buSzTx/>
+              <a:buFontTx/>
+              <a:buNone/>
+              <a:tabLst/>
+              <a:defRPr/>
+            </a:pPr>
             <a:r>
               <a:rPr lang="en-US" altLang="zh-CN" dirty="0"/>
-              <a:t>K=0</a:t>
+              <a:t>K denotes the total number of </a:t>
+            </a:r>
+            <a:r>
+              <a:rPr lang="en-US" altLang="zh-CN" dirty="0" err="1"/>
+              <a:t>VM</a:t>
+            </a:r>
+            <a:r>
+              <a:rPr lang="en-US" altLang="zh-CN" baseline="-25000" dirty="0" err="1"/>
+              <a:t>i</a:t>
+            </a:r>
+            <a:r>
+              <a:rPr lang="en-US" altLang="zh-CN" baseline="-25000" dirty="0"/>
+              <a:t> </a:t>
+            </a:r>
+            <a:r>
+              <a:rPr lang="en-US" altLang="zh-CN" dirty="0"/>
+              <a:t>whose logic value is “1” and also equal to the output of PRNG</a:t>
+            </a:r>
+          </a:p>
+          <a:p>
+            <a:r>
+              <a:rPr lang="en-US" altLang="zh-CN" dirty="0"/>
+              <a:t>If K equal to 0</a:t>
             </a:r>
             <a:r>
               <a:rPr lang="zh-CN" altLang="en-US" dirty="0"/>
@@ -1642,13 +1714,13 @@
             </a:r>
             <a:r>
               <a:rPr lang="en-US" altLang="zh-CN" dirty="0"/>
-              <a:t>are shut off, the OR-gate output digital 0</a:t>
+              <a:t>are shut off, the OR-gate output digital 0 and the output equal to VDD</a:t>
             </a:r>
           </a:p>
           <a:p>
             <a:r>
               <a:rPr lang="en-US" altLang="zh-CN" dirty="0"/>
-              <a:t>K=1 only one of </a:t>
+              <a:t>K equal to 1 only one of </a:t>
             </a:r>
             <a:r>
               <a:rPr lang="en-US" altLang="zh-CN" dirty="0" err="1"/>
@@ -1656,13 +1728,38 @@
             </a:r>
             <a:r>
               <a:rPr lang="en-US" altLang="zh-CN" dirty="0"/>
-              <a:t> equal to 1</a:t>
-            </a:r>
-          </a:p>
-          <a:p>
+              <a:t> equal to 1, the voltage drop equal to threshold voltage</a:t>
+            </a:r>
+          </a:p>
+          <a:p>
+            <a:pPr marL="0" marR="0" lvl="0" indent="0" algn="l" defTabSz="1219170" rtl="0" eaLnBrk="1" fontAlgn="auto" latinLnBrk="0" hangingPunct="1">
+              <a:lnSpc>
+                <a:spcPct val="100000"/>
+              </a:lnSpc>
+              <a:spcBef>
+                <a:spcPts val="0"/>
+              </a:spcBef>
+              <a:spcAft>
+                <a:spcPts val="0"/>
+              </a:spcAft>
+              <a:buClrTx/>
+              <a:buSzTx/>
+              <a:buFontTx/>
+              <a:buNone/>
+              <a:tabLst/>
+              <a:defRPr/>
+            </a:pPr>
             <a:r>
               <a:rPr lang="en-US" altLang="zh-CN" dirty="0"/>
-              <a:t>k=&gt;1</a:t>
+              <a:t>If there are more than one </a:t>
+            </a:r>
+            <a:r>
+              <a:rPr lang="en-US" altLang="zh-CN" dirty="0" err="1"/>
+              <a:t>Vmi</a:t>
+            </a:r>
+            <a:r>
+              <a:rPr lang="en-US" altLang="zh-CN" dirty="0"/>
+              <a:t> equal to 1, the value of drop voltage will be between zero and threshold voltage</a:t>
             </a:r>
           </a:p>
           <a:p>
@@ -1743,7 +1840,7 @@
             <a:fld id="{02322656-8894-1544-92AA-01B3CF5E6182}" type="slidenum">
               <a:rPr lang="en-US" smtClean="0"/>
               <a:pPr/>
-              <a:t>9</a:t>
+              <a:t>10</a:t>
             </a:fld>
             <a:endParaRPr lang="en-US" dirty="0"/>
           </a:p>
@@ -1919,6 +2016,102 @@
               <a:tabLst/>
               <a:defRPr/>
             </a:pPr>
+            <a:r>
+              <a:rPr lang="en-US" altLang="zh-CN" sz="1600" b="0" i="0" u="none" strike="noStrike" kern="1200" baseline="0" dirty="0">
+                <a:solidFill>
+                  <a:schemeClr val="tx1"/>
+                </a:solidFill>
+                <a:latin typeface="Arial" charset="0"/>
+                <a:ea typeface="+mn-ea"/>
+                <a:cs typeface="+mn-cs"/>
+              </a:rPr>
+              <a:t>In order to avoid that the </a:t>
+            </a:r>
+            <a:r>
+              <a:rPr lang="en-US" altLang="zh-CN" sz="1600" b="0" i="0" u="none" strike="noStrike" kern="1200" baseline="0" dirty="0" err="1">
+                <a:solidFill>
+                  <a:schemeClr val="tx1"/>
+                </a:solidFill>
+                <a:latin typeface="Arial" charset="0"/>
+                <a:ea typeface="+mn-ea"/>
+                <a:cs typeface="+mn-cs"/>
+              </a:rPr>
+              <a:t>vddm</a:t>
+            </a:r>
+            <a:r>
+              <a:rPr lang="en-US" altLang="zh-CN" sz="1600" b="0" i="0" u="none" strike="noStrike" kern="1200" baseline="0" dirty="0">
+                <a:solidFill>
+                  <a:schemeClr val="tx1"/>
+                </a:solidFill>
+                <a:latin typeface="Arial" charset="0"/>
+                <a:ea typeface="+mn-ea"/>
+                <a:cs typeface="+mn-cs"/>
+              </a:rPr>
+              <a:t> influence the performance of the circuits, we just connect the </a:t>
+            </a:r>
+            <a:r>
+              <a:rPr lang="en-US" altLang="zh-CN" sz="1600" b="0" i="0" u="none" strike="noStrike" kern="1200" baseline="0" dirty="0" err="1">
+                <a:solidFill>
+                  <a:schemeClr val="tx1"/>
+                </a:solidFill>
+                <a:latin typeface="Arial" charset="0"/>
+                <a:ea typeface="+mn-ea"/>
+                <a:cs typeface="+mn-cs"/>
+              </a:rPr>
+              <a:t>vddm</a:t>
+            </a:r>
+            <a:r>
+              <a:rPr lang="en-US" altLang="zh-CN" sz="1600" b="0" i="0" u="none" strike="noStrike" kern="1200" baseline="0" dirty="0">
+                <a:solidFill>
+                  <a:schemeClr val="tx1"/>
+                </a:solidFill>
+                <a:latin typeface="Arial" charset="0"/>
+                <a:ea typeface="+mn-ea"/>
+                <a:cs typeface="+mn-cs"/>
+              </a:rPr>
+              <a:t> to non-critical path of the circuit and </a:t>
+            </a:r>
+            <a:r>
+              <a:rPr lang="en-US" altLang="zh-CN" sz="1600" b="0" i="0" u="none" strike="noStrike" kern="1200" baseline="0" dirty="0" err="1">
+                <a:solidFill>
+                  <a:schemeClr val="tx1"/>
+                </a:solidFill>
+                <a:latin typeface="Arial" charset="0"/>
+                <a:ea typeface="+mn-ea"/>
+                <a:cs typeface="+mn-cs"/>
+              </a:rPr>
+              <a:t>vdd</a:t>
+            </a:r>
+            <a:r>
+              <a:rPr lang="en-US" altLang="zh-CN" sz="1600" b="0" i="0" u="none" strike="noStrike" kern="1200" baseline="0" dirty="0">
+                <a:solidFill>
+                  <a:schemeClr val="tx1"/>
+                </a:solidFill>
+                <a:latin typeface="Arial" charset="0"/>
+                <a:ea typeface="+mn-ea"/>
+                <a:cs typeface="+mn-cs"/>
+              </a:rPr>
+              <a:t> is still connect to the critical paths</a:t>
+            </a:r>
+          </a:p>
+          <a:p>
+            <a:pPr marL="0" marR="0" lvl="0" indent="0" algn="l" defTabSz="1219170" rtl="0" eaLnBrk="1" fontAlgn="auto" latinLnBrk="0" hangingPunct="1">
+              <a:lnSpc>
+                <a:spcPct val="100000"/>
+              </a:lnSpc>
+              <a:spcBef>
+                <a:spcPts val="0"/>
+              </a:spcBef>
+              <a:spcAft>
+                <a:spcPts val="0"/>
+              </a:spcAft>
+              <a:buClrTx/>
+              <a:buSzTx/>
+              <a:buFontTx/>
+              <a:buNone/>
+              <a:tabLst/>
+              <a:defRPr/>
+            </a:pPr>
             <a:endParaRPr lang="zh-CN" altLang="en-US" dirty="0"/>
           </a:p>
           <a:p>
@@ -1944,7 +2137,7 @@
             <a:fld id="{02322656-8894-1544-92AA-01B3CF5E6182}" type="slidenum">
               <a:rPr lang="en-US" smtClean="0"/>
               <a:pPr/>
-              <a:t>10</a:t>
+              <a:t>11</a:t>
             </a:fld>
             <a:endParaRPr lang="en-US" dirty="0"/>
           </a:p>
@@ -2064,7 +2257,7 @@
             <a:fld id="{02322656-8894-1544-92AA-01B3CF5E6182}" type="slidenum">
               <a:rPr lang="en-US" smtClean="0"/>
               <a:pPr/>
-              <a:t>11</a:t>
+              <a:t>12</a:t>
             </a:fld>
             <a:endParaRPr lang="en-US" dirty="0"/>
           </a:p>
@@ -2287,7 +2480,7 @@
             <a:fld id="{02322656-8894-1544-92AA-01B3CF5E6182}" type="slidenum">
               <a:rPr lang="en-US" smtClean="0"/>
               <a:pPr/>
-              <a:t>12</a:t>
+              <a:t>13</a:t>
             </a:fld>
             <a:endParaRPr lang="en-US" dirty="0"/>
           </a:p>
@@ -4063,6 +4256,243 @@
           <p:cNvPr id="2" name="内容占位符 1">
             <a:extLst>
               <a:ext uri="{FF2B5EF4-FFF2-40B4-BE49-F238E27FC236}">
+                <a16:creationId xmlns:a16="http://schemas.microsoft.com/office/drawing/2014/main" id="{001F8BDF-7689-44CC-81EB-FDC06971640A}"/>
+              </a:ext>
+            </a:extLst>
+          </p:cNvPr>
+          <p:cNvSpPr>
+            <a:spLocks noGrp="1"/>
+          </p:cNvSpPr>
+          <p:nvPr>
+            <p:ph sz="quarter" idx="10"/>
+          </p:nvPr>
+        </p:nvSpPr>
+        <p:spPr/>
+        <p:txBody>
+          <a:bodyPr/>
+          <a:lstStyle/>
+          <a:p>
+            <a:r>
+              <a:rPr lang="en-US" altLang="zh-CN" sz="2800" dirty="0"/>
+              <a:t>K=0 ,</a:t>
+            </a:r>
+            <a:r>
+              <a:rPr lang="en-US" altLang="zh-CN" sz="2800" dirty="0" err="1"/>
+              <a:t>V</a:t>
+            </a:r>
+            <a:r>
+              <a:rPr lang="en-US" altLang="zh-CN" sz="2800" baseline="-25000" dirty="0" err="1"/>
+              <a:t>dp</a:t>
+            </a:r>
+            <a:r>
+              <a:rPr lang="en-US" altLang="zh-CN" sz="2800" dirty="0"/>
+              <a:t>=0</a:t>
+            </a:r>
+          </a:p>
+          <a:p>
+            <a:endParaRPr lang="en-US" altLang="zh-CN" sz="2800" dirty="0"/>
+          </a:p>
+          <a:p>
+            <a:r>
+              <a:rPr lang="en-US" altLang="zh-CN" sz="2800" dirty="0"/>
+              <a:t>K=1, </a:t>
+            </a:r>
+            <a:r>
+              <a:rPr lang="en-US" altLang="zh-CN" sz="2800" dirty="0" err="1"/>
+              <a:t>V</a:t>
+            </a:r>
+            <a:r>
+              <a:rPr lang="en-US" altLang="zh-CN" sz="2800" baseline="-25000" dirty="0" err="1"/>
+              <a:t>dp</a:t>
+            </a:r>
+            <a:r>
+              <a:rPr lang="en-US" altLang="zh-CN" sz="2800" dirty="0"/>
+              <a:t>=V</a:t>
+            </a:r>
+            <a:r>
+              <a:rPr lang="en-US" altLang="zh-CN" sz="2800" baseline="-25000" dirty="0"/>
+              <a:t>th0</a:t>
+            </a:r>
+            <a:endParaRPr lang="en-US" altLang="zh-CN" sz="2800" dirty="0"/>
+          </a:p>
+          <a:p>
+            <a:endParaRPr lang="en-US" altLang="zh-CN" sz="2800" dirty="0"/>
+          </a:p>
+          <a:p>
+            <a:r>
+              <a:rPr lang="en-US" altLang="zh-CN" sz="2800" dirty="0"/>
+              <a:t>K&gt;1, 0&lt;</a:t>
+            </a:r>
+            <a:r>
+              <a:rPr lang="en-US" altLang="zh-CN" sz="2800" dirty="0" err="1"/>
+              <a:t>V</a:t>
+            </a:r>
+            <a:r>
+              <a:rPr lang="en-US" altLang="zh-CN" sz="2800" baseline="-25000" dirty="0" err="1"/>
+              <a:t>dp</a:t>
+            </a:r>
+            <a:r>
+              <a:rPr lang="en-US" altLang="zh-CN" sz="2800" dirty="0"/>
+              <a:t>&lt;V</a:t>
+            </a:r>
+            <a:r>
+              <a:rPr lang="en-US" altLang="zh-CN" sz="2800" baseline="-25000" dirty="0"/>
+              <a:t>th0</a:t>
+            </a:r>
+            <a:endParaRPr lang="en-US" altLang="zh-CN" sz="2800" dirty="0"/>
+          </a:p>
+          <a:p>
+            <a:pPr marL="0" indent="0">
+              <a:buNone/>
+            </a:pPr>
+            <a:endParaRPr lang="en-US" altLang="zh-CN" dirty="0"/>
+          </a:p>
+          <a:p>
+            <a:pPr marL="0" indent="0">
+              <a:buNone/>
+            </a:pPr>
+            <a:r>
+              <a:rPr lang="en-US" altLang="zh-CN" dirty="0"/>
+              <a:t>K denotes the total number of </a:t>
+            </a:r>
+            <a:r>
+              <a:rPr lang="en-US" altLang="zh-CN" dirty="0" err="1"/>
+              <a:t>VM</a:t>
+            </a:r>
+            <a:r>
+              <a:rPr lang="en-US" altLang="zh-CN" baseline="-25000" dirty="0" err="1"/>
+              <a:t>i</a:t>
+            </a:r>
+            <a:r>
+              <a:rPr lang="en-US" altLang="zh-CN" baseline="-25000" dirty="0"/>
+              <a:t> </a:t>
+            </a:r>
+            <a:r>
+              <a:rPr lang="en-US" altLang="zh-CN" dirty="0"/>
+              <a:t>whose logic value is “1”</a:t>
+            </a:r>
+          </a:p>
+          <a:p>
+            <a:pPr marL="0" indent="0">
+              <a:buNone/>
+            </a:pPr>
+            <a:r>
+              <a:rPr lang="en-US" altLang="zh-CN" dirty="0"/>
+              <a:t>V</a:t>
+            </a:r>
+            <a:r>
+              <a:rPr lang="en-US" altLang="zh-CN" baseline="-25000" dirty="0"/>
+              <a:t>th0</a:t>
+            </a:r>
+            <a:r>
+              <a:rPr lang="en-US" altLang="zh-CN" dirty="0"/>
+              <a:t> denotes the threshold</a:t>
+            </a:r>
+            <a:r>
+              <a:rPr lang="zh-CN" altLang="en-US" dirty="0"/>
+              <a:t> </a:t>
+            </a:r>
+            <a:r>
+              <a:rPr lang="en-US" altLang="zh-CN" dirty="0"/>
+              <a:t>voltage of NMOS and diode</a:t>
+            </a:r>
+          </a:p>
+        </p:txBody>
+      </p:sp>
+      <p:sp>
+        <p:nvSpPr>
+          <p:cNvPr id="3" name="标题 2">
+            <a:extLst>
+              <a:ext uri="{FF2B5EF4-FFF2-40B4-BE49-F238E27FC236}">
+                <a16:creationId xmlns:a16="http://schemas.microsoft.com/office/drawing/2014/main" id="{43AD0D29-089A-4E18-A43A-4AFAE65D3C54}"/>
+              </a:ext>
+            </a:extLst>
+          </p:cNvPr>
+          <p:cNvSpPr>
+            <a:spLocks noGrp="1"/>
+          </p:cNvSpPr>
+          <p:nvPr>
+            <p:ph type="title"/>
+          </p:nvPr>
+        </p:nvSpPr>
+        <p:spPr/>
+        <p:txBody>
+          <a:bodyPr/>
+          <a:lstStyle/>
+          <a:p>
+            <a:r>
+              <a:rPr lang="en-US" altLang="zh-CN" dirty="0"/>
+              <a:t>cascade voltage logic(CVL) </a:t>
+            </a:r>
+            <a:endParaRPr lang="zh-CN" altLang="en-US" dirty="0"/>
+          </a:p>
+        </p:txBody>
+      </p:sp>
+      <p:pic>
+        <p:nvPicPr>
+          <p:cNvPr id="4" name="图片 3">
+            <a:extLst>
+              <a:ext uri="{FF2B5EF4-FFF2-40B4-BE49-F238E27FC236}">
+                <a16:creationId xmlns:a16="http://schemas.microsoft.com/office/drawing/2014/main" id="{2E8F945E-CCFA-4F5E-B256-572EC476F995}"/>
+              </a:ext>
+            </a:extLst>
+          </p:cNvPr>
+          <p:cNvPicPr>
+            <a:picLocks noChangeAspect="1"/>
+          </p:cNvPicPr>
+          <p:nvPr/>
+        </p:nvPicPr>
+        <p:blipFill>
+          <a:blip r:embed="rId3"/>
+          <a:stretch>
+            <a:fillRect/>
+          </a:stretch>
+        </p:blipFill>
+        <p:spPr>
+          <a:xfrm>
+            <a:off x="4750933" y="1867280"/>
+            <a:ext cx="7230601" cy="3546500"/>
+          </a:xfrm>
+          <a:prstGeom prst="rect">
+            <a:avLst/>
+          </a:prstGeom>
+        </p:spPr>
+      </p:pic>
+    </p:spTree>
+    <p:extLst>
+      <p:ext uri="{BB962C8B-B14F-4D97-AF65-F5344CB8AC3E}">
+        <p14:creationId xmlns:p14="http://schemas.microsoft.com/office/powerpoint/2010/main" val="1970416084"/>
+      </p:ext>
+    </p:extLst>
+  </p:cSld>
+  <p:clrMapOvr>
+    <a:masterClrMapping/>
+  </p:clrMapOvr>
+</p:sld>
+</file>
+
+<file path=ppt/slides/slide11.xml><?xml version="1.0" encoding="utf-8"?>
+<p:sld xmlns:a="http://schemas.openxmlformats.org/drawingml/2006/main" xmlns:r="http://schemas.openxmlformats.org/officeDocument/2006/relationships" xmlns:p="http://schemas.openxmlformats.org/presentationml/2006/main">
+  <p:cSld>
+    <p:spTree>
+      <p:nvGrpSpPr>
+        <p:cNvPr id="1" name=""/>
+        <p:cNvGrpSpPr/>
+        <p:nvPr/>
+      </p:nvGrpSpPr>
+      <p:grpSpPr>
+        <a:xfrm>
+          <a:off x="0" y="0"/>
+          <a:ext cx="0" cy="0"/>
+          <a:chOff x="0" y="0"/>
+          <a:chExt cx="0" cy="0"/>
+        </a:xfrm>
+      </p:grpSpPr>
+      <p:sp>
+        <p:nvSpPr>
+          <p:cNvPr id="2" name="内容占位符 1">
+            <a:extLst>
+              <a:ext uri="{FF2B5EF4-FFF2-40B4-BE49-F238E27FC236}">
                 <a16:creationId xmlns:a16="http://schemas.microsoft.com/office/drawing/2014/main" id="{8105B43A-A9B9-42C0-A9A7-0010ED6F361F}"/>
               </a:ext>
             </a:extLst>
@@ -4165,7 +4595,7 @@
 </p:sld>
 </file>
 
-<file path=ppt/slides/slide11.xml><?xml version="1.0" encoding="utf-8"?>
+<file path=ppt/slides/slide12.xml><?xml version="1.0" encoding="utf-8"?>
 <p:sld xmlns:a="http://schemas.openxmlformats.org/drawingml/2006/main" xmlns:r="http://schemas.openxmlformats.org/officeDocument/2006/relationships" xmlns:p="http://schemas.openxmlformats.org/presentationml/2006/main">
   <p:cSld>
     <p:spTree>
@@ -4305,6 +4735,114 @@
           </a:prstGeom>
         </p:spPr>
       </p:pic>
+      <p:sp>
+        <p:nvSpPr>
+          <p:cNvPr id="5" name="矩形 4">
+            <a:extLst>
+              <a:ext uri="{FF2B5EF4-FFF2-40B4-BE49-F238E27FC236}">
+                <a16:creationId xmlns:a16="http://schemas.microsoft.com/office/drawing/2014/main" id="{6B5640F1-FEC3-4210-ADCC-DFD634F67F23}"/>
+              </a:ext>
+            </a:extLst>
+          </p:cNvPr>
+          <p:cNvSpPr/>
+          <p:nvPr/>
+        </p:nvSpPr>
+        <p:spPr>
+          <a:xfrm>
+            <a:off x="9742714" y="4659086"/>
+            <a:ext cx="1502229" cy="1632132"/>
+          </a:xfrm>
+          <a:prstGeom prst="rect">
+            <a:avLst/>
+          </a:prstGeom>
+          <a:solidFill>
+            <a:schemeClr val="bg2"/>
+          </a:solidFill>
+          <a:ln>
+            <a:solidFill>
+              <a:schemeClr val="bg2"/>
+            </a:solidFill>
+          </a:ln>
+        </p:spPr>
+        <p:style>
+          <a:lnRef idx="2">
+            <a:schemeClr val="accent1">
+              <a:shade val="50000"/>
+            </a:schemeClr>
+          </a:lnRef>
+          <a:fillRef idx="1">
+            <a:schemeClr val="accent1"/>
+          </a:fillRef>
+          <a:effectRef idx="0">
+            <a:schemeClr val="accent1"/>
+          </a:effectRef>
+          <a:fontRef idx="minor">
+            <a:schemeClr val="lt1"/>
+          </a:fontRef>
+        </p:style>
+        <p:txBody>
+          <a:bodyPr rtlCol="0" anchor="ctr"/>
+          <a:lstStyle/>
+          <a:p>
+            <a:pPr algn="ctr"/>
+            <a:endParaRPr lang="zh-CN" altLang="en-US"/>
+          </a:p>
+        </p:txBody>
+      </p:sp>
+      <p:sp>
+        <p:nvSpPr>
+          <p:cNvPr id="6" name="矩形 5">
+            <a:extLst>
+              <a:ext uri="{FF2B5EF4-FFF2-40B4-BE49-F238E27FC236}">
+                <a16:creationId xmlns:a16="http://schemas.microsoft.com/office/drawing/2014/main" id="{FE5D2E81-0A47-44B2-9107-4F23A7D53261}"/>
+              </a:ext>
+            </a:extLst>
+          </p:cNvPr>
+          <p:cNvSpPr/>
+          <p:nvPr/>
+        </p:nvSpPr>
+        <p:spPr>
+          <a:xfrm>
+            <a:off x="9481457" y="5061857"/>
+            <a:ext cx="489857" cy="1229361"/>
+          </a:xfrm>
+          <a:prstGeom prst="rect">
+            <a:avLst/>
+          </a:prstGeom>
+          <a:solidFill>
+            <a:schemeClr val="bg2"/>
+          </a:solidFill>
+          <a:ln>
+            <a:solidFill>
+              <a:schemeClr val="bg2"/>
+            </a:solidFill>
+          </a:ln>
+        </p:spPr>
+        <p:style>
+          <a:lnRef idx="2">
+            <a:schemeClr val="accent1">
+              <a:shade val="50000"/>
+            </a:schemeClr>
+          </a:lnRef>
+          <a:fillRef idx="1">
+            <a:schemeClr val="accent1"/>
+          </a:fillRef>
+          <a:effectRef idx="0">
+            <a:schemeClr val="accent1"/>
+          </a:effectRef>
+          <a:fontRef idx="minor">
+            <a:schemeClr val="lt1"/>
+          </a:fontRef>
+        </p:style>
+        <p:txBody>
+          <a:bodyPr rtlCol="0" anchor="ctr"/>
+          <a:lstStyle/>
+          <a:p>
+            <a:pPr algn="ctr"/>
+            <a:endParaRPr lang="zh-CN" altLang="en-US"/>
+          </a:p>
+        </p:txBody>
+      </p:sp>
     </p:spTree>
     <p:extLst>
       <p:ext uri="{BB962C8B-B14F-4D97-AF65-F5344CB8AC3E}">
@@ -4318,7 +4856,7 @@
 </p:sld>
 </file>
 
-<file path=ppt/slides/slide12.xml><?xml version="1.0" encoding="utf-8"?>
+<file path=ppt/slides/slide13.xml><?xml version="1.0" encoding="utf-8"?>
 <p:sld xmlns:a="http://schemas.openxmlformats.org/drawingml/2006/main" xmlns:r="http://schemas.openxmlformats.org/officeDocument/2006/relationships" xmlns:p="http://schemas.openxmlformats.org/presentationml/2006/main">
   <p:cSld>
     <p:spTree>
@@ -4465,7 +5003,133 @@
 </p:sld>
 </file>
 
-<file path=ppt/slides/slide13.xml><?xml version="1.0" encoding="utf-8"?>
+<file path=ppt/slides/slide14.xml><?xml version="1.0" encoding="utf-8"?>
+<p:sld xmlns:a="http://schemas.openxmlformats.org/drawingml/2006/main" xmlns:r="http://schemas.openxmlformats.org/officeDocument/2006/relationships" xmlns:p="http://schemas.openxmlformats.org/presentationml/2006/main">
+  <p:cSld>
+    <p:spTree>
+      <p:nvGrpSpPr>
+        <p:cNvPr id="1" name=""/>
+        <p:cNvGrpSpPr/>
+        <p:nvPr/>
+      </p:nvGrpSpPr>
+      <p:grpSpPr>
+        <a:xfrm>
+          <a:off x="0" y="0"/>
+          <a:ext cx="0" cy="0"/>
+          <a:chOff x="0" y="0"/>
+          <a:chExt cx="0" cy="0"/>
+        </a:xfrm>
+      </p:grpSpPr>
+      <p:sp>
+        <p:nvSpPr>
+          <p:cNvPr id="2" name="内容占位符 1">
+            <a:extLst>
+              <a:ext uri="{FF2B5EF4-FFF2-40B4-BE49-F238E27FC236}">
+                <a16:creationId xmlns:a16="http://schemas.microsoft.com/office/drawing/2014/main" id="{7FADE950-4238-4C8B-971C-B55C9971197C}"/>
+              </a:ext>
+            </a:extLst>
+          </p:cNvPr>
+          <p:cNvSpPr>
+            <a:spLocks noGrp="1"/>
+          </p:cNvSpPr>
+          <p:nvPr>
+            <p:ph sz="quarter" idx="10"/>
+          </p:nvPr>
+        </p:nvSpPr>
+        <p:spPr/>
+        <p:txBody>
+          <a:bodyPr/>
+          <a:lstStyle/>
+          <a:p>
+            <a:pPr>
+              <a:lnSpc>
+                <a:spcPct val="150000"/>
+              </a:lnSpc>
+            </a:pPr>
+            <a:r>
+              <a:rPr lang="en-US" altLang="zh-CN" sz="3600" dirty="0"/>
+              <a:t>1. Introduction</a:t>
+            </a:r>
+          </a:p>
+          <a:p>
+            <a:pPr>
+              <a:lnSpc>
+                <a:spcPct val="150000"/>
+              </a:lnSpc>
+            </a:pPr>
+            <a:r>
+              <a:rPr lang="en-US" altLang="zh-CN" sz="3600" dirty="0"/>
+              <a:t>2. FPL scheme</a:t>
+            </a:r>
+          </a:p>
+          <a:p>
+            <a:pPr>
+              <a:lnSpc>
+                <a:spcPct val="150000"/>
+              </a:lnSpc>
+            </a:pPr>
+            <a:r>
+              <a:rPr lang="en-US" altLang="zh-CN" sz="3600" dirty="0"/>
+              <a:t>3. Simulation</a:t>
+            </a:r>
+          </a:p>
+          <a:p>
+            <a:pPr>
+              <a:lnSpc>
+                <a:spcPct val="150000"/>
+              </a:lnSpc>
+            </a:pPr>
+            <a:r>
+              <a:rPr lang="en-US" altLang="zh-CN" sz="3600" dirty="0"/>
+              <a:t>4. Conclusion</a:t>
+            </a:r>
+            <a:endParaRPr lang="zh-CN" altLang="en-US" sz="3600" dirty="0"/>
+          </a:p>
+        </p:txBody>
+      </p:sp>
+      <p:sp>
+        <p:nvSpPr>
+          <p:cNvPr id="3" name="标题 2">
+            <a:extLst>
+              <a:ext uri="{FF2B5EF4-FFF2-40B4-BE49-F238E27FC236}">
+                <a16:creationId xmlns:a16="http://schemas.microsoft.com/office/drawing/2014/main" id="{6337F567-FFDE-47AA-A0A8-8764DC85E4B0}"/>
+              </a:ext>
+            </a:extLst>
+          </p:cNvPr>
+          <p:cNvSpPr>
+            <a:spLocks noGrp="1"/>
+          </p:cNvSpPr>
+          <p:nvPr>
+            <p:ph type="title"/>
+          </p:nvPr>
+        </p:nvSpPr>
+        <p:spPr/>
+        <p:txBody>
+          <a:bodyPr/>
+          <a:lstStyle/>
+          <a:p>
+            <a:r>
+              <a:rPr lang="en-US" altLang="zh-CN" dirty="0"/>
+              <a:t>Content</a:t>
+            </a:r>
+            <a:endParaRPr lang="zh-CN" altLang="en-US" dirty="0"/>
+          </a:p>
+        </p:txBody>
+      </p:sp>
+    </p:spTree>
+    <p:extLst>
+      <p:ext uri="{BB962C8B-B14F-4D97-AF65-F5344CB8AC3E}">
+        <p14:creationId xmlns:p14="http://schemas.microsoft.com/office/powerpoint/2010/main" val="4172023587"/>
+      </p:ext>
+    </p:extLst>
+  </p:cSld>
+  <p:clrMapOvr>
+    <a:masterClrMapping/>
+  </p:clrMapOvr>
+</p:sld>
+</file>
+
+<file path=ppt/slides/slide15.xml><?xml version="1.0" encoding="utf-8"?>
 <p:sld xmlns:a="http://schemas.openxmlformats.org/drawingml/2006/main" xmlns:r="http://schemas.openxmlformats.org/officeDocument/2006/relationships" xmlns:p="http://schemas.openxmlformats.org/presentationml/2006/main">
   <p:cSld>
     <p:spTree>
@@ -4588,7 +5252,7 @@
 </p:sld>
 </file>
 
-<file path=ppt/slides/slide14.xml><?xml version="1.0" encoding="utf-8"?>
+<file path=ppt/slides/slide16.xml><?xml version="1.0" encoding="utf-8"?>
 <p:sld xmlns:a="http://schemas.openxmlformats.org/drawingml/2006/main" xmlns:r="http://schemas.openxmlformats.org/officeDocument/2006/relationships" xmlns:p="http://schemas.openxmlformats.org/presentationml/2006/main">
   <p:cSld>
     <p:spTree>
@@ -4730,7 +5394,7 @@
 </p:sld>
 </file>
 
-<file path=ppt/slides/slide15.xml><?xml version="1.0" encoding="utf-8"?>
+<file path=ppt/slides/slide17.xml><?xml version="1.0" encoding="utf-8"?>
 <p:sld xmlns:a="http://schemas.openxmlformats.org/drawingml/2006/main" xmlns:r="http://schemas.openxmlformats.org/officeDocument/2006/relationships" xmlns:p="http://schemas.openxmlformats.org/presentationml/2006/main">
   <p:cSld>
     <p:spTree>
@@ -4892,7 +5556,7 @@
 </p:sld>
 </file>
 
-<file path=ppt/slides/slide16.xml><?xml version="1.0" encoding="utf-8"?>
+<file path=ppt/slides/slide18.xml><?xml version="1.0" encoding="utf-8"?>
 <p:sld xmlns:a="http://schemas.openxmlformats.org/drawingml/2006/main" xmlns:r="http://schemas.openxmlformats.org/officeDocument/2006/relationships" xmlns:p="http://schemas.openxmlformats.org/presentationml/2006/main">
   <p:cSld>
     <p:spTree>
@@ -5051,7 +5715,7 @@
 </p:sld>
 </file>
 
-<file path=ppt/slides/slide17.xml><?xml version="1.0" encoding="utf-8"?>
+<file path=ppt/slides/slide19.xml><?xml version="1.0" encoding="utf-8"?>
 <p:sld xmlns:a="http://schemas.openxmlformats.org/drawingml/2006/main" xmlns:r="http://schemas.openxmlformats.org/officeDocument/2006/relationships" xmlns:p="http://schemas.openxmlformats.org/presentationml/2006/main">
   <p:cSld>
     <p:spTree>
@@ -5212,7 +5876,133 @@
 </p:sld>
 </file>
 
-<file path=ppt/slides/slide18.xml><?xml version="1.0" encoding="utf-8"?>
+<file path=ppt/slides/slide2.xml><?xml version="1.0" encoding="utf-8"?>
+<p:sld xmlns:a="http://schemas.openxmlformats.org/drawingml/2006/main" xmlns:r="http://schemas.openxmlformats.org/officeDocument/2006/relationships" xmlns:p="http://schemas.openxmlformats.org/presentationml/2006/main">
+  <p:cSld>
+    <p:spTree>
+      <p:nvGrpSpPr>
+        <p:cNvPr id="1" name=""/>
+        <p:cNvGrpSpPr/>
+        <p:nvPr/>
+      </p:nvGrpSpPr>
+      <p:grpSpPr>
+        <a:xfrm>
+          <a:off x="0" y="0"/>
+          <a:ext cx="0" cy="0"/>
+          <a:chOff x="0" y="0"/>
+          <a:chExt cx="0" cy="0"/>
+        </a:xfrm>
+      </p:grpSpPr>
+      <p:sp>
+        <p:nvSpPr>
+          <p:cNvPr id="2" name="内容占位符 1">
+            <a:extLst>
+              <a:ext uri="{FF2B5EF4-FFF2-40B4-BE49-F238E27FC236}">
+                <a16:creationId xmlns:a16="http://schemas.microsoft.com/office/drawing/2014/main" id="{7FADE950-4238-4C8B-971C-B55C9971197C}"/>
+              </a:ext>
+            </a:extLst>
+          </p:cNvPr>
+          <p:cNvSpPr>
+            <a:spLocks noGrp="1"/>
+          </p:cNvSpPr>
+          <p:nvPr>
+            <p:ph sz="quarter" idx="10"/>
+          </p:nvPr>
+        </p:nvSpPr>
+        <p:spPr/>
+        <p:txBody>
+          <a:bodyPr/>
+          <a:lstStyle/>
+          <a:p>
+            <a:pPr>
+              <a:lnSpc>
+                <a:spcPct val="150000"/>
+              </a:lnSpc>
+            </a:pPr>
+            <a:r>
+              <a:rPr lang="en-US" altLang="zh-CN" sz="3600" dirty="0"/>
+              <a:t>1. Introduction</a:t>
+            </a:r>
+          </a:p>
+          <a:p>
+            <a:pPr>
+              <a:lnSpc>
+                <a:spcPct val="150000"/>
+              </a:lnSpc>
+            </a:pPr>
+            <a:r>
+              <a:rPr lang="en-US" altLang="zh-CN" sz="3600" dirty="0"/>
+              <a:t>2. FPL scheme</a:t>
+            </a:r>
+          </a:p>
+          <a:p>
+            <a:pPr>
+              <a:lnSpc>
+                <a:spcPct val="150000"/>
+              </a:lnSpc>
+            </a:pPr>
+            <a:r>
+              <a:rPr lang="en-US" altLang="zh-CN" sz="3600" dirty="0"/>
+              <a:t>3. Simulation</a:t>
+            </a:r>
+          </a:p>
+          <a:p>
+            <a:pPr>
+              <a:lnSpc>
+                <a:spcPct val="150000"/>
+              </a:lnSpc>
+            </a:pPr>
+            <a:r>
+              <a:rPr lang="en-US" altLang="zh-CN" sz="3600" dirty="0"/>
+              <a:t>4. Conclusion</a:t>
+            </a:r>
+            <a:endParaRPr lang="zh-CN" altLang="en-US" sz="3600" dirty="0"/>
+          </a:p>
+        </p:txBody>
+      </p:sp>
+      <p:sp>
+        <p:nvSpPr>
+          <p:cNvPr id="3" name="标题 2">
+            <a:extLst>
+              <a:ext uri="{FF2B5EF4-FFF2-40B4-BE49-F238E27FC236}">
+                <a16:creationId xmlns:a16="http://schemas.microsoft.com/office/drawing/2014/main" id="{6337F567-FFDE-47AA-A0A8-8764DC85E4B0}"/>
+              </a:ext>
+            </a:extLst>
+          </p:cNvPr>
+          <p:cNvSpPr>
+            <a:spLocks noGrp="1"/>
+          </p:cNvSpPr>
+          <p:nvPr>
+            <p:ph type="title"/>
+          </p:nvPr>
+        </p:nvSpPr>
+        <p:spPr/>
+        <p:txBody>
+          <a:bodyPr/>
+          <a:lstStyle/>
+          <a:p>
+            <a:r>
+              <a:rPr lang="en-US" altLang="zh-CN" dirty="0"/>
+              <a:t>Content</a:t>
+            </a:r>
+            <a:endParaRPr lang="zh-CN" altLang="en-US" dirty="0"/>
+          </a:p>
+        </p:txBody>
+      </p:sp>
+    </p:spTree>
+    <p:extLst>
+      <p:ext uri="{BB962C8B-B14F-4D97-AF65-F5344CB8AC3E}">
+        <p14:creationId xmlns:p14="http://schemas.microsoft.com/office/powerpoint/2010/main" val="3686241347"/>
+      </p:ext>
+    </p:extLst>
+  </p:cSld>
+  <p:clrMapOvr>
+    <a:masterClrMapping/>
+  </p:clrMapOvr>
+</p:sld>
+</file>
+
+<file path=ppt/slides/slide20.xml><?xml version="1.0" encoding="utf-8"?>
 <p:sld xmlns:a="http://schemas.openxmlformats.org/drawingml/2006/main" xmlns:r="http://schemas.openxmlformats.org/officeDocument/2006/relationships" xmlns:p="http://schemas.openxmlformats.org/presentationml/2006/main">
   <p:cSld>
     <p:spTree>
@@ -5373,7 +6163,7 @@
 </p:sld>
 </file>
 
-<file path=ppt/slides/slide19.xml><?xml version="1.0" encoding="utf-8"?>
+<file path=ppt/slides/slide21.xml><?xml version="1.0" encoding="utf-8"?>
 <p:sld xmlns:a="http://schemas.openxmlformats.org/drawingml/2006/main" xmlns:r="http://schemas.openxmlformats.org/officeDocument/2006/relationships" xmlns:p="http://schemas.openxmlformats.org/presentationml/2006/main">
   <p:cSld>
     <p:spTree>
@@ -5395,7 +6185,7 @@
           <p:cNvPr id="2" name="内容占位符 1">
             <a:extLst>
               <a:ext uri="{FF2B5EF4-FFF2-40B4-BE49-F238E27FC236}">
-                <a16:creationId xmlns:a16="http://schemas.microsoft.com/office/drawing/2014/main" id="{FF878810-7FB6-47C1-9265-738B5DCC564F}"/>
+                <a16:creationId xmlns:a16="http://schemas.microsoft.com/office/drawing/2014/main" id="{7FADE950-4238-4C8B-971C-B55C9971197C}"/>
               </a:ext>
             </a:extLst>
           </p:cNvPr>
@@ -5411,31 +6201,49 @@
           <a:bodyPr/>
           <a:lstStyle/>
           <a:p>
-            <a:r>
-              <a:rPr lang="en-US" altLang="zh-CN" sz="3200" dirty="0"/>
-              <a:t>proposed a power-diffusing logic named as fluctuating power logic (FPL)</a:t>
-            </a:r>
-          </a:p>
-          <a:p>
-            <a:r>
-              <a:rPr lang="en-US" altLang="zh-CN" sz="3200" dirty="0"/>
-              <a:t>analyzed side-channel security on PRESENT/AES implementation</a:t>
-            </a:r>
-          </a:p>
-          <a:p>
-            <a:r>
-              <a:rPr lang="en-US" altLang="zh-CN" sz="3200" dirty="0"/>
-              <a:t>compared FPL with standard-cell-based and WDDL-based implementation</a:t>
-            </a:r>
-          </a:p>
-          <a:p>
-            <a:endParaRPr lang="en-US" altLang="zh-CN" sz="3200" dirty="0"/>
-          </a:p>
-          <a:p>
-            <a:endParaRPr lang="en-US" altLang="zh-CN" sz="3200" dirty="0"/>
-          </a:p>
-          <a:p>
-            <a:endParaRPr lang="zh-CN" altLang="en-US" dirty="0"/>
+            <a:pPr>
+              <a:lnSpc>
+                <a:spcPct val="150000"/>
+              </a:lnSpc>
+            </a:pPr>
+            <a:r>
+              <a:rPr lang="en-US" altLang="zh-CN" sz="3600" dirty="0"/>
+              <a:t>1. Introduction</a:t>
+            </a:r>
+          </a:p>
+          <a:p>
+            <a:pPr>
+              <a:lnSpc>
+                <a:spcPct val="150000"/>
+              </a:lnSpc>
+            </a:pPr>
+            <a:r>
+              <a:rPr lang="en-US" altLang="zh-CN" sz="3600" dirty="0"/>
+              <a:t>2. FPL scheme</a:t>
+            </a:r>
+          </a:p>
+          <a:p>
+            <a:pPr>
+              <a:lnSpc>
+                <a:spcPct val="150000"/>
+              </a:lnSpc>
+            </a:pPr>
+            <a:r>
+              <a:rPr lang="en-US" altLang="zh-CN" sz="3600" dirty="0"/>
+              <a:t>3. Simulation</a:t>
+            </a:r>
+          </a:p>
+          <a:p>
+            <a:pPr>
+              <a:lnSpc>
+                <a:spcPct val="150000"/>
+              </a:lnSpc>
+            </a:pPr>
+            <a:r>
+              <a:rPr lang="en-US" altLang="zh-CN" sz="3600" dirty="0"/>
+              <a:t>4. Conclusion</a:t>
+            </a:r>
+            <a:endParaRPr lang="zh-CN" altLang="en-US" sz="3600" dirty="0"/>
           </a:p>
         </p:txBody>
       </p:sp>
@@ -5444,7 +6252,7 @@
           <p:cNvPr id="3" name="标题 2">
             <a:extLst>
               <a:ext uri="{FF2B5EF4-FFF2-40B4-BE49-F238E27FC236}">
-                <a16:creationId xmlns:a16="http://schemas.microsoft.com/office/drawing/2014/main" id="{F615003A-D450-4BB3-BFA8-F1302C2DFA6D}"/>
+                <a16:creationId xmlns:a16="http://schemas.microsoft.com/office/drawing/2014/main" id="{6337F567-FFDE-47AA-A0A8-8764DC85E4B0}"/>
               </a:ext>
             </a:extLst>
           </p:cNvPr>
@@ -5462,7 +6270,7 @@
           <a:p>
             <a:r>
               <a:rPr lang="en-US" altLang="zh-CN" dirty="0"/>
-              <a:t>Conclusion</a:t>
+              <a:t>Content</a:t>
             </a:r>
             <a:endParaRPr lang="zh-CN" altLang="en-US" dirty="0"/>
           </a:p>
@@ -5471,7 +6279,7 @@
     </p:spTree>
     <p:extLst>
       <p:ext uri="{BB962C8B-B14F-4D97-AF65-F5344CB8AC3E}">
-        <p14:creationId xmlns:p14="http://schemas.microsoft.com/office/powerpoint/2010/main" val="1126469158"/>
+        <p14:creationId xmlns:p14="http://schemas.microsoft.com/office/powerpoint/2010/main" val="589648597"/>
       </p:ext>
     </p:extLst>
   </p:cSld>
@@ -5481,7 +6289,7 @@
 </p:sld>
 </file>
 
-<file path=ppt/slides/slide2.xml><?xml version="1.0" encoding="utf-8"?>
+<file path=ppt/slides/slide22.xml><?xml version="1.0" encoding="utf-8"?>
 <p:sld xmlns:a="http://schemas.openxmlformats.org/drawingml/2006/main" xmlns:r="http://schemas.openxmlformats.org/officeDocument/2006/relationships" xmlns:p="http://schemas.openxmlformats.org/presentationml/2006/main">
   <p:cSld>
     <p:spTree>
@@ -5503,7 +6311,7 @@
           <p:cNvPr id="2" name="内容占位符 1">
             <a:extLst>
               <a:ext uri="{FF2B5EF4-FFF2-40B4-BE49-F238E27FC236}">
-                <a16:creationId xmlns:a16="http://schemas.microsoft.com/office/drawing/2014/main" id="{7FADE950-4238-4C8B-971C-B55C9971197C}"/>
+                <a16:creationId xmlns:a16="http://schemas.microsoft.com/office/drawing/2014/main" id="{FF878810-7FB6-47C1-9265-738B5DCC564F}"/>
               </a:ext>
             </a:extLst>
           </p:cNvPr>
@@ -5519,49 +6327,31 @@
           <a:bodyPr/>
           <a:lstStyle/>
           <a:p>
-            <a:pPr>
-              <a:lnSpc>
-                <a:spcPct val="150000"/>
-              </a:lnSpc>
-            </a:pPr>
-            <a:r>
-              <a:rPr lang="en-US" altLang="zh-CN" sz="3600" dirty="0"/>
-              <a:t>1. Introduction</a:t>
-            </a:r>
-          </a:p>
-          <a:p>
-            <a:pPr>
-              <a:lnSpc>
-                <a:spcPct val="150000"/>
-              </a:lnSpc>
-            </a:pPr>
-            <a:r>
-              <a:rPr lang="en-US" altLang="zh-CN" sz="3600" dirty="0"/>
-              <a:t>2. FPL scheme</a:t>
-            </a:r>
-          </a:p>
-          <a:p>
-            <a:pPr>
-              <a:lnSpc>
-                <a:spcPct val="150000"/>
-              </a:lnSpc>
-            </a:pPr>
-            <a:r>
-              <a:rPr lang="en-US" altLang="zh-CN" sz="3600" dirty="0"/>
-              <a:t>3. Simulation</a:t>
-            </a:r>
-          </a:p>
-          <a:p>
-            <a:pPr>
-              <a:lnSpc>
-                <a:spcPct val="150000"/>
-              </a:lnSpc>
-            </a:pPr>
-            <a:r>
-              <a:rPr lang="en-US" altLang="zh-CN" sz="3600" dirty="0"/>
-              <a:t>4. Conclusion</a:t>
-            </a:r>
-            <a:endParaRPr lang="zh-CN" altLang="en-US" sz="3600" dirty="0"/>
+            <a:r>
+              <a:rPr lang="en-US" altLang="zh-CN" sz="3200" dirty="0"/>
+              <a:t>proposed a power-diffusing logic named as fluctuating power logic (FPL)</a:t>
+            </a:r>
+          </a:p>
+          <a:p>
+            <a:r>
+              <a:rPr lang="en-US" altLang="zh-CN" sz="3200" dirty="0"/>
+              <a:t>analyzed side-channel security on PRESENT/AES implementation</a:t>
+            </a:r>
+          </a:p>
+          <a:p>
+            <a:r>
+              <a:rPr lang="en-US" altLang="zh-CN" sz="3200" dirty="0"/>
+              <a:t>compared FPL with standard-cell-based and WDDL-based implementation</a:t>
+            </a:r>
+          </a:p>
+          <a:p>
+            <a:endParaRPr lang="en-US" altLang="zh-CN" sz="3200" dirty="0"/>
+          </a:p>
+          <a:p>
+            <a:endParaRPr lang="en-US" altLang="zh-CN" sz="3200" dirty="0"/>
+          </a:p>
+          <a:p>
+            <a:endParaRPr lang="zh-CN" altLang="en-US" dirty="0"/>
           </a:p>
         </p:txBody>
       </p:sp>
@@ -5570,7 +6360,7 @@
           <p:cNvPr id="3" name="标题 2">
             <a:extLst>
               <a:ext uri="{FF2B5EF4-FFF2-40B4-BE49-F238E27FC236}">
-                <a16:creationId xmlns:a16="http://schemas.microsoft.com/office/drawing/2014/main" id="{6337F567-FFDE-47AA-A0A8-8764DC85E4B0}"/>
+                <a16:creationId xmlns:a16="http://schemas.microsoft.com/office/drawing/2014/main" id="{F615003A-D450-4BB3-BFA8-F1302C2DFA6D}"/>
               </a:ext>
             </a:extLst>
           </p:cNvPr>
@@ -5588,7 +6378,7 @@
           <a:p>
             <a:r>
               <a:rPr lang="en-US" altLang="zh-CN" dirty="0"/>
-              <a:t>Content</a:t>
+              <a:t>Conclusion</a:t>
             </a:r>
             <a:endParaRPr lang="zh-CN" altLang="en-US" dirty="0"/>
           </a:p>
@@ -5597,7 +6387,7 @@
     </p:spTree>
     <p:extLst>
       <p:ext uri="{BB962C8B-B14F-4D97-AF65-F5344CB8AC3E}">
-        <p14:creationId xmlns:p14="http://schemas.microsoft.com/office/powerpoint/2010/main" val="3686241347"/>
+        <p14:creationId xmlns:p14="http://schemas.microsoft.com/office/powerpoint/2010/main" val="1126469158"/>
       </p:ext>
     </p:extLst>
   </p:cSld>
@@ -5661,7 +6451,7 @@
             </a:pPr>
             <a:r>
               <a:rPr lang="en-US" altLang="zh-CN" sz="3200" dirty="0"/>
-              <a:t>Power dissipation correlates to switching operations</a:t>
+              <a:t>Power dissipation correlates to switching operations using power models like hamming weight etc.</a:t>
             </a:r>
           </a:p>
           <a:p>
@@ -5737,8 +6527,8 @@
         </p:blipFill>
         <p:spPr bwMode="auto">
           <a:xfrm>
-            <a:off x="5706486" y="3562928"/>
-            <a:ext cx="5013892" cy="3151851"/>
+            <a:off x="6226628" y="3889902"/>
+            <a:ext cx="4493749" cy="2824877"/>
           </a:xfrm>
           <a:prstGeom prst="rect">
             <a:avLst/>
@@ -5957,11 +6747,7 @@
           <a:p>
             <a:r>
               <a:rPr lang="en-US" altLang="zh-CN" dirty="0"/>
-              <a:t>New </a:t>
-            </a:r>
-            <a:r>
-              <a:rPr lang="en-US" altLang="zh-CN" dirty="0" err="1"/>
-              <a:t>countermeasure:FPL</a:t>
+              <a:t>New countermeasure: FPL</a:t>
             </a:r>
             <a:endParaRPr lang="zh-CN" altLang="en-US" dirty="0"/>
           </a:p>
@@ -6079,7 +6865,7 @@
             </a:pPr>
             <a:r>
               <a:rPr lang="en-US" altLang="zh-CN" sz="2800" dirty="0"/>
-              <a:t>We analyzed side-channel security on PRESENT/AES implementation</a:t>
+              <a:t>We analyzed side-channel security of FPL on PRESENT/AES implementation</a:t>
             </a:r>
           </a:p>
           <a:p>
@@ -6162,6 +6948,132 @@
           <p:cNvPr id="2" name="内容占位符 1">
             <a:extLst>
               <a:ext uri="{FF2B5EF4-FFF2-40B4-BE49-F238E27FC236}">
+                <a16:creationId xmlns:a16="http://schemas.microsoft.com/office/drawing/2014/main" id="{7FADE950-4238-4C8B-971C-B55C9971197C}"/>
+              </a:ext>
+            </a:extLst>
+          </p:cNvPr>
+          <p:cNvSpPr>
+            <a:spLocks noGrp="1"/>
+          </p:cNvSpPr>
+          <p:nvPr>
+            <p:ph sz="quarter" idx="10"/>
+          </p:nvPr>
+        </p:nvSpPr>
+        <p:spPr/>
+        <p:txBody>
+          <a:bodyPr/>
+          <a:lstStyle/>
+          <a:p>
+            <a:pPr>
+              <a:lnSpc>
+                <a:spcPct val="150000"/>
+              </a:lnSpc>
+            </a:pPr>
+            <a:r>
+              <a:rPr lang="en-US" altLang="zh-CN" sz="3600" dirty="0"/>
+              <a:t>1. Introduction</a:t>
+            </a:r>
+          </a:p>
+          <a:p>
+            <a:pPr>
+              <a:lnSpc>
+                <a:spcPct val="150000"/>
+              </a:lnSpc>
+            </a:pPr>
+            <a:r>
+              <a:rPr lang="en-US" altLang="zh-CN" sz="3600" dirty="0"/>
+              <a:t>2. FPL scheme</a:t>
+            </a:r>
+          </a:p>
+          <a:p>
+            <a:pPr>
+              <a:lnSpc>
+                <a:spcPct val="150000"/>
+              </a:lnSpc>
+            </a:pPr>
+            <a:r>
+              <a:rPr lang="en-US" altLang="zh-CN" sz="3600" dirty="0"/>
+              <a:t>3. Simulation</a:t>
+            </a:r>
+          </a:p>
+          <a:p>
+            <a:pPr>
+              <a:lnSpc>
+                <a:spcPct val="150000"/>
+              </a:lnSpc>
+            </a:pPr>
+            <a:r>
+              <a:rPr lang="en-US" altLang="zh-CN" sz="3600" dirty="0"/>
+              <a:t>4. Conclusion</a:t>
+            </a:r>
+            <a:endParaRPr lang="zh-CN" altLang="en-US" sz="3600" dirty="0"/>
+          </a:p>
+        </p:txBody>
+      </p:sp>
+      <p:sp>
+        <p:nvSpPr>
+          <p:cNvPr id="3" name="标题 2">
+            <a:extLst>
+              <a:ext uri="{FF2B5EF4-FFF2-40B4-BE49-F238E27FC236}">
+                <a16:creationId xmlns:a16="http://schemas.microsoft.com/office/drawing/2014/main" id="{6337F567-FFDE-47AA-A0A8-8764DC85E4B0}"/>
+              </a:ext>
+            </a:extLst>
+          </p:cNvPr>
+          <p:cNvSpPr>
+            <a:spLocks noGrp="1"/>
+          </p:cNvSpPr>
+          <p:nvPr>
+            <p:ph type="title"/>
+          </p:nvPr>
+        </p:nvSpPr>
+        <p:spPr/>
+        <p:txBody>
+          <a:bodyPr/>
+          <a:lstStyle/>
+          <a:p>
+            <a:r>
+              <a:rPr lang="en-US" altLang="zh-CN" dirty="0"/>
+              <a:t>Content</a:t>
+            </a:r>
+            <a:endParaRPr lang="zh-CN" altLang="en-US" dirty="0"/>
+          </a:p>
+        </p:txBody>
+      </p:sp>
+    </p:spTree>
+    <p:extLst>
+      <p:ext uri="{BB962C8B-B14F-4D97-AF65-F5344CB8AC3E}">
+        <p14:creationId xmlns:p14="http://schemas.microsoft.com/office/powerpoint/2010/main" val="662144325"/>
+      </p:ext>
+    </p:extLst>
+  </p:cSld>
+  <p:clrMapOvr>
+    <a:masterClrMapping/>
+  </p:clrMapOvr>
+</p:sld>
+</file>
+
+<file path=ppt/slides/slide8.xml><?xml version="1.0" encoding="utf-8"?>
+<p:sld xmlns:a="http://schemas.openxmlformats.org/drawingml/2006/main" xmlns:r="http://schemas.openxmlformats.org/officeDocument/2006/relationships" xmlns:p="http://schemas.openxmlformats.org/presentationml/2006/main">
+  <p:cSld>
+    <p:spTree>
+      <p:nvGrpSpPr>
+        <p:cNvPr id="1" name=""/>
+        <p:cNvGrpSpPr/>
+        <p:nvPr/>
+      </p:nvGrpSpPr>
+      <p:grpSpPr>
+        <a:xfrm>
+          <a:off x="0" y="0"/>
+          <a:ext cx="0" cy="0"/>
+          <a:chOff x="0" y="0"/>
+          <a:chExt cx="0" cy="0"/>
+        </a:xfrm>
+      </p:grpSpPr>
+      <p:sp>
+        <p:nvSpPr>
+          <p:cNvPr id="2" name="内容占位符 1">
+            <a:extLst>
+              <a:ext uri="{FF2B5EF4-FFF2-40B4-BE49-F238E27FC236}">
                 <a16:creationId xmlns:a16="http://schemas.microsoft.com/office/drawing/2014/main" id="{F52924A7-E7FE-41B2-AC34-B11CBF6D2F76}"/>
               </a:ext>
             </a:extLst>
@@ -6269,7 +7181,7 @@
 </p:sld>
 </file>
 
-<file path=ppt/slides/slide8.xml><?xml version="1.0" encoding="utf-8"?>
+<file path=ppt/slides/slide9.xml><?xml version="1.0" encoding="utf-8"?>
 <p:sld xmlns:a="http://schemas.openxmlformats.org/drawingml/2006/main" xmlns:r="http://schemas.openxmlformats.org/officeDocument/2006/relationships" xmlns:p="http://schemas.openxmlformats.org/presentationml/2006/main">
   <p:cSld>
     <p:spTree>
@@ -6413,8 +7325,8 @@
           </a:prstGeom>
         </p:spPr>
       </p:pic>
-      <mc:AlternateContent xmlns:mc="http://schemas.openxmlformats.org/markup-compatibility/2006">
-        <mc:Choice xmlns:a14="http://schemas.microsoft.com/office/drawing/2010/main" Requires="a14">
+      <mc:AlternateContent xmlns:mc="http://schemas.openxmlformats.org/markup-compatibility/2006" xmlns:a14="http://schemas.microsoft.com/office/drawing/2010/main">
+        <mc:Choice Requires="a14">
           <p:sp>
             <p:nvSpPr>
               <p:cNvPr id="7" name="矩形 6">
@@ -6442,6 +7354,7 @@
               </a:bodyPr>
               <a:lstStyle/>
               <a:p>
+                <a:pPr/>
                 <a14:m>
                   <m:oMathPara xmlns:m="http://schemas.openxmlformats.org/officeDocument/2006/math">
                     <m:oMathParaPr>
@@ -6530,7 +7443,7 @@
             </p:txBody>
           </p:sp>
         </mc:Choice>
-        <mc:Fallback>
+        <mc:Fallback xmlns="">
           <p:sp>
             <p:nvSpPr>
               <p:cNvPr id="7" name="矩形 6">
@@ -6579,243 +7492,6 @@
     <p:extLst>
       <p:ext uri="{BB962C8B-B14F-4D97-AF65-F5344CB8AC3E}">
         <p14:creationId xmlns:p14="http://schemas.microsoft.com/office/powerpoint/2010/main" val="2386864251"/>
-      </p:ext>
-    </p:extLst>
-  </p:cSld>
-  <p:clrMapOvr>
-    <a:masterClrMapping/>
-  </p:clrMapOvr>
-</p:sld>
-</file>
-
-<file path=ppt/slides/slide9.xml><?xml version="1.0" encoding="utf-8"?>
-<p:sld xmlns:a="http://schemas.openxmlformats.org/drawingml/2006/main" xmlns:r="http://schemas.openxmlformats.org/officeDocument/2006/relationships" xmlns:p="http://schemas.openxmlformats.org/presentationml/2006/main">
-  <p:cSld>
-    <p:spTree>
-      <p:nvGrpSpPr>
-        <p:cNvPr id="1" name=""/>
-        <p:cNvGrpSpPr/>
-        <p:nvPr/>
-      </p:nvGrpSpPr>
-      <p:grpSpPr>
-        <a:xfrm>
-          <a:off x="0" y="0"/>
-          <a:ext cx="0" cy="0"/>
-          <a:chOff x="0" y="0"/>
-          <a:chExt cx="0" cy="0"/>
-        </a:xfrm>
-      </p:grpSpPr>
-      <p:sp>
-        <p:nvSpPr>
-          <p:cNvPr id="2" name="内容占位符 1">
-            <a:extLst>
-              <a:ext uri="{FF2B5EF4-FFF2-40B4-BE49-F238E27FC236}">
-                <a16:creationId xmlns:a16="http://schemas.microsoft.com/office/drawing/2014/main" id="{001F8BDF-7689-44CC-81EB-FDC06971640A}"/>
-              </a:ext>
-            </a:extLst>
-          </p:cNvPr>
-          <p:cNvSpPr>
-            <a:spLocks noGrp="1"/>
-          </p:cNvSpPr>
-          <p:nvPr>
-            <p:ph sz="quarter" idx="10"/>
-          </p:nvPr>
-        </p:nvSpPr>
-        <p:spPr/>
-        <p:txBody>
-          <a:bodyPr/>
-          <a:lstStyle/>
-          <a:p>
-            <a:r>
-              <a:rPr lang="en-US" altLang="zh-CN" sz="2800" dirty="0"/>
-              <a:t>K=0 ,</a:t>
-            </a:r>
-            <a:r>
-              <a:rPr lang="en-US" altLang="zh-CN" sz="2800" dirty="0" err="1"/>
-              <a:t>V</a:t>
-            </a:r>
-            <a:r>
-              <a:rPr lang="en-US" altLang="zh-CN" sz="2800" baseline="-25000" dirty="0" err="1"/>
-              <a:t>dp</a:t>
-            </a:r>
-            <a:r>
-              <a:rPr lang="en-US" altLang="zh-CN" sz="2800" dirty="0"/>
-              <a:t>=0</a:t>
-            </a:r>
-          </a:p>
-          <a:p>
-            <a:endParaRPr lang="en-US" altLang="zh-CN" sz="2800" dirty="0"/>
-          </a:p>
-          <a:p>
-            <a:r>
-              <a:rPr lang="en-US" altLang="zh-CN" sz="2800" dirty="0"/>
-              <a:t>K=1, </a:t>
-            </a:r>
-            <a:r>
-              <a:rPr lang="en-US" altLang="zh-CN" sz="2800" dirty="0" err="1"/>
-              <a:t>V</a:t>
-            </a:r>
-            <a:r>
-              <a:rPr lang="en-US" altLang="zh-CN" sz="2800" baseline="-25000" dirty="0" err="1"/>
-              <a:t>dp</a:t>
-            </a:r>
-            <a:r>
-              <a:rPr lang="en-US" altLang="zh-CN" sz="2800" dirty="0"/>
-              <a:t>=V</a:t>
-            </a:r>
-            <a:r>
-              <a:rPr lang="en-US" altLang="zh-CN" sz="2800" baseline="-25000" dirty="0"/>
-              <a:t>th0</a:t>
-            </a:r>
-            <a:endParaRPr lang="en-US" altLang="zh-CN" sz="2800" dirty="0"/>
-          </a:p>
-          <a:p>
-            <a:endParaRPr lang="en-US" altLang="zh-CN" sz="2800" dirty="0"/>
-          </a:p>
-          <a:p>
-            <a:r>
-              <a:rPr lang="en-US" altLang="zh-CN" sz="2800" dirty="0"/>
-              <a:t>K&gt;1, 0&lt;</a:t>
-            </a:r>
-            <a:r>
-              <a:rPr lang="en-US" altLang="zh-CN" sz="2800" dirty="0" err="1"/>
-              <a:t>V</a:t>
-            </a:r>
-            <a:r>
-              <a:rPr lang="en-US" altLang="zh-CN" sz="2800" baseline="-25000" dirty="0" err="1"/>
-              <a:t>dp</a:t>
-            </a:r>
-            <a:r>
-              <a:rPr lang="en-US" altLang="zh-CN" sz="2800" dirty="0"/>
-              <a:t>&lt;V</a:t>
-            </a:r>
-            <a:r>
-              <a:rPr lang="en-US" altLang="zh-CN" sz="2800" baseline="-25000" dirty="0"/>
-              <a:t>th0</a:t>
-            </a:r>
-            <a:endParaRPr lang="en-US" altLang="zh-CN" sz="2800" dirty="0"/>
-          </a:p>
-          <a:p>
-            <a:pPr marL="0" indent="0">
-              <a:buNone/>
-            </a:pPr>
-            <a:endParaRPr lang="en-US" altLang="zh-CN" dirty="0"/>
-          </a:p>
-          <a:p>
-            <a:pPr marL="0" indent="0">
-              <a:buNone/>
-            </a:pPr>
-            <a:r>
-              <a:rPr lang="en-US" altLang="zh-CN" dirty="0"/>
-              <a:t>K denotes the total number of </a:t>
-            </a:r>
-            <a:r>
-              <a:rPr lang="en-US" altLang="zh-CN" dirty="0" err="1"/>
-              <a:t>VM</a:t>
-            </a:r>
-            <a:r>
-              <a:rPr lang="en-US" altLang="zh-CN" baseline="-25000" dirty="0" err="1"/>
-              <a:t>i</a:t>
-            </a:r>
-            <a:r>
-              <a:rPr lang="en-US" altLang="zh-CN" baseline="-25000" dirty="0"/>
-              <a:t> </a:t>
-            </a:r>
-            <a:r>
-              <a:rPr lang="en-US" altLang="zh-CN" dirty="0"/>
-              <a:t>whose logic value is “1”</a:t>
-            </a:r>
-          </a:p>
-          <a:p>
-            <a:pPr marL="0" indent="0">
-              <a:buNone/>
-            </a:pPr>
-            <a:r>
-              <a:rPr lang="en-US" altLang="zh-CN" dirty="0"/>
-              <a:t>V</a:t>
-            </a:r>
-            <a:r>
-              <a:rPr lang="en-US" altLang="zh-CN" baseline="-25000" dirty="0"/>
-              <a:t>th0</a:t>
-            </a:r>
-            <a:r>
-              <a:rPr lang="en-US" altLang="zh-CN" dirty="0"/>
-              <a:t> denotes the threshold</a:t>
-            </a:r>
-            <a:r>
-              <a:rPr lang="zh-CN" altLang="en-US" dirty="0"/>
-              <a:t> </a:t>
-            </a:r>
-            <a:r>
-              <a:rPr lang="en-US" altLang="zh-CN" dirty="0"/>
-              <a:t>voltage of NMOS and diode</a:t>
-            </a:r>
-          </a:p>
-        </p:txBody>
-      </p:sp>
-      <p:sp>
-        <p:nvSpPr>
-          <p:cNvPr id="3" name="标题 2">
-            <a:extLst>
-              <a:ext uri="{FF2B5EF4-FFF2-40B4-BE49-F238E27FC236}">
-                <a16:creationId xmlns:a16="http://schemas.microsoft.com/office/drawing/2014/main" id="{43AD0D29-089A-4E18-A43A-4AFAE65D3C54}"/>
-              </a:ext>
-            </a:extLst>
-          </p:cNvPr>
-          <p:cNvSpPr>
-            <a:spLocks noGrp="1"/>
-          </p:cNvSpPr>
-          <p:nvPr>
-            <p:ph type="title"/>
-          </p:nvPr>
-        </p:nvSpPr>
-        <p:spPr/>
-        <p:txBody>
-          <a:bodyPr/>
-          <a:lstStyle/>
-          <a:p>
-            <a:r>
-              <a:rPr lang="en-US" altLang="zh-CN" dirty="0"/>
-              <a:t>cascade voltage logic(CVL) </a:t>
-            </a:r>
-            <a:endParaRPr lang="zh-CN" altLang="en-US" dirty="0"/>
-          </a:p>
-        </p:txBody>
-      </p:sp>
-      <p:pic>
-        <p:nvPicPr>
-          <p:cNvPr id="4" name="图片 3">
-            <a:extLst>
-              <a:ext uri="{FF2B5EF4-FFF2-40B4-BE49-F238E27FC236}">
-                <a16:creationId xmlns:a16="http://schemas.microsoft.com/office/drawing/2014/main" id="{2E8F945E-CCFA-4F5E-B256-572EC476F995}"/>
-              </a:ext>
-            </a:extLst>
-          </p:cNvPr>
-          <p:cNvPicPr>
-            <a:picLocks noChangeAspect="1"/>
-          </p:cNvPicPr>
-          <p:nvPr/>
-        </p:nvPicPr>
-        <p:blipFill>
-          <a:blip r:embed="rId3"/>
-          <a:stretch>
-            <a:fillRect/>
-          </a:stretch>
-        </p:blipFill>
-        <p:spPr>
-          <a:xfrm>
-            <a:off x="4750933" y="1867280"/>
-            <a:ext cx="7230601" cy="3546500"/>
-          </a:xfrm>
-          <a:prstGeom prst="rect">
-            <a:avLst/>
-          </a:prstGeom>
-        </p:spPr>
-      </p:pic>
-    </p:spTree>
-    <p:extLst>
-      <p:ext uri="{BB962C8B-B14F-4D97-AF65-F5344CB8AC3E}">
-        <p14:creationId xmlns:p14="http://schemas.microsoft.com/office/powerpoint/2010/main" val="1970416084"/>
       </p:ext>
     </p:extLst>
   </p:cSld>

--- a/asianhost pre/FPL.pptx
+++ b/asianhost pre/FPL.pptx
@@ -292,7 +292,7 @@
               <a:rPr lang="en-US" smtClean="0">
                 <a:latin typeface="Arial" charset="0"/>
               </a:rPr>
-              <a:t>12/3/2019</a:t>
+              <a:t>12/4/2019</a:t>
             </a:fld>
             <a:endParaRPr lang="en-US" dirty="0">
               <a:latin typeface="Arial" charset="0"/>
@@ -470,7 +470,7 @@
             <a:fld id="{5B96CA4F-2197-CC40-B4FC-798A937A9DC6}" type="datetimeFigureOut">
               <a:rPr lang="en-US" smtClean="0"/>
               <a:pPr/>
-              <a:t>12/3/2019</a:t>
+              <a:t>12/4/2019</a:t>
             </a:fld>
             <a:endParaRPr lang="en-US" dirty="0"/>
           </a:p>
@@ -805,7 +805,15 @@
             </a:pPr>
             <a:r>
               <a:rPr lang="en-US" altLang="zh-CN" baseline="0" dirty="0"/>
-              <a:t>This work is going to propose a </a:t>
+              <a:t>Hello everyone, my name is </a:t>
+            </a:r>
+            <a:r>
+              <a:rPr lang="en-US" altLang="zh-CN" baseline="0" dirty="0" err="1"/>
+              <a:t>yangbolin</a:t>
+            </a:r>
+            <a:r>
+              <a:rPr lang="en-US" altLang="zh-CN" baseline="0" dirty="0"/>
+              <a:t> and today I want to share the work which name is </a:t>
             </a:r>
             <a:r>
               <a:rPr lang="en-US" altLang="zh-CN" sz="1600" cap="none" dirty="0"/>
@@ -813,15 +821,19 @@
             </a:r>
             <a:r>
               <a:rPr lang="en-US" altLang="zh-CN" baseline="0" dirty="0"/>
-              <a:t>. This is a joint work done by my tutor Fan Zhang and my </a:t>
-            </a:r>
-            <a:r>
-              <a:rPr lang="en-US" altLang="zh-CN" baseline="0" dirty="0" err="1"/>
-              <a:t>parteners</a:t>
-            </a:r>
-            <a:r>
-              <a:rPr lang="en-US" altLang="zh-CN" baseline="0" dirty="0"/>
-              <a:t> in Zhejiang University. </a:t>
+              <a:t>. </a:t>
+            </a:r>
+            <a:r>
+              <a:rPr lang="en-US" altLang="zh-CN" sz="1600" cap="none" dirty="0"/>
+              <a:t>SCA Protection By V</a:t>
+            </a:r>
+            <a:r>
+              <a:rPr lang="en-US" altLang="zh-CN" sz="1600" cap="none" baseline="-25000" dirty="0"/>
+              <a:t>DD</a:t>
+            </a:r>
+            <a:r>
+              <a:rPr lang="en-US" altLang="zh-CN" sz="1600" cap="none" dirty="0"/>
+              <a:t> Randomization At The Cell-level.</a:t>
             </a:r>
             <a:endParaRPr lang="zh-CN" altLang="en-US" dirty="0"/>
           </a:p>
@@ -920,6 +932,229 @@
                 <a:ea typeface="+mn-ea"/>
                 <a:cs typeface="+mn-cs"/>
               </a:rPr>
+              <a:t>When the FF makes a 0 to 1 or 1 to 0 transition during the clock pulse window (</a:t>
+            </a:r>
+            <a:r>
+              <a:rPr lang="en-US" altLang="zh-CN" sz="1600" b="0" i="0" u="none" strike="noStrike" kern="1200" baseline="0" dirty="0" err="1">
+                <a:solidFill>
+                  <a:schemeClr val="tx1"/>
+                </a:solidFill>
+                <a:latin typeface="Arial" charset="0"/>
+                <a:ea typeface="+mn-ea"/>
+                <a:cs typeface="+mn-cs"/>
+              </a:rPr>
+              <a:t>tCLKp</a:t>
+            </a:r>
+            <a:r>
+              <a:rPr lang="en-US" altLang="zh-CN" sz="1600" b="0" i="0" u="none" strike="noStrike" kern="1200" baseline="0" dirty="0">
+                <a:solidFill>
+                  <a:schemeClr val="tx1"/>
+                </a:solidFill>
+                <a:latin typeface="Arial" charset="0"/>
+                <a:ea typeface="+mn-ea"/>
+                <a:cs typeface="+mn-cs"/>
+              </a:rPr>
+              <a:t> ), one of the pass-transistor gates controlled by D or DB is switched off while the other one outputs 0. So the short-circuit path is shut down, i.e., the CU is off.</a:t>
+            </a:r>
+          </a:p>
+          <a:p>
+            <a:r>
+              <a:rPr lang="en-US" altLang="zh-CN" sz="1600" b="0" i="0" u="none" strike="noStrike" kern="1200" baseline="0" dirty="0">
+                <a:solidFill>
+                  <a:schemeClr val="tx1"/>
+                </a:solidFill>
+                <a:latin typeface="Arial" charset="0"/>
+                <a:ea typeface="+mn-ea"/>
+                <a:cs typeface="+mn-cs"/>
+              </a:rPr>
+              <a:t>Otherwise, when the inputs of FF keep unchanged, the CU is turned on, which consumes compensatory dynamic power during </a:t>
+            </a:r>
+            <a:r>
+              <a:rPr lang="en-US" altLang="zh-CN" sz="1600" b="0" i="0" u="none" strike="noStrike" kern="1200" baseline="0" dirty="0" err="1">
+                <a:solidFill>
+                  <a:schemeClr val="tx1"/>
+                </a:solidFill>
+                <a:latin typeface="Arial" charset="0"/>
+                <a:ea typeface="+mn-ea"/>
+                <a:cs typeface="+mn-cs"/>
+              </a:rPr>
+              <a:t>CLKp</a:t>
+            </a:r>
+            <a:r>
+              <a:rPr lang="en-US" altLang="zh-CN" sz="1600" b="0" i="0" u="none" strike="noStrike" kern="1200" baseline="0" dirty="0">
+                <a:solidFill>
+                  <a:schemeClr val="tx1"/>
+                </a:solidFill>
+                <a:latin typeface="Arial" charset="0"/>
+                <a:ea typeface="+mn-ea"/>
+                <a:cs typeface="+mn-cs"/>
+              </a:rPr>
+              <a:t>.</a:t>
+            </a:r>
+          </a:p>
+          <a:p>
+            <a:r>
+              <a:rPr lang="en-US" altLang="zh-CN" sz="1600" b="0" i="0" u="none" strike="noStrike" kern="1200" baseline="0" dirty="0">
+                <a:solidFill>
+                  <a:schemeClr val="tx1"/>
+                </a:solidFill>
+                <a:latin typeface="Arial" charset="0"/>
+                <a:ea typeface="+mn-ea"/>
+                <a:cs typeface="+mn-cs"/>
+              </a:rPr>
+              <a:t>As aforementioned, the total power of FPL-FF (</a:t>
+            </a:r>
+            <a:r>
+              <a:rPr lang="en-US" altLang="zh-CN" sz="1600" b="0" i="0" u="none" strike="noStrike" kern="1200" baseline="0" dirty="0" err="1">
+                <a:solidFill>
+                  <a:schemeClr val="tx1"/>
+                </a:solidFill>
+                <a:latin typeface="Arial" charset="0"/>
+                <a:ea typeface="+mn-ea"/>
+                <a:cs typeface="+mn-cs"/>
+              </a:rPr>
+              <a:t>Ptotal</a:t>
+            </a:r>
+            <a:r>
+              <a:rPr lang="en-US" altLang="zh-CN" sz="1600" b="0" i="0" u="none" strike="noStrike" kern="1200" baseline="0" dirty="0">
+                <a:solidFill>
+                  <a:schemeClr val="tx1"/>
+                </a:solidFill>
+                <a:latin typeface="Arial" charset="0"/>
+                <a:ea typeface="+mn-ea"/>
+                <a:cs typeface="+mn-cs"/>
+              </a:rPr>
+              <a:t>) consists of three parts: the power of original FF (PFF ), the power of CVL unit</a:t>
+            </a:r>
+          </a:p>
+          <a:p>
+            <a:r>
+              <a:rPr lang="en-US" altLang="zh-CN" sz="1600" b="0" i="0" u="none" strike="noStrike" kern="1200" baseline="0" dirty="0">
+                <a:solidFill>
+                  <a:schemeClr val="tx1"/>
+                </a:solidFill>
+                <a:latin typeface="Arial" charset="0"/>
+                <a:ea typeface="+mn-ea"/>
+                <a:cs typeface="+mn-cs"/>
+              </a:rPr>
+              <a:t>(PCV L) and the power of CU (PCU). So the randomness of power is derived from the uncertain sum of three parts relying on </a:t>
+            </a:r>
+            <a:r>
+              <a:rPr lang="en-US" altLang="zh-CN" sz="1600" b="0" i="0" u="none" strike="noStrike" kern="1200" baseline="0" dirty="0" err="1">
+                <a:solidFill>
+                  <a:schemeClr val="tx1"/>
+                </a:solidFill>
+                <a:latin typeface="Arial" charset="0"/>
+                <a:ea typeface="+mn-ea"/>
+                <a:cs typeface="+mn-cs"/>
+              </a:rPr>
+              <a:t>VDDm</a:t>
+            </a:r>
+            <a:r>
+              <a:rPr lang="en-US" altLang="zh-CN" sz="1600" b="0" i="0" u="none" strike="noStrike" kern="1200" baseline="0" dirty="0">
+                <a:solidFill>
+                  <a:schemeClr val="tx1"/>
+                </a:solidFill>
+                <a:latin typeface="Arial" charset="0"/>
+                <a:ea typeface="+mn-ea"/>
+                <a:cs typeface="+mn-cs"/>
+              </a:rPr>
+              <a:t>.</a:t>
+            </a:r>
+            <a:endParaRPr lang="zh-CN" altLang="en-US" dirty="0"/>
+          </a:p>
+        </p:txBody>
+      </p:sp>
+      <p:sp>
+        <p:nvSpPr>
+          <p:cNvPr id="4" name="灯片编号占位符 3"/>
+          <p:cNvSpPr>
+            <a:spLocks noGrp="1"/>
+          </p:cNvSpPr>
+          <p:nvPr>
+            <p:ph type="sldNum" sz="quarter" idx="5"/>
+          </p:nvPr>
+        </p:nvSpPr>
+        <p:spPr/>
+        <p:txBody>
+          <a:bodyPr/>
+          <a:lstStyle/>
+          <a:p>
+            <a:fld id="{02322656-8894-1544-92AA-01B3CF5E6182}" type="slidenum">
+              <a:rPr lang="en-US" smtClean="0"/>
+              <a:pPr/>
+              <a:t>13</a:t>
+            </a:fld>
+            <a:endParaRPr lang="en-US" dirty="0"/>
+          </a:p>
+        </p:txBody>
+      </p:sp>
+    </p:spTree>
+    <p:extLst>
+      <p:ext uri="{BB962C8B-B14F-4D97-AF65-F5344CB8AC3E}">
+        <p14:creationId xmlns:p14="http://schemas.microsoft.com/office/powerpoint/2010/main" val="864290698"/>
+      </p:ext>
+    </p:extLst>
+  </p:cSld>
+  <p:clrMapOvr>
+    <a:masterClrMapping/>
+  </p:clrMapOvr>
+</p:notes>
+</file>
+
+<file path=ppt/notesSlides/notesSlide11.xml><?xml version="1.0" encoding="utf-8"?>
+<p:notes xmlns:a="http://schemas.openxmlformats.org/drawingml/2006/main" xmlns:r="http://schemas.openxmlformats.org/officeDocument/2006/relationships" xmlns:p="http://schemas.openxmlformats.org/presentationml/2006/main">
+  <p:cSld>
+    <p:spTree>
+      <p:nvGrpSpPr>
+        <p:cNvPr id="1" name=""/>
+        <p:cNvGrpSpPr/>
+        <p:nvPr/>
+      </p:nvGrpSpPr>
+      <p:grpSpPr>
+        <a:xfrm>
+          <a:off x="0" y="0"/>
+          <a:ext cx="0" cy="0"/>
+          <a:chOff x="0" y="0"/>
+          <a:chExt cx="0" cy="0"/>
+        </a:xfrm>
+      </p:grpSpPr>
+      <p:sp>
+        <p:nvSpPr>
+          <p:cNvPr id="2" name="幻灯片图像占位符 1"/>
+          <p:cNvSpPr>
+            <a:spLocks noGrp="1" noRot="1" noChangeAspect="1"/>
+          </p:cNvSpPr>
+          <p:nvPr>
+            <p:ph type="sldImg"/>
+          </p:nvPr>
+        </p:nvSpPr>
+        <p:spPr/>
+      </p:sp>
+      <p:sp>
+        <p:nvSpPr>
+          <p:cNvPr id="3" name="备注占位符 2"/>
+          <p:cNvSpPr>
+            <a:spLocks noGrp="1"/>
+          </p:cNvSpPr>
+          <p:nvPr>
+            <p:ph type="body" idx="1"/>
+          </p:nvPr>
+        </p:nvSpPr>
+        <p:spPr/>
+        <p:txBody>
+          <a:bodyPr/>
+          <a:lstStyle/>
+          <a:p>
+            <a:r>
+              <a:rPr lang="en-US" altLang="zh-CN" sz="1600" b="0" i="0" u="none" strike="noStrike" kern="1200" baseline="0" dirty="0">
+                <a:solidFill>
+                  <a:schemeClr val="tx1"/>
+                </a:solidFill>
+                <a:latin typeface="Arial" charset="0"/>
+                <a:ea typeface="+mn-ea"/>
+                <a:cs typeface="+mn-cs"/>
+              </a:rPr>
               <a:t>For the purpose of illustration, only the case of n equal to 4 is applied and verified in the same test bench for both algorithms</a:t>
             </a:r>
           </a:p>
@@ -1037,7 +1272,7 @@
 </p:notes>
 </file>
 
-<file path=ppt/notesSlides/notesSlide11.xml><?xml version="1.0" encoding="utf-8"?>
+<file path=ppt/notesSlides/notesSlide12.xml><?xml version="1.0" encoding="utf-8"?>
 <p:notes xmlns:a="http://schemas.openxmlformats.org/drawingml/2006/main" xmlns:r="http://schemas.openxmlformats.org/officeDocument/2006/relationships" xmlns:p="http://schemas.openxmlformats.org/presentationml/2006/main">
   <p:cSld>
     <p:spTree>
@@ -1203,43 +1438,8 @@
           <a:p>
             <a:r>
               <a:rPr lang="en-US" altLang="zh-CN" dirty="0"/>
-              <a:t>The SCA in the title means side channel analysis. And it cares about the power dissipation correlations with switching operations using power models like hamming weight</a:t>
-            </a:r>
-          </a:p>
-          <a:p>
-            <a:pPr marL="0" indent="0">
-              <a:buNone/>
-            </a:pPr>
-            <a:r>
-              <a:rPr lang="en-US" altLang="zh-CN" sz="1600" dirty="0"/>
-              <a:t>And it will lead to threats of information security</a:t>
-            </a:r>
-          </a:p>
-          <a:p>
-            <a:pPr marL="0" indent="0">
-              <a:buNone/>
-            </a:pPr>
-            <a:r>
-              <a:rPr lang="en-US" altLang="zh-CN" sz="1600" dirty="0"/>
-              <a:t>We investigated that Major power consumption comes from the clock distribution network and Flip-Flops (FFs) (about 30%-60% of the whole consumption is from FF</a:t>
-            </a:r>
-          </a:p>
-          <a:p>
-            <a:pPr marL="0" indent="0">
-              <a:buNone/>
-            </a:pPr>
-            <a:r>
-              <a:rPr lang="en-US" altLang="zh-CN" sz="1600" dirty="0"/>
-              <a:t>So our work concentrate on improving the flip-flops</a:t>
-            </a:r>
-          </a:p>
-          <a:p>
-            <a:pPr marL="0" indent="0">
-              <a:buNone/>
-            </a:pPr>
-            <a:endParaRPr lang="zh-CN" altLang="en-US" sz="1600" dirty="0"/>
-          </a:p>
-          <a:p>
+              <a:t>I will show this work in four parts and first is introduction</a:t>
+            </a:r>
             <a:endParaRPr lang="zh-CN" altLang="en-US" dirty="0"/>
           </a:p>
         </p:txBody>
@@ -1262,7 +1462,7 @@
             <a:fld id="{02322656-8894-1544-92AA-01B3CF5E6182}" type="slidenum">
               <a:rPr lang="en-US" smtClean="0"/>
               <a:pPr/>
-              <a:t>3</a:t>
+              <a:t>2</a:t>
             </a:fld>
             <a:endParaRPr lang="en-US" dirty="0"/>
           </a:p>
@@ -1271,7 +1471,7 @@
     </p:spTree>
     <p:extLst>
       <p:ext uri="{BB962C8B-B14F-4D97-AF65-F5344CB8AC3E}">
-        <p14:creationId xmlns:p14="http://schemas.microsoft.com/office/powerpoint/2010/main" val="2525158127"/>
+        <p14:creationId xmlns:p14="http://schemas.microsoft.com/office/powerpoint/2010/main" val="326934063"/>
       </p:ext>
     </p:extLst>
   </p:cSld>
@@ -1327,39 +1527,43 @@
           <a:p>
             <a:r>
               <a:rPr lang="en-US" altLang="zh-CN" dirty="0"/>
-              <a:t>There have some countermeasures to overcome the severe challenge of SCA. The two mainstream SCA countermeasures are hiding and masking.</a:t>
-            </a:r>
-          </a:p>
-          <a:p>
-            <a:r>
-              <a:rPr lang="en-US" altLang="zh-CN" dirty="0"/>
-              <a:t>Hiding means we can use noise, clock randomizer or dual-rail </a:t>
-            </a:r>
-            <a:r>
-              <a:rPr lang="en-US" altLang="zh-CN" dirty="0" err="1"/>
-              <a:t>precharge</a:t>
-            </a:r>
-            <a:r>
-              <a:rPr lang="en-US" altLang="zh-CN" dirty="0"/>
-              <a:t> logics to hide the dependence between the power consumption and data</a:t>
-            </a:r>
-          </a:p>
-          <a:p>
-            <a:r>
-              <a:rPr lang="en-US" altLang="zh-CN" dirty="0"/>
-              <a:t>And masking can de-correlate the </a:t>
-            </a:r>
-            <a:r>
-              <a:rPr lang="en-US" altLang="zh-CN" sz="1600" b="0" i="0" u="none" strike="noStrike" kern="1200" baseline="0" dirty="0">
-                <a:solidFill>
-                  <a:schemeClr val="tx1"/>
-                </a:solidFill>
-                <a:latin typeface="Arial" charset="0"/>
-                <a:ea typeface="+mn-ea"/>
-                <a:cs typeface="+mn-cs"/>
-              </a:rPr>
-              <a:t>dependency between the actual data and the power model by algorithm or some hardware model</a:t>
-            </a:r>
+              <a:t>The SCA in the title means side channel analysis. And it cares about the power dissipation correlations with switching operations using power models like hamming weight</a:t>
+            </a:r>
+          </a:p>
+          <a:p>
+            <a:pPr marL="0" indent="0">
+              <a:buNone/>
+            </a:pPr>
+            <a:r>
+              <a:rPr lang="en-US" altLang="zh-CN" sz="1600" dirty="0"/>
+              <a:t>And it will lead to threats to information security</a:t>
+            </a:r>
+          </a:p>
+          <a:p>
+            <a:pPr marL="0" indent="0">
+              <a:buNone/>
+            </a:pPr>
+            <a:r>
+              <a:rPr lang="en-US" altLang="zh-CN" sz="1600" dirty="0"/>
+              <a:t>We investigated that Major power consumption comes from the clock distribution network and Flip-Flops (FFs) (about 30%-60% of the whole consumption is from FF</a:t>
+            </a:r>
+          </a:p>
+          <a:p>
+            <a:pPr marL="0" indent="0">
+              <a:buNone/>
+            </a:pPr>
+            <a:r>
+              <a:rPr lang="en-US" altLang="zh-CN" sz="1600" dirty="0"/>
+              <a:t>So our work concentrate on improving the flip-flops</a:t>
+            </a:r>
+          </a:p>
+          <a:p>
+            <a:pPr marL="0" indent="0">
+              <a:buNone/>
+            </a:pPr>
+            <a:endParaRPr lang="zh-CN" altLang="en-US" sz="1600" dirty="0"/>
+          </a:p>
+          <a:p>
             <a:endParaRPr lang="zh-CN" altLang="en-US" dirty="0"/>
           </a:p>
         </p:txBody>
@@ -1382,7 +1586,7 @@
             <a:fld id="{02322656-8894-1544-92AA-01B3CF5E6182}" type="slidenum">
               <a:rPr lang="en-US" smtClean="0"/>
               <a:pPr/>
-              <a:t>4</a:t>
+              <a:t>3</a:t>
             </a:fld>
             <a:endParaRPr lang="en-US" dirty="0"/>
           </a:p>
@@ -1391,7 +1595,7 @@
     </p:spTree>
     <p:extLst>
       <p:ext uri="{BB962C8B-B14F-4D97-AF65-F5344CB8AC3E}">
-        <p14:creationId xmlns:p14="http://schemas.microsoft.com/office/powerpoint/2010/main" val="3761623522"/>
+        <p14:creationId xmlns:p14="http://schemas.microsoft.com/office/powerpoint/2010/main" val="2525158127"/>
       </p:ext>
     </p:extLst>
   </p:cSld>
@@ -1447,13 +1651,38 @@
           <a:p>
             <a:r>
               <a:rPr lang="en-US" altLang="zh-CN" dirty="0"/>
-              <a:t>The masking and hiding care more about the power model.</a:t>
+              <a:t>There have some countermeasures to overcome the severe challenge of SCA. The two mainstream SCA countermeasures are hiding and masking.</a:t>
             </a:r>
           </a:p>
           <a:p>
             <a:r>
               <a:rPr lang="en-US" altLang="zh-CN" dirty="0"/>
-              <a:t>Our work aims to remove the correlation between key-dependent data and power dissipation directly, regardless of whether the power model is known to the adversary.</a:t>
+              <a:t>Hiding means we can use noise, clock randomizer or dual-rail </a:t>
+            </a:r>
+            <a:r>
+              <a:rPr lang="en-US" altLang="zh-CN" dirty="0" err="1"/>
+              <a:t>precharge</a:t>
+            </a:r>
+            <a:r>
+              <a:rPr lang="en-US" altLang="zh-CN" dirty="0"/>
+              <a:t> logics to hide the dependence between the power consumption and data</a:t>
+            </a:r>
+          </a:p>
+          <a:p>
+            <a:r>
+              <a:rPr lang="en-US" altLang="zh-CN" dirty="0"/>
+              <a:t>And masking can de-correlate the </a:t>
+            </a:r>
+            <a:r>
+              <a:rPr lang="en-US" altLang="zh-CN" sz="1600" b="0" i="0" u="none" strike="noStrike" kern="1200" baseline="0" dirty="0">
+                <a:solidFill>
+                  <a:schemeClr val="tx1"/>
+                </a:solidFill>
+                <a:latin typeface="Arial" charset="0"/>
+                <a:ea typeface="+mn-ea"/>
+                <a:cs typeface="+mn-cs"/>
+              </a:rPr>
+              <a:t>dependency between the actual data and the power model by algorithm or some hardware model</a:t>
             </a:r>
             <a:endParaRPr lang="zh-CN" altLang="en-US" dirty="0"/>
           </a:p>
@@ -1477,7 +1706,7 @@
             <a:fld id="{02322656-8894-1544-92AA-01B3CF5E6182}" type="slidenum">
               <a:rPr lang="en-US" smtClean="0"/>
               <a:pPr/>
-              <a:t>5</a:t>
+              <a:t>4</a:t>
             </a:fld>
             <a:endParaRPr lang="en-US" dirty="0"/>
           </a:p>
@@ -1486,7 +1715,7 @@
     </p:spTree>
     <p:extLst>
       <p:ext uri="{BB962C8B-B14F-4D97-AF65-F5344CB8AC3E}">
-        <p14:creationId xmlns:p14="http://schemas.microsoft.com/office/powerpoint/2010/main" val="3005727602"/>
+        <p14:creationId xmlns:p14="http://schemas.microsoft.com/office/powerpoint/2010/main" val="3761623522"/>
       </p:ext>
     </p:extLst>
   </p:cSld>
@@ -1542,27 +1771,13 @@
           <a:p>
             <a:r>
               <a:rPr lang="en-US" altLang="zh-CN" dirty="0"/>
-              <a:t>the CVL unit is connected to VDD and a PRNG pseudo random number generator. consists of n NMOS and n diodes</a:t>
+              <a:t>The masking and hiding care more about the power model.</a:t>
             </a:r>
           </a:p>
           <a:p>
             <a:r>
               <a:rPr lang="en-US" altLang="zh-CN" dirty="0"/>
-              <a:t>Then it has one PMOS and one n-input OR-gate. The input of the OR-gate is controlled by PRNG</a:t>
-            </a:r>
-          </a:p>
-          <a:p>
-            <a:r>
-              <a:rPr lang="en-US" altLang="zh-CN" dirty="0"/>
-              <a:t>And the CVL unit will produce a OUTPUT named </a:t>
-            </a:r>
-            <a:r>
-              <a:rPr lang="en-US" altLang="zh-CN" dirty="0" err="1"/>
-              <a:t>vddm</a:t>
-            </a:r>
-            <a:r>
-              <a:rPr lang="en-US" altLang="zh-CN" dirty="0"/>
-              <a:t> to substitute the VDD with a random voltage drop.</a:t>
+              <a:t>Our work aims to remove the correlation between key-dependent data and power dissipation directly, regardless of whether the power model is known to the adversary.</a:t>
             </a:r>
             <a:endParaRPr lang="zh-CN" altLang="en-US" dirty="0"/>
           </a:p>
@@ -1586,7 +1801,7 @@
             <a:fld id="{02322656-8894-1544-92AA-01B3CF5E6182}" type="slidenum">
               <a:rPr lang="en-US" smtClean="0"/>
               <a:pPr/>
-              <a:t>9</a:t>
+              <a:t>5</a:t>
             </a:fld>
             <a:endParaRPr lang="en-US" dirty="0"/>
           </a:p>
@@ -1595,7 +1810,7 @@
     </p:spTree>
     <p:extLst>
       <p:ext uri="{BB962C8B-B14F-4D97-AF65-F5344CB8AC3E}">
-        <p14:creationId xmlns:p14="http://schemas.microsoft.com/office/powerpoint/2010/main" val="520256759"/>
+        <p14:creationId xmlns:p14="http://schemas.microsoft.com/office/powerpoint/2010/main" val="3005727602"/>
       </p:ext>
     </p:extLst>
   </p:cSld>
@@ -1649,176 +1864,31 @@
           <a:bodyPr/>
           <a:lstStyle/>
           <a:p>
-            <a:pPr marL="0" marR="0" lvl="0" indent="0" algn="l" defTabSz="1219170" rtl="0" eaLnBrk="1" fontAlgn="auto" latinLnBrk="0" hangingPunct="1">
-              <a:lnSpc>
-                <a:spcPct val="100000"/>
-              </a:lnSpc>
-              <a:spcBef>
-                <a:spcPts val="0"/>
-              </a:spcBef>
-              <a:spcAft>
-                <a:spcPts val="0"/>
-              </a:spcAft>
-              <a:buClrTx/>
-              <a:buSzTx/>
-              <a:buFontTx/>
-              <a:buNone/>
-              <a:tabLst/>
-              <a:defRPr/>
-            </a:pPr>
             <a:r>
               <a:rPr lang="en-US" altLang="zh-CN" dirty="0"/>
-              <a:t>K denotes the total number of </a:t>
+              <a:t>the CVL unit is connected to VDD and a PRNG pseudo random number generator. consists of n NMOS and n diodes</a:t>
+            </a:r>
+          </a:p>
+          <a:p>
+            <a:r>
+              <a:rPr lang="en-US" altLang="zh-CN" dirty="0"/>
+              <a:t>Then it has one PMOS and one n-input OR-gate. The input of the OR-gate is controlled by PRNG</a:t>
+            </a:r>
+          </a:p>
+          <a:p>
+            <a:r>
+              <a:rPr lang="en-US" altLang="zh-CN" dirty="0"/>
+              <a:t>And the CVL unit will produce a OUTPUT named </a:t>
             </a:r>
             <a:r>
               <a:rPr lang="en-US" altLang="zh-CN" dirty="0" err="1"/>
-              <a:t>VM</a:t>
-            </a:r>
-            <a:r>
-              <a:rPr lang="en-US" altLang="zh-CN" baseline="-25000" dirty="0" err="1"/>
-              <a:t>i</a:t>
-            </a:r>
-            <a:r>
-              <a:rPr lang="en-US" altLang="zh-CN" baseline="-25000" dirty="0"/>
-              <a:t> </a:t>
+              <a:t>vddm</a:t>
             </a:r>
             <a:r>
               <a:rPr lang="en-US" altLang="zh-CN" dirty="0"/>
-              <a:t>whose logic value is “1” and also equal to the output of PRNG</a:t>
-            </a:r>
-          </a:p>
-          <a:p>
-            <a:r>
-              <a:rPr lang="en-US" altLang="zh-CN" dirty="0"/>
-              <a:t>If K equal to 0</a:t>
-            </a:r>
-            <a:r>
-              <a:rPr lang="zh-CN" altLang="en-US" dirty="0"/>
-              <a:t>  </a:t>
-            </a:r>
-            <a:r>
-              <a:rPr lang="en-US" altLang="zh-CN" dirty="0"/>
-              <a:t>all</a:t>
-            </a:r>
-            <a:r>
-              <a:rPr lang="zh-CN" altLang="en-US" dirty="0"/>
-              <a:t> </a:t>
-            </a:r>
-            <a:r>
-              <a:rPr lang="en-US" altLang="zh-CN" dirty="0"/>
-              <a:t>NMOS</a:t>
-            </a:r>
-            <a:r>
-              <a:rPr lang="zh-CN" altLang="en-US" dirty="0"/>
-              <a:t> </a:t>
-            </a:r>
-            <a:r>
-              <a:rPr lang="en-US" altLang="zh-CN" dirty="0"/>
-              <a:t>are shut off, the OR-gate output digital 0 and the output equal to VDD</a:t>
-            </a:r>
-          </a:p>
-          <a:p>
-            <a:r>
-              <a:rPr lang="en-US" altLang="zh-CN" dirty="0"/>
-              <a:t>K equal to 1 only one of </a:t>
-            </a:r>
-            <a:r>
-              <a:rPr lang="en-US" altLang="zh-CN" dirty="0" err="1"/>
-              <a:t>Vmi</a:t>
-            </a:r>
-            <a:r>
-              <a:rPr lang="en-US" altLang="zh-CN" dirty="0"/>
-              <a:t> equal to 1, the voltage drop equal to threshold voltage</a:t>
-            </a:r>
-          </a:p>
-          <a:p>
-            <a:pPr marL="0" marR="0" lvl="0" indent="0" algn="l" defTabSz="1219170" rtl="0" eaLnBrk="1" fontAlgn="auto" latinLnBrk="0" hangingPunct="1">
-              <a:lnSpc>
-                <a:spcPct val="100000"/>
-              </a:lnSpc>
-              <a:spcBef>
-                <a:spcPts val="0"/>
-              </a:spcBef>
-              <a:spcAft>
-                <a:spcPts val="0"/>
-              </a:spcAft>
-              <a:buClrTx/>
-              <a:buSzTx/>
-              <a:buFontTx/>
-              <a:buNone/>
-              <a:tabLst/>
-              <a:defRPr/>
-            </a:pPr>
-            <a:r>
-              <a:rPr lang="en-US" altLang="zh-CN" dirty="0"/>
-              <a:t>If there are more than one </a:t>
-            </a:r>
-            <a:r>
-              <a:rPr lang="en-US" altLang="zh-CN" dirty="0" err="1"/>
-              <a:t>Vmi</a:t>
-            </a:r>
-            <a:r>
-              <a:rPr lang="en-US" altLang="zh-CN" dirty="0"/>
-              <a:t> equal to 1, the value of drop voltage will be between zero and threshold voltage</a:t>
-            </a:r>
-          </a:p>
-          <a:p>
-            <a:r>
-              <a:rPr lang="en-US" altLang="zh-CN" sz="1600" b="0" i="0" u="none" strike="noStrike" kern="1200" baseline="0" dirty="0">
-                <a:solidFill>
-                  <a:schemeClr val="tx1"/>
-                </a:solidFill>
-                <a:latin typeface="Arial" charset="0"/>
-                <a:ea typeface="+mn-ea"/>
-                <a:cs typeface="+mn-cs"/>
-              </a:rPr>
-              <a:t>Depending on the values of </a:t>
-            </a:r>
-            <a:r>
-              <a:rPr lang="en-US" altLang="zh-CN" sz="1600" b="0" i="0" u="none" strike="noStrike" kern="1200" baseline="0" dirty="0" err="1">
-                <a:solidFill>
-                  <a:schemeClr val="tx1"/>
-                </a:solidFill>
-                <a:latin typeface="Arial" charset="0"/>
-                <a:ea typeface="+mn-ea"/>
-                <a:cs typeface="+mn-cs"/>
-              </a:rPr>
-              <a:t>VMi</a:t>
-            </a:r>
-            <a:r>
-              <a:rPr lang="en-US" altLang="zh-CN" sz="1600" b="0" i="0" u="none" strike="noStrike" kern="1200" baseline="0" dirty="0">
-                <a:solidFill>
-                  <a:schemeClr val="tx1"/>
-                </a:solidFill>
-                <a:latin typeface="Arial" charset="0"/>
-                <a:ea typeface="+mn-ea"/>
-                <a:cs typeface="+mn-cs"/>
-              </a:rPr>
-              <a:t> in the CVL unit, there are different values of Ra and </a:t>
-            </a:r>
-            <a:r>
-              <a:rPr lang="en-US" altLang="zh-CN" sz="1600" b="0" i="0" u="none" strike="noStrike" kern="1200" baseline="0" dirty="0" err="1">
-                <a:solidFill>
-                  <a:schemeClr val="tx1"/>
-                </a:solidFill>
-                <a:latin typeface="Arial" charset="0"/>
-                <a:ea typeface="+mn-ea"/>
-                <a:cs typeface="+mn-cs"/>
-              </a:rPr>
-              <a:t>Vdp</a:t>
-            </a:r>
-            <a:r>
-              <a:rPr lang="en-US" altLang="zh-CN" sz="1600" b="0" i="0" u="none" strike="noStrike" kern="1200" baseline="0" dirty="0">
-                <a:solidFill>
-                  <a:schemeClr val="tx1"/>
-                </a:solidFill>
-                <a:latin typeface="Arial" charset="0"/>
-                <a:ea typeface="+mn-ea"/>
-                <a:cs typeface="+mn-cs"/>
-              </a:rPr>
-              <a:t>, resulting in different discrete power consumptions for some fixed data transition in the whole FPL circuit.</a:t>
-            </a:r>
-            <a:endParaRPr lang="en-US" altLang="zh-CN" dirty="0"/>
+              <a:t> to substitute the VDD with a random voltage drop.</a:t>
+            </a:r>
+            <a:endParaRPr lang="zh-CN" altLang="en-US" dirty="0"/>
           </a:p>
         </p:txBody>
       </p:sp>
@@ -1840,7 +1910,7 @@
             <a:fld id="{02322656-8894-1544-92AA-01B3CF5E6182}" type="slidenum">
               <a:rPr lang="en-US" smtClean="0"/>
               <a:pPr/>
-              <a:t>10</a:t>
+              <a:t>9</a:t>
             </a:fld>
             <a:endParaRPr lang="en-US" dirty="0"/>
           </a:p>
@@ -1849,7 +1919,7 @@
     </p:spTree>
     <p:extLst>
       <p:ext uri="{BB962C8B-B14F-4D97-AF65-F5344CB8AC3E}">
-        <p14:creationId xmlns:p14="http://schemas.microsoft.com/office/powerpoint/2010/main" val="1457475388"/>
+        <p14:creationId xmlns:p14="http://schemas.microsoft.com/office/powerpoint/2010/main" val="520256759"/>
       </p:ext>
     </p:extLst>
   </p:cSld>
@@ -1921,81 +1991,68 @@
               <a:defRPr/>
             </a:pPr>
             <a:r>
-              <a:rPr lang="en-US" altLang="zh-CN" sz="1600" b="0" i="0" u="none" strike="noStrike" kern="1200" baseline="0" dirty="0">
-                <a:solidFill>
-                  <a:schemeClr val="tx1"/>
-                </a:solidFill>
-                <a:latin typeface="Arial" charset="0"/>
-                <a:ea typeface="+mn-ea"/>
-                <a:cs typeface="+mn-cs"/>
-              </a:rPr>
-              <a:t>The components in the original circuit C can be split into two parts, </a:t>
-            </a:r>
-            <a:r>
-              <a:rPr lang="en-US" altLang="zh-CN" sz="1600" b="0" i="0" u="none" strike="noStrike" kern="1200" baseline="0" dirty="0" err="1">
-                <a:solidFill>
-                  <a:schemeClr val="tx1"/>
-                </a:solidFill>
-                <a:latin typeface="Arial" charset="0"/>
-                <a:ea typeface="+mn-ea"/>
-                <a:cs typeface="+mn-cs"/>
-              </a:rPr>
-              <a:t>i.e.,those</a:t>
-            </a:r>
-            <a:r>
-              <a:rPr lang="en-US" altLang="zh-CN" sz="1600" b="0" i="0" u="none" strike="noStrike" kern="1200" baseline="0" dirty="0">
-                <a:solidFill>
-                  <a:schemeClr val="tx1"/>
-                </a:solidFill>
-                <a:latin typeface="Arial" charset="0"/>
-                <a:ea typeface="+mn-ea"/>
-                <a:cs typeface="+mn-cs"/>
-              </a:rPr>
-              <a:t> on and off the critical paths denoted as </a:t>
-            </a:r>
-            <a:r>
-              <a:rPr lang="en-US" altLang="zh-CN" sz="1600" b="0" i="0" u="none" strike="noStrike" kern="1200" baseline="0" dirty="0" err="1">
-                <a:solidFill>
-                  <a:schemeClr val="tx1"/>
-                </a:solidFill>
-                <a:latin typeface="Arial" charset="0"/>
-                <a:ea typeface="+mn-ea"/>
-                <a:cs typeface="+mn-cs"/>
-              </a:rPr>
-              <a:t>CPi</a:t>
-            </a:r>
-            <a:r>
-              <a:rPr lang="en-US" altLang="zh-CN" sz="1600" b="0" i="0" u="none" strike="noStrike" kern="1200" baseline="0" dirty="0">
-                <a:solidFill>
-                  <a:schemeClr val="tx1"/>
-                </a:solidFill>
-                <a:latin typeface="Arial" charset="0"/>
-                <a:ea typeface="+mn-ea"/>
-                <a:cs typeface="+mn-cs"/>
-              </a:rPr>
-              <a:t> and </a:t>
-            </a:r>
-            <a:r>
-              <a:rPr lang="en-US" altLang="zh-CN" sz="1600" b="0" i="0" u="none" strike="noStrike" kern="1200" baseline="0" dirty="0" err="1">
-                <a:solidFill>
-                  <a:schemeClr val="tx1"/>
-                </a:solidFill>
-                <a:latin typeface="Arial" charset="0"/>
-                <a:ea typeface="+mn-ea"/>
-                <a:cs typeface="+mn-cs"/>
-              </a:rPr>
-              <a:t>NCPi</a:t>
-            </a:r>
-            <a:r>
-              <a:rPr lang="en-US" altLang="zh-CN" sz="1600" b="0" i="0" u="none" strike="noStrike" kern="1200" baseline="0" dirty="0">
-                <a:solidFill>
-                  <a:schemeClr val="tx1"/>
-                </a:solidFill>
-                <a:latin typeface="Arial" charset="0"/>
-                <a:ea typeface="+mn-ea"/>
-                <a:cs typeface="+mn-cs"/>
-              </a:rPr>
-              <a:t>, respectively.</a:t>
+              <a:rPr lang="en-US" altLang="zh-CN" dirty="0"/>
+              <a:t>Let me use K denotes the total number of </a:t>
+            </a:r>
+            <a:r>
+              <a:rPr lang="en-US" altLang="zh-CN" dirty="0" err="1"/>
+              <a:t>VM</a:t>
+            </a:r>
+            <a:r>
+              <a:rPr lang="en-US" altLang="zh-CN" baseline="-25000" dirty="0" err="1"/>
+              <a:t>i</a:t>
+            </a:r>
+            <a:r>
+              <a:rPr lang="en-US" altLang="zh-CN" baseline="-25000" dirty="0"/>
+              <a:t> </a:t>
+            </a:r>
+            <a:r>
+              <a:rPr lang="en-US" altLang="zh-CN" dirty="0"/>
+              <a:t>whose logic value is “1” and also equal to the output of PRNG</a:t>
+            </a:r>
+          </a:p>
+          <a:p>
+            <a:r>
+              <a:rPr lang="en-US" altLang="zh-CN" dirty="0"/>
+              <a:t>If K equal to 0</a:t>
+            </a:r>
+            <a:r>
+              <a:rPr lang="zh-CN" altLang="en-US" dirty="0"/>
+              <a:t>  </a:t>
+            </a:r>
+            <a:r>
+              <a:rPr lang="en-US" altLang="zh-CN" dirty="0"/>
+              <a:t>all</a:t>
+            </a:r>
+            <a:r>
+              <a:rPr lang="zh-CN" altLang="en-US" dirty="0"/>
+              <a:t> </a:t>
+            </a:r>
+            <a:r>
+              <a:rPr lang="en-US" altLang="zh-CN" dirty="0"/>
+              <a:t>NMOS</a:t>
+            </a:r>
+            <a:r>
+              <a:rPr lang="zh-CN" altLang="en-US" dirty="0"/>
+              <a:t> </a:t>
+            </a:r>
+            <a:r>
+              <a:rPr lang="en-US" altLang="zh-CN" dirty="0"/>
+              <a:t>are shut off, the OR-gate output digital 0 and the output equal to VDD</a:t>
+            </a:r>
+          </a:p>
+          <a:p>
+            <a:r>
+              <a:rPr lang="en-US" altLang="zh-CN" dirty="0"/>
+              <a:t>K equal to 1 only one of </a:t>
+            </a:r>
+            <a:r>
+              <a:rPr lang="en-US" altLang="zh-CN" dirty="0" err="1"/>
+              <a:t>Vmi</a:t>
+            </a:r>
+            <a:r>
+              <a:rPr lang="en-US" altLang="zh-CN" dirty="0"/>
+              <a:t> equal to 1, the voltage drop equal to threshold voltage</a:t>
             </a:r>
           </a:p>
           <a:p>
@@ -2017,6 +2074,20 @@
               <a:defRPr/>
             </a:pPr>
             <a:r>
+              <a:rPr lang="en-US" altLang="zh-CN" dirty="0"/>
+              <a:t>If there are more than one </a:t>
+            </a:r>
+            <a:r>
+              <a:rPr lang="en-US" altLang="zh-CN" dirty="0" err="1"/>
+              <a:t>Vmi</a:t>
+            </a:r>
+            <a:r>
+              <a:rPr lang="en-US" altLang="zh-CN" dirty="0"/>
+              <a:t> equal to 1, the value of drop voltage will be between zero and threshold voltage</a:t>
+            </a:r>
+          </a:p>
+          <a:p>
+            <a:r>
               <a:rPr lang="en-US" altLang="zh-CN" sz="1600" b="0" i="0" u="none" strike="noStrike" kern="1200" baseline="0" dirty="0">
                 <a:solidFill>
                   <a:schemeClr val="tx1"/>
@@ -2025,7 +2096,7 @@
                 <a:ea typeface="+mn-ea"/>
                 <a:cs typeface="+mn-cs"/>
               </a:rPr>
-              <a:t>In order to avoid that the </a:t>
+              <a:t>Depending on the values of </a:t>
             </a:r>
             <a:r>
               <a:rPr lang="en-US" altLang="zh-CN" sz="1600" b="0" i="0" u="none" strike="noStrike" kern="1200" baseline="0" dirty="0" err="1">
@@ -2036,7 +2107,7 @@
                 <a:ea typeface="+mn-ea"/>
                 <a:cs typeface="+mn-cs"/>
               </a:rPr>
-              <a:t>vddm</a:t>
+              <a:t>VMi</a:t>
             </a:r>
             <a:r>
               <a:rPr lang="en-US" altLang="zh-CN" sz="1600" b="0" i="0" u="none" strike="noStrike" kern="1200" baseline="0" dirty="0">
@@ -2047,7 +2118,7 @@
                 <a:ea typeface="+mn-ea"/>
                 <a:cs typeface="+mn-cs"/>
               </a:rPr>
-              <a:t> influence the performance of the circuits, we just connect the </a:t>
+              <a:t> in the CVL unit, there are different values of Ra and </a:t>
             </a:r>
             <a:r>
               <a:rPr lang="en-US" altLang="zh-CN" sz="1600" b="0" i="0" u="none" strike="noStrike" kern="1200" baseline="0" dirty="0" err="1">
@@ -2058,7 +2129,7 @@
                 <a:ea typeface="+mn-ea"/>
                 <a:cs typeface="+mn-cs"/>
               </a:rPr>
-              <a:t>vddm</a:t>
+              <a:t>Vdp</a:t>
             </a:r>
             <a:r>
               <a:rPr lang="en-US" altLang="zh-CN" sz="1600" b="0" i="0" u="none" strike="noStrike" kern="1200" baseline="0" dirty="0">
@@ -2069,53 +2140,9 @@
                 <a:ea typeface="+mn-ea"/>
                 <a:cs typeface="+mn-cs"/>
               </a:rPr>
-              <a:t> to non-critical path of the circuit and </a:t>
-            </a:r>
-            <a:r>
-              <a:rPr lang="en-US" altLang="zh-CN" sz="1600" b="0" i="0" u="none" strike="noStrike" kern="1200" baseline="0" dirty="0" err="1">
-                <a:solidFill>
-                  <a:schemeClr val="tx1"/>
-                </a:solidFill>
-                <a:latin typeface="Arial" charset="0"/>
-                <a:ea typeface="+mn-ea"/>
-                <a:cs typeface="+mn-cs"/>
-              </a:rPr>
-              <a:t>vdd</a:t>
-            </a:r>
-            <a:r>
-              <a:rPr lang="en-US" altLang="zh-CN" sz="1600" b="0" i="0" u="none" strike="noStrike" kern="1200" baseline="0" dirty="0">
-                <a:solidFill>
-                  <a:schemeClr val="tx1"/>
-                </a:solidFill>
-                <a:latin typeface="Arial" charset="0"/>
-                <a:ea typeface="+mn-ea"/>
-                <a:cs typeface="+mn-cs"/>
-              </a:rPr>
-              <a:t> is still connect to the critical paths</a:t>
-            </a:r>
-          </a:p>
-          <a:p>
-            <a:pPr marL="0" marR="0" lvl="0" indent="0" algn="l" defTabSz="1219170" rtl="0" eaLnBrk="1" fontAlgn="auto" latinLnBrk="0" hangingPunct="1">
-              <a:lnSpc>
-                <a:spcPct val="100000"/>
-              </a:lnSpc>
-              <a:spcBef>
-                <a:spcPts val="0"/>
-              </a:spcBef>
-              <a:spcAft>
-                <a:spcPts val="0"/>
-              </a:spcAft>
-              <a:buClrTx/>
-              <a:buSzTx/>
-              <a:buFontTx/>
-              <a:buNone/>
-              <a:tabLst/>
-              <a:defRPr/>
-            </a:pPr>
-            <a:endParaRPr lang="zh-CN" altLang="en-US" dirty="0"/>
-          </a:p>
-          <a:p>
-            <a:endParaRPr lang="zh-CN" altLang="en-US" dirty="0"/>
+              <a:t>, resulting in different discrete power consumptions for some fixed data transition in the whole FPL circuit.</a:t>
+            </a:r>
+            <a:endParaRPr lang="en-US" altLang="zh-CN" dirty="0"/>
           </a:p>
         </p:txBody>
       </p:sp>
@@ -2137,7 +2164,7 @@
             <a:fld id="{02322656-8894-1544-92AA-01B3CF5E6182}" type="slidenum">
               <a:rPr lang="en-US" smtClean="0"/>
               <a:pPr/>
-              <a:t>11</a:t>
+              <a:t>10</a:t>
             </a:fld>
             <a:endParaRPr lang="en-US" dirty="0"/>
           </a:p>
@@ -2146,7 +2173,7 @@
     </p:spTree>
     <p:extLst>
       <p:ext uri="{BB962C8B-B14F-4D97-AF65-F5344CB8AC3E}">
-        <p14:creationId xmlns:p14="http://schemas.microsoft.com/office/powerpoint/2010/main" val="2702013047"/>
+        <p14:creationId xmlns:p14="http://schemas.microsoft.com/office/powerpoint/2010/main" val="1457475388"/>
       </p:ext>
     </p:extLst>
   </p:cSld>
@@ -2200,6 +2227,23 @@
           <a:bodyPr/>
           <a:lstStyle/>
           <a:p>
+            <a:pPr marL="0" marR="0" lvl="0" indent="0" algn="l" defTabSz="1219170" rtl="0" eaLnBrk="1" fontAlgn="auto" latinLnBrk="0" hangingPunct="1">
+              <a:lnSpc>
+                <a:spcPct val="100000"/>
+              </a:lnSpc>
+              <a:spcBef>
+                <a:spcPts val="0"/>
+              </a:spcBef>
+              <a:spcAft>
+                <a:spcPts val="0"/>
+              </a:spcAft>
+              <a:buClrTx/>
+              <a:buSzTx/>
+              <a:buFontTx/>
+              <a:buNone/>
+              <a:tabLst/>
+              <a:defRPr/>
+            </a:pPr>
             <a:r>
               <a:rPr lang="en-US" altLang="zh-CN" sz="1600" b="0" i="0" u="none" strike="noStrike" kern="1200" baseline="0" dirty="0">
                 <a:solidFill>
@@ -2209,7 +2253,7 @@
                 <a:ea typeface="+mn-ea"/>
                 <a:cs typeface="+mn-cs"/>
               </a:rPr>
-              <a:t>the critical paths are marked in brown and those components off the critical paths which are connected with </a:t>
+              <a:t>The components in the original circuit C can be split into two parts, </a:t>
             </a:r>
             <a:r>
               <a:rPr lang="en-US" altLang="zh-CN" sz="1600" b="0" i="0" u="none" strike="noStrike" kern="1200" baseline="0" dirty="0" err="1">
@@ -2220,7 +2264,7 @@
                 <a:ea typeface="+mn-ea"/>
                 <a:cs typeface="+mn-cs"/>
               </a:rPr>
-              <a:t>VDDm</a:t>
+              <a:t>i.e.,those</a:t>
             </a:r>
             <a:r>
               <a:rPr lang="en-US" altLang="zh-CN" sz="1600" b="0" i="0" u="none" strike="noStrike" kern="1200" baseline="0" dirty="0">
@@ -2231,8 +2275,168 @@
                 <a:ea typeface="+mn-ea"/>
                 <a:cs typeface="+mn-cs"/>
               </a:rPr>
-              <a:t> are marked in blue </a:t>
-            </a:r>
+              <a:t> on and off the critical paths denoted as </a:t>
+            </a:r>
+            <a:r>
+              <a:rPr lang="en-US" altLang="zh-CN" sz="1600" b="0" i="0" u="none" strike="noStrike" kern="1200" baseline="0" dirty="0" err="1">
+                <a:solidFill>
+                  <a:schemeClr val="tx1"/>
+                </a:solidFill>
+                <a:latin typeface="Arial" charset="0"/>
+                <a:ea typeface="+mn-ea"/>
+                <a:cs typeface="+mn-cs"/>
+              </a:rPr>
+              <a:t>CPi</a:t>
+            </a:r>
+            <a:r>
+              <a:rPr lang="en-US" altLang="zh-CN" sz="1600" b="0" i="0" u="none" strike="noStrike" kern="1200" baseline="0" dirty="0">
+                <a:solidFill>
+                  <a:schemeClr val="tx1"/>
+                </a:solidFill>
+                <a:latin typeface="Arial" charset="0"/>
+                <a:ea typeface="+mn-ea"/>
+                <a:cs typeface="+mn-cs"/>
+              </a:rPr>
+              <a:t> and </a:t>
+            </a:r>
+            <a:r>
+              <a:rPr lang="en-US" altLang="zh-CN" sz="1600" b="0" i="0" u="none" strike="noStrike" kern="1200" baseline="0" dirty="0" err="1">
+                <a:solidFill>
+                  <a:schemeClr val="tx1"/>
+                </a:solidFill>
+                <a:latin typeface="Arial" charset="0"/>
+                <a:ea typeface="+mn-ea"/>
+                <a:cs typeface="+mn-cs"/>
+              </a:rPr>
+              <a:t>NCPi</a:t>
+            </a:r>
+            <a:r>
+              <a:rPr lang="en-US" altLang="zh-CN" sz="1600" b="0" i="0" u="none" strike="noStrike" kern="1200" baseline="0" dirty="0">
+                <a:solidFill>
+                  <a:schemeClr val="tx1"/>
+                </a:solidFill>
+                <a:latin typeface="Arial" charset="0"/>
+                <a:ea typeface="+mn-ea"/>
+                <a:cs typeface="+mn-cs"/>
+              </a:rPr>
+              <a:t>, respectively.</a:t>
+            </a:r>
+          </a:p>
+          <a:p>
+            <a:pPr marL="0" marR="0" lvl="0" indent="0" algn="l" defTabSz="1219170" rtl="0" eaLnBrk="1" fontAlgn="auto" latinLnBrk="0" hangingPunct="1">
+              <a:lnSpc>
+                <a:spcPct val="100000"/>
+              </a:lnSpc>
+              <a:spcBef>
+                <a:spcPts val="0"/>
+              </a:spcBef>
+              <a:spcAft>
+                <a:spcPts val="0"/>
+              </a:spcAft>
+              <a:buClrTx/>
+              <a:buSzTx/>
+              <a:buFontTx/>
+              <a:buNone/>
+              <a:tabLst/>
+              <a:defRPr/>
+            </a:pPr>
+            <a:r>
+              <a:rPr lang="en-US" altLang="zh-CN" sz="1600" b="0" i="0" u="none" strike="noStrike" kern="1200" baseline="0" dirty="0">
+                <a:solidFill>
+                  <a:schemeClr val="tx1"/>
+                </a:solidFill>
+                <a:latin typeface="Arial" charset="0"/>
+                <a:ea typeface="+mn-ea"/>
+                <a:cs typeface="+mn-cs"/>
+              </a:rPr>
+              <a:t>In order to avoid that the </a:t>
+            </a:r>
+            <a:r>
+              <a:rPr lang="en-US" altLang="zh-CN" sz="1600" b="0" i="0" u="none" strike="noStrike" kern="1200" baseline="0" dirty="0" err="1">
+                <a:solidFill>
+                  <a:schemeClr val="tx1"/>
+                </a:solidFill>
+                <a:latin typeface="Arial" charset="0"/>
+                <a:ea typeface="+mn-ea"/>
+                <a:cs typeface="+mn-cs"/>
+              </a:rPr>
+              <a:t>vddm</a:t>
+            </a:r>
+            <a:r>
+              <a:rPr lang="en-US" altLang="zh-CN" sz="1600" b="0" i="0" u="none" strike="noStrike" kern="1200" baseline="0" dirty="0">
+                <a:solidFill>
+                  <a:schemeClr val="tx1"/>
+                </a:solidFill>
+                <a:latin typeface="Arial" charset="0"/>
+                <a:ea typeface="+mn-ea"/>
+                <a:cs typeface="+mn-cs"/>
+              </a:rPr>
+              <a:t> influence the performance of the circuits, we just connect the </a:t>
+            </a:r>
+            <a:r>
+              <a:rPr lang="en-US" altLang="zh-CN" sz="1600" b="0" i="0" u="none" strike="noStrike" kern="1200" baseline="0" dirty="0" err="1">
+                <a:solidFill>
+                  <a:schemeClr val="tx1"/>
+                </a:solidFill>
+                <a:latin typeface="Arial" charset="0"/>
+                <a:ea typeface="+mn-ea"/>
+                <a:cs typeface="+mn-cs"/>
+              </a:rPr>
+              <a:t>vddm</a:t>
+            </a:r>
+            <a:r>
+              <a:rPr lang="en-US" altLang="zh-CN" sz="1600" b="0" i="0" u="none" strike="noStrike" kern="1200" baseline="0" dirty="0">
+                <a:solidFill>
+                  <a:schemeClr val="tx1"/>
+                </a:solidFill>
+                <a:latin typeface="Arial" charset="0"/>
+                <a:ea typeface="+mn-ea"/>
+                <a:cs typeface="+mn-cs"/>
+              </a:rPr>
+              <a:t> to non-critical path of the circuit and </a:t>
+            </a:r>
+            <a:r>
+              <a:rPr lang="en-US" altLang="zh-CN" sz="1600" b="0" i="0" u="none" strike="noStrike" kern="1200" baseline="0" dirty="0" err="1">
+                <a:solidFill>
+                  <a:schemeClr val="tx1"/>
+                </a:solidFill>
+                <a:latin typeface="Arial" charset="0"/>
+                <a:ea typeface="+mn-ea"/>
+                <a:cs typeface="+mn-cs"/>
+              </a:rPr>
+              <a:t>vdd</a:t>
+            </a:r>
+            <a:r>
+              <a:rPr lang="en-US" altLang="zh-CN" sz="1600" b="0" i="0" u="none" strike="noStrike" kern="1200" baseline="0" dirty="0">
+                <a:solidFill>
+                  <a:schemeClr val="tx1"/>
+                </a:solidFill>
+                <a:latin typeface="Arial" charset="0"/>
+                <a:ea typeface="+mn-ea"/>
+                <a:cs typeface="+mn-cs"/>
+              </a:rPr>
+              <a:t> is still connect to the critical paths</a:t>
+            </a:r>
+          </a:p>
+          <a:p>
+            <a:pPr marL="0" marR="0" lvl="0" indent="0" algn="l" defTabSz="1219170" rtl="0" eaLnBrk="1" fontAlgn="auto" latinLnBrk="0" hangingPunct="1">
+              <a:lnSpc>
+                <a:spcPct val="100000"/>
+              </a:lnSpc>
+              <a:spcBef>
+                <a:spcPts val="0"/>
+              </a:spcBef>
+              <a:spcAft>
+                <a:spcPts val="0"/>
+              </a:spcAft>
+              <a:buClrTx/>
+              <a:buSzTx/>
+              <a:buFontTx/>
+              <a:buNone/>
+              <a:tabLst/>
+              <a:defRPr/>
+            </a:pPr>
+            <a:endParaRPr lang="zh-CN" altLang="en-US" dirty="0"/>
           </a:p>
           <a:p>
             <a:endParaRPr lang="zh-CN" altLang="en-US" dirty="0"/>
@@ -2257,7 +2461,7 @@
             <a:fld id="{02322656-8894-1544-92AA-01B3CF5E6182}" type="slidenum">
               <a:rPr lang="en-US" smtClean="0"/>
               <a:pPr/>
-              <a:t>12</a:t>
+              <a:t>11</a:t>
             </a:fld>
             <a:endParaRPr lang="en-US" dirty="0"/>
           </a:p>
@@ -2266,7 +2470,7 @@
     </p:spTree>
     <p:extLst>
       <p:ext uri="{BB962C8B-B14F-4D97-AF65-F5344CB8AC3E}">
-        <p14:creationId xmlns:p14="http://schemas.microsoft.com/office/powerpoint/2010/main" val="2667024294"/>
+        <p14:creationId xmlns:p14="http://schemas.microsoft.com/office/powerpoint/2010/main" val="2702013047"/>
       </p:ext>
     </p:extLst>
   </p:cSld>
@@ -2329,112 +2533,7 @@
                 <a:ea typeface="+mn-ea"/>
                 <a:cs typeface="+mn-cs"/>
               </a:rPr>
-              <a:t>When the FF makes a 0 to 1 or 1 to 0 transition during the clock pulse window (</a:t>
-            </a:r>
-            <a:r>
-              <a:rPr lang="en-US" altLang="zh-CN" sz="1600" b="0" i="0" u="none" strike="noStrike" kern="1200" baseline="0" dirty="0" err="1">
-                <a:solidFill>
-                  <a:schemeClr val="tx1"/>
-                </a:solidFill>
-                <a:latin typeface="Arial" charset="0"/>
-                <a:ea typeface="+mn-ea"/>
-                <a:cs typeface="+mn-cs"/>
-              </a:rPr>
-              <a:t>tCLKp</a:t>
-            </a:r>
-            <a:r>
-              <a:rPr lang="en-US" altLang="zh-CN" sz="1600" b="0" i="0" u="none" strike="noStrike" kern="1200" baseline="0" dirty="0">
-                <a:solidFill>
-                  <a:schemeClr val="tx1"/>
-                </a:solidFill>
-                <a:latin typeface="Arial" charset="0"/>
-                <a:ea typeface="+mn-ea"/>
-                <a:cs typeface="+mn-cs"/>
-              </a:rPr>
-              <a:t> ), one of the pass-transistor gates controlled by D or DB is switched off while the other one outputs 0. So the short-circuit path is shut down, i.e., the CU is off.</a:t>
-            </a:r>
-          </a:p>
-          <a:p>
-            <a:r>
-              <a:rPr lang="en-US" altLang="zh-CN" sz="1600" b="0" i="0" u="none" strike="noStrike" kern="1200" baseline="0" dirty="0">
-                <a:solidFill>
-                  <a:schemeClr val="tx1"/>
-                </a:solidFill>
-                <a:latin typeface="Arial" charset="0"/>
-                <a:ea typeface="+mn-ea"/>
-                <a:cs typeface="+mn-cs"/>
-              </a:rPr>
-              <a:t>Otherwise, when the inputs of FF keep unchanged, the CU is turned on, which consumes compensatory dynamic power during </a:t>
-            </a:r>
-            <a:r>
-              <a:rPr lang="en-US" altLang="zh-CN" sz="1600" b="0" i="0" u="none" strike="noStrike" kern="1200" baseline="0" dirty="0" err="1">
-                <a:solidFill>
-                  <a:schemeClr val="tx1"/>
-                </a:solidFill>
-                <a:latin typeface="Arial" charset="0"/>
-                <a:ea typeface="+mn-ea"/>
-                <a:cs typeface="+mn-cs"/>
-              </a:rPr>
-              <a:t>CLKp</a:t>
-            </a:r>
-            <a:r>
-              <a:rPr lang="en-US" altLang="zh-CN" sz="1600" b="0" i="0" u="none" strike="noStrike" kern="1200" baseline="0" dirty="0">
-                <a:solidFill>
-                  <a:schemeClr val="tx1"/>
-                </a:solidFill>
-                <a:latin typeface="Arial" charset="0"/>
-                <a:ea typeface="+mn-ea"/>
-                <a:cs typeface="+mn-cs"/>
-              </a:rPr>
-              <a:t>.</a:t>
-            </a:r>
-          </a:p>
-          <a:p>
-            <a:r>
-              <a:rPr lang="en-US" altLang="zh-CN" sz="1600" b="0" i="0" u="none" strike="noStrike" kern="1200" baseline="0" dirty="0">
-                <a:solidFill>
-                  <a:schemeClr val="tx1"/>
-                </a:solidFill>
-                <a:latin typeface="Arial" charset="0"/>
-                <a:ea typeface="+mn-ea"/>
-                <a:cs typeface="+mn-cs"/>
-              </a:rPr>
-              <a:t>As aforementioned, the total power of FPL-FF (</a:t>
-            </a:r>
-            <a:r>
-              <a:rPr lang="en-US" altLang="zh-CN" sz="1600" b="0" i="0" u="none" strike="noStrike" kern="1200" baseline="0" dirty="0" err="1">
-                <a:solidFill>
-                  <a:schemeClr val="tx1"/>
-                </a:solidFill>
-                <a:latin typeface="Arial" charset="0"/>
-                <a:ea typeface="+mn-ea"/>
-                <a:cs typeface="+mn-cs"/>
-              </a:rPr>
-              <a:t>Ptotal</a:t>
-            </a:r>
-            <a:r>
-              <a:rPr lang="en-US" altLang="zh-CN" sz="1600" b="0" i="0" u="none" strike="noStrike" kern="1200" baseline="0" dirty="0">
-                <a:solidFill>
-                  <a:schemeClr val="tx1"/>
-                </a:solidFill>
-                <a:latin typeface="Arial" charset="0"/>
-                <a:ea typeface="+mn-ea"/>
-                <a:cs typeface="+mn-cs"/>
-              </a:rPr>
-              <a:t>) consists of three parts: the power of original FF (PFF ), the power of CVL unit</a:t>
-            </a:r>
-          </a:p>
-          <a:p>
-            <a:r>
-              <a:rPr lang="en-US" altLang="zh-CN" sz="1600" b="0" i="0" u="none" strike="noStrike" kern="1200" baseline="0" dirty="0">
-                <a:solidFill>
-                  <a:schemeClr val="tx1"/>
-                </a:solidFill>
-                <a:latin typeface="Arial" charset="0"/>
-                <a:ea typeface="+mn-ea"/>
-                <a:cs typeface="+mn-cs"/>
-              </a:rPr>
-              <a:t>(PCV L) and the power of CU (PCU). So the randomness of power is derived from the uncertain sum of three parts relying on </a:t>
+              <a:t>the critical paths are marked in brown and those components off the critical paths which are connected with </a:t>
             </a:r>
             <a:r>
               <a:rPr lang="en-US" altLang="zh-CN" sz="1600" b="0" i="0" u="none" strike="noStrike" kern="1200" baseline="0" dirty="0" err="1">
@@ -2456,8 +2555,10 @@
                 <a:ea typeface="+mn-ea"/>
                 <a:cs typeface="+mn-cs"/>
               </a:rPr>
-              <a:t>.</a:t>
-            </a:r>
+              <a:t> are marked in blue </a:t>
+            </a:r>
+          </a:p>
+          <a:p>
             <a:endParaRPr lang="zh-CN" altLang="en-US" dirty="0"/>
           </a:p>
         </p:txBody>
@@ -2480,7 +2581,7 @@
             <a:fld id="{02322656-8894-1544-92AA-01B3CF5E6182}" type="slidenum">
               <a:rPr lang="en-US" smtClean="0"/>
               <a:pPr/>
-              <a:t>13</a:t>
+              <a:t>12</a:t>
             </a:fld>
             <a:endParaRPr lang="en-US" dirty="0"/>
           </a:p>
@@ -2489,7 +2590,7 @@
     </p:spTree>
     <p:extLst>
       <p:ext uri="{BB962C8B-B14F-4D97-AF65-F5344CB8AC3E}">
-        <p14:creationId xmlns:p14="http://schemas.microsoft.com/office/powerpoint/2010/main" val="864290698"/>
+        <p14:creationId xmlns:p14="http://schemas.microsoft.com/office/powerpoint/2010/main" val="2667024294"/>
       </p:ext>
     </p:extLst>
   </p:cSld>

--- a/asianhost pre/FPL.pptx
+++ b/asianhost pre/FPL.pptx
@@ -292,7 +292,7 @@
               <a:rPr lang="en-US" smtClean="0">
                 <a:latin typeface="Arial" charset="0"/>
               </a:rPr>
-              <a:t>12/4/2019</a:t>
+              <a:t>12/5/2019</a:t>
             </a:fld>
             <a:endParaRPr lang="en-US" dirty="0">
               <a:latin typeface="Arial" charset="0"/>
@@ -470,7 +470,7 @@
             <a:fld id="{5B96CA4F-2197-CC40-B4FC-798A937A9DC6}" type="datetimeFigureOut">
               <a:rPr lang="en-US" smtClean="0"/>
               <a:pPr/>
-              <a:t>12/4/2019</a:t>
+              <a:t>12/5/2019</a:t>
             </a:fld>
             <a:endParaRPr lang="en-US" dirty="0"/>
           </a:p>
@@ -932,112 +932,7 @@
                 <a:ea typeface="+mn-ea"/>
                 <a:cs typeface="+mn-cs"/>
               </a:rPr>
-              <a:t>When the FF makes a 0 to 1 or 1 to 0 transition during the clock pulse window (</a:t>
-            </a:r>
-            <a:r>
-              <a:rPr lang="en-US" altLang="zh-CN" sz="1600" b="0" i="0" u="none" strike="noStrike" kern="1200" baseline="0" dirty="0" err="1">
-                <a:solidFill>
-                  <a:schemeClr val="tx1"/>
-                </a:solidFill>
-                <a:latin typeface="Arial" charset="0"/>
-                <a:ea typeface="+mn-ea"/>
-                <a:cs typeface="+mn-cs"/>
-              </a:rPr>
-              <a:t>tCLKp</a:t>
-            </a:r>
-            <a:r>
-              <a:rPr lang="en-US" altLang="zh-CN" sz="1600" b="0" i="0" u="none" strike="noStrike" kern="1200" baseline="0" dirty="0">
-                <a:solidFill>
-                  <a:schemeClr val="tx1"/>
-                </a:solidFill>
-                <a:latin typeface="Arial" charset="0"/>
-                <a:ea typeface="+mn-ea"/>
-                <a:cs typeface="+mn-cs"/>
-              </a:rPr>
-              <a:t> ), one of the pass-transistor gates controlled by D or DB is switched off while the other one outputs 0. So the short-circuit path is shut down, i.e., the CU is off.</a:t>
-            </a:r>
-          </a:p>
-          <a:p>
-            <a:r>
-              <a:rPr lang="en-US" altLang="zh-CN" sz="1600" b="0" i="0" u="none" strike="noStrike" kern="1200" baseline="0" dirty="0">
-                <a:solidFill>
-                  <a:schemeClr val="tx1"/>
-                </a:solidFill>
-                <a:latin typeface="Arial" charset="0"/>
-                <a:ea typeface="+mn-ea"/>
-                <a:cs typeface="+mn-cs"/>
-              </a:rPr>
-              <a:t>Otherwise, when the inputs of FF keep unchanged, the CU is turned on, which consumes compensatory dynamic power during </a:t>
-            </a:r>
-            <a:r>
-              <a:rPr lang="en-US" altLang="zh-CN" sz="1600" b="0" i="0" u="none" strike="noStrike" kern="1200" baseline="0" dirty="0" err="1">
-                <a:solidFill>
-                  <a:schemeClr val="tx1"/>
-                </a:solidFill>
-                <a:latin typeface="Arial" charset="0"/>
-                <a:ea typeface="+mn-ea"/>
-                <a:cs typeface="+mn-cs"/>
-              </a:rPr>
-              <a:t>CLKp</a:t>
-            </a:r>
-            <a:r>
-              <a:rPr lang="en-US" altLang="zh-CN" sz="1600" b="0" i="0" u="none" strike="noStrike" kern="1200" baseline="0" dirty="0">
-                <a:solidFill>
-                  <a:schemeClr val="tx1"/>
-                </a:solidFill>
-                <a:latin typeface="Arial" charset="0"/>
-                <a:ea typeface="+mn-ea"/>
-                <a:cs typeface="+mn-cs"/>
-              </a:rPr>
-              <a:t>.</a:t>
-            </a:r>
-          </a:p>
-          <a:p>
-            <a:r>
-              <a:rPr lang="en-US" altLang="zh-CN" sz="1600" b="0" i="0" u="none" strike="noStrike" kern="1200" baseline="0" dirty="0">
-                <a:solidFill>
-                  <a:schemeClr val="tx1"/>
-                </a:solidFill>
-                <a:latin typeface="Arial" charset="0"/>
-                <a:ea typeface="+mn-ea"/>
-                <a:cs typeface="+mn-cs"/>
-              </a:rPr>
-              <a:t>As aforementioned, the total power of FPL-FF (</a:t>
-            </a:r>
-            <a:r>
-              <a:rPr lang="en-US" altLang="zh-CN" sz="1600" b="0" i="0" u="none" strike="noStrike" kern="1200" baseline="0" dirty="0" err="1">
-                <a:solidFill>
-                  <a:schemeClr val="tx1"/>
-                </a:solidFill>
-                <a:latin typeface="Arial" charset="0"/>
-                <a:ea typeface="+mn-ea"/>
-                <a:cs typeface="+mn-cs"/>
-              </a:rPr>
-              <a:t>Ptotal</a:t>
-            </a:r>
-            <a:r>
-              <a:rPr lang="en-US" altLang="zh-CN" sz="1600" b="0" i="0" u="none" strike="noStrike" kern="1200" baseline="0" dirty="0">
-                <a:solidFill>
-                  <a:schemeClr val="tx1"/>
-                </a:solidFill>
-                <a:latin typeface="Arial" charset="0"/>
-                <a:ea typeface="+mn-ea"/>
-                <a:cs typeface="+mn-cs"/>
-              </a:rPr>
-              <a:t>) consists of three parts: the power of original FF (PFF ), the power of CVL unit</a:t>
-            </a:r>
-          </a:p>
-          <a:p>
-            <a:r>
-              <a:rPr lang="en-US" altLang="zh-CN" sz="1600" b="0" i="0" u="none" strike="noStrike" kern="1200" baseline="0" dirty="0">
-                <a:solidFill>
-                  <a:schemeClr val="tx1"/>
-                </a:solidFill>
-                <a:latin typeface="Arial" charset="0"/>
-                <a:ea typeface="+mn-ea"/>
-                <a:cs typeface="+mn-cs"/>
-              </a:rPr>
-              <a:t>(PCV L) and the power of CU (PCU). So the randomness of power is derived from the uncertain sum of three parts relying on </a:t>
+              <a:t>the critical paths are marked in brown and those components off the critical paths which are connected with </a:t>
             </a:r>
             <a:r>
               <a:rPr lang="en-US" altLang="zh-CN" sz="1600" b="0" i="0" u="none" strike="noStrike" kern="1200" baseline="0" dirty="0" err="1">
@@ -1059,7 +954,11 @@
                 <a:ea typeface="+mn-ea"/>
                 <a:cs typeface="+mn-cs"/>
               </a:rPr>
-              <a:t>.</a:t>
+              <a:t> are marked in blue l</a:t>
+            </a:r>
+            <a:r>
+              <a:rPr lang="en-US" altLang="zh-CN" dirty="0"/>
+              <a:t>ike pull-up unit, feed-back unit and so on</a:t>
             </a:r>
             <a:endParaRPr lang="zh-CN" altLang="en-US" dirty="0"/>
           </a:p>
@@ -1083,7 +982,7 @@
             <a:fld id="{02322656-8894-1544-92AA-01B3CF5E6182}" type="slidenum">
               <a:rPr lang="en-US" smtClean="0"/>
               <a:pPr/>
-              <a:t>13</a:t>
+              <a:t>12</a:t>
             </a:fld>
             <a:endParaRPr lang="en-US" dirty="0"/>
           </a:p>
@@ -1092,7 +991,7 @@
     </p:spTree>
     <p:extLst>
       <p:ext uri="{BB962C8B-B14F-4D97-AF65-F5344CB8AC3E}">
-        <p14:creationId xmlns:p14="http://schemas.microsoft.com/office/powerpoint/2010/main" val="864290698"/>
+        <p14:creationId xmlns:p14="http://schemas.microsoft.com/office/powerpoint/2010/main" val="2667024294"/>
       </p:ext>
     </p:extLst>
   </p:cSld>
@@ -1146,6 +1045,23 @@
           <a:bodyPr/>
           <a:lstStyle/>
           <a:p>
+            <a:pPr marL="0" marR="0" lvl="0" indent="0" algn="l" defTabSz="1219170" rtl="0" eaLnBrk="1" fontAlgn="auto" latinLnBrk="0" hangingPunct="1">
+              <a:lnSpc>
+                <a:spcPct val="100000"/>
+              </a:lnSpc>
+              <a:spcBef>
+                <a:spcPts val="0"/>
+              </a:spcBef>
+              <a:spcAft>
+                <a:spcPts val="0"/>
+              </a:spcAft>
+              <a:buClrTx/>
+              <a:buSzTx/>
+              <a:buFontTx/>
+              <a:buNone/>
+              <a:tabLst/>
+              <a:defRPr/>
+            </a:pPr>
             <a:r>
               <a:rPr lang="en-US" altLang="zh-CN" sz="1600" b="0" i="0" u="none" strike="noStrike" kern="1200" baseline="0" dirty="0">
                 <a:solidFill>
@@ -1155,8 +1071,20 @@
                 <a:ea typeface="+mn-ea"/>
                 <a:cs typeface="+mn-cs"/>
               </a:rPr>
-              <a:t>For the purpose of illustration, only the case of n equal to 4 is applied and verified in the same test bench for both algorithms</a:t>
-            </a:r>
+              <a:t>And we use compensatory unit to enhance the scheme. Because that </a:t>
+            </a:r>
+            <a:r>
+              <a:rPr lang="en-US" altLang="zh-CN" dirty="0"/>
+              <a:t>the power consumption for variant data transitions (0 →1 and 1→0) is larger than that for invariant ones (0→0 and 1→1)</a:t>
+            </a:r>
+            <a:endParaRPr lang="en-US" altLang="zh-CN" sz="1600" b="0" i="0" u="none" strike="noStrike" kern="1200" baseline="0" dirty="0">
+              <a:solidFill>
+                <a:schemeClr val="tx1"/>
+              </a:solidFill>
+              <a:latin typeface="Arial" charset="0"/>
+              <a:ea typeface="+mn-ea"/>
+              <a:cs typeface="+mn-cs"/>
+            </a:endParaRPr>
           </a:p>
           <a:p>
             <a:r>
@@ -1168,12 +1096,10 @@
                 <a:ea typeface="+mn-ea"/>
                 <a:cs typeface="+mn-cs"/>
               </a:rPr>
-              <a:t>compiling and synthesis by Design Compiler (DC)</a:t>
-            </a:r>
-          </a:p>
-          <a:p>
-            <a:r>
-              <a:rPr lang="en-US" altLang="zh-CN" sz="1600" b="0" i="0" u="none" strike="noStrike" kern="1200" baseline="0" dirty="0">
+              <a:t>When the FF makes a 0 to 1 or 1 to 0 transition during the clock pulse window (</a:t>
+            </a:r>
+            <a:r>
+              <a:rPr lang="en-US" altLang="zh-CN" sz="1600" b="0" i="0" u="none" strike="noStrike" kern="1200" baseline="0" dirty="0" err="1">
                 <a:solidFill>
                   <a:schemeClr val="tx1"/>
                 </a:solidFill>
@@ -1181,10 +1107,8 @@
                 <a:ea typeface="+mn-ea"/>
                 <a:cs typeface="+mn-cs"/>
               </a:rPr>
-              <a:t>In this simulation setup, all power traces are acquired from ideal digital circuits by detailed transistor level simulation through HSPICE</a:t>
-            </a:r>
-          </a:p>
-          <a:p>
+              <a:t>tCLKp</a:t>
+            </a:r>
             <a:r>
               <a:rPr lang="en-US" altLang="zh-CN" sz="1600" b="0" i="0" u="none" strike="noStrike" kern="1200" baseline="0" dirty="0">
                 <a:solidFill>
@@ -1194,7 +1118,7 @@
                 <a:ea typeface="+mn-ea"/>
                 <a:cs typeface="+mn-cs"/>
               </a:rPr>
-              <a:t>The applied experiment setup consists of two 4/8-bit input registers(Data, Key), one 4/8-bit output register, one 4/8-bit XOR gate and</a:t>
+              <a:t> ), one of the pass-transistor gates controlled by D or DB is switched off while the other one outputs 0. So the CU is off.</a:t>
             </a:r>
           </a:p>
           <a:p>
@@ -1207,7 +1131,7 @@
                 <a:ea typeface="+mn-ea"/>
                 <a:cs typeface="+mn-cs"/>
               </a:rPr>
-              <a:t>the </a:t>
+              <a:t>Otherwise, when the inputs of FF keep unchanged, the CU is turned on, which consumes compensatory dynamic power during </a:t>
             </a:r>
             <a:r>
               <a:rPr lang="en-US" altLang="zh-CN" sz="1600" b="0" i="0" u="none" strike="noStrike" kern="1200" baseline="0" dirty="0" err="1">
@@ -1218,7 +1142,7 @@
                 <a:ea typeface="+mn-ea"/>
                 <a:cs typeface="+mn-cs"/>
               </a:rPr>
-              <a:t>SBox</a:t>
+              <a:t>CLKp</a:t>
             </a:r>
             <a:r>
               <a:rPr lang="en-US" altLang="zh-CN" sz="1600" b="0" i="0" u="none" strike="noStrike" kern="1200" baseline="0" dirty="0">
@@ -1229,7 +1153,77 @@
                 <a:ea typeface="+mn-ea"/>
                 <a:cs typeface="+mn-cs"/>
               </a:rPr>
-              <a:t> module from the PRESENT/AES algorithms</a:t>
+              <a:t>.</a:t>
+            </a:r>
+          </a:p>
+          <a:p>
+            <a:r>
+              <a:rPr lang="en-US" altLang="zh-CN" sz="1600" b="0" i="0" u="none" strike="noStrike" kern="1200" baseline="0" dirty="0">
+                <a:solidFill>
+                  <a:schemeClr val="tx1"/>
+                </a:solidFill>
+                <a:latin typeface="Arial" charset="0"/>
+                <a:ea typeface="+mn-ea"/>
+                <a:cs typeface="+mn-cs"/>
+              </a:rPr>
+              <a:t>As aforementioned, the total power of FPL-FF (</a:t>
+            </a:r>
+            <a:r>
+              <a:rPr lang="en-US" altLang="zh-CN" sz="1600" b="0" i="0" u="none" strike="noStrike" kern="1200" baseline="0" dirty="0" err="1">
+                <a:solidFill>
+                  <a:schemeClr val="tx1"/>
+                </a:solidFill>
+                <a:latin typeface="Arial" charset="0"/>
+                <a:ea typeface="+mn-ea"/>
+                <a:cs typeface="+mn-cs"/>
+              </a:rPr>
+              <a:t>Ptotal</a:t>
+            </a:r>
+            <a:r>
+              <a:rPr lang="en-US" altLang="zh-CN" sz="1600" b="0" i="0" u="none" strike="noStrike" kern="1200" baseline="0" dirty="0">
+                <a:solidFill>
+                  <a:schemeClr val="tx1"/>
+                </a:solidFill>
+                <a:latin typeface="Arial" charset="0"/>
+                <a:ea typeface="+mn-ea"/>
+                <a:cs typeface="+mn-cs"/>
+              </a:rPr>
+              <a:t>) consists of three parts: the power of original FF (PFF ), the power of CVL unit</a:t>
+            </a:r>
+          </a:p>
+          <a:p>
+            <a:r>
+              <a:rPr lang="en-US" altLang="zh-CN" sz="1600" b="0" i="0" u="none" strike="noStrike" kern="1200" baseline="0" dirty="0">
+                <a:solidFill>
+                  <a:schemeClr val="tx1"/>
+                </a:solidFill>
+                <a:latin typeface="Arial" charset="0"/>
+                <a:ea typeface="+mn-ea"/>
+                <a:cs typeface="+mn-cs"/>
+              </a:rPr>
+              <a:t>(PCV L) and the power of CU (PCU). So the randomness of power is derived from the uncertain sum of three parts relying on </a:t>
+            </a:r>
+            <a:r>
+              <a:rPr lang="en-US" altLang="zh-CN" sz="1600" b="0" i="0" u="none" strike="noStrike" kern="1200" baseline="0" dirty="0" err="1">
+                <a:solidFill>
+                  <a:schemeClr val="tx1"/>
+                </a:solidFill>
+                <a:latin typeface="Arial" charset="0"/>
+                <a:ea typeface="+mn-ea"/>
+                <a:cs typeface="+mn-cs"/>
+              </a:rPr>
+              <a:t>VDDm</a:t>
+            </a:r>
+            <a:r>
+              <a:rPr lang="en-US" altLang="zh-CN" sz="1600" b="0" i="0" u="none" strike="noStrike" kern="1200" baseline="0" dirty="0">
+                <a:solidFill>
+                  <a:schemeClr val="tx1"/>
+                </a:solidFill>
+                <a:latin typeface="Arial" charset="0"/>
+                <a:ea typeface="+mn-ea"/>
+                <a:cs typeface="+mn-cs"/>
+              </a:rPr>
+              <a:t>.</a:t>
             </a:r>
             <a:endParaRPr lang="zh-CN" altLang="en-US" dirty="0"/>
           </a:p>
@@ -1253,7 +1247,7 @@
             <a:fld id="{02322656-8894-1544-92AA-01B3CF5E6182}" type="slidenum">
               <a:rPr lang="en-US" smtClean="0"/>
               <a:pPr/>
-              <a:t>15</a:t>
+              <a:t>13</a:t>
             </a:fld>
             <a:endParaRPr lang="en-US" dirty="0"/>
           </a:p>
@@ -1262,7 +1256,7 @@
     </p:spTree>
     <p:extLst>
       <p:ext uri="{BB962C8B-B14F-4D97-AF65-F5344CB8AC3E}">
-        <p14:creationId xmlns:p14="http://schemas.microsoft.com/office/powerpoint/2010/main" val="2681745086"/>
+        <p14:creationId xmlns:p14="http://schemas.microsoft.com/office/powerpoint/2010/main" val="864290698"/>
       </p:ext>
     </p:extLst>
   </p:cSld>
@@ -1317,6 +1311,95 @@
           <a:lstStyle/>
           <a:p>
             <a:r>
+              <a:rPr lang="en-US" altLang="zh-CN" dirty="0"/>
+              <a:t>The third part, we do some simulation for FPL scheme</a:t>
+            </a:r>
+            <a:endParaRPr lang="zh-CN" altLang="en-US" dirty="0"/>
+          </a:p>
+        </p:txBody>
+      </p:sp>
+      <p:sp>
+        <p:nvSpPr>
+          <p:cNvPr id="4" name="灯片编号占位符 3"/>
+          <p:cNvSpPr>
+            <a:spLocks noGrp="1"/>
+          </p:cNvSpPr>
+          <p:nvPr>
+            <p:ph type="sldNum" sz="quarter" idx="5"/>
+          </p:nvPr>
+        </p:nvSpPr>
+        <p:spPr/>
+        <p:txBody>
+          <a:bodyPr/>
+          <a:lstStyle/>
+          <a:p>
+            <a:fld id="{02322656-8894-1544-92AA-01B3CF5E6182}" type="slidenum">
+              <a:rPr lang="en-US" smtClean="0"/>
+              <a:pPr/>
+              <a:t>14</a:t>
+            </a:fld>
+            <a:endParaRPr lang="en-US" dirty="0"/>
+          </a:p>
+        </p:txBody>
+      </p:sp>
+    </p:spTree>
+    <p:extLst>
+      <p:ext uri="{BB962C8B-B14F-4D97-AF65-F5344CB8AC3E}">
+        <p14:creationId xmlns:p14="http://schemas.microsoft.com/office/powerpoint/2010/main" val="2872454581"/>
+      </p:ext>
+    </p:extLst>
+  </p:cSld>
+  <p:clrMapOvr>
+    <a:masterClrMapping/>
+  </p:clrMapOvr>
+</p:notes>
+</file>
+
+<file path=ppt/notesSlides/notesSlide13.xml><?xml version="1.0" encoding="utf-8"?>
+<p:notes xmlns:a="http://schemas.openxmlformats.org/drawingml/2006/main" xmlns:r="http://schemas.openxmlformats.org/officeDocument/2006/relationships" xmlns:p="http://schemas.openxmlformats.org/presentationml/2006/main">
+  <p:cSld>
+    <p:spTree>
+      <p:nvGrpSpPr>
+        <p:cNvPr id="1" name=""/>
+        <p:cNvGrpSpPr/>
+        <p:nvPr/>
+      </p:nvGrpSpPr>
+      <p:grpSpPr>
+        <a:xfrm>
+          <a:off x="0" y="0"/>
+          <a:ext cx="0" cy="0"/>
+          <a:chOff x="0" y="0"/>
+          <a:chExt cx="0" cy="0"/>
+        </a:xfrm>
+      </p:grpSpPr>
+      <p:sp>
+        <p:nvSpPr>
+          <p:cNvPr id="2" name="幻灯片图像占位符 1"/>
+          <p:cNvSpPr>
+            <a:spLocks noGrp="1" noRot="1" noChangeAspect="1"/>
+          </p:cNvSpPr>
+          <p:nvPr>
+            <p:ph type="sldImg"/>
+          </p:nvPr>
+        </p:nvSpPr>
+        <p:spPr/>
+      </p:sp>
+      <p:sp>
+        <p:nvSpPr>
+          <p:cNvPr id="3" name="备注占位符 2"/>
+          <p:cNvSpPr>
+            <a:spLocks noGrp="1"/>
+          </p:cNvSpPr>
+          <p:nvPr>
+            <p:ph type="body" idx="1"/>
+          </p:nvPr>
+        </p:nvSpPr>
+        <p:spPr/>
+        <p:txBody>
+          <a:bodyPr/>
+          <a:lstStyle/>
+          <a:p>
+            <a:r>
               <a:rPr lang="en-US" altLang="zh-CN" sz="1600" b="0" i="0" u="none" strike="noStrike" kern="1200" baseline="0" dirty="0">
                 <a:solidFill>
                   <a:schemeClr val="tx1"/>
@@ -1325,7 +1408,177 @@
                 <a:ea typeface="+mn-ea"/>
                 <a:cs typeface="+mn-cs"/>
               </a:rPr>
-              <a:t>To be specific, the Gate equivalents (GE) of SC-, FPL- and WDDL-based testbench implementations are summarized in the first row of Table. I.</a:t>
+              <a:t>For the purpose of illustration, only the case of n equal to 4 is applied and verified in the same test bench for both algorithms</a:t>
+            </a:r>
+          </a:p>
+          <a:p>
+            <a:r>
+              <a:rPr lang="en-US" altLang="zh-CN" sz="1600" b="0" i="0" u="none" strike="noStrike" kern="1200" baseline="0" dirty="0">
+                <a:solidFill>
+                  <a:schemeClr val="tx1"/>
+                </a:solidFill>
+                <a:latin typeface="Arial" charset="0"/>
+                <a:ea typeface="+mn-ea"/>
+                <a:cs typeface="+mn-cs"/>
+              </a:rPr>
+              <a:t>compiling and synthesis by Design Compiler (DC)</a:t>
+            </a:r>
+          </a:p>
+          <a:p>
+            <a:r>
+              <a:rPr lang="en-US" altLang="zh-CN" sz="1600" b="0" i="0" u="none" strike="noStrike" kern="1200" baseline="0" dirty="0">
+                <a:solidFill>
+                  <a:schemeClr val="tx1"/>
+                </a:solidFill>
+                <a:latin typeface="Arial" charset="0"/>
+                <a:ea typeface="+mn-ea"/>
+                <a:cs typeface="+mn-cs"/>
+              </a:rPr>
+              <a:t>In this simulation setup, all power traces are acquired from ideal digital circuits by detailed transistor level simulation through HSPICE</a:t>
+            </a:r>
+          </a:p>
+          <a:p>
+            <a:r>
+              <a:rPr lang="en-US" altLang="zh-CN" sz="1600" b="0" i="0" u="none" strike="noStrike" kern="1200" baseline="0" dirty="0">
+                <a:solidFill>
+                  <a:schemeClr val="tx1"/>
+                </a:solidFill>
+                <a:latin typeface="Arial" charset="0"/>
+                <a:ea typeface="+mn-ea"/>
+                <a:cs typeface="+mn-cs"/>
+              </a:rPr>
+              <a:t>The applied experiment setup consists of two 4/8-bit input registers(Data, Key), one 4/8-bit output register, one 4/8-bit XOR gate and</a:t>
+            </a:r>
+          </a:p>
+          <a:p>
+            <a:r>
+              <a:rPr lang="en-US" altLang="zh-CN" sz="1600" b="0" i="0" u="none" strike="noStrike" kern="1200" baseline="0" dirty="0">
+                <a:solidFill>
+                  <a:schemeClr val="tx1"/>
+                </a:solidFill>
+                <a:latin typeface="Arial" charset="0"/>
+                <a:ea typeface="+mn-ea"/>
+                <a:cs typeface="+mn-cs"/>
+              </a:rPr>
+              <a:t>the </a:t>
+            </a:r>
+            <a:r>
+              <a:rPr lang="en-US" altLang="zh-CN" sz="1600" b="0" i="0" u="none" strike="noStrike" kern="1200" baseline="0" dirty="0" err="1">
+                <a:solidFill>
+                  <a:schemeClr val="tx1"/>
+                </a:solidFill>
+                <a:latin typeface="Arial" charset="0"/>
+                <a:ea typeface="+mn-ea"/>
+                <a:cs typeface="+mn-cs"/>
+              </a:rPr>
+              <a:t>SBox</a:t>
+            </a:r>
+            <a:r>
+              <a:rPr lang="en-US" altLang="zh-CN" sz="1600" b="0" i="0" u="none" strike="noStrike" kern="1200" baseline="0" dirty="0">
+                <a:solidFill>
+                  <a:schemeClr val="tx1"/>
+                </a:solidFill>
+                <a:latin typeface="Arial" charset="0"/>
+                <a:ea typeface="+mn-ea"/>
+                <a:cs typeface="+mn-cs"/>
+              </a:rPr>
+              <a:t> module from the PRESENT/AES algorithms</a:t>
+            </a:r>
+            <a:endParaRPr lang="zh-CN" altLang="en-US" dirty="0"/>
+          </a:p>
+        </p:txBody>
+      </p:sp>
+      <p:sp>
+        <p:nvSpPr>
+          <p:cNvPr id="4" name="灯片编号占位符 3"/>
+          <p:cNvSpPr>
+            <a:spLocks noGrp="1"/>
+          </p:cNvSpPr>
+          <p:nvPr>
+            <p:ph type="sldNum" sz="quarter" idx="5"/>
+          </p:nvPr>
+        </p:nvSpPr>
+        <p:spPr/>
+        <p:txBody>
+          <a:bodyPr/>
+          <a:lstStyle/>
+          <a:p>
+            <a:fld id="{02322656-8894-1544-92AA-01B3CF5E6182}" type="slidenum">
+              <a:rPr lang="en-US" smtClean="0"/>
+              <a:pPr/>
+              <a:t>15</a:t>
+            </a:fld>
+            <a:endParaRPr lang="en-US" dirty="0"/>
+          </a:p>
+        </p:txBody>
+      </p:sp>
+    </p:spTree>
+    <p:extLst>
+      <p:ext uri="{BB962C8B-B14F-4D97-AF65-F5344CB8AC3E}">
+        <p14:creationId xmlns:p14="http://schemas.microsoft.com/office/powerpoint/2010/main" val="2681745086"/>
+      </p:ext>
+    </p:extLst>
+  </p:cSld>
+  <p:clrMapOvr>
+    <a:masterClrMapping/>
+  </p:clrMapOvr>
+</p:notes>
+</file>
+
+<file path=ppt/notesSlides/notesSlide14.xml><?xml version="1.0" encoding="utf-8"?>
+<p:notes xmlns:a="http://schemas.openxmlformats.org/drawingml/2006/main" xmlns:r="http://schemas.openxmlformats.org/officeDocument/2006/relationships" xmlns:p="http://schemas.openxmlformats.org/presentationml/2006/main">
+  <p:cSld>
+    <p:spTree>
+      <p:nvGrpSpPr>
+        <p:cNvPr id="1" name=""/>
+        <p:cNvGrpSpPr/>
+        <p:nvPr/>
+      </p:nvGrpSpPr>
+      <p:grpSpPr>
+        <a:xfrm>
+          <a:off x="0" y="0"/>
+          <a:ext cx="0" cy="0"/>
+          <a:chOff x="0" y="0"/>
+          <a:chExt cx="0" cy="0"/>
+        </a:xfrm>
+      </p:grpSpPr>
+      <p:sp>
+        <p:nvSpPr>
+          <p:cNvPr id="2" name="幻灯片图像占位符 1"/>
+          <p:cNvSpPr>
+            <a:spLocks noGrp="1" noRot="1" noChangeAspect="1"/>
+          </p:cNvSpPr>
+          <p:nvPr>
+            <p:ph type="sldImg"/>
+          </p:nvPr>
+        </p:nvSpPr>
+        <p:spPr/>
+      </p:sp>
+      <p:sp>
+        <p:nvSpPr>
+          <p:cNvPr id="3" name="备注占位符 2"/>
+          <p:cNvSpPr>
+            <a:spLocks noGrp="1"/>
+          </p:cNvSpPr>
+          <p:nvPr>
+            <p:ph type="body" idx="1"/>
+          </p:nvPr>
+        </p:nvSpPr>
+        <p:spPr/>
+        <p:txBody>
+          <a:bodyPr/>
+          <a:lstStyle/>
+          <a:p>
+            <a:r>
+              <a:rPr lang="en-US" altLang="zh-CN" sz="1600" b="0" i="0" u="none" strike="noStrike" kern="1200" baseline="0" dirty="0">
+                <a:solidFill>
+                  <a:schemeClr val="tx1"/>
+                </a:solidFill>
+                <a:latin typeface="Arial" charset="0"/>
+                <a:ea typeface="+mn-ea"/>
+                <a:cs typeface="+mn-cs"/>
+              </a:rPr>
+              <a:t>To be specific, the Gate equivalents (GE) of SC-, FPL- and WDDL-based testbench implementations are summarized in the first row of Table. </a:t>
             </a:r>
           </a:p>
           <a:p>
@@ -1341,7 +1594,7 @@
               <a:t>Pavg</a:t>
             </a:r>
             <a:r>
-              <a:rPr lang="en-US" altLang="zh-CN" sz="1600" b="0" i="0" u="none" strike="noStrike" kern="1200" baseline="0">
+              <a:rPr lang="en-US" altLang="zh-CN" sz="1600" b="0" i="0" u="none" strike="noStrike" kern="1200" baseline="0" dirty="0">
                 <a:solidFill>
                   <a:schemeClr val="tx1"/>
                 </a:solidFill>
@@ -1350,6 +1603,19 @@
                 <a:cs typeface="+mn-cs"/>
               </a:rPr>
               <a:t> and P are the mean and standard deviation</a:t>
+            </a:r>
+          </a:p>
+          <a:p>
+            <a:r>
+              <a:rPr lang="en-US" altLang="zh-CN" sz="1600" b="0" i="0" u="none" strike="noStrike" kern="1200" baseline="0" dirty="0">
+                <a:solidFill>
+                  <a:schemeClr val="tx1"/>
+                </a:solidFill>
+                <a:latin typeface="Arial" charset="0"/>
+                <a:ea typeface="+mn-ea"/>
+                <a:cs typeface="+mn-cs"/>
+              </a:rPr>
+              <a:t>We can see that, although FPL-based FF use more gates and power, but it performance is better than WDDL-based schemes.</a:t>
             </a:r>
             <a:endParaRPr lang="zh-CN" altLang="en-US" dirty="0"/>
           </a:p>
@@ -1383,6 +1649,226 @@
     <p:extLst>
       <p:ext uri="{BB962C8B-B14F-4D97-AF65-F5344CB8AC3E}">
         <p14:creationId xmlns:p14="http://schemas.microsoft.com/office/powerpoint/2010/main" val="1518347687"/>
+      </p:ext>
+    </p:extLst>
+  </p:cSld>
+  <p:clrMapOvr>
+    <a:masterClrMapping/>
+  </p:clrMapOvr>
+</p:notes>
+</file>
+
+<file path=ppt/notesSlides/notesSlide15.xml><?xml version="1.0" encoding="utf-8"?>
+<p:notes xmlns:a="http://schemas.openxmlformats.org/drawingml/2006/main" xmlns:r="http://schemas.openxmlformats.org/officeDocument/2006/relationships" xmlns:p="http://schemas.openxmlformats.org/presentationml/2006/main">
+  <p:cSld>
+    <p:spTree>
+      <p:nvGrpSpPr>
+        <p:cNvPr id="1" name=""/>
+        <p:cNvGrpSpPr/>
+        <p:nvPr/>
+      </p:nvGrpSpPr>
+      <p:grpSpPr>
+        <a:xfrm>
+          <a:off x="0" y="0"/>
+          <a:ext cx="0" cy="0"/>
+          <a:chOff x="0" y="0"/>
+          <a:chExt cx="0" cy="0"/>
+        </a:xfrm>
+      </p:grpSpPr>
+      <p:sp>
+        <p:nvSpPr>
+          <p:cNvPr id="2" name="幻灯片图像占位符 1"/>
+          <p:cNvSpPr>
+            <a:spLocks noGrp="1" noRot="1" noChangeAspect="1"/>
+          </p:cNvSpPr>
+          <p:nvPr>
+            <p:ph type="sldImg"/>
+          </p:nvPr>
+        </p:nvSpPr>
+        <p:spPr/>
+      </p:sp>
+      <p:sp>
+        <p:nvSpPr>
+          <p:cNvPr id="3" name="备注占位符 2"/>
+          <p:cNvSpPr>
+            <a:spLocks noGrp="1"/>
+          </p:cNvSpPr>
+          <p:nvPr>
+            <p:ph type="body" idx="1"/>
+          </p:nvPr>
+        </p:nvSpPr>
+        <p:spPr/>
+        <p:txBody>
+          <a:bodyPr/>
+          <a:lstStyle/>
+          <a:p>
+            <a:r>
+              <a:rPr lang="en-US" altLang="zh-CN" dirty="0"/>
+              <a:t>The</a:t>
+            </a:r>
+            <a:r>
+              <a:rPr lang="zh-CN" altLang="en-US" dirty="0"/>
+              <a:t> </a:t>
+            </a:r>
+            <a:r>
+              <a:rPr lang="en-US" altLang="zh-CN" dirty="0"/>
+              <a:t>simulation</a:t>
+            </a:r>
+            <a:r>
+              <a:rPr lang="zh-CN" altLang="en-US" dirty="0"/>
+              <a:t> </a:t>
+            </a:r>
+            <a:r>
+              <a:rPr lang="en-US" altLang="zh-CN" dirty="0"/>
+              <a:t>results are plotted here.</a:t>
+            </a:r>
+          </a:p>
+          <a:p>
+            <a:r>
+              <a:rPr lang="en-US" altLang="zh-CN" dirty="0"/>
+              <a:t>We compare standard AES implementation and FPL based AES implementation and these are correlation to number of traces</a:t>
+            </a:r>
+          </a:p>
+          <a:p>
+            <a:r>
+              <a:rPr lang="en-US" altLang="zh-CN" dirty="0"/>
+              <a:t>As you can see, in standard implementation, the correlation of the right key guess will appear using thirty traces</a:t>
+            </a:r>
+          </a:p>
+          <a:p>
+            <a:r>
+              <a:rPr lang="en-US" altLang="zh-CN" dirty="0"/>
+              <a:t>But in FPL implementation, it need at least two hundred traces.</a:t>
+            </a:r>
+            <a:endParaRPr lang="zh-CN" altLang="en-US" dirty="0"/>
+          </a:p>
+        </p:txBody>
+      </p:sp>
+      <p:sp>
+        <p:nvSpPr>
+          <p:cNvPr id="4" name="灯片编号占位符 3"/>
+          <p:cNvSpPr>
+            <a:spLocks noGrp="1"/>
+          </p:cNvSpPr>
+          <p:nvPr>
+            <p:ph type="sldNum" sz="quarter" idx="5"/>
+          </p:nvPr>
+        </p:nvSpPr>
+        <p:spPr/>
+        <p:txBody>
+          <a:bodyPr/>
+          <a:lstStyle/>
+          <a:p>
+            <a:fld id="{02322656-8894-1544-92AA-01B3CF5E6182}" type="slidenum">
+              <a:rPr lang="en-US" smtClean="0"/>
+              <a:pPr/>
+              <a:t>17</a:t>
+            </a:fld>
+            <a:endParaRPr lang="en-US" dirty="0"/>
+          </a:p>
+        </p:txBody>
+      </p:sp>
+    </p:spTree>
+    <p:extLst>
+      <p:ext uri="{BB962C8B-B14F-4D97-AF65-F5344CB8AC3E}">
+        <p14:creationId xmlns:p14="http://schemas.microsoft.com/office/powerpoint/2010/main" val="2572655887"/>
+      </p:ext>
+    </p:extLst>
+  </p:cSld>
+  <p:clrMapOvr>
+    <a:masterClrMapping/>
+  </p:clrMapOvr>
+</p:notes>
+</file>
+
+<file path=ppt/notesSlides/notesSlide16.xml><?xml version="1.0" encoding="utf-8"?>
+<p:notes xmlns:a="http://schemas.openxmlformats.org/drawingml/2006/main" xmlns:r="http://schemas.openxmlformats.org/officeDocument/2006/relationships" xmlns:p="http://schemas.openxmlformats.org/presentationml/2006/main">
+  <p:cSld>
+    <p:spTree>
+      <p:nvGrpSpPr>
+        <p:cNvPr id="1" name=""/>
+        <p:cNvGrpSpPr/>
+        <p:nvPr/>
+      </p:nvGrpSpPr>
+      <p:grpSpPr>
+        <a:xfrm>
+          <a:off x="0" y="0"/>
+          <a:ext cx="0" cy="0"/>
+          <a:chOff x="0" y="0"/>
+          <a:chExt cx="0" cy="0"/>
+        </a:xfrm>
+      </p:grpSpPr>
+      <p:sp>
+        <p:nvSpPr>
+          <p:cNvPr id="2" name="幻灯片图像占位符 1"/>
+          <p:cNvSpPr>
+            <a:spLocks noGrp="1" noRot="1" noChangeAspect="1"/>
+          </p:cNvSpPr>
+          <p:nvPr>
+            <p:ph type="sldImg"/>
+          </p:nvPr>
+        </p:nvSpPr>
+        <p:spPr/>
+      </p:sp>
+      <p:sp>
+        <p:nvSpPr>
+          <p:cNvPr id="3" name="备注占位符 2"/>
+          <p:cNvSpPr>
+            <a:spLocks noGrp="1"/>
+          </p:cNvSpPr>
+          <p:nvPr>
+            <p:ph type="body" idx="1"/>
+          </p:nvPr>
+        </p:nvSpPr>
+        <p:spPr/>
+        <p:txBody>
+          <a:bodyPr/>
+          <a:lstStyle/>
+          <a:p>
+            <a:r>
+              <a:rPr lang="en-US" altLang="zh-CN" dirty="0"/>
+              <a:t>these are correlation to number of a trace</a:t>
+            </a:r>
+          </a:p>
+          <a:p>
+            <a:r>
+              <a:rPr lang="en-US" altLang="zh-CN" dirty="0"/>
+              <a:t>We can see there is a obvious peak of correlation in standard implementation</a:t>
+            </a:r>
+          </a:p>
+          <a:p>
+            <a:endParaRPr lang="zh-CN" altLang="en-US" dirty="0"/>
+          </a:p>
+        </p:txBody>
+      </p:sp>
+      <p:sp>
+        <p:nvSpPr>
+          <p:cNvPr id="4" name="灯片编号占位符 3"/>
+          <p:cNvSpPr>
+            <a:spLocks noGrp="1"/>
+          </p:cNvSpPr>
+          <p:nvPr>
+            <p:ph type="sldNum" sz="quarter" idx="5"/>
+          </p:nvPr>
+        </p:nvSpPr>
+        <p:spPr/>
+        <p:txBody>
+          <a:bodyPr/>
+          <a:lstStyle/>
+          <a:p>
+            <a:fld id="{02322656-8894-1544-92AA-01B3CF5E6182}" type="slidenum">
+              <a:rPr lang="en-US" smtClean="0"/>
+              <a:pPr/>
+              <a:t>18</a:t>
+            </a:fld>
+            <a:endParaRPr lang="en-US" dirty="0"/>
+          </a:p>
+        </p:txBody>
+      </p:sp>
+    </p:spTree>
+    <p:extLst>
+      <p:ext uri="{BB962C8B-B14F-4D97-AF65-F5344CB8AC3E}">
+        <p14:creationId xmlns:p14="http://schemas.microsoft.com/office/powerpoint/2010/main" val="2226964129"/>
       </p:ext>
     </p:extLst>
   </p:cSld>
@@ -1771,7 +2257,15 @@
           <a:p>
             <a:r>
               <a:rPr lang="en-US" altLang="zh-CN" dirty="0"/>
-              <a:t>The masking and hiding care more about the power model.</a:t>
+              <a:t>The</a:t>
+            </a:r>
+            <a:r>
+              <a:rPr lang="zh-CN" altLang="en-US" dirty="0"/>
+              <a:t> </a:t>
+            </a:r>
+            <a:r>
+              <a:rPr lang="en-US" altLang="zh-CN" dirty="0"/>
+              <a:t>correlation of the three part is shown in the picture. The masking and hiding care more about the power model.</a:t>
             </a:r>
           </a:p>
           <a:p>
@@ -1866,28 +2360,74 @@
           <a:p>
             <a:r>
               <a:rPr lang="en-US" altLang="zh-CN" dirty="0"/>
-              <a:t>the CVL unit is connected to VDD and a PRNG pseudo random number generator. consists of n NMOS and n diodes</a:t>
-            </a:r>
-          </a:p>
-          <a:p>
+              <a:t>The</a:t>
+            </a:r>
+            <a:r>
+              <a:rPr lang="zh-CN" altLang="en-US" dirty="0"/>
+              <a:t> </a:t>
+            </a:r>
             <a:r>
               <a:rPr lang="en-US" altLang="zh-CN" dirty="0"/>
-              <a:t>Then it has one PMOS and one n-input OR-gate. The input of the OR-gate is controlled by PRNG</a:t>
-            </a:r>
-          </a:p>
-          <a:p>
+              <a:t>second</a:t>
+            </a:r>
+            <a:r>
+              <a:rPr lang="zh-CN" altLang="en-US" dirty="0"/>
+              <a:t> </a:t>
+            </a:r>
             <a:r>
               <a:rPr lang="en-US" altLang="zh-CN" dirty="0"/>
-              <a:t>And the CVL unit will produce a OUTPUT named </a:t>
-            </a:r>
-            <a:r>
-              <a:rPr lang="en-US" altLang="zh-CN" dirty="0" err="1"/>
-              <a:t>vddm</a:t>
+              <a:t>part</a:t>
+            </a:r>
+            <a:r>
+              <a:rPr lang="zh-CN" altLang="en-US" dirty="0"/>
+              <a:t> </a:t>
             </a:r>
             <a:r>
               <a:rPr lang="en-US" altLang="zh-CN" dirty="0"/>
-              <a:t> to substitute the VDD with a random voltage drop.</a:t>
-            </a:r>
+              <a:t>let</a:t>
+            </a:r>
+            <a:r>
+              <a:rPr lang="zh-CN" altLang="en-US" dirty="0"/>
+              <a:t> </a:t>
+            </a:r>
+            <a:r>
+              <a:rPr lang="en-US" altLang="zh-CN" dirty="0"/>
+              <a:t>me</a:t>
+            </a:r>
+            <a:r>
+              <a:rPr lang="zh-CN" altLang="en-US" dirty="0"/>
+              <a:t> </a:t>
+            </a:r>
+            <a:r>
+              <a:rPr lang="en-US" altLang="zh-CN" dirty="0"/>
+              <a:t>introduce</a:t>
+            </a:r>
+            <a:r>
+              <a:rPr lang="zh-CN" altLang="en-US" dirty="0"/>
+              <a:t> </a:t>
+            </a:r>
+            <a:r>
+              <a:rPr lang="en-US" altLang="zh-CN" dirty="0"/>
+              <a:t>the</a:t>
+            </a:r>
+            <a:r>
+              <a:rPr lang="zh-CN" altLang="en-US" dirty="0"/>
+              <a:t> </a:t>
+            </a:r>
+            <a:r>
+              <a:rPr lang="en-US" altLang="zh-CN" dirty="0"/>
+              <a:t>FPL</a:t>
+            </a:r>
+            <a:r>
+              <a:rPr lang="zh-CN" altLang="en-US" dirty="0"/>
+              <a:t> </a:t>
+            </a:r>
+            <a:r>
+              <a:rPr lang="en-US" altLang="zh-CN" dirty="0"/>
+              <a:t>scheme</a:t>
+            </a:r>
+          </a:p>
+          <a:p>
             <a:endParaRPr lang="zh-CN" altLang="en-US" dirty="0"/>
           </a:p>
         </p:txBody>
@@ -1910,7 +2450,7 @@
             <a:fld id="{02322656-8894-1544-92AA-01B3CF5E6182}" type="slidenum">
               <a:rPr lang="en-US" smtClean="0"/>
               <a:pPr/>
-              <a:t>9</a:t>
+              <a:t>7</a:t>
             </a:fld>
             <a:endParaRPr lang="en-US" dirty="0"/>
           </a:p>
@@ -1919,7 +2459,7 @@
     </p:spTree>
     <p:extLst>
       <p:ext uri="{BB962C8B-B14F-4D97-AF65-F5344CB8AC3E}">
-        <p14:creationId xmlns:p14="http://schemas.microsoft.com/office/powerpoint/2010/main" val="520256759"/>
+        <p14:creationId xmlns:p14="http://schemas.microsoft.com/office/powerpoint/2010/main" val="703921004"/>
       </p:ext>
     </p:extLst>
   </p:cSld>
@@ -1973,176 +2513,31 @@
           <a:bodyPr/>
           <a:lstStyle/>
           <a:p>
-            <a:pPr marL="0" marR="0" lvl="0" indent="0" algn="l" defTabSz="1219170" rtl="0" eaLnBrk="1" fontAlgn="auto" latinLnBrk="0" hangingPunct="1">
-              <a:lnSpc>
-                <a:spcPct val="100000"/>
-              </a:lnSpc>
-              <a:spcBef>
-                <a:spcPts val="0"/>
-              </a:spcBef>
-              <a:spcAft>
-                <a:spcPts val="0"/>
-              </a:spcAft>
-              <a:buClrTx/>
-              <a:buSzTx/>
-              <a:buFontTx/>
-              <a:buNone/>
-              <a:tabLst/>
-              <a:defRPr/>
-            </a:pPr>
             <a:r>
               <a:rPr lang="en-US" altLang="zh-CN" dirty="0"/>
-              <a:t>Let me use K denotes the total number of </a:t>
+              <a:t>the CVL unit is connected to VDD and a PRNG pseudo random number generator. consists of n NMOS and n diodes</a:t>
+            </a:r>
+          </a:p>
+          <a:p>
+            <a:r>
+              <a:rPr lang="en-US" altLang="zh-CN" dirty="0"/>
+              <a:t>Then it has one PMOS and one n-input OR-gate. The input of the OR-gate is controlled by PRNG</a:t>
+            </a:r>
+          </a:p>
+          <a:p>
+            <a:r>
+              <a:rPr lang="en-US" altLang="zh-CN" dirty="0"/>
+              <a:t>And the CVL unit will produce a OUTPUT named </a:t>
             </a:r>
             <a:r>
               <a:rPr lang="en-US" altLang="zh-CN" dirty="0" err="1"/>
-              <a:t>VM</a:t>
-            </a:r>
-            <a:r>
-              <a:rPr lang="en-US" altLang="zh-CN" baseline="-25000" dirty="0" err="1"/>
-              <a:t>i</a:t>
-            </a:r>
-            <a:r>
-              <a:rPr lang="en-US" altLang="zh-CN" baseline="-25000" dirty="0"/>
-              <a:t> </a:t>
+              <a:t>vddm</a:t>
             </a:r>
             <a:r>
               <a:rPr lang="en-US" altLang="zh-CN" dirty="0"/>
-              <a:t>whose logic value is “1” and also equal to the output of PRNG</a:t>
-            </a:r>
-          </a:p>
-          <a:p>
-            <a:r>
-              <a:rPr lang="en-US" altLang="zh-CN" dirty="0"/>
-              <a:t>If K equal to 0</a:t>
-            </a:r>
-            <a:r>
-              <a:rPr lang="zh-CN" altLang="en-US" dirty="0"/>
-              <a:t>  </a:t>
-            </a:r>
-            <a:r>
-              <a:rPr lang="en-US" altLang="zh-CN" dirty="0"/>
-              <a:t>all</a:t>
-            </a:r>
-            <a:r>
-              <a:rPr lang="zh-CN" altLang="en-US" dirty="0"/>
-              <a:t> </a:t>
-            </a:r>
-            <a:r>
-              <a:rPr lang="en-US" altLang="zh-CN" dirty="0"/>
-              <a:t>NMOS</a:t>
-            </a:r>
-            <a:r>
-              <a:rPr lang="zh-CN" altLang="en-US" dirty="0"/>
-              <a:t> </a:t>
-            </a:r>
-            <a:r>
-              <a:rPr lang="en-US" altLang="zh-CN" dirty="0"/>
-              <a:t>are shut off, the OR-gate output digital 0 and the output equal to VDD</a:t>
-            </a:r>
-          </a:p>
-          <a:p>
-            <a:r>
-              <a:rPr lang="en-US" altLang="zh-CN" dirty="0"/>
-              <a:t>K equal to 1 only one of </a:t>
-            </a:r>
-            <a:r>
-              <a:rPr lang="en-US" altLang="zh-CN" dirty="0" err="1"/>
-              <a:t>Vmi</a:t>
-            </a:r>
-            <a:r>
-              <a:rPr lang="en-US" altLang="zh-CN" dirty="0"/>
-              <a:t> equal to 1, the voltage drop equal to threshold voltage</a:t>
-            </a:r>
-          </a:p>
-          <a:p>
-            <a:pPr marL="0" marR="0" lvl="0" indent="0" algn="l" defTabSz="1219170" rtl="0" eaLnBrk="1" fontAlgn="auto" latinLnBrk="0" hangingPunct="1">
-              <a:lnSpc>
-                <a:spcPct val="100000"/>
-              </a:lnSpc>
-              <a:spcBef>
-                <a:spcPts val="0"/>
-              </a:spcBef>
-              <a:spcAft>
-                <a:spcPts val="0"/>
-              </a:spcAft>
-              <a:buClrTx/>
-              <a:buSzTx/>
-              <a:buFontTx/>
-              <a:buNone/>
-              <a:tabLst/>
-              <a:defRPr/>
-            </a:pPr>
-            <a:r>
-              <a:rPr lang="en-US" altLang="zh-CN" dirty="0"/>
-              <a:t>If there are more than one </a:t>
-            </a:r>
-            <a:r>
-              <a:rPr lang="en-US" altLang="zh-CN" dirty="0" err="1"/>
-              <a:t>Vmi</a:t>
-            </a:r>
-            <a:r>
-              <a:rPr lang="en-US" altLang="zh-CN" dirty="0"/>
-              <a:t> equal to 1, the value of drop voltage will be between zero and threshold voltage</a:t>
-            </a:r>
-          </a:p>
-          <a:p>
-            <a:r>
-              <a:rPr lang="en-US" altLang="zh-CN" sz="1600" b="0" i="0" u="none" strike="noStrike" kern="1200" baseline="0" dirty="0">
-                <a:solidFill>
-                  <a:schemeClr val="tx1"/>
-                </a:solidFill>
-                <a:latin typeface="Arial" charset="0"/>
-                <a:ea typeface="+mn-ea"/>
-                <a:cs typeface="+mn-cs"/>
-              </a:rPr>
-              <a:t>Depending on the values of </a:t>
-            </a:r>
-            <a:r>
-              <a:rPr lang="en-US" altLang="zh-CN" sz="1600" b="0" i="0" u="none" strike="noStrike" kern="1200" baseline="0" dirty="0" err="1">
-                <a:solidFill>
-                  <a:schemeClr val="tx1"/>
-                </a:solidFill>
-                <a:latin typeface="Arial" charset="0"/>
-                <a:ea typeface="+mn-ea"/>
-                <a:cs typeface="+mn-cs"/>
-              </a:rPr>
-              <a:t>VMi</a:t>
-            </a:r>
-            <a:r>
-              <a:rPr lang="en-US" altLang="zh-CN" sz="1600" b="0" i="0" u="none" strike="noStrike" kern="1200" baseline="0" dirty="0">
-                <a:solidFill>
-                  <a:schemeClr val="tx1"/>
-                </a:solidFill>
-                <a:latin typeface="Arial" charset="0"/>
-                <a:ea typeface="+mn-ea"/>
-                <a:cs typeface="+mn-cs"/>
-              </a:rPr>
-              <a:t> in the CVL unit, there are different values of Ra and </a:t>
-            </a:r>
-            <a:r>
-              <a:rPr lang="en-US" altLang="zh-CN" sz="1600" b="0" i="0" u="none" strike="noStrike" kern="1200" baseline="0" dirty="0" err="1">
-                <a:solidFill>
-                  <a:schemeClr val="tx1"/>
-                </a:solidFill>
-                <a:latin typeface="Arial" charset="0"/>
-                <a:ea typeface="+mn-ea"/>
-                <a:cs typeface="+mn-cs"/>
-              </a:rPr>
-              <a:t>Vdp</a:t>
-            </a:r>
-            <a:r>
-              <a:rPr lang="en-US" altLang="zh-CN" sz="1600" b="0" i="0" u="none" strike="noStrike" kern="1200" baseline="0" dirty="0">
-                <a:solidFill>
-                  <a:schemeClr val="tx1"/>
-                </a:solidFill>
-                <a:latin typeface="Arial" charset="0"/>
-                <a:ea typeface="+mn-ea"/>
-                <a:cs typeface="+mn-cs"/>
-              </a:rPr>
-              <a:t>, resulting in different discrete power consumptions for some fixed data transition in the whole FPL circuit.</a:t>
-            </a:r>
-            <a:endParaRPr lang="en-US" altLang="zh-CN" dirty="0"/>
+              <a:t> to substitute the VDD with a random voltage drop.</a:t>
+            </a:r>
+            <a:endParaRPr lang="zh-CN" altLang="en-US" dirty="0"/>
           </a:p>
         </p:txBody>
       </p:sp>
@@ -2164,7 +2559,7 @@
             <a:fld id="{02322656-8894-1544-92AA-01B3CF5E6182}" type="slidenum">
               <a:rPr lang="en-US" smtClean="0"/>
               <a:pPr/>
-              <a:t>10</a:t>
+              <a:t>9</a:t>
             </a:fld>
             <a:endParaRPr lang="en-US" dirty="0"/>
           </a:p>
@@ -2173,7 +2568,7 @@
     </p:spTree>
     <p:extLst>
       <p:ext uri="{BB962C8B-B14F-4D97-AF65-F5344CB8AC3E}">
-        <p14:creationId xmlns:p14="http://schemas.microsoft.com/office/powerpoint/2010/main" val="1457475388"/>
+        <p14:creationId xmlns:p14="http://schemas.microsoft.com/office/powerpoint/2010/main" val="520256759"/>
       </p:ext>
     </p:extLst>
   </p:cSld>
@@ -2245,81 +2640,68 @@
               <a:defRPr/>
             </a:pPr>
             <a:r>
-              <a:rPr lang="en-US" altLang="zh-CN" sz="1600" b="0" i="0" u="none" strike="noStrike" kern="1200" baseline="0" dirty="0">
-                <a:solidFill>
-                  <a:schemeClr val="tx1"/>
-                </a:solidFill>
-                <a:latin typeface="Arial" charset="0"/>
-                <a:ea typeface="+mn-ea"/>
-                <a:cs typeface="+mn-cs"/>
-              </a:rPr>
-              <a:t>The components in the original circuit C can be split into two parts, </a:t>
-            </a:r>
-            <a:r>
-              <a:rPr lang="en-US" altLang="zh-CN" sz="1600" b="0" i="0" u="none" strike="noStrike" kern="1200" baseline="0" dirty="0" err="1">
-                <a:solidFill>
-                  <a:schemeClr val="tx1"/>
-                </a:solidFill>
-                <a:latin typeface="Arial" charset="0"/>
-                <a:ea typeface="+mn-ea"/>
-                <a:cs typeface="+mn-cs"/>
-              </a:rPr>
-              <a:t>i.e.,those</a:t>
-            </a:r>
-            <a:r>
-              <a:rPr lang="en-US" altLang="zh-CN" sz="1600" b="0" i="0" u="none" strike="noStrike" kern="1200" baseline="0" dirty="0">
-                <a:solidFill>
-                  <a:schemeClr val="tx1"/>
-                </a:solidFill>
-                <a:latin typeface="Arial" charset="0"/>
-                <a:ea typeface="+mn-ea"/>
-                <a:cs typeface="+mn-cs"/>
-              </a:rPr>
-              <a:t> on and off the critical paths denoted as </a:t>
-            </a:r>
-            <a:r>
-              <a:rPr lang="en-US" altLang="zh-CN" sz="1600" b="0" i="0" u="none" strike="noStrike" kern="1200" baseline="0" dirty="0" err="1">
-                <a:solidFill>
-                  <a:schemeClr val="tx1"/>
-                </a:solidFill>
-                <a:latin typeface="Arial" charset="0"/>
-                <a:ea typeface="+mn-ea"/>
-                <a:cs typeface="+mn-cs"/>
-              </a:rPr>
-              <a:t>CPi</a:t>
-            </a:r>
-            <a:r>
-              <a:rPr lang="en-US" altLang="zh-CN" sz="1600" b="0" i="0" u="none" strike="noStrike" kern="1200" baseline="0" dirty="0">
-                <a:solidFill>
-                  <a:schemeClr val="tx1"/>
-                </a:solidFill>
-                <a:latin typeface="Arial" charset="0"/>
-                <a:ea typeface="+mn-ea"/>
-                <a:cs typeface="+mn-cs"/>
-              </a:rPr>
-              <a:t> and </a:t>
-            </a:r>
-            <a:r>
-              <a:rPr lang="en-US" altLang="zh-CN" sz="1600" b="0" i="0" u="none" strike="noStrike" kern="1200" baseline="0" dirty="0" err="1">
-                <a:solidFill>
-                  <a:schemeClr val="tx1"/>
-                </a:solidFill>
-                <a:latin typeface="Arial" charset="0"/>
-                <a:ea typeface="+mn-ea"/>
-                <a:cs typeface="+mn-cs"/>
-              </a:rPr>
-              <a:t>NCPi</a:t>
-            </a:r>
-            <a:r>
-              <a:rPr lang="en-US" altLang="zh-CN" sz="1600" b="0" i="0" u="none" strike="noStrike" kern="1200" baseline="0" dirty="0">
-                <a:solidFill>
-                  <a:schemeClr val="tx1"/>
-                </a:solidFill>
-                <a:latin typeface="Arial" charset="0"/>
-                <a:ea typeface="+mn-ea"/>
-                <a:cs typeface="+mn-cs"/>
-              </a:rPr>
-              <a:t>, respectively.</a:t>
+              <a:rPr lang="en-US" altLang="zh-CN" dirty="0"/>
+              <a:t>To exactly know the value of the voltage drop, Let me use K denotes the total number of </a:t>
+            </a:r>
+            <a:r>
+              <a:rPr lang="en-US" altLang="zh-CN" dirty="0" err="1"/>
+              <a:t>VM</a:t>
+            </a:r>
+            <a:r>
+              <a:rPr lang="en-US" altLang="zh-CN" baseline="-25000" dirty="0" err="1"/>
+              <a:t>i</a:t>
+            </a:r>
+            <a:r>
+              <a:rPr lang="en-US" altLang="zh-CN" baseline="-25000" dirty="0"/>
+              <a:t> </a:t>
+            </a:r>
+            <a:r>
+              <a:rPr lang="en-US" altLang="zh-CN" dirty="0"/>
+              <a:t>whose logic value is “1” and also equal to the output of PRNG</a:t>
+            </a:r>
+          </a:p>
+          <a:p>
+            <a:r>
+              <a:rPr lang="en-US" altLang="zh-CN" dirty="0"/>
+              <a:t>If K equal to 0</a:t>
+            </a:r>
+            <a:r>
+              <a:rPr lang="zh-CN" altLang="en-US" dirty="0"/>
+              <a:t>  </a:t>
+            </a:r>
+            <a:r>
+              <a:rPr lang="en-US" altLang="zh-CN" dirty="0"/>
+              <a:t>all</a:t>
+            </a:r>
+            <a:r>
+              <a:rPr lang="zh-CN" altLang="en-US" dirty="0"/>
+              <a:t> </a:t>
+            </a:r>
+            <a:r>
+              <a:rPr lang="en-US" altLang="zh-CN" dirty="0"/>
+              <a:t>NMOS</a:t>
+            </a:r>
+            <a:r>
+              <a:rPr lang="zh-CN" altLang="en-US" dirty="0"/>
+              <a:t> </a:t>
+            </a:r>
+            <a:r>
+              <a:rPr lang="en-US" altLang="zh-CN" dirty="0"/>
+              <a:t>are shut off, the OR-gate output digital 0 and the output equal to VDD</a:t>
+            </a:r>
+          </a:p>
+          <a:p>
+            <a:r>
+              <a:rPr lang="en-US" altLang="zh-CN" dirty="0"/>
+              <a:t>K equal to 1 only one of </a:t>
+            </a:r>
+            <a:r>
+              <a:rPr lang="en-US" altLang="zh-CN" dirty="0" err="1"/>
+              <a:t>Vmi</a:t>
+            </a:r>
+            <a:r>
+              <a:rPr lang="en-US" altLang="zh-CN" dirty="0"/>
+              <a:t> equal to 1, the voltage drop equal to threshold voltage</a:t>
             </a:r>
           </a:p>
           <a:p>
@@ -2341,6 +2723,20 @@
               <a:defRPr/>
             </a:pPr>
             <a:r>
+              <a:rPr lang="en-US" altLang="zh-CN" dirty="0"/>
+              <a:t>If there are more than one </a:t>
+            </a:r>
+            <a:r>
+              <a:rPr lang="en-US" altLang="zh-CN" dirty="0" err="1"/>
+              <a:t>Vmi</a:t>
+            </a:r>
+            <a:r>
+              <a:rPr lang="en-US" altLang="zh-CN" dirty="0"/>
+              <a:t> equal to 1, the value of drop voltage will be between zero and threshold voltage</a:t>
+            </a:r>
+          </a:p>
+          <a:p>
+            <a:r>
               <a:rPr lang="en-US" altLang="zh-CN" sz="1600" b="0" i="0" u="none" strike="noStrike" kern="1200" baseline="0" dirty="0">
                 <a:solidFill>
                   <a:schemeClr val="tx1"/>
@@ -2349,7 +2745,7 @@
                 <a:ea typeface="+mn-ea"/>
                 <a:cs typeface="+mn-cs"/>
               </a:rPr>
-              <a:t>In order to avoid that the </a:t>
+              <a:t>Depending on the values of </a:t>
             </a:r>
             <a:r>
               <a:rPr lang="en-US" altLang="zh-CN" sz="1600" b="0" i="0" u="none" strike="noStrike" kern="1200" baseline="0" dirty="0" err="1">
@@ -2360,7 +2756,7 @@
                 <a:ea typeface="+mn-ea"/>
                 <a:cs typeface="+mn-cs"/>
               </a:rPr>
-              <a:t>vddm</a:t>
+              <a:t>VMi</a:t>
             </a:r>
             <a:r>
               <a:rPr lang="en-US" altLang="zh-CN" sz="1600" b="0" i="0" u="none" strike="noStrike" kern="1200" baseline="0" dirty="0">
@@ -2371,75 +2767,9 @@
                 <a:ea typeface="+mn-ea"/>
                 <a:cs typeface="+mn-cs"/>
               </a:rPr>
-              <a:t> influence the performance of the circuits, we just connect the </a:t>
-            </a:r>
-            <a:r>
-              <a:rPr lang="en-US" altLang="zh-CN" sz="1600" b="0" i="0" u="none" strike="noStrike" kern="1200" baseline="0" dirty="0" err="1">
-                <a:solidFill>
-                  <a:schemeClr val="tx1"/>
-                </a:solidFill>
-                <a:latin typeface="Arial" charset="0"/>
-                <a:ea typeface="+mn-ea"/>
-                <a:cs typeface="+mn-cs"/>
-              </a:rPr>
-              <a:t>vddm</a:t>
-            </a:r>
-            <a:r>
-              <a:rPr lang="en-US" altLang="zh-CN" sz="1600" b="0" i="0" u="none" strike="noStrike" kern="1200" baseline="0" dirty="0">
-                <a:solidFill>
-                  <a:schemeClr val="tx1"/>
-                </a:solidFill>
-                <a:latin typeface="Arial" charset="0"/>
-                <a:ea typeface="+mn-ea"/>
-                <a:cs typeface="+mn-cs"/>
-              </a:rPr>
-              <a:t> to non-critical path of the circuit and </a:t>
-            </a:r>
-            <a:r>
-              <a:rPr lang="en-US" altLang="zh-CN" sz="1600" b="0" i="0" u="none" strike="noStrike" kern="1200" baseline="0" dirty="0" err="1">
-                <a:solidFill>
-                  <a:schemeClr val="tx1"/>
-                </a:solidFill>
-                <a:latin typeface="Arial" charset="0"/>
-                <a:ea typeface="+mn-ea"/>
-                <a:cs typeface="+mn-cs"/>
-              </a:rPr>
-              <a:t>vdd</a:t>
-            </a:r>
-            <a:r>
-              <a:rPr lang="en-US" altLang="zh-CN" sz="1600" b="0" i="0" u="none" strike="noStrike" kern="1200" baseline="0" dirty="0">
-                <a:solidFill>
-                  <a:schemeClr val="tx1"/>
-                </a:solidFill>
-                <a:latin typeface="Arial" charset="0"/>
-                <a:ea typeface="+mn-ea"/>
-                <a:cs typeface="+mn-cs"/>
-              </a:rPr>
-              <a:t> is still connect to the critical paths</a:t>
-            </a:r>
-          </a:p>
-          <a:p>
-            <a:pPr marL="0" marR="0" lvl="0" indent="0" algn="l" defTabSz="1219170" rtl="0" eaLnBrk="1" fontAlgn="auto" latinLnBrk="0" hangingPunct="1">
-              <a:lnSpc>
-                <a:spcPct val="100000"/>
-              </a:lnSpc>
-              <a:spcBef>
-                <a:spcPts val="0"/>
-              </a:spcBef>
-              <a:spcAft>
-                <a:spcPts val="0"/>
-              </a:spcAft>
-              <a:buClrTx/>
-              <a:buSzTx/>
-              <a:buFontTx/>
-              <a:buNone/>
-              <a:tabLst/>
-              <a:defRPr/>
-            </a:pPr>
-            <a:endParaRPr lang="zh-CN" altLang="en-US" dirty="0"/>
-          </a:p>
-          <a:p>
-            <a:endParaRPr lang="zh-CN" altLang="en-US" dirty="0"/>
+              <a:t> in the CVL unit, resulting in different discrete power consumptions for data transition in the whole FPL circuit.</a:t>
+            </a:r>
+            <a:endParaRPr lang="en-US" altLang="zh-CN" dirty="0"/>
           </a:p>
         </p:txBody>
       </p:sp>
@@ -2461,7 +2791,7 @@
             <a:fld id="{02322656-8894-1544-92AA-01B3CF5E6182}" type="slidenum">
               <a:rPr lang="en-US" smtClean="0"/>
               <a:pPr/>
-              <a:t>11</a:t>
+              <a:t>10</a:t>
             </a:fld>
             <a:endParaRPr lang="en-US" dirty="0"/>
           </a:p>
@@ -2470,7 +2800,7 @@
     </p:spTree>
     <p:extLst>
       <p:ext uri="{BB962C8B-B14F-4D97-AF65-F5344CB8AC3E}">
-        <p14:creationId xmlns:p14="http://schemas.microsoft.com/office/powerpoint/2010/main" val="2702013047"/>
+        <p14:creationId xmlns:p14="http://schemas.microsoft.com/office/powerpoint/2010/main" val="1457475388"/>
       </p:ext>
     </p:extLst>
   </p:cSld>
@@ -2524,6 +2854,23 @@
           <a:bodyPr/>
           <a:lstStyle/>
           <a:p>
+            <a:pPr marL="0" marR="0" lvl="0" indent="0" algn="l" defTabSz="1219170" rtl="0" eaLnBrk="1" fontAlgn="auto" latinLnBrk="0" hangingPunct="1">
+              <a:lnSpc>
+                <a:spcPct val="100000"/>
+              </a:lnSpc>
+              <a:spcBef>
+                <a:spcPts val="0"/>
+              </a:spcBef>
+              <a:spcAft>
+                <a:spcPts val="0"/>
+              </a:spcAft>
+              <a:buClrTx/>
+              <a:buSzTx/>
+              <a:buFontTx/>
+              <a:buNone/>
+              <a:tabLst/>
+              <a:defRPr/>
+            </a:pPr>
             <a:r>
               <a:rPr lang="en-US" altLang="zh-CN" sz="1600" b="0" i="0" u="none" strike="noStrike" kern="1200" baseline="0" dirty="0">
                 <a:solidFill>
@@ -2533,7 +2880,7 @@
                 <a:ea typeface="+mn-ea"/>
                 <a:cs typeface="+mn-cs"/>
               </a:rPr>
-              <a:t>the critical paths are marked in brown and those components off the critical paths which are connected with </a:t>
+              <a:t>The components in the original circuit C can be split into two parts, </a:t>
             </a:r>
             <a:r>
               <a:rPr lang="en-US" altLang="zh-CN" sz="1600" b="0" i="0" u="none" strike="noStrike" kern="1200" baseline="0" dirty="0" err="1">
@@ -2544,7 +2891,7 @@
                 <a:ea typeface="+mn-ea"/>
                 <a:cs typeface="+mn-cs"/>
               </a:rPr>
-              <a:t>VDDm</a:t>
+              <a:t>i.e.,those</a:t>
             </a:r>
             <a:r>
               <a:rPr lang="en-US" altLang="zh-CN" sz="1600" b="0" i="0" u="none" strike="noStrike" kern="1200" baseline="0" dirty="0">
@@ -2555,8 +2902,168 @@
                 <a:ea typeface="+mn-ea"/>
                 <a:cs typeface="+mn-cs"/>
               </a:rPr>
-              <a:t> are marked in blue </a:t>
-            </a:r>
+              <a:t> on and off the critical paths denoted as </a:t>
+            </a:r>
+            <a:r>
+              <a:rPr lang="en-US" altLang="zh-CN" sz="1600" b="0" i="0" u="none" strike="noStrike" kern="1200" baseline="0" dirty="0" err="1">
+                <a:solidFill>
+                  <a:schemeClr val="tx1"/>
+                </a:solidFill>
+                <a:latin typeface="Arial" charset="0"/>
+                <a:ea typeface="+mn-ea"/>
+                <a:cs typeface="+mn-cs"/>
+              </a:rPr>
+              <a:t>CPi</a:t>
+            </a:r>
+            <a:r>
+              <a:rPr lang="en-US" altLang="zh-CN" sz="1600" b="0" i="0" u="none" strike="noStrike" kern="1200" baseline="0" dirty="0">
+                <a:solidFill>
+                  <a:schemeClr val="tx1"/>
+                </a:solidFill>
+                <a:latin typeface="Arial" charset="0"/>
+                <a:ea typeface="+mn-ea"/>
+                <a:cs typeface="+mn-cs"/>
+              </a:rPr>
+              <a:t> and </a:t>
+            </a:r>
+            <a:r>
+              <a:rPr lang="en-US" altLang="zh-CN" sz="1600" b="0" i="0" u="none" strike="noStrike" kern="1200" baseline="0" dirty="0" err="1">
+                <a:solidFill>
+                  <a:schemeClr val="tx1"/>
+                </a:solidFill>
+                <a:latin typeface="Arial" charset="0"/>
+                <a:ea typeface="+mn-ea"/>
+                <a:cs typeface="+mn-cs"/>
+              </a:rPr>
+              <a:t>NCPi</a:t>
+            </a:r>
+            <a:r>
+              <a:rPr lang="en-US" altLang="zh-CN" sz="1600" b="0" i="0" u="none" strike="noStrike" kern="1200" baseline="0" dirty="0">
+                <a:solidFill>
+                  <a:schemeClr val="tx1"/>
+                </a:solidFill>
+                <a:latin typeface="Arial" charset="0"/>
+                <a:ea typeface="+mn-ea"/>
+                <a:cs typeface="+mn-cs"/>
+              </a:rPr>
+              <a:t>, respectively.</a:t>
+            </a:r>
+          </a:p>
+          <a:p>
+            <a:pPr marL="0" marR="0" lvl="0" indent="0" algn="l" defTabSz="1219170" rtl="0" eaLnBrk="1" fontAlgn="auto" latinLnBrk="0" hangingPunct="1">
+              <a:lnSpc>
+                <a:spcPct val="100000"/>
+              </a:lnSpc>
+              <a:spcBef>
+                <a:spcPts val="0"/>
+              </a:spcBef>
+              <a:spcAft>
+                <a:spcPts val="0"/>
+              </a:spcAft>
+              <a:buClrTx/>
+              <a:buSzTx/>
+              <a:buFontTx/>
+              <a:buNone/>
+              <a:tabLst/>
+              <a:defRPr/>
+            </a:pPr>
+            <a:r>
+              <a:rPr lang="en-US" altLang="zh-CN" sz="1600" b="0" i="0" u="none" strike="noStrike" kern="1200" baseline="0" dirty="0">
+                <a:solidFill>
+                  <a:schemeClr val="tx1"/>
+                </a:solidFill>
+                <a:latin typeface="Arial" charset="0"/>
+                <a:ea typeface="+mn-ea"/>
+                <a:cs typeface="+mn-cs"/>
+              </a:rPr>
+              <a:t>In order to avoid that the </a:t>
+            </a:r>
+            <a:r>
+              <a:rPr lang="en-US" altLang="zh-CN" sz="1600" b="0" i="0" u="none" strike="noStrike" kern="1200" baseline="0" dirty="0" err="1">
+                <a:solidFill>
+                  <a:schemeClr val="tx1"/>
+                </a:solidFill>
+                <a:latin typeface="Arial" charset="0"/>
+                <a:ea typeface="+mn-ea"/>
+                <a:cs typeface="+mn-cs"/>
+              </a:rPr>
+              <a:t>vddm</a:t>
+            </a:r>
+            <a:r>
+              <a:rPr lang="en-US" altLang="zh-CN" sz="1600" b="0" i="0" u="none" strike="noStrike" kern="1200" baseline="0" dirty="0">
+                <a:solidFill>
+                  <a:schemeClr val="tx1"/>
+                </a:solidFill>
+                <a:latin typeface="Arial" charset="0"/>
+                <a:ea typeface="+mn-ea"/>
+                <a:cs typeface="+mn-cs"/>
+              </a:rPr>
+              <a:t> influence the performance of the circuits, we just connect the </a:t>
+            </a:r>
+            <a:r>
+              <a:rPr lang="en-US" altLang="zh-CN" sz="1600" b="0" i="0" u="none" strike="noStrike" kern="1200" baseline="0" dirty="0" err="1">
+                <a:solidFill>
+                  <a:schemeClr val="tx1"/>
+                </a:solidFill>
+                <a:latin typeface="Arial" charset="0"/>
+                <a:ea typeface="+mn-ea"/>
+                <a:cs typeface="+mn-cs"/>
+              </a:rPr>
+              <a:t>vddm</a:t>
+            </a:r>
+            <a:r>
+              <a:rPr lang="en-US" altLang="zh-CN" sz="1600" b="0" i="0" u="none" strike="noStrike" kern="1200" baseline="0" dirty="0">
+                <a:solidFill>
+                  <a:schemeClr val="tx1"/>
+                </a:solidFill>
+                <a:latin typeface="Arial" charset="0"/>
+                <a:ea typeface="+mn-ea"/>
+                <a:cs typeface="+mn-cs"/>
+              </a:rPr>
+              <a:t> to non-critical path of the circuit and </a:t>
+            </a:r>
+            <a:r>
+              <a:rPr lang="en-US" altLang="zh-CN" sz="1600" b="0" i="0" u="none" strike="noStrike" kern="1200" baseline="0" dirty="0" err="1">
+                <a:solidFill>
+                  <a:schemeClr val="tx1"/>
+                </a:solidFill>
+                <a:latin typeface="Arial" charset="0"/>
+                <a:ea typeface="+mn-ea"/>
+                <a:cs typeface="+mn-cs"/>
+              </a:rPr>
+              <a:t>vdd</a:t>
+            </a:r>
+            <a:r>
+              <a:rPr lang="en-US" altLang="zh-CN" sz="1600" b="0" i="0" u="none" strike="noStrike" kern="1200" baseline="0" dirty="0">
+                <a:solidFill>
+                  <a:schemeClr val="tx1"/>
+                </a:solidFill>
+                <a:latin typeface="Arial" charset="0"/>
+                <a:ea typeface="+mn-ea"/>
+                <a:cs typeface="+mn-cs"/>
+              </a:rPr>
+              <a:t> is still connect to the critical paths</a:t>
+            </a:r>
+          </a:p>
+          <a:p>
+            <a:pPr marL="0" marR="0" lvl="0" indent="0" algn="l" defTabSz="1219170" rtl="0" eaLnBrk="1" fontAlgn="auto" latinLnBrk="0" hangingPunct="1">
+              <a:lnSpc>
+                <a:spcPct val="100000"/>
+              </a:lnSpc>
+              <a:spcBef>
+                <a:spcPts val="0"/>
+              </a:spcBef>
+              <a:spcAft>
+                <a:spcPts val="0"/>
+              </a:spcAft>
+              <a:buClrTx/>
+              <a:buSzTx/>
+              <a:buFontTx/>
+              <a:buNone/>
+              <a:tabLst/>
+              <a:defRPr/>
+            </a:pPr>
+            <a:endParaRPr lang="zh-CN" altLang="en-US" dirty="0"/>
           </a:p>
           <a:p>
             <a:endParaRPr lang="zh-CN" altLang="en-US" dirty="0"/>
@@ -2581,7 +3088,7 @@
             <a:fld id="{02322656-8894-1544-92AA-01B3CF5E6182}" type="slidenum">
               <a:rPr lang="en-US" smtClean="0"/>
               <a:pPr/>
-              <a:t>12</a:t>
+              <a:t>11</a:t>
             </a:fld>
             <a:endParaRPr lang="en-US" dirty="0"/>
           </a:p>
@@ -2590,7 +3097,7 @@
     </p:spTree>
     <p:extLst>
       <p:ext uri="{BB962C8B-B14F-4D97-AF65-F5344CB8AC3E}">
-        <p14:creationId xmlns:p14="http://schemas.microsoft.com/office/powerpoint/2010/main" val="2667024294"/>
+        <p14:creationId xmlns:p14="http://schemas.microsoft.com/office/powerpoint/2010/main" val="2702013047"/>
       </p:ext>
     </p:extLst>
   </p:cSld>
@@ -5277,6 +5784,24 @@
               <a:rPr lang="en-US" altLang="zh-CN" sz="3200" dirty="0"/>
               <a:t>Testbench</a:t>
             </a:r>
+          </a:p>
+          <a:p>
+            <a:r>
+              <a:rPr lang="en-US" altLang="zh-CN" sz="3200" dirty="0"/>
+              <a:t>compiling and synthesis by Design Compiler </a:t>
+            </a:r>
+          </a:p>
+          <a:p>
+            <a:r>
+              <a:rPr lang="en-US" altLang="zh-CN" sz="3200" dirty="0"/>
+              <a:t>n=4</a:t>
+            </a:r>
+          </a:p>
+          <a:p>
+            <a:r>
+              <a:rPr lang="en-US" altLang="zh-CN" sz="3200" dirty="0"/>
+              <a:t>HSPICE</a:t>
+            </a:r>
             <a:endParaRPr lang="zh-CN" altLang="en-US" sz="3200" dirty="0"/>
           </a:p>
         </p:txBody>
@@ -5332,8 +5857,8 @@
         </p:blipFill>
         <p:spPr>
           <a:xfrm>
-            <a:off x="566928" y="2457559"/>
-            <a:ext cx="7905275" cy="3848100"/>
+            <a:off x="4089042" y="3005400"/>
+            <a:ext cx="6993486" cy="3404263"/>
           </a:xfrm>
           <a:prstGeom prst="rect">
             <a:avLst/>
@@ -5549,7 +6074,7 @@
             </a:pPr>
             <a:r>
               <a:rPr lang="en-US" altLang="zh-CN" sz="3200" dirty="0"/>
-              <a:t>Standard AES                           FPL AES</a:t>
+              <a:t>Standard                                    FPL </a:t>
             </a:r>
             <a:endParaRPr lang="zh-CN" altLang="en-US" sz="3200" dirty="0"/>
           </a:p>
@@ -5599,7 +6124,7 @@
           <p:nvPr/>
         </p:nvPicPr>
         <p:blipFill>
-          <a:blip r:embed="rId2"/>
+          <a:blip r:embed="rId3"/>
           <a:stretch>
             <a:fillRect/>
           </a:stretch>
@@ -5629,7 +6154,7 @@
           <p:nvPr/>
         </p:nvPicPr>
         <p:blipFill>
-          <a:blip r:embed="rId3"/>
+          <a:blip r:embed="rId4"/>
           <a:stretch>
             <a:fillRect/>
           </a:stretch>
@@ -5758,7 +6283,7 @@
           <p:nvPr/>
         </p:nvPicPr>
         <p:blipFill>
-          <a:blip r:embed="rId2"/>
+          <a:blip r:embed="rId3"/>
           <a:stretch>
             <a:fillRect/>
           </a:stretch>
@@ -5788,7 +6313,7 @@
           <p:nvPr/>
         </p:nvPicPr>
         <p:blipFill>
-          <a:blip r:embed="rId3"/>
+          <a:blip r:embed="rId4"/>
           <a:stretch>
             <a:fillRect/>
           </a:stretch>
@@ -6543,7 +7068,7 @@
           <a:p>
             <a:r>
               <a:rPr lang="en-US" altLang="zh-CN" sz="3600" dirty="0"/>
-              <a:t>Side-Channel Analysis</a:t>
+              <a:t>Side-Channel Attack</a:t>
             </a:r>
           </a:p>
           <a:p>
@@ -6966,7 +7491,7 @@
             </a:pPr>
             <a:r>
               <a:rPr lang="en-US" altLang="zh-CN" sz="2800" dirty="0"/>
-              <a:t>We analyzed side-channel security of FPL on PRESENT/AES implementation</a:t>
+              <a:t>We compared FPL with standard-cell-based and WDDL-based implementation</a:t>
             </a:r>
           </a:p>
           <a:p>
@@ -6977,7 +7502,7 @@
             </a:pPr>
             <a:r>
               <a:rPr lang="en-US" altLang="zh-CN" sz="2800" dirty="0"/>
-              <a:t>We compared FPL with standard-cell-based and WDDL-based implementation</a:t>
+              <a:t>We analyzed side-channel security of FPL on PRESENT/AES implementation</a:t>
             </a:r>
           </a:p>
           <a:p>

--- a/asianhost pre/FPL.pptx
+++ b/asianhost pre/FPL.pptx
@@ -5,10 +5,10 @@
     <p:sldMasterId id="2147483901" r:id="rId1"/>
   </p:sldMasterIdLst>
   <p:notesMasterIdLst>
-    <p:notesMasterId r:id="rId24"/>
+    <p:notesMasterId r:id="rId25"/>
   </p:notesMasterIdLst>
   <p:handoutMasterIdLst>
-    <p:handoutMasterId r:id="rId25"/>
+    <p:handoutMasterId r:id="rId26"/>
   </p:handoutMasterIdLst>
   <p:sldIdLst>
     <p:sldId id="256" r:id="rId2"/>
@@ -24,15 +24,16 @@
     <p:sldId id="272" r:id="rId12"/>
     <p:sldId id="271" r:id="rId13"/>
     <p:sldId id="267" r:id="rId14"/>
-    <p:sldId id="280" r:id="rId15"/>
-    <p:sldId id="268" r:id="rId16"/>
-    <p:sldId id="273" r:id="rId17"/>
-    <p:sldId id="274" r:id="rId18"/>
-    <p:sldId id="275" r:id="rId19"/>
-    <p:sldId id="276" r:id="rId20"/>
-    <p:sldId id="277" r:id="rId21"/>
-    <p:sldId id="281" r:id="rId22"/>
-    <p:sldId id="278" r:id="rId23"/>
+    <p:sldId id="282" r:id="rId15"/>
+    <p:sldId id="280" r:id="rId16"/>
+    <p:sldId id="268" r:id="rId17"/>
+    <p:sldId id="273" r:id="rId18"/>
+    <p:sldId id="274" r:id="rId19"/>
+    <p:sldId id="275" r:id="rId20"/>
+    <p:sldId id="276" r:id="rId21"/>
+    <p:sldId id="277" r:id="rId22"/>
+    <p:sldId id="281" r:id="rId23"/>
+    <p:sldId id="278" r:id="rId24"/>
   </p:sldIdLst>
   <p:sldSz cx="12192000" cy="6858000"/>
   <p:notesSz cx="6858000" cy="9144000"/>
@@ -1156,77 +1157,6 @@
               <a:t>.</a:t>
             </a:r>
           </a:p>
-          <a:p>
-            <a:r>
-              <a:rPr lang="en-US" altLang="zh-CN" sz="1600" b="0" i="0" u="none" strike="noStrike" kern="1200" baseline="0" dirty="0">
-                <a:solidFill>
-                  <a:schemeClr val="tx1"/>
-                </a:solidFill>
-                <a:latin typeface="Arial" charset="0"/>
-                <a:ea typeface="+mn-ea"/>
-                <a:cs typeface="+mn-cs"/>
-              </a:rPr>
-              <a:t>As aforementioned, the total power of FPL-FF (</a:t>
-            </a:r>
-            <a:r>
-              <a:rPr lang="en-US" altLang="zh-CN" sz="1600" b="0" i="0" u="none" strike="noStrike" kern="1200" baseline="0" dirty="0" err="1">
-                <a:solidFill>
-                  <a:schemeClr val="tx1"/>
-                </a:solidFill>
-                <a:latin typeface="Arial" charset="0"/>
-                <a:ea typeface="+mn-ea"/>
-                <a:cs typeface="+mn-cs"/>
-              </a:rPr>
-              <a:t>Ptotal</a:t>
-            </a:r>
-            <a:r>
-              <a:rPr lang="en-US" altLang="zh-CN" sz="1600" b="0" i="0" u="none" strike="noStrike" kern="1200" baseline="0" dirty="0">
-                <a:solidFill>
-                  <a:schemeClr val="tx1"/>
-                </a:solidFill>
-                <a:latin typeface="Arial" charset="0"/>
-                <a:ea typeface="+mn-ea"/>
-                <a:cs typeface="+mn-cs"/>
-              </a:rPr>
-              <a:t>) consists of three parts: the power of original FF (PFF ), the power of CVL unit</a:t>
-            </a:r>
-          </a:p>
-          <a:p>
-            <a:r>
-              <a:rPr lang="en-US" altLang="zh-CN" sz="1600" b="0" i="0" u="none" strike="noStrike" kern="1200" baseline="0" dirty="0">
-                <a:solidFill>
-                  <a:schemeClr val="tx1"/>
-                </a:solidFill>
-                <a:latin typeface="Arial" charset="0"/>
-                <a:ea typeface="+mn-ea"/>
-                <a:cs typeface="+mn-cs"/>
-              </a:rPr>
-              <a:t>(PCV L) and the power of CU (PCU). So the randomness of power is derived from the uncertain sum of three parts relying on </a:t>
-            </a:r>
-            <a:r>
-              <a:rPr lang="en-US" altLang="zh-CN" sz="1600" b="0" i="0" u="none" strike="noStrike" kern="1200" baseline="0" dirty="0" err="1">
-                <a:solidFill>
-                  <a:schemeClr val="tx1"/>
-                </a:solidFill>
-                <a:latin typeface="Arial" charset="0"/>
-                <a:ea typeface="+mn-ea"/>
-                <a:cs typeface="+mn-cs"/>
-              </a:rPr>
-              <a:t>VDDm</a:t>
-            </a:r>
-            <a:r>
-              <a:rPr lang="en-US" altLang="zh-CN" sz="1600" b="0" i="0" u="none" strike="noStrike" kern="1200" baseline="0" dirty="0">
-                <a:solidFill>
-                  <a:schemeClr val="tx1"/>
-                </a:solidFill>
-                <a:latin typeface="Arial" charset="0"/>
-                <a:ea typeface="+mn-ea"/>
-                <a:cs typeface="+mn-cs"/>
-              </a:rPr>
-              <a:t>.</a:t>
-            </a:r>
-            <a:endParaRPr lang="zh-CN" altLang="en-US" dirty="0"/>
-          </a:p>
         </p:txBody>
       </p:sp>
       <p:sp>
@@ -1311,9 +1241,76 @@
           <a:lstStyle/>
           <a:p>
             <a:r>
-              <a:rPr lang="en-US" altLang="zh-CN" dirty="0"/>
-              <a:t>The third part, we do some simulation for FPL scheme</a:t>
-            </a:r>
+              <a:rPr lang="en-US" altLang="zh-CN" sz="1600" b="0" i="0" u="none" strike="noStrike" kern="1200" baseline="0" dirty="0">
+                <a:solidFill>
+                  <a:schemeClr val="tx1"/>
+                </a:solidFill>
+                <a:latin typeface="Arial" charset="0"/>
+                <a:ea typeface="+mn-ea"/>
+                <a:cs typeface="+mn-cs"/>
+              </a:rPr>
+              <a:t>As aforementioned, the total power of FPL-FF (</a:t>
+            </a:r>
+            <a:r>
+              <a:rPr lang="en-US" altLang="zh-CN" sz="1600" b="0" i="0" u="none" strike="noStrike" kern="1200" baseline="0" dirty="0" err="1">
+                <a:solidFill>
+                  <a:schemeClr val="tx1"/>
+                </a:solidFill>
+                <a:latin typeface="Arial" charset="0"/>
+                <a:ea typeface="+mn-ea"/>
+                <a:cs typeface="+mn-cs"/>
+              </a:rPr>
+              <a:t>Ptotal</a:t>
+            </a:r>
+            <a:r>
+              <a:rPr lang="en-US" altLang="zh-CN" sz="1600" b="0" i="0" u="none" strike="noStrike" kern="1200" baseline="0" dirty="0">
+                <a:solidFill>
+                  <a:schemeClr val="tx1"/>
+                </a:solidFill>
+                <a:latin typeface="Arial" charset="0"/>
+                <a:ea typeface="+mn-ea"/>
+                <a:cs typeface="+mn-cs"/>
+              </a:rPr>
+              <a:t>) consists of three parts: the power of original FF (PFF ), the power of CVL unit</a:t>
+            </a:r>
+          </a:p>
+          <a:p>
+            <a:r>
+              <a:rPr lang="en-US" altLang="zh-CN" sz="1600" b="0" i="0" u="none" strike="noStrike" kern="1200" baseline="0" dirty="0">
+                <a:solidFill>
+                  <a:schemeClr val="tx1"/>
+                </a:solidFill>
+                <a:latin typeface="Arial" charset="0"/>
+                <a:ea typeface="+mn-ea"/>
+                <a:cs typeface="+mn-cs"/>
+              </a:rPr>
+              <a:t>(PCV L) and the power of CU (PCU). So the randomness of power is derived from the uncertain sum of three parts relying on </a:t>
+            </a:r>
+            <a:r>
+              <a:rPr lang="en-US" altLang="zh-CN" sz="1600" b="0" i="0" u="none" strike="noStrike" kern="1200" baseline="0" dirty="0" err="1">
+                <a:solidFill>
+                  <a:schemeClr val="tx1"/>
+                </a:solidFill>
+                <a:latin typeface="Arial" charset="0"/>
+                <a:ea typeface="+mn-ea"/>
+                <a:cs typeface="+mn-cs"/>
+              </a:rPr>
+              <a:t>VDDm</a:t>
+            </a:r>
+            <a:r>
+              <a:rPr lang="en-US" altLang="zh-CN" sz="1600" b="0" i="0" u="none" strike="noStrike" kern="1200" baseline="0" dirty="0">
+                <a:solidFill>
+                  <a:schemeClr val="tx1"/>
+                </a:solidFill>
+                <a:latin typeface="Arial" charset="0"/>
+                <a:ea typeface="+mn-ea"/>
+                <a:cs typeface="+mn-cs"/>
+              </a:rPr>
+              <a:t>.</a:t>
+            </a:r>
+            <a:endParaRPr lang="zh-CN" altLang="en-US" dirty="0"/>
+          </a:p>
+          <a:p>
             <a:endParaRPr lang="zh-CN" altLang="en-US" dirty="0"/>
           </a:p>
         </p:txBody>
@@ -1345,7 +1342,7 @@
     </p:spTree>
     <p:extLst>
       <p:ext uri="{BB962C8B-B14F-4D97-AF65-F5344CB8AC3E}">
-        <p14:creationId xmlns:p14="http://schemas.microsoft.com/office/powerpoint/2010/main" val="2872454581"/>
+        <p14:creationId xmlns:p14="http://schemas.microsoft.com/office/powerpoint/2010/main" val="3410888393"/>
       </p:ext>
     </p:extLst>
   </p:cSld>
@@ -1400,89 +1397,8 @@
           <a:lstStyle/>
           <a:p>
             <a:r>
-              <a:rPr lang="en-US" altLang="zh-CN" sz="1600" b="0" i="0" u="none" strike="noStrike" kern="1200" baseline="0" dirty="0">
-                <a:solidFill>
-                  <a:schemeClr val="tx1"/>
-                </a:solidFill>
-                <a:latin typeface="Arial" charset="0"/>
-                <a:ea typeface="+mn-ea"/>
-                <a:cs typeface="+mn-cs"/>
-              </a:rPr>
-              <a:t>For the purpose of illustration, only the case of n equal to 4 is applied and verified in the same test bench for both algorithms</a:t>
-            </a:r>
-          </a:p>
-          <a:p>
-            <a:r>
-              <a:rPr lang="en-US" altLang="zh-CN" sz="1600" b="0" i="0" u="none" strike="noStrike" kern="1200" baseline="0" dirty="0">
-                <a:solidFill>
-                  <a:schemeClr val="tx1"/>
-                </a:solidFill>
-                <a:latin typeface="Arial" charset="0"/>
-                <a:ea typeface="+mn-ea"/>
-                <a:cs typeface="+mn-cs"/>
-              </a:rPr>
-              <a:t>compiling and synthesis by Design Compiler (DC)</a:t>
-            </a:r>
-          </a:p>
-          <a:p>
-            <a:r>
-              <a:rPr lang="en-US" altLang="zh-CN" sz="1600" b="0" i="0" u="none" strike="noStrike" kern="1200" baseline="0" dirty="0">
-                <a:solidFill>
-                  <a:schemeClr val="tx1"/>
-                </a:solidFill>
-                <a:latin typeface="Arial" charset="0"/>
-                <a:ea typeface="+mn-ea"/>
-                <a:cs typeface="+mn-cs"/>
-              </a:rPr>
-              <a:t>In this simulation setup, all power traces are acquired from ideal digital circuits by detailed transistor level simulation through HSPICE</a:t>
-            </a:r>
-          </a:p>
-          <a:p>
-            <a:r>
-              <a:rPr lang="en-US" altLang="zh-CN" sz="1600" b="0" i="0" u="none" strike="noStrike" kern="1200" baseline="0" dirty="0">
-                <a:solidFill>
-                  <a:schemeClr val="tx1"/>
-                </a:solidFill>
-                <a:latin typeface="Arial" charset="0"/>
-                <a:ea typeface="+mn-ea"/>
-                <a:cs typeface="+mn-cs"/>
-              </a:rPr>
-              <a:t>The applied experiment setup consists of two 4/8-bit input registers(Data, Key), one 4/8-bit output register, one 4/8-bit XOR gate and</a:t>
-            </a:r>
-          </a:p>
-          <a:p>
-            <a:r>
-              <a:rPr lang="en-US" altLang="zh-CN" sz="1600" b="0" i="0" u="none" strike="noStrike" kern="1200" baseline="0" dirty="0">
-                <a:solidFill>
-                  <a:schemeClr val="tx1"/>
-                </a:solidFill>
-                <a:latin typeface="Arial" charset="0"/>
-                <a:ea typeface="+mn-ea"/>
-                <a:cs typeface="+mn-cs"/>
-              </a:rPr>
-              <a:t>the </a:t>
-            </a:r>
-            <a:r>
-              <a:rPr lang="en-US" altLang="zh-CN" sz="1600" b="0" i="0" u="none" strike="noStrike" kern="1200" baseline="0" dirty="0" err="1">
-                <a:solidFill>
-                  <a:schemeClr val="tx1"/>
-                </a:solidFill>
-                <a:latin typeface="Arial" charset="0"/>
-                <a:ea typeface="+mn-ea"/>
-                <a:cs typeface="+mn-cs"/>
-              </a:rPr>
-              <a:t>SBox</a:t>
-            </a:r>
-            <a:r>
-              <a:rPr lang="en-US" altLang="zh-CN" sz="1600" b="0" i="0" u="none" strike="noStrike" kern="1200" baseline="0" dirty="0">
-                <a:solidFill>
-                  <a:schemeClr val="tx1"/>
-                </a:solidFill>
-                <a:latin typeface="Arial" charset="0"/>
-                <a:ea typeface="+mn-ea"/>
-                <a:cs typeface="+mn-cs"/>
-              </a:rPr>
-              <a:t> module from the PRESENT/AES algorithms</a:t>
+              <a:rPr lang="en-US" altLang="zh-CN" dirty="0"/>
+              <a:t>The third part, I will show the simulation we did for FPL</a:t>
             </a:r>
             <a:endParaRPr lang="zh-CN" altLang="en-US" dirty="0"/>
           </a:p>
@@ -1515,7 +1431,7 @@
     </p:spTree>
     <p:extLst>
       <p:ext uri="{BB962C8B-B14F-4D97-AF65-F5344CB8AC3E}">
-        <p14:creationId xmlns:p14="http://schemas.microsoft.com/office/powerpoint/2010/main" val="2681745086"/>
+        <p14:creationId xmlns:p14="http://schemas.microsoft.com/office/powerpoint/2010/main" val="2872454581"/>
       </p:ext>
     </p:extLst>
   </p:cSld>
@@ -1578,12 +1494,12 @@
                 <a:ea typeface="+mn-ea"/>
                 <a:cs typeface="+mn-cs"/>
               </a:rPr>
-              <a:t>To be specific, the Gate equivalents (GE) of SC-, FPL- and WDDL-based testbench implementations are summarized in the first row of Table. </a:t>
-            </a:r>
-          </a:p>
-          <a:p>
-            <a:r>
-              <a:rPr lang="en-US" altLang="zh-CN" sz="1600" b="0" i="0" u="none" strike="noStrike" kern="1200" baseline="0" dirty="0" err="1">
+              <a:t>For the purpose of illustration, only the case of n equal to 4 is applied and verified in the same test bench for both algorithms</a:t>
+            </a:r>
+          </a:p>
+          <a:p>
+            <a:r>
+              <a:rPr lang="en-US" altLang="zh-CN" sz="1600" b="0" i="0" u="none" strike="noStrike" kern="1200" baseline="0" dirty="0">
                 <a:solidFill>
                   <a:schemeClr val="tx1"/>
                 </a:solidFill>
@@ -1591,8 +1507,10 @@
                 <a:ea typeface="+mn-ea"/>
                 <a:cs typeface="+mn-cs"/>
               </a:rPr>
-              <a:t>Pavg</a:t>
-            </a:r>
+              <a:t>And we do compiling and synthesis by Design Compiler (DC)</a:t>
+            </a:r>
+          </a:p>
+          <a:p>
             <a:r>
               <a:rPr lang="en-US" altLang="zh-CN" sz="1600" b="0" i="0" u="none" strike="noStrike" kern="1200" baseline="0" dirty="0">
                 <a:solidFill>
@@ -1602,7 +1520,7 @@
                 <a:ea typeface="+mn-ea"/>
                 <a:cs typeface="+mn-cs"/>
               </a:rPr>
-              <a:t> and P are the mean and standard deviation</a:t>
+              <a:t>In this simulation setup, all power traces are acquired from ideal digital circuits by detailed transistor level simulation through HSPICE</a:t>
             </a:r>
           </a:p>
           <a:p>
@@ -1615,7 +1533,42 @@
                 <a:ea typeface="+mn-ea"/>
                 <a:cs typeface="+mn-cs"/>
               </a:rPr>
-              <a:t>We can see that, although FPL-based FF use more gates and power, but it performance is better than WDDL-based schemes.</a:t>
+              <a:t>The applied experiment setup consists of two 4/8-bit input registers(Data, Key), one 4/8-bit output register, one 4/8-bit XOR gate and</a:t>
+            </a:r>
+          </a:p>
+          <a:p>
+            <a:r>
+              <a:rPr lang="en-US" altLang="zh-CN" sz="1600" b="0" i="0" u="none" strike="noStrike" kern="1200" baseline="0" dirty="0">
+                <a:solidFill>
+                  <a:schemeClr val="tx1"/>
+                </a:solidFill>
+                <a:latin typeface="Arial" charset="0"/>
+                <a:ea typeface="+mn-ea"/>
+                <a:cs typeface="+mn-cs"/>
+              </a:rPr>
+              <a:t>the </a:t>
+            </a:r>
+            <a:r>
+              <a:rPr lang="en-US" altLang="zh-CN" sz="1600" b="0" i="0" u="none" strike="noStrike" kern="1200" baseline="0" dirty="0" err="1">
+                <a:solidFill>
+                  <a:schemeClr val="tx1"/>
+                </a:solidFill>
+                <a:latin typeface="Arial" charset="0"/>
+                <a:ea typeface="+mn-ea"/>
+                <a:cs typeface="+mn-cs"/>
+              </a:rPr>
+              <a:t>SBox</a:t>
+            </a:r>
+            <a:r>
+              <a:rPr lang="en-US" altLang="zh-CN" sz="1600" b="0" i="0" u="none" strike="noStrike" kern="1200" baseline="0" dirty="0">
+                <a:solidFill>
+                  <a:schemeClr val="tx1"/>
+                </a:solidFill>
+                <a:latin typeface="Arial" charset="0"/>
+                <a:ea typeface="+mn-ea"/>
+                <a:cs typeface="+mn-cs"/>
+              </a:rPr>
+              <a:t> module from the PRESENT/AES algorithms</a:t>
             </a:r>
             <a:endParaRPr lang="zh-CN" altLang="en-US" dirty="0"/>
           </a:p>
@@ -1648,7 +1601,7 @@
     </p:spTree>
     <p:extLst>
       <p:ext uri="{BB962C8B-B14F-4D97-AF65-F5344CB8AC3E}">
-        <p14:creationId xmlns:p14="http://schemas.microsoft.com/office/powerpoint/2010/main" val="1518347687"/>
+        <p14:creationId xmlns:p14="http://schemas.microsoft.com/office/powerpoint/2010/main" val="2681745086"/>
       </p:ext>
     </p:extLst>
   </p:cSld>
@@ -1703,42 +1656,52 @@
           <a:lstStyle/>
           <a:p>
             <a:r>
-              <a:rPr lang="en-US" altLang="zh-CN" dirty="0"/>
-              <a:t>The</a:t>
-            </a:r>
-            <a:r>
-              <a:rPr lang="zh-CN" altLang="en-US" dirty="0"/>
-              <a:t> </a:t>
-            </a:r>
-            <a:r>
-              <a:rPr lang="en-US" altLang="zh-CN" dirty="0"/>
-              <a:t>simulation</a:t>
-            </a:r>
-            <a:r>
-              <a:rPr lang="zh-CN" altLang="en-US" dirty="0"/>
-              <a:t> </a:t>
-            </a:r>
-            <a:r>
-              <a:rPr lang="en-US" altLang="zh-CN" dirty="0"/>
-              <a:t>results are plotted here.</a:t>
-            </a:r>
-          </a:p>
-          <a:p>
-            <a:r>
-              <a:rPr lang="en-US" altLang="zh-CN" dirty="0"/>
-              <a:t>We compare standard AES implementation and FPL based AES implementation and these are correlation to number of traces</a:t>
-            </a:r>
-          </a:p>
-          <a:p>
-            <a:r>
-              <a:rPr lang="en-US" altLang="zh-CN" dirty="0"/>
-              <a:t>As you can see, in standard implementation, the correlation of the right key guess will appear using thirty traces</a:t>
-            </a:r>
-          </a:p>
-          <a:p>
-            <a:r>
-              <a:rPr lang="en-US" altLang="zh-CN" dirty="0"/>
-              <a:t>But in FPL implementation, it need at least two hundred traces.</a:t>
+              <a:rPr lang="en-US" altLang="zh-CN" sz="1600" b="0" i="0" u="none" strike="noStrike" kern="1200" baseline="0" dirty="0">
+                <a:solidFill>
+                  <a:schemeClr val="tx1"/>
+                </a:solidFill>
+                <a:latin typeface="Arial" charset="0"/>
+                <a:ea typeface="+mn-ea"/>
+                <a:cs typeface="+mn-cs"/>
+              </a:rPr>
+              <a:t>To be specific, the Gate equivalents (GE) of SC-, FPL- and WDDL-based testbench implementations are summarized in the first row of Table. </a:t>
+            </a:r>
+          </a:p>
+          <a:p>
+            <a:r>
+              <a:rPr lang="en-US" altLang="zh-CN" sz="1600" b="0" i="0" u="none" strike="noStrike" kern="1200" baseline="0" dirty="0" err="1">
+                <a:solidFill>
+                  <a:schemeClr val="tx1"/>
+                </a:solidFill>
+                <a:latin typeface="Arial" charset="0"/>
+                <a:ea typeface="+mn-ea"/>
+                <a:cs typeface="+mn-cs"/>
+              </a:rPr>
+              <a:t>Pavg</a:t>
+            </a:r>
+            <a:r>
+              <a:rPr lang="en-US" altLang="zh-CN" sz="1600" b="0" i="0" u="none" strike="noStrike" kern="1200" baseline="0" dirty="0">
+                <a:solidFill>
+                  <a:schemeClr val="tx1"/>
+                </a:solidFill>
+                <a:latin typeface="Arial" charset="0"/>
+                <a:ea typeface="+mn-ea"/>
+                <a:cs typeface="+mn-cs"/>
+              </a:rPr>
+              <a:t> and P are the mean and standard deviation</a:t>
+            </a:r>
+          </a:p>
+          <a:p>
+            <a:r>
+              <a:rPr lang="en-US" altLang="zh-CN" sz="1600" b="0" i="0" u="none" strike="noStrike" kern="1200" baseline="0" dirty="0">
+                <a:solidFill>
+                  <a:schemeClr val="tx1"/>
+                </a:solidFill>
+                <a:latin typeface="Arial" charset="0"/>
+                <a:ea typeface="+mn-ea"/>
+                <a:cs typeface="+mn-cs"/>
+              </a:rPr>
+              <a:t>We can see that, although FPL-based FF use more gates and power, but it performance is better than WDDL-based schemes.</a:t>
             </a:r>
             <a:endParaRPr lang="zh-CN" altLang="en-US" dirty="0"/>
           </a:p>
@@ -1771,7 +1734,7 @@
     </p:spTree>
     <p:extLst>
       <p:ext uri="{BB962C8B-B14F-4D97-AF65-F5344CB8AC3E}">
-        <p14:creationId xmlns:p14="http://schemas.microsoft.com/office/powerpoint/2010/main" val="2572655887"/>
+        <p14:creationId xmlns:p14="http://schemas.microsoft.com/office/powerpoint/2010/main" val="1518347687"/>
       </p:ext>
     </p:extLst>
   </p:cSld>
@@ -1827,16 +1790,42 @@
           <a:p>
             <a:r>
               <a:rPr lang="en-US" altLang="zh-CN" dirty="0"/>
-              <a:t>these are correlation to number of a trace</a:t>
-            </a:r>
-          </a:p>
-          <a:p>
+              <a:t>The</a:t>
+            </a:r>
+            <a:r>
+              <a:rPr lang="zh-CN" altLang="en-US" dirty="0"/>
+              <a:t> </a:t>
+            </a:r>
             <a:r>
               <a:rPr lang="en-US" altLang="zh-CN" dirty="0"/>
-              <a:t>We can see there is a obvious peak of correlation in standard implementation</a:t>
-            </a:r>
-          </a:p>
-          <a:p>
+              <a:t>simulation</a:t>
+            </a:r>
+            <a:r>
+              <a:rPr lang="zh-CN" altLang="en-US" dirty="0"/>
+              <a:t> </a:t>
+            </a:r>
+            <a:r>
+              <a:rPr lang="en-US" altLang="zh-CN" dirty="0"/>
+              <a:t>results are plotted here.</a:t>
+            </a:r>
+          </a:p>
+          <a:p>
+            <a:r>
+              <a:rPr lang="en-US" altLang="zh-CN" dirty="0"/>
+              <a:t>We compare standard AES implementation and FPL based AES implementation and these are correlation to number of traces</a:t>
+            </a:r>
+          </a:p>
+          <a:p>
+            <a:r>
+              <a:rPr lang="en-US" altLang="zh-CN" dirty="0"/>
+              <a:t>As you can see, in standard implementation, the correlation of the right key guess is the red line and will appear using thirty traces</a:t>
+            </a:r>
+          </a:p>
+          <a:p>
+            <a:r>
+              <a:rPr lang="en-US" altLang="zh-CN" dirty="0"/>
+              <a:t>But in FPL implementation, it need at least two hundred traces.</a:t>
+            </a:r>
             <a:endParaRPr lang="zh-CN" altLang="en-US" dirty="0"/>
           </a:p>
         </p:txBody>
@@ -1868,7 +1857,296 @@
     </p:spTree>
     <p:extLst>
       <p:ext uri="{BB962C8B-B14F-4D97-AF65-F5344CB8AC3E}">
+        <p14:creationId xmlns:p14="http://schemas.microsoft.com/office/powerpoint/2010/main" val="2572655887"/>
+      </p:ext>
+    </p:extLst>
+  </p:cSld>
+  <p:clrMapOvr>
+    <a:masterClrMapping/>
+  </p:clrMapOvr>
+</p:notes>
+</file>
+
+<file path=ppt/notesSlides/notesSlide17.xml><?xml version="1.0" encoding="utf-8"?>
+<p:notes xmlns:a="http://schemas.openxmlformats.org/drawingml/2006/main" xmlns:r="http://schemas.openxmlformats.org/officeDocument/2006/relationships" xmlns:p="http://schemas.openxmlformats.org/presentationml/2006/main">
+  <p:cSld>
+    <p:spTree>
+      <p:nvGrpSpPr>
+        <p:cNvPr id="1" name=""/>
+        <p:cNvGrpSpPr/>
+        <p:nvPr/>
+      </p:nvGrpSpPr>
+      <p:grpSpPr>
+        <a:xfrm>
+          <a:off x="0" y="0"/>
+          <a:ext cx="0" cy="0"/>
+          <a:chOff x="0" y="0"/>
+          <a:chExt cx="0" cy="0"/>
+        </a:xfrm>
+      </p:grpSpPr>
+      <p:sp>
+        <p:nvSpPr>
+          <p:cNvPr id="2" name="幻灯片图像占位符 1"/>
+          <p:cNvSpPr>
+            <a:spLocks noGrp="1" noRot="1" noChangeAspect="1"/>
+          </p:cNvSpPr>
+          <p:nvPr>
+            <p:ph type="sldImg"/>
+          </p:nvPr>
+        </p:nvSpPr>
+        <p:spPr/>
+      </p:sp>
+      <p:sp>
+        <p:nvSpPr>
+          <p:cNvPr id="3" name="备注占位符 2"/>
+          <p:cNvSpPr>
+            <a:spLocks noGrp="1"/>
+          </p:cNvSpPr>
+          <p:nvPr>
+            <p:ph type="body" idx="1"/>
+          </p:nvPr>
+        </p:nvSpPr>
+        <p:spPr/>
+        <p:txBody>
+          <a:bodyPr/>
+          <a:lstStyle/>
+          <a:p>
+            <a:r>
+              <a:rPr lang="en-US" altLang="zh-CN" dirty="0"/>
+              <a:t>these are plots of correlation to length of a trace</a:t>
+            </a:r>
+          </a:p>
+          <a:p>
+            <a:r>
+              <a:rPr lang="en-US" altLang="zh-CN" dirty="0"/>
+              <a:t>We can see there is a obvious peak of correlation in standard implementation but there is no peak in FPL implementation</a:t>
+            </a:r>
+          </a:p>
+          <a:p>
+            <a:endParaRPr lang="zh-CN" altLang="en-US" dirty="0"/>
+          </a:p>
+        </p:txBody>
+      </p:sp>
+      <p:sp>
+        <p:nvSpPr>
+          <p:cNvPr id="4" name="灯片编号占位符 3"/>
+          <p:cNvSpPr>
+            <a:spLocks noGrp="1"/>
+          </p:cNvSpPr>
+          <p:nvPr>
+            <p:ph type="sldNum" sz="quarter" idx="5"/>
+          </p:nvPr>
+        </p:nvSpPr>
+        <p:spPr/>
+        <p:txBody>
+          <a:bodyPr/>
+          <a:lstStyle/>
+          <a:p>
+            <a:fld id="{02322656-8894-1544-92AA-01B3CF5E6182}" type="slidenum">
+              <a:rPr lang="en-US" smtClean="0"/>
+              <a:pPr/>
+              <a:t>19</a:t>
+            </a:fld>
+            <a:endParaRPr lang="en-US" dirty="0"/>
+          </a:p>
+        </p:txBody>
+      </p:sp>
+    </p:spTree>
+    <p:extLst>
+      <p:ext uri="{BB962C8B-B14F-4D97-AF65-F5344CB8AC3E}">
         <p14:creationId xmlns:p14="http://schemas.microsoft.com/office/powerpoint/2010/main" val="2226964129"/>
+      </p:ext>
+    </p:extLst>
+  </p:cSld>
+  <p:clrMapOvr>
+    <a:masterClrMapping/>
+  </p:clrMapOvr>
+</p:notes>
+</file>
+
+<file path=ppt/notesSlides/notesSlide18.xml><?xml version="1.0" encoding="utf-8"?>
+<p:notes xmlns:a="http://schemas.openxmlformats.org/drawingml/2006/main" xmlns:r="http://schemas.openxmlformats.org/officeDocument/2006/relationships" xmlns:p="http://schemas.openxmlformats.org/presentationml/2006/main">
+  <p:cSld>
+    <p:spTree>
+      <p:nvGrpSpPr>
+        <p:cNvPr id="1" name=""/>
+        <p:cNvGrpSpPr/>
+        <p:nvPr/>
+      </p:nvGrpSpPr>
+      <p:grpSpPr>
+        <a:xfrm>
+          <a:off x="0" y="0"/>
+          <a:ext cx="0" cy="0"/>
+          <a:chOff x="0" y="0"/>
+          <a:chExt cx="0" cy="0"/>
+        </a:xfrm>
+      </p:grpSpPr>
+      <p:sp>
+        <p:nvSpPr>
+          <p:cNvPr id="2" name="幻灯片图像占位符 1"/>
+          <p:cNvSpPr>
+            <a:spLocks noGrp="1" noRot="1" noChangeAspect="1"/>
+          </p:cNvSpPr>
+          <p:nvPr>
+            <p:ph type="sldImg"/>
+          </p:nvPr>
+        </p:nvSpPr>
+        <p:spPr/>
+      </p:sp>
+      <p:sp>
+        <p:nvSpPr>
+          <p:cNvPr id="3" name="备注占位符 2"/>
+          <p:cNvSpPr>
+            <a:spLocks noGrp="1"/>
+          </p:cNvSpPr>
+          <p:nvPr>
+            <p:ph type="body" idx="1"/>
+          </p:nvPr>
+        </p:nvSpPr>
+        <p:spPr/>
+        <p:txBody>
+          <a:bodyPr/>
+          <a:lstStyle/>
+          <a:p>
+            <a:r>
+              <a:rPr lang="en-US" altLang="zh-CN" dirty="0"/>
+              <a:t>We can see the same result in PRESENT</a:t>
+            </a:r>
+          </a:p>
+          <a:p>
+            <a:r>
+              <a:rPr lang="en-US" altLang="zh-CN" dirty="0"/>
+              <a:t>The right guess will appear at about fifteen traces and didn’t appear in FPL implementation</a:t>
+            </a:r>
+            <a:endParaRPr lang="zh-CN" altLang="en-US" dirty="0"/>
+          </a:p>
+        </p:txBody>
+      </p:sp>
+      <p:sp>
+        <p:nvSpPr>
+          <p:cNvPr id="4" name="灯片编号占位符 3"/>
+          <p:cNvSpPr>
+            <a:spLocks noGrp="1"/>
+          </p:cNvSpPr>
+          <p:nvPr>
+            <p:ph type="sldNum" sz="quarter" idx="5"/>
+          </p:nvPr>
+        </p:nvSpPr>
+        <p:spPr/>
+        <p:txBody>
+          <a:bodyPr/>
+          <a:lstStyle/>
+          <a:p>
+            <a:fld id="{02322656-8894-1544-92AA-01B3CF5E6182}" type="slidenum">
+              <a:rPr lang="en-US" smtClean="0"/>
+              <a:pPr/>
+              <a:t>20</a:t>
+            </a:fld>
+            <a:endParaRPr lang="en-US" dirty="0"/>
+          </a:p>
+        </p:txBody>
+      </p:sp>
+    </p:spTree>
+    <p:extLst>
+      <p:ext uri="{BB962C8B-B14F-4D97-AF65-F5344CB8AC3E}">
+        <p14:creationId xmlns:p14="http://schemas.microsoft.com/office/powerpoint/2010/main" val="1091676282"/>
+      </p:ext>
+    </p:extLst>
+  </p:cSld>
+  <p:clrMapOvr>
+    <a:masterClrMapping/>
+  </p:clrMapOvr>
+</p:notes>
+</file>
+
+<file path=ppt/notesSlides/notesSlide19.xml><?xml version="1.0" encoding="utf-8"?>
+<p:notes xmlns:a="http://schemas.openxmlformats.org/drawingml/2006/main" xmlns:r="http://schemas.openxmlformats.org/officeDocument/2006/relationships" xmlns:p="http://schemas.openxmlformats.org/presentationml/2006/main">
+  <p:cSld>
+    <p:spTree>
+      <p:nvGrpSpPr>
+        <p:cNvPr id="1" name=""/>
+        <p:cNvGrpSpPr/>
+        <p:nvPr/>
+      </p:nvGrpSpPr>
+      <p:grpSpPr>
+        <a:xfrm>
+          <a:off x="0" y="0"/>
+          <a:ext cx="0" cy="0"/>
+          <a:chOff x="0" y="0"/>
+          <a:chExt cx="0" cy="0"/>
+        </a:xfrm>
+      </p:grpSpPr>
+      <p:sp>
+        <p:nvSpPr>
+          <p:cNvPr id="2" name="幻灯片图像占位符 1"/>
+          <p:cNvSpPr>
+            <a:spLocks noGrp="1" noRot="1" noChangeAspect="1"/>
+          </p:cNvSpPr>
+          <p:nvPr>
+            <p:ph type="sldImg"/>
+          </p:nvPr>
+        </p:nvSpPr>
+        <p:spPr/>
+      </p:sp>
+      <p:sp>
+        <p:nvSpPr>
+          <p:cNvPr id="3" name="备注占位符 2"/>
+          <p:cNvSpPr>
+            <a:spLocks noGrp="1"/>
+          </p:cNvSpPr>
+          <p:nvPr>
+            <p:ph type="body" idx="1"/>
+          </p:nvPr>
+        </p:nvSpPr>
+        <p:spPr/>
+        <p:txBody>
+          <a:bodyPr/>
+          <a:lstStyle/>
+          <a:p>
+            <a:r>
+              <a:rPr lang="en-US" altLang="zh-CN" dirty="0"/>
+              <a:t>these are plots of correlation to length of a trace</a:t>
+            </a:r>
+          </a:p>
+          <a:p>
+            <a:r>
+              <a:rPr lang="en-US" altLang="zh-CN" dirty="0"/>
+              <a:t>We can see there is a obvious peak of correlation in standard implementation but there is no peak in FPL implementation</a:t>
+            </a:r>
+          </a:p>
+          <a:p>
+            <a:endParaRPr lang="zh-CN" altLang="en-US" dirty="0"/>
+          </a:p>
+        </p:txBody>
+      </p:sp>
+      <p:sp>
+        <p:nvSpPr>
+          <p:cNvPr id="4" name="灯片编号占位符 3"/>
+          <p:cNvSpPr>
+            <a:spLocks noGrp="1"/>
+          </p:cNvSpPr>
+          <p:nvPr>
+            <p:ph type="sldNum" sz="quarter" idx="5"/>
+          </p:nvPr>
+        </p:nvSpPr>
+        <p:spPr/>
+        <p:txBody>
+          <a:bodyPr/>
+          <a:lstStyle/>
+          <a:p>
+            <a:fld id="{02322656-8894-1544-92AA-01B3CF5E6182}" type="slidenum">
+              <a:rPr lang="en-US" smtClean="0"/>
+              <a:pPr/>
+              <a:t>21</a:t>
+            </a:fld>
+            <a:endParaRPr lang="en-US" dirty="0"/>
+          </a:p>
+        </p:txBody>
+      </p:sp>
+    </p:spTree>
+    <p:extLst>
+      <p:ext uri="{BB962C8B-B14F-4D97-AF65-F5344CB8AC3E}">
+        <p14:creationId xmlns:p14="http://schemas.microsoft.com/office/powerpoint/2010/main" val="2126358248"/>
       </p:ext>
     </p:extLst>
   </p:cSld>
@@ -5628,6 +5906,97 @@
           <a:chExt cx="0" cy="0"/>
         </a:xfrm>
       </p:grpSpPr>
+      <p:pic>
+        <p:nvPicPr>
+          <p:cNvPr id="5" name="内容占位符 4">
+            <a:extLst>
+              <a:ext uri="{FF2B5EF4-FFF2-40B4-BE49-F238E27FC236}">
+                <a16:creationId xmlns:a16="http://schemas.microsoft.com/office/drawing/2014/main" id="{4752180C-8FD2-4531-BAFB-14F4D4709D2E}"/>
+              </a:ext>
+            </a:extLst>
+          </p:cNvPr>
+          <p:cNvPicPr>
+            <a:picLocks noGrp="1" noChangeAspect="1"/>
+          </p:cNvPicPr>
+          <p:nvPr>
+            <p:ph sz="quarter" idx="10"/>
+          </p:nvPr>
+        </p:nvPicPr>
+        <p:blipFill>
+          <a:blip r:embed="rId3"/>
+          <a:stretch>
+            <a:fillRect/>
+          </a:stretch>
+        </p:blipFill>
+        <p:spPr>
+          <a:xfrm>
+            <a:off x="2415994" y="2975665"/>
+            <a:ext cx="6482673" cy="1093168"/>
+          </a:xfrm>
+          <a:prstGeom prst="rect">
+            <a:avLst/>
+          </a:prstGeom>
+        </p:spPr>
+      </p:pic>
+      <p:sp>
+        <p:nvSpPr>
+          <p:cNvPr id="3" name="标题 2">
+            <a:extLst>
+              <a:ext uri="{FF2B5EF4-FFF2-40B4-BE49-F238E27FC236}">
+                <a16:creationId xmlns:a16="http://schemas.microsoft.com/office/drawing/2014/main" id="{005ABC2F-A4D4-4ADC-86EA-0DE1AB832312}"/>
+              </a:ext>
+            </a:extLst>
+          </p:cNvPr>
+          <p:cNvSpPr>
+            <a:spLocks noGrp="1"/>
+          </p:cNvSpPr>
+          <p:nvPr>
+            <p:ph type="title"/>
+          </p:nvPr>
+        </p:nvSpPr>
+        <p:spPr/>
+        <p:txBody>
+          <a:bodyPr/>
+          <a:lstStyle/>
+          <a:p>
+            <a:r>
+              <a:rPr lang="en-US" altLang="zh-CN" dirty="0"/>
+              <a:t>Total Power dissipation</a:t>
+            </a:r>
+            <a:endParaRPr lang="zh-CN" altLang="en-US" dirty="0"/>
+          </a:p>
+        </p:txBody>
+      </p:sp>
+    </p:spTree>
+    <p:extLst>
+      <p:ext uri="{BB962C8B-B14F-4D97-AF65-F5344CB8AC3E}">
+        <p14:creationId xmlns:p14="http://schemas.microsoft.com/office/powerpoint/2010/main" val="3965640556"/>
+      </p:ext>
+    </p:extLst>
+  </p:cSld>
+  <p:clrMapOvr>
+    <a:masterClrMapping/>
+  </p:clrMapOvr>
+</p:sld>
+</file>
+
+<file path=ppt/slides/slide15.xml><?xml version="1.0" encoding="utf-8"?>
+<p:sld xmlns:a="http://schemas.openxmlformats.org/drawingml/2006/main" xmlns:r="http://schemas.openxmlformats.org/officeDocument/2006/relationships" xmlns:p="http://schemas.openxmlformats.org/presentationml/2006/main">
+  <p:cSld>
+    <p:spTree>
+      <p:nvGrpSpPr>
+        <p:cNvPr id="1" name=""/>
+        <p:cNvGrpSpPr/>
+        <p:nvPr/>
+      </p:nvGrpSpPr>
+      <p:grpSpPr>
+        <a:xfrm>
+          <a:off x="0" y="0"/>
+          <a:ext cx="0" cy="0"/>
+          <a:chOff x="0" y="0"/>
+          <a:chExt cx="0" cy="0"/>
+        </a:xfrm>
+      </p:grpSpPr>
       <p:sp>
         <p:nvSpPr>
           <p:cNvPr id="2" name="内容占位符 1">
@@ -5737,7 +6106,7 @@
 </p:sld>
 </file>
 
-<file path=ppt/slides/slide15.xml><?xml version="1.0" encoding="utf-8"?>
+<file path=ppt/slides/slide16.xml><?xml version="1.0" encoding="utf-8"?>
 <p:sld xmlns:a="http://schemas.openxmlformats.org/drawingml/2006/main" xmlns:r="http://schemas.openxmlformats.org/officeDocument/2006/relationships" xmlns:p="http://schemas.openxmlformats.org/presentationml/2006/main">
   <p:cSld>
     <p:spTree>
@@ -5878,7 +6247,7 @@
 </p:sld>
 </file>
 
-<file path=ppt/slides/slide16.xml><?xml version="1.0" encoding="utf-8"?>
+<file path=ppt/slides/slide17.xml><?xml version="1.0" encoding="utf-8"?>
 <p:sld xmlns:a="http://schemas.openxmlformats.org/drawingml/2006/main" xmlns:r="http://schemas.openxmlformats.org/officeDocument/2006/relationships" xmlns:p="http://schemas.openxmlformats.org/presentationml/2006/main">
   <p:cSld>
     <p:spTree>
@@ -6020,7 +6389,7 @@
 </p:sld>
 </file>
 
-<file path=ppt/slides/slide17.xml><?xml version="1.0" encoding="utf-8"?>
+<file path=ppt/slides/slide18.xml><?xml version="1.0" encoding="utf-8"?>
 <p:sld xmlns:a="http://schemas.openxmlformats.org/drawingml/2006/main" xmlns:r="http://schemas.openxmlformats.org/officeDocument/2006/relationships" xmlns:p="http://schemas.openxmlformats.org/presentationml/2006/main">
   <p:cSld>
     <p:spTree>
@@ -6182,7 +6551,7 @@
 </p:sld>
 </file>
 
-<file path=ppt/slides/slide18.xml><?xml version="1.0" encoding="utf-8"?>
+<file path=ppt/slides/slide19.xml><?xml version="1.0" encoding="utf-8"?>
 <p:sld xmlns:a="http://schemas.openxmlformats.org/drawingml/2006/main" xmlns:r="http://schemas.openxmlformats.org/officeDocument/2006/relationships" xmlns:p="http://schemas.openxmlformats.org/presentationml/2006/main">
   <p:cSld>
     <p:spTree>
@@ -6341,167 +6710,6 @@
 </p:sld>
 </file>
 
-<file path=ppt/slides/slide19.xml><?xml version="1.0" encoding="utf-8"?>
-<p:sld xmlns:a="http://schemas.openxmlformats.org/drawingml/2006/main" xmlns:r="http://schemas.openxmlformats.org/officeDocument/2006/relationships" xmlns:p="http://schemas.openxmlformats.org/presentationml/2006/main">
-  <p:cSld>
-    <p:spTree>
-      <p:nvGrpSpPr>
-        <p:cNvPr id="1" name=""/>
-        <p:cNvGrpSpPr/>
-        <p:nvPr/>
-      </p:nvGrpSpPr>
-      <p:grpSpPr>
-        <a:xfrm>
-          <a:off x="0" y="0"/>
-          <a:ext cx="0" cy="0"/>
-          <a:chOff x="0" y="0"/>
-          <a:chExt cx="0" cy="0"/>
-        </a:xfrm>
-      </p:grpSpPr>
-      <p:sp>
-        <p:nvSpPr>
-          <p:cNvPr id="2" name="内容占位符 1">
-            <a:extLst>
-              <a:ext uri="{FF2B5EF4-FFF2-40B4-BE49-F238E27FC236}">
-                <a16:creationId xmlns:a16="http://schemas.microsoft.com/office/drawing/2014/main" id="{2D0CD491-143B-4169-B4E0-6CDE331C024C}"/>
-              </a:ext>
-            </a:extLst>
-          </p:cNvPr>
-          <p:cNvSpPr>
-            <a:spLocks noGrp="1"/>
-          </p:cNvSpPr>
-          <p:nvPr>
-            <p:ph sz="quarter" idx="10"/>
-          </p:nvPr>
-        </p:nvSpPr>
-        <p:spPr>
-          <a:xfrm>
-            <a:off x="566927" y="1567086"/>
-            <a:ext cx="10515600" cy="3848100"/>
-          </a:xfrm>
-        </p:spPr>
-        <p:txBody>
-          <a:bodyPr/>
-          <a:lstStyle/>
-          <a:p>
-            <a:r>
-              <a:rPr lang="en-US" altLang="zh-CN" sz="3200" dirty="0"/>
-              <a:t>Correlation vs. number of traces</a:t>
-            </a:r>
-          </a:p>
-          <a:p>
-            <a:r>
-              <a:rPr lang="en-US" altLang="zh-CN" sz="3200" dirty="0"/>
-              <a:t>Standard                                 FPL</a:t>
-            </a:r>
-          </a:p>
-          <a:p>
-            <a:endParaRPr lang="zh-CN" altLang="en-US" dirty="0"/>
-          </a:p>
-        </p:txBody>
-      </p:sp>
-      <p:sp>
-        <p:nvSpPr>
-          <p:cNvPr id="3" name="标题 2">
-            <a:extLst>
-              <a:ext uri="{FF2B5EF4-FFF2-40B4-BE49-F238E27FC236}">
-                <a16:creationId xmlns:a16="http://schemas.microsoft.com/office/drawing/2014/main" id="{014C11E1-6641-4425-8AA0-B7EB24AF6B09}"/>
-              </a:ext>
-            </a:extLst>
-          </p:cNvPr>
-          <p:cNvSpPr>
-            <a:spLocks noGrp="1"/>
-          </p:cNvSpPr>
-          <p:nvPr>
-            <p:ph type="title"/>
-          </p:nvPr>
-        </p:nvSpPr>
-        <p:spPr/>
-        <p:txBody>
-          <a:bodyPr/>
-          <a:lstStyle/>
-          <a:p>
-            <a:r>
-              <a:rPr lang="en-US" altLang="zh-CN" dirty="0"/>
-              <a:t>Comparation(PRESENT)</a:t>
-            </a:r>
-            <a:endParaRPr lang="zh-CN" altLang="en-US" dirty="0"/>
-          </a:p>
-        </p:txBody>
-      </p:sp>
-      <p:pic>
-        <p:nvPicPr>
-          <p:cNvPr id="4" name="图片 3">
-            <a:extLst>
-              <a:ext uri="{FF2B5EF4-FFF2-40B4-BE49-F238E27FC236}">
-                <a16:creationId xmlns:a16="http://schemas.microsoft.com/office/drawing/2014/main" id="{3D6A1F9E-E899-4923-98A3-2DDBA3F4EB07}"/>
-              </a:ext>
-            </a:extLst>
-          </p:cNvPr>
-          <p:cNvPicPr>
-            <a:picLocks noChangeAspect="1"/>
-          </p:cNvPicPr>
-          <p:nvPr/>
-        </p:nvPicPr>
-        <p:blipFill>
-          <a:blip r:embed="rId2"/>
-          <a:stretch>
-            <a:fillRect/>
-          </a:stretch>
-        </p:blipFill>
-        <p:spPr>
-          <a:xfrm>
-            <a:off x="566927" y="2728053"/>
-            <a:ext cx="4712643" cy="3742963"/>
-          </a:xfrm>
-          <a:prstGeom prst="rect">
-            <a:avLst/>
-          </a:prstGeom>
-        </p:spPr>
-      </p:pic>
-      <p:pic>
-        <p:nvPicPr>
-          <p:cNvPr id="6" name="图片 5">
-            <a:extLst>
-              <a:ext uri="{FF2B5EF4-FFF2-40B4-BE49-F238E27FC236}">
-                <a16:creationId xmlns:a16="http://schemas.microsoft.com/office/drawing/2014/main" id="{5CCECBB4-2A5B-4926-979A-92BC0EC38E9F}"/>
-              </a:ext>
-            </a:extLst>
-          </p:cNvPr>
-          <p:cNvPicPr>
-            <a:picLocks noChangeAspect="1"/>
-          </p:cNvPicPr>
-          <p:nvPr/>
-        </p:nvPicPr>
-        <p:blipFill>
-          <a:blip r:embed="rId3"/>
-          <a:stretch>
-            <a:fillRect/>
-          </a:stretch>
-        </p:blipFill>
-        <p:spPr>
-          <a:xfrm>
-            <a:off x="6013662" y="2796030"/>
-            <a:ext cx="4589024" cy="3607011"/>
-          </a:xfrm>
-          <a:prstGeom prst="rect">
-            <a:avLst/>
-          </a:prstGeom>
-        </p:spPr>
-      </p:pic>
-    </p:spTree>
-    <p:extLst>
-      <p:ext uri="{BB962C8B-B14F-4D97-AF65-F5344CB8AC3E}">
-        <p14:creationId xmlns:p14="http://schemas.microsoft.com/office/powerpoint/2010/main" val="712662938"/>
-      </p:ext>
-    </p:extLst>
-  </p:cSld>
-  <p:clrMapOvr>
-    <a:masterClrMapping/>
-  </p:clrMapOvr>
-</p:sld>
-</file>
-
 <file path=ppt/slides/slide2.xml><?xml version="1.0" encoding="utf-8"?>
 <p:sld xmlns:a="http://schemas.openxmlformats.org/drawingml/2006/main" xmlns:r="http://schemas.openxmlformats.org/officeDocument/2006/relationships" xmlns:p="http://schemas.openxmlformats.org/presentationml/2006/main">
   <p:cSld>
@@ -6650,6 +6858,167 @@
           <p:cNvPr id="2" name="内容占位符 1">
             <a:extLst>
               <a:ext uri="{FF2B5EF4-FFF2-40B4-BE49-F238E27FC236}">
+                <a16:creationId xmlns:a16="http://schemas.microsoft.com/office/drawing/2014/main" id="{2D0CD491-143B-4169-B4E0-6CDE331C024C}"/>
+              </a:ext>
+            </a:extLst>
+          </p:cNvPr>
+          <p:cNvSpPr>
+            <a:spLocks noGrp="1"/>
+          </p:cNvSpPr>
+          <p:nvPr>
+            <p:ph sz="quarter" idx="10"/>
+          </p:nvPr>
+        </p:nvSpPr>
+        <p:spPr>
+          <a:xfrm>
+            <a:off x="566927" y="1567086"/>
+            <a:ext cx="10515600" cy="3848100"/>
+          </a:xfrm>
+        </p:spPr>
+        <p:txBody>
+          <a:bodyPr/>
+          <a:lstStyle/>
+          <a:p>
+            <a:r>
+              <a:rPr lang="en-US" altLang="zh-CN" sz="3200" dirty="0"/>
+              <a:t>Correlation vs. number of traces</a:t>
+            </a:r>
+          </a:p>
+          <a:p>
+            <a:r>
+              <a:rPr lang="en-US" altLang="zh-CN" sz="3200" dirty="0"/>
+              <a:t>Standard                                 FPL</a:t>
+            </a:r>
+          </a:p>
+          <a:p>
+            <a:endParaRPr lang="zh-CN" altLang="en-US" dirty="0"/>
+          </a:p>
+        </p:txBody>
+      </p:sp>
+      <p:sp>
+        <p:nvSpPr>
+          <p:cNvPr id="3" name="标题 2">
+            <a:extLst>
+              <a:ext uri="{FF2B5EF4-FFF2-40B4-BE49-F238E27FC236}">
+                <a16:creationId xmlns:a16="http://schemas.microsoft.com/office/drawing/2014/main" id="{014C11E1-6641-4425-8AA0-B7EB24AF6B09}"/>
+              </a:ext>
+            </a:extLst>
+          </p:cNvPr>
+          <p:cNvSpPr>
+            <a:spLocks noGrp="1"/>
+          </p:cNvSpPr>
+          <p:nvPr>
+            <p:ph type="title"/>
+          </p:nvPr>
+        </p:nvSpPr>
+        <p:spPr/>
+        <p:txBody>
+          <a:bodyPr/>
+          <a:lstStyle/>
+          <a:p>
+            <a:r>
+              <a:rPr lang="en-US" altLang="zh-CN" dirty="0"/>
+              <a:t>Comparation(PRESENT)</a:t>
+            </a:r>
+            <a:endParaRPr lang="zh-CN" altLang="en-US" dirty="0"/>
+          </a:p>
+        </p:txBody>
+      </p:sp>
+      <p:pic>
+        <p:nvPicPr>
+          <p:cNvPr id="4" name="图片 3">
+            <a:extLst>
+              <a:ext uri="{FF2B5EF4-FFF2-40B4-BE49-F238E27FC236}">
+                <a16:creationId xmlns:a16="http://schemas.microsoft.com/office/drawing/2014/main" id="{3D6A1F9E-E899-4923-98A3-2DDBA3F4EB07}"/>
+              </a:ext>
+            </a:extLst>
+          </p:cNvPr>
+          <p:cNvPicPr>
+            <a:picLocks noChangeAspect="1"/>
+          </p:cNvPicPr>
+          <p:nvPr/>
+        </p:nvPicPr>
+        <p:blipFill>
+          <a:blip r:embed="rId3"/>
+          <a:stretch>
+            <a:fillRect/>
+          </a:stretch>
+        </p:blipFill>
+        <p:spPr>
+          <a:xfrm>
+            <a:off x="566927" y="2728053"/>
+            <a:ext cx="4712643" cy="3742963"/>
+          </a:xfrm>
+          <a:prstGeom prst="rect">
+            <a:avLst/>
+          </a:prstGeom>
+        </p:spPr>
+      </p:pic>
+      <p:pic>
+        <p:nvPicPr>
+          <p:cNvPr id="6" name="图片 5">
+            <a:extLst>
+              <a:ext uri="{FF2B5EF4-FFF2-40B4-BE49-F238E27FC236}">
+                <a16:creationId xmlns:a16="http://schemas.microsoft.com/office/drawing/2014/main" id="{5CCECBB4-2A5B-4926-979A-92BC0EC38E9F}"/>
+              </a:ext>
+            </a:extLst>
+          </p:cNvPr>
+          <p:cNvPicPr>
+            <a:picLocks noChangeAspect="1"/>
+          </p:cNvPicPr>
+          <p:nvPr/>
+        </p:nvPicPr>
+        <p:blipFill>
+          <a:blip r:embed="rId4"/>
+          <a:stretch>
+            <a:fillRect/>
+          </a:stretch>
+        </p:blipFill>
+        <p:spPr>
+          <a:xfrm>
+            <a:off x="6013662" y="2796030"/>
+            <a:ext cx="4589024" cy="3607011"/>
+          </a:xfrm>
+          <a:prstGeom prst="rect">
+            <a:avLst/>
+          </a:prstGeom>
+        </p:spPr>
+      </p:pic>
+    </p:spTree>
+    <p:extLst>
+      <p:ext uri="{BB962C8B-B14F-4D97-AF65-F5344CB8AC3E}">
+        <p14:creationId xmlns:p14="http://schemas.microsoft.com/office/powerpoint/2010/main" val="712662938"/>
+      </p:ext>
+    </p:extLst>
+  </p:cSld>
+  <p:clrMapOvr>
+    <a:masterClrMapping/>
+  </p:clrMapOvr>
+</p:sld>
+</file>
+
+<file path=ppt/slides/slide21.xml><?xml version="1.0" encoding="utf-8"?>
+<p:sld xmlns:a="http://schemas.openxmlformats.org/drawingml/2006/main" xmlns:r="http://schemas.openxmlformats.org/officeDocument/2006/relationships" xmlns:p="http://schemas.openxmlformats.org/presentationml/2006/main">
+  <p:cSld>
+    <p:spTree>
+      <p:nvGrpSpPr>
+        <p:cNvPr id="1" name=""/>
+        <p:cNvGrpSpPr/>
+        <p:nvPr/>
+      </p:nvGrpSpPr>
+      <p:grpSpPr>
+        <a:xfrm>
+          <a:off x="0" y="0"/>
+          <a:ext cx="0" cy="0"/>
+          <a:chOff x="0" y="0"/>
+          <a:chExt cx="0" cy="0"/>
+        </a:xfrm>
+      </p:grpSpPr>
+      <p:sp>
+        <p:nvSpPr>
+          <p:cNvPr id="2" name="内容占位符 1">
+            <a:extLst>
+              <a:ext uri="{FF2B5EF4-FFF2-40B4-BE49-F238E27FC236}">
                 <a16:creationId xmlns:a16="http://schemas.microsoft.com/office/drawing/2014/main" id="{0360A4F5-11FE-46C8-8F47-2496BA88A02A}"/>
               </a:ext>
             </a:extLst>
@@ -6731,7 +7100,7 @@
           <p:nvPr/>
         </p:nvPicPr>
         <p:blipFill>
-          <a:blip r:embed="rId2"/>
+          <a:blip r:embed="rId3"/>
           <a:stretch>
             <a:fillRect/>
           </a:stretch>
@@ -6761,7 +7130,7 @@
           <p:nvPr/>
         </p:nvPicPr>
         <p:blipFill>
-          <a:blip r:embed="rId3"/>
+          <a:blip r:embed="rId4"/>
           <a:stretch>
             <a:fillRect/>
           </a:stretch>
@@ -6789,7 +7158,7 @@
 </p:sld>
 </file>
 
-<file path=ppt/slides/slide21.xml><?xml version="1.0" encoding="utf-8"?>
+<file path=ppt/slides/slide22.xml><?xml version="1.0" encoding="utf-8"?>
 <p:sld xmlns:a="http://schemas.openxmlformats.org/drawingml/2006/main" xmlns:r="http://schemas.openxmlformats.org/officeDocument/2006/relationships" xmlns:p="http://schemas.openxmlformats.org/presentationml/2006/main">
   <p:cSld>
     <p:spTree>
@@ -6915,7 +7284,7 @@
 </p:sld>
 </file>
 
-<file path=ppt/slides/slide22.xml><?xml version="1.0" encoding="utf-8"?>
+<file path=ppt/slides/slide23.xml><?xml version="1.0" encoding="utf-8"?>
 <p:sld xmlns:a="http://schemas.openxmlformats.org/drawingml/2006/main" xmlns:r="http://schemas.openxmlformats.org/officeDocument/2006/relationships" xmlns:p="http://schemas.openxmlformats.org/presentationml/2006/main">
   <p:cSld>
     <p:spTree>
@@ -7077,7 +7446,16 @@
             </a:pPr>
             <a:r>
               <a:rPr lang="en-US" altLang="zh-CN" sz="3200" dirty="0"/>
-              <a:t>Power dissipation correlates to switching operations using power models like hamming weight etc.</a:t>
+              <a:t>Power dissipation correlates to switching operations </a:t>
+            </a:r>
+          </a:p>
+          <a:p>
+            <a:pPr marL="0" indent="0">
+              <a:buNone/>
+            </a:pPr>
+            <a:r>
+              <a:rPr lang="en-US" altLang="zh-CN" sz="3200" dirty="0"/>
+              <a:t>Power models like hamming weight etc.</a:t>
             </a:r>
           </a:p>
           <a:p>
@@ -7153,7 +7531,7 @@
         </p:blipFill>
         <p:spPr bwMode="auto">
           <a:xfrm>
-            <a:off x="6226628" y="3889902"/>
+            <a:off x="6227064" y="3977753"/>
             <a:ext cx="4493749" cy="2824877"/>
           </a:xfrm>
           <a:prstGeom prst="rect">

--- a/asianhost pre/FPL.pptx
+++ b/asianhost pre/FPL.pptx
@@ -5,10 +5,10 @@
     <p:sldMasterId id="2147483901" r:id="rId1"/>
   </p:sldMasterIdLst>
   <p:notesMasterIdLst>
-    <p:notesMasterId r:id="rId33"/>
+    <p:notesMasterId r:id="rId34"/>
   </p:notesMasterIdLst>
   <p:handoutMasterIdLst>
-    <p:handoutMasterId r:id="rId34"/>
+    <p:handoutMasterId r:id="rId35"/>
   </p:handoutMasterIdLst>
   <p:sldIdLst>
     <p:sldId id="256" r:id="rId2"/>
@@ -42,6 +42,7 @@
     <p:sldId id="277" r:id="rId30"/>
     <p:sldId id="281" r:id="rId31"/>
     <p:sldId id="278" r:id="rId32"/>
+    <p:sldId id="291" r:id="rId33"/>
   </p:sldIdLst>
   <p:sldSz cx="12192000" cy="6858000"/>
   <p:notesSz cx="6858000" cy="9144000"/>
@@ -301,7 +302,7 @@
               <a:rPr lang="en-US" smtClean="0">
                 <a:latin typeface="Arial" charset="0"/>
               </a:rPr>
-              <a:t>12/13/2019</a:t>
+              <a:t>12/16/2019</a:t>
             </a:fld>
             <a:endParaRPr lang="en-US" dirty="0">
               <a:latin typeface="Arial" charset="0"/>
@@ -479,7 +480,7 @@
             <a:fld id="{5B96CA4F-2197-CC40-B4FC-798A937A9DC6}" type="datetimeFigureOut">
               <a:rPr lang="en-US" smtClean="0"/>
               <a:pPr/>
-              <a:t>12/13/2019</a:t>
+              <a:t>12/16/2019</a:t>
             </a:fld>
             <a:endParaRPr lang="en-US" dirty="0"/>
           </a:p>
@@ -978,7 +979,7 @@
             <a:fld id="{02322656-8894-1544-92AA-01B3CF5E6182}" type="slidenum">
               <a:rPr lang="en-US" smtClean="0"/>
               <a:pPr/>
-              <a:t>13</a:t>
+              <a:t>12</a:t>
             </a:fld>
             <a:endParaRPr lang="en-US" dirty="0"/>
           </a:p>
@@ -987,7 +988,7 @@
     </p:spTree>
     <p:extLst>
       <p:ext uri="{BB962C8B-B14F-4D97-AF65-F5344CB8AC3E}">
-        <p14:creationId xmlns:p14="http://schemas.microsoft.com/office/powerpoint/2010/main" val="3308563449"/>
+        <p14:creationId xmlns:p14="http://schemas.microsoft.com/office/powerpoint/2010/main" val="520256759"/>
       </p:ext>
     </p:extLst>
   </p:cSld>
@@ -1087,7 +1088,7 @@
             <a:fld id="{02322656-8894-1544-92AA-01B3CF5E6182}" type="slidenum">
               <a:rPr lang="en-US" smtClean="0"/>
               <a:pPr/>
-              <a:t>14</a:t>
+              <a:t>13</a:t>
             </a:fld>
             <a:endParaRPr lang="en-US" dirty="0"/>
           </a:p>
@@ -1096,7 +1097,7 @@
     </p:spTree>
     <p:extLst>
       <p:ext uri="{BB962C8B-B14F-4D97-AF65-F5344CB8AC3E}">
-        <p14:creationId xmlns:p14="http://schemas.microsoft.com/office/powerpoint/2010/main" val="4209738497"/>
+        <p14:creationId xmlns:p14="http://schemas.microsoft.com/office/powerpoint/2010/main" val="3308563449"/>
       </p:ext>
     </p:extLst>
   </p:cSld>
@@ -1150,154 +1151,31 @@
           <a:bodyPr/>
           <a:lstStyle/>
           <a:p>
-            <a:pPr marL="0" marR="0" lvl="0" indent="0" algn="l" defTabSz="1219170" rtl="0" eaLnBrk="1" fontAlgn="auto" latinLnBrk="0" hangingPunct="1">
-              <a:lnSpc>
-                <a:spcPct val="100000"/>
-              </a:lnSpc>
-              <a:spcBef>
-                <a:spcPts val="0"/>
-              </a:spcBef>
-              <a:spcAft>
-                <a:spcPts val="0"/>
-              </a:spcAft>
-              <a:buClrTx/>
-              <a:buSzTx/>
-              <a:buFontTx/>
-              <a:buNone/>
-              <a:tabLst/>
-              <a:defRPr/>
-            </a:pPr>
-            <a:r>
-              <a:rPr lang="en-US" altLang="zh-CN" dirty="0"/>
-              <a:t>To exactly know the value of the voltage drop, Let me use K denotes the total number of </a:t>
+            <a:r>
+              <a:rPr lang="en-US" altLang="zh-CN" dirty="0"/>
+              <a:t>the CVL unit is connected to VDD and a PRNG pseudo random number generator. consists of n NMOS and n diodes</a:t>
+            </a:r>
+          </a:p>
+          <a:p>
+            <a:r>
+              <a:rPr lang="en-US" altLang="zh-CN" dirty="0"/>
+              <a:t>Then it has one PMOS and one n-input OR-gate. The input of the OR-gate is controlled by PRNG</a:t>
+            </a:r>
+          </a:p>
+          <a:p>
+            <a:r>
+              <a:rPr lang="en-US" altLang="zh-CN" dirty="0"/>
+              <a:t>And the CVL unit will produce a OUTPUT named </a:t>
             </a:r>
             <a:r>
               <a:rPr lang="en-US" altLang="zh-CN" dirty="0" err="1"/>
-              <a:t>VM</a:t>
-            </a:r>
-            <a:r>
-              <a:rPr lang="en-US" altLang="zh-CN" baseline="-25000" dirty="0" err="1"/>
-              <a:t>i</a:t>
-            </a:r>
-            <a:r>
-              <a:rPr lang="en-US" altLang="zh-CN" baseline="-25000" dirty="0"/>
-              <a:t> </a:t>
-            </a:r>
-            <a:r>
-              <a:rPr lang="en-US" altLang="zh-CN" dirty="0"/>
-              <a:t>whose logic value is “1” and also equal to the output of PRNG</a:t>
-            </a:r>
-          </a:p>
-          <a:p>
-            <a:r>
-              <a:rPr lang="en-US" altLang="zh-CN" dirty="0"/>
-              <a:t>If K equal to 0</a:t>
-            </a:r>
-            <a:r>
-              <a:rPr lang="zh-CN" altLang="en-US" dirty="0"/>
-              <a:t>  </a:t>
-            </a:r>
-            <a:r>
-              <a:rPr lang="en-US" altLang="zh-CN" dirty="0"/>
-              <a:t>all</a:t>
-            </a:r>
-            <a:r>
-              <a:rPr lang="zh-CN" altLang="en-US" dirty="0"/>
-              <a:t> </a:t>
-            </a:r>
-            <a:r>
-              <a:rPr lang="en-US" altLang="zh-CN" dirty="0"/>
-              <a:t>NMOS</a:t>
-            </a:r>
-            <a:r>
-              <a:rPr lang="zh-CN" altLang="en-US" dirty="0"/>
-              <a:t> </a:t>
-            </a:r>
-            <a:r>
-              <a:rPr lang="en-US" altLang="zh-CN" dirty="0"/>
-              <a:t>are shut off, the OR-gate output digital 0 and the output equal to VDD</a:t>
-            </a:r>
-          </a:p>
-          <a:p>
-            <a:r>
-              <a:rPr lang="en-US" altLang="zh-CN" dirty="0"/>
-              <a:t>K equal to 1 only one of </a:t>
-            </a:r>
-            <a:r>
-              <a:rPr lang="en-US" altLang="zh-CN" dirty="0" err="1"/>
-              <a:t>Vmi</a:t>
-            </a:r>
-            <a:r>
-              <a:rPr lang="en-US" altLang="zh-CN" dirty="0"/>
-              <a:t> equal to 1, the voltage drop equal to threshold voltage</a:t>
-            </a:r>
-          </a:p>
-          <a:p>
-            <a:pPr marL="0" marR="0" lvl="0" indent="0" algn="l" defTabSz="1219170" rtl="0" eaLnBrk="1" fontAlgn="auto" latinLnBrk="0" hangingPunct="1">
-              <a:lnSpc>
-                <a:spcPct val="100000"/>
-              </a:lnSpc>
-              <a:spcBef>
-                <a:spcPts val="0"/>
-              </a:spcBef>
-              <a:spcAft>
-                <a:spcPts val="0"/>
-              </a:spcAft>
-              <a:buClrTx/>
-              <a:buSzTx/>
-              <a:buFontTx/>
-              <a:buNone/>
-              <a:tabLst/>
-              <a:defRPr/>
-            </a:pPr>
-            <a:r>
-              <a:rPr lang="en-US" altLang="zh-CN" dirty="0"/>
-              <a:t>If there are more than one </a:t>
-            </a:r>
-            <a:r>
-              <a:rPr lang="en-US" altLang="zh-CN" dirty="0" err="1"/>
-              <a:t>Vmi</a:t>
-            </a:r>
-            <a:r>
-              <a:rPr lang="en-US" altLang="zh-CN" dirty="0"/>
-              <a:t> equal to 1, the value of drop voltage will be between zero and threshold voltage</a:t>
-            </a:r>
-          </a:p>
-          <a:p>
-            <a:r>
-              <a:rPr lang="en-US" altLang="zh-CN" sz="1600" b="0" i="0" u="none" strike="noStrike" kern="1200" baseline="0" dirty="0">
-                <a:solidFill>
-                  <a:schemeClr val="tx1"/>
-                </a:solidFill>
-                <a:latin typeface="Arial" charset="0"/>
-                <a:ea typeface="+mn-ea"/>
-                <a:cs typeface="+mn-cs"/>
-              </a:rPr>
-              <a:t>Depending on the values of </a:t>
-            </a:r>
-            <a:r>
-              <a:rPr lang="en-US" altLang="zh-CN" sz="1600" b="0" i="0" u="none" strike="noStrike" kern="1200" baseline="0" dirty="0" err="1">
-                <a:solidFill>
-                  <a:schemeClr val="tx1"/>
-                </a:solidFill>
-                <a:latin typeface="Arial" charset="0"/>
-                <a:ea typeface="+mn-ea"/>
-                <a:cs typeface="+mn-cs"/>
-              </a:rPr>
-              <a:t>VMi</a:t>
-            </a:r>
-            <a:r>
-              <a:rPr lang="en-US" altLang="zh-CN" sz="1600" b="0" i="0" u="none" strike="noStrike" kern="1200" baseline="0" dirty="0">
-                <a:solidFill>
-                  <a:schemeClr val="tx1"/>
-                </a:solidFill>
-                <a:latin typeface="Arial" charset="0"/>
-                <a:ea typeface="+mn-ea"/>
-                <a:cs typeface="+mn-cs"/>
-              </a:rPr>
-              <a:t> in the CVL unit, resulting in different discrete power consumptions for data transition in the whole FPL circuit.</a:t>
-            </a:r>
-            <a:endParaRPr lang="en-US" altLang="zh-CN" dirty="0"/>
+              <a:t>vddm</a:t>
+            </a:r>
+            <a:r>
+              <a:rPr lang="en-US" altLang="zh-CN" dirty="0"/>
+              <a:t> to substitute the VDD with a random voltage drop.</a:t>
+            </a:r>
+            <a:endParaRPr lang="zh-CN" altLang="en-US" dirty="0"/>
           </a:p>
         </p:txBody>
       </p:sp>
@@ -1319,7 +1197,7 @@
             <a:fld id="{02322656-8894-1544-92AA-01B3CF5E6182}" type="slidenum">
               <a:rPr lang="en-US" smtClean="0"/>
               <a:pPr/>
-              <a:t>15</a:t>
+              <a:t>14</a:t>
             </a:fld>
             <a:endParaRPr lang="en-US" dirty="0"/>
           </a:p>
@@ -1328,7 +1206,7 @@
     </p:spTree>
     <p:extLst>
       <p:ext uri="{BB962C8B-B14F-4D97-AF65-F5344CB8AC3E}">
-        <p14:creationId xmlns:p14="http://schemas.microsoft.com/office/powerpoint/2010/main" val="1457475388"/>
+        <p14:creationId xmlns:p14="http://schemas.microsoft.com/office/powerpoint/2010/main" val="4209738497"/>
       </p:ext>
     </p:extLst>
   </p:cSld>
@@ -1551,7 +1429,7 @@
             <a:fld id="{02322656-8894-1544-92AA-01B3CF5E6182}" type="slidenum">
               <a:rPr lang="en-US" smtClean="0"/>
               <a:pPr/>
-              <a:t>16</a:t>
+              <a:t>15</a:t>
             </a:fld>
             <a:endParaRPr lang="en-US" dirty="0"/>
           </a:p>
@@ -1560,7 +1438,7 @@
     </p:spTree>
     <p:extLst>
       <p:ext uri="{BB962C8B-B14F-4D97-AF65-F5344CB8AC3E}">
-        <p14:creationId xmlns:p14="http://schemas.microsoft.com/office/powerpoint/2010/main" val="3125196286"/>
+        <p14:creationId xmlns:p14="http://schemas.microsoft.com/office/powerpoint/2010/main" val="1457475388"/>
       </p:ext>
     </p:extLst>
   </p:cSld>
@@ -1783,7 +1661,7 @@
             <a:fld id="{02322656-8894-1544-92AA-01B3CF5E6182}" type="slidenum">
               <a:rPr lang="en-US" smtClean="0"/>
               <a:pPr/>
-              <a:t>17</a:t>
+              <a:t>16</a:t>
             </a:fld>
             <a:endParaRPr lang="en-US" dirty="0"/>
           </a:p>
@@ -1792,7 +1670,7 @@
     </p:spTree>
     <p:extLst>
       <p:ext uri="{BB962C8B-B14F-4D97-AF65-F5344CB8AC3E}">
-        <p14:creationId xmlns:p14="http://schemas.microsoft.com/office/powerpoint/2010/main" val="2548337374"/>
+        <p14:creationId xmlns:p14="http://schemas.microsoft.com/office/powerpoint/2010/main" val="3125196286"/>
       </p:ext>
     </p:extLst>
   </p:cSld>
@@ -1864,81 +1742,68 @@
               <a:defRPr/>
             </a:pPr>
             <a:r>
-              <a:rPr lang="en-US" altLang="zh-CN" sz="1600" b="0" i="0" u="none" strike="noStrike" kern="1200" baseline="0" dirty="0">
-                <a:solidFill>
-                  <a:schemeClr val="tx1"/>
-                </a:solidFill>
-                <a:latin typeface="Arial" charset="0"/>
-                <a:ea typeface="+mn-ea"/>
-                <a:cs typeface="+mn-cs"/>
-              </a:rPr>
-              <a:t>The components in the original circuit C can be split into two parts, </a:t>
-            </a:r>
-            <a:r>
-              <a:rPr lang="en-US" altLang="zh-CN" sz="1600" b="0" i="0" u="none" strike="noStrike" kern="1200" baseline="0" dirty="0" err="1">
-                <a:solidFill>
-                  <a:schemeClr val="tx1"/>
-                </a:solidFill>
-                <a:latin typeface="Arial" charset="0"/>
-                <a:ea typeface="+mn-ea"/>
-                <a:cs typeface="+mn-cs"/>
-              </a:rPr>
-              <a:t>i.e.,those</a:t>
-            </a:r>
-            <a:r>
-              <a:rPr lang="en-US" altLang="zh-CN" sz="1600" b="0" i="0" u="none" strike="noStrike" kern="1200" baseline="0" dirty="0">
-                <a:solidFill>
-                  <a:schemeClr val="tx1"/>
-                </a:solidFill>
-                <a:latin typeface="Arial" charset="0"/>
-                <a:ea typeface="+mn-ea"/>
-                <a:cs typeface="+mn-cs"/>
-              </a:rPr>
-              <a:t> on and off the critical paths denoted as </a:t>
-            </a:r>
-            <a:r>
-              <a:rPr lang="en-US" altLang="zh-CN" sz="1600" b="0" i="0" u="none" strike="noStrike" kern="1200" baseline="0" dirty="0" err="1">
-                <a:solidFill>
-                  <a:schemeClr val="tx1"/>
-                </a:solidFill>
-                <a:latin typeface="Arial" charset="0"/>
-                <a:ea typeface="+mn-ea"/>
-                <a:cs typeface="+mn-cs"/>
-              </a:rPr>
-              <a:t>CPi</a:t>
-            </a:r>
-            <a:r>
-              <a:rPr lang="en-US" altLang="zh-CN" sz="1600" b="0" i="0" u="none" strike="noStrike" kern="1200" baseline="0" dirty="0">
-                <a:solidFill>
-                  <a:schemeClr val="tx1"/>
-                </a:solidFill>
-                <a:latin typeface="Arial" charset="0"/>
-                <a:ea typeface="+mn-ea"/>
-                <a:cs typeface="+mn-cs"/>
-              </a:rPr>
-              <a:t> and </a:t>
-            </a:r>
-            <a:r>
-              <a:rPr lang="en-US" altLang="zh-CN" sz="1600" b="0" i="0" u="none" strike="noStrike" kern="1200" baseline="0" dirty="0" err="1">
-                <a:solidFill>
-                  <a:schemeClr val="tx1"/>
-                </a:solidFill>
-                <a:latin typeface="Arial" charset="0"/>
-                <a:ea typeface="+mn-ea"/>
-                <a:cs typeface="+mn-cs"/>
-              </a:rPr>
-              <a:t>NCPi</a:t>
-            </a:r>
-            <a:r>
-              <a:rPr lang="en-US" altLang="zh-CN" sz="1600" b="0" i="0" u="none" strike="noStrike" kern="1200" baseline="0" dirty="0">
-                <a:solidFill>
-                  <a:schemeClr val="tx1"/>
-                </a:solidFill>
-                <a:latin typeface="Arial" charset="0"/>
-                <a:ea typeface="+mn-ea"/>
-                <a:cs typeface="+mn-cs"/>
-              </a:rPr>
-              <a:t>, respectively.</a:t>
+              <a:rPr lang="en-US" altLang="zh-CN" dirty="0"/>
+              <a:t>To exactly know the value of the voltage drop, Let me use K denotes the total number of </a:t>
+            </a:r>
+            <a:r>
+              <a:rPr lang="en-US" altLang="zh-CN" dirty="0" err="1"/>
+              <a:t>VM</a:t>
+            </a:r>
+            <a:r>
+              <a:rPr lang="en-US" altLang="zh-CN" baseline="-25000" dirty="0" err="1"/>
+              <a:t>i</a:t>
+            </a:r>
+            <a:r>
+              <a:rPr lang="en-US" altLang="zh-CN" baseline="-25000" dirty="0"/>
+              <a:t> </a:t>
+            </a:r>
+            <a:r>
+              <a:rPr lang="en-US" altLang="zh-CN" dirty="0"/>
+              <a:t>whose logic value is “1” and also equal to the output of PRNG</a:t>
+            </a:r>
+          </a:p>
+          <a:p>
+            <a:r>
+              <a:rPr lang="en-US" altLang="zh-CN" dirty="0"/>
+              <a:t>If K equal to 0</a:t>
+            </a:r>
+            <a:r>
+              <a:rPr lang="zh-CN" altLang="en-US" dirty="0"/>
+              <a:t>  </a:t>
+            </a:r>
+            <a:r>
+              <a:rPr lang="en-US" altLang="zh-CN" dirty="0"/>
+              <a:t>all</a:t>
+            </a:r>
+            <a:r>
+              <a:rPr lang="zh-CN" altLang="en-US" dirty="0"/>
+              <a:t> </a:t>
+            </a:r>
+            <a:r>
+              <a:rPr lang="en-US" altLang="zh-CN" dirty="0"/>
+              <a:t>NMOS</a:t>
+            </a:r>
+            <a:r>
+              <a:rPr lang="zh-CN" altLang="en-US" dirty="0"/>
+              <a:t> </a:t>
+            </a:r>
+            <a:r>
+              <a:rPr lang="en-US" altLang="zh-CN" dirty="0"/>
+              <a:t>are shut off, the OR-gate output digital 0 and the output equal to VDD</a:t>
+            </a:r>
+          </a:p>
+          <a:p>
+            <a:r>
+              <a:rPr lang="en-US" altLang="zh-CN" dirty="0"/>
+              <a:t>K equal to 1 only one of </a:t>
+            </a:r>
+            <a:r>
+              <a:rPr lang="en-US" altLang="zh-CN" dirty="0" err="1"/>
+              <a:t>Vmi</a:t>
+            </a:r>
+            <a:r>
+              <a:rPr lang="en-US" altLang="zh-CN" dirty="0"/>
+              <a:t> equal to 1, the voltage drop equal to threshold voltage</a:t>
             </a:r>
           </a:p>
           <a:p>
@@ -1960,6 +1825,20 @@
               <a:defRPr/>
             </a:pPr>
             <a:r>
+              <a:rPr lang="en-US" altLang="zh-CN" dirty="0"/>
+              <a:t>If there are more than one </a:t>
+            </a:r>
+            <a:r>
+              <a:rPr lang="en-US" altLang="zh-CN" dirty="0" err="1"/>
+              <a:t>Vmi</a:t>
+            </a:r>
+            <a:r>
+              <a:rPr lang="en-US" altLang="zh-CN" dirty="0"/>
+              <a:t> equal to 1, the value of drop voltage will be between zero and threshold voltage</a:t>
+            </a:r>
+          </a:p>
+          <a:p>
+            <a:r>
               <a:rPr lang="en-US" altLang="zh-CN" sz="1600" b="0" i="0" u="none" strike="noStrike" kern="1200" baseline="0" dirty="0">
                 <a:solidFill>
                   <a:schemeClr val="tx1"/>
@@ -1968,7 +1847,7 @@
                 <a:ea typeface="+mn-ea"/>
                 <a:cs typeface="+mn-cs"/>
               </a:rPr>
-              <a:t>In order to avoid that the </a:t>
+              <a:t>Depending on the values of </a:t>
             </a:r>
             <a:r>
               <a:rPr lang="en-US" altLang="zh-CN" sz="1600" b="0" i="0" u="none" strike="noStrike" kern="1200" baseline="0" dirty="0" err="1">
@@ -1979,7 +1858,7 @@
                 <a:ea typeface="+mn-ea"/>
                 <a:cs typeface="+mn-cs"/>
               </a:rPr>
-              <a:t>vddm</a:t>
+              <a:t>VMi</a:t>
             </a:r>
             <a:r>
               <a:rPr lang="en-US" altLang="zh-CN" sz="1600" b="0" i="0" u="none" strike="noStrike" kern="1200" baseline="0" dirty="0">
@@ -1990,75 +1869,9 @@
                 <a:ea typeface="+mn-ea"/>
                 <a:cs typeface="+mn-cs"/>
               </a:rPr>
-              <a:t> influence the performance of the circuits, we just connect the </a:t>
-            </a:r>
-            <a:r>
-              <a:rPr lang="en-US" altLang="zh-CN" sz="1600" b="0" i="0" u="none" strike="noStrike" kern="1200" baseline="0" dirty="0" err="1">
-                <a:solidFill>
-                  <a:schemeClr val="tx1"/>
-                </a:solidFill>
-                <a:latin typeface="Arial" charset="0"/>
-                <a:ea typeface="+mn-ea"/>
-                <a:cs typeface="+mn-cs"/>
-              </a:rPr>
-              <a:t>vddm</a:t>
-            </a:r>
-            <a:r>
-              <a:rPr lang="en-US" altLang="zh-CN" sz="1600" b="0" i="0" u="none" strike="noStrike" kern="1200" baseline="0" dirty="0">
-                <a:solidFill>
-                  <a:schemeClr val="tx1"/>
-                </a:solidFill>
-                <a:latin typeface="Arial" charset="0"/>
-                <a:ea typeface="+mn-ea"/>
-                <a:cs typeface="+mn-cs"/>
-              </a:rPr>
-              <a:t> to non-critical path of the circuit and </a:t>
-            </a:r>
-            <a:r>
-              <a:rPr lang="en-US" altLang="zh-CN" sz="1600" b="0" i="0" u="none" strike="noStrike" kern="1200" baseline="0" dirty="0" err="1">
-                <a:solidFill>
-                  <a:schemeClr val="tx1"/>
-                </a:solidFill>
-                <a:latin typeface="Arial" charset="0"/>
-                <a:ea typeface="+mn-ea"/>
-                <a:cs typeface="+mn-cs"/>
-              </a:rPr>
-              <a:t>vdd</a:t>
-            </a:r>
-            <a:r>
-              <a:rPr lang="en-US" altLang="zh-CN" sz="1600" b="0" i="0" u="none" strike="noStrike" kern="1200" baseline="0" dirty="0">
-                <a:solidFill>
-                  <a:schemeClr val="tx1"/>
-                </a:solidFill>
-                <a:latin typeface="Arial" charset="0"/>
-                <a:ea typeface="+mn-ea"/>
-                <a:cs typeface="+mn-cs"/>
-              </a:rPr>
-              <a:t> is still connect to the critical paths</a:t>
-            </a:r>
-          </a:p>
-          <a:p>
-            <a:pPr marL="0" marR="0" lvl="0" indent="0" algn="l" defTabSz="1219170" rtl="0" eaLnBrk="1" fontAlgn="auto" latinLnBrk="0" hangingPunct="1">
-              <a:lnSpc>
-                <a:spcPct val="100000"/>
-              </a:lnSpc>
-              <a:spcBef>
-                <a:spcPts val="0"/>
-              </a:spcBef>
-              <a:spcAft>
-                <a:spcPts val="0"/>
-              </a:spcAft>
-              <a:buClrTx/>
-              <a:buSzTx/>
-              <a:buFontTx/>
-              <a:buNone/>
-              <a:tabLst/>
-              <a:defRPr/>
-            </a:pPr>
-            <a:endParaRPr lang="zh-CN" altLang="en-US" dirty="0"/>
-          </a:p>
-          <a:p>
-            <a:endParaRPr lang="zh-CN" altLang="en-US" dirty="0"/>
+              <a:t> in the CVL unit, resulting in different discrete power consumptions for data transition in the whole FPL circuit.</a:t>
+            </a:r>
+            <a:endParaRPr lang="en-US" altLang="zh-CN" dirty="0"/>
           </a:p>
         </p:txBody>
       </p:sp>
@@ -2080,7 +1893,7 @@
             <a:fld id="{02322656-8894-1544-92AA-01B3CF5E6182}" type="slidenum">
               <a:rPr lang="en-US" smtClean="0"/>
               <a:pPr/>
-              <a:t>18</a:t>
+              <a:t>17</a:t>
             </a:fld>
             <a:endParaRPr lang="en-US" dirty="0"/>
           </a:p>
@@ -2089,7 +1902,7 @@
     </p:spTree>
     <p:extLst>
       <p:ext uri="{BB962C8B-B14F-4D97-AF65-F5344CB8AC3E}">
-        <p14:creationId xmlns:p14="http://schemas.microsoft.com/office/powerpoint/2010/main" val="2702013047"/>
+        <p14:creationId xmlns:p14="http://schemas.microsoft.com/office/powerpoint/2010/main" val="2548337374"/>
       </p:ext>
     </p:extLst>
   </p:cSld>
@@ -2143,6 +1956,23 @@
           <a:bodyPr/>
           <a:lstStyle/>
           <a:p>
+            <a:pPr marL="0" marR="0" lvl="0" indent="0" algn="l" defTabSz="1219170" rtl="0" eaLnBrk="1" fontAlgn="auto" latinLnBrk="0" hangingPunct="1">
+              <a:lnSpc>
+                <a:spcPct val="100000"/>
+              </a:lnSpc>
+              <a:spcBef>
+                <a:spcPts val="0"/>
+              </a:spcBef>
+              <a:spcAft>
+                <a:spcPts val="0"/>
+              </a:spcAft>
+              <a:buClrTx/>
+              <a:buSzTx/>
+              <a:buFontTx/>
+              <a:buNone/>
+              <a:tabLst/>
+              <a:defRPr/>
+            </a:pPr>
             <a:r>
               <a:rPr lang="en-US" altLang="zh-CN" sz="1600" b="0" i="0" u="none" strike="noStrike" kern="1200" baseline="0" dirty="0">
                 <a:solidFill>
@@ -2152,7 +1982,7 @@
                 <a:ea typeface="+mn-ea"/>
                 <a:cs typeface="+mn-cs"/>
               </a:rPr>
-              <a:t>the critical paths are marked in brown and those components off the critical paths which are connected with </a:t>
+              <a:t>The components in the original circuit C can be split into two parts, </a:t>
             </a:r>
             <a:r>
               <a:rPr lang="en-US" altLang="zh-CN" sz="1600" b="0" i="0" u="none" strike="noStrike" kern="1200" baseline="0" dirty="0" err="1">
@@ -2163,7 +1993,7 @@
                 <a:ea typeface="+mn-ea"/>
                 <a:cs typeface="+mn-cs"/>
               </a:rPr>
-              <a:t>VDDm</a:t>
+              <a:t>i.e.,those</a:t>
             </a:r>
             <a:r>
               <a:rPr lang="en-US" altLang="zh-CN" sz="1600" b="0" i="0" u="none" strike="noStrike" kern="1200" baseline="0" dirty="0">
@@ -2174,12 +2004,170 @@
                 <a:ea typeface="+mn-ea"/>
                 <a:cs typeface="+mn-cs"/>
               </a:rPr>
-              <a:t> are marked in blue l</a:t>
-            </a:r>
-            <a:r>
-              <a:rPr lang="en-US" altLang="zh-CN" dirty="0"/>
-              <a:t>ike pull-up unit, feed-back unit and so on</a:t>
-            </a:r>
+              <a:t> on and off the critical paths denoted as </a:t>
+            </a:r>
+            <a:r>
+              <a:rPr lang="en-US" altLang="zh-CN" sz="1600" b="0" i="0" u="none" strike="noStrike" kern="1200" baseline="0" dirty="0" err="1">
+                <a:solidFill>
+                  <a:schemeClr val="tx1"/>
+                </a:solidFill>
+                <a:latin typeface="Arial" charset="0"/>
+                <a:ea typeface="+mn-ea"/>
+                <a:cs typeface="+mn-cs"/>
+              </a:rPr>
+              <a:t>CPi</a:t>
+            </a:r>
+            <a:r>
+              <a:rPr lang="en-US" altLang="zh-CN" sz="1600" b="0" i="0" u="none" strike="noStrike" kern="1200" baseline="0" dirty="0">
+                <a:solidFill>
+                  <a:schemeClr val="tx1"/>
+                </a:solidFill>
+                <a:latin typeface="Arial" charset="0"/>
+                <a:ea typeface="+mn-ea"/>
+                <a:cs typeface="+mn-cs"/>
+              </a:rPr>
+              <a:t> and </a:t>
+            </a:r>
+            <a:r>
+              <a:rPr lang="en-US" altLang="zh-CN" sz="1600" b="0" i="0" u="none" strike="noStrike" kern="1200" baseline="0" dirty="0" err="1">
+                <a:solidFill>
+                  <a:schemeClr val="tx1"/>
+                </a:solidFill>
+                <a:latin typeface="Arial" charset="0"/>
+                <a:ea typeface="+mn-ea"/>
+                <a:cs typeface="+mn-cs"/>
+              </a:rPr>
+              <a:t>NCPi</a:t>
+            </a:r>
+            <a:r>
+              <a:rPr lang="en-US" altLang="zh-CN" sz="1600" b="0" i="0" u="none" strike="noStrike" kern="1200" baseline="0" dirty="0">
+                <a:solidFill>
+                  <a:schemeClr val="tx1"/>
+                </a:solidFill>
+                <a:latin typeface="Arial" charset="0"/>
+                <a:ea typeface="+mn-ea"/>
+                <a:cs typeface="+mn-cs"/>
+              </a:rPr>
+              <a:t>, respectively.</a:t>
+            </a:r>
+          </a:p>
+          <a:p>
+            <a:pPr marL="0" marR="0" lvl="0" indent="0" algn="l" defTabSz="1219170" rtl="0" eaLnBrk="1" fontAlgn="auto" latinLnBrk="0" hangingPunct="1">
+              <a:lnSpc>
+                <a:spcPct val="100000"/>
+              </a:lnSpc>
+              <a:spcBef>
+                <a:spcPts val="0"/>
+              </a:spcBef>
+              <a:spcAft>
+                <a:spcPts val="0"/>
+              </a:spcAft>
+              <a:buClrTx/>
+              <a:buSzTx/>
+              <a:buFontTx/>
+              <a:buNone/>
+              <a:tabLst/>
+              <a:defRPr/>
+            </a:pPr>
+            <a:r>
+              <a:rPr lang="en-US" altLang="zh-CN" sz="1600" b="0" i="0" u="none" strike="noStrike" kern="1200" baseline="0" dirty="0">
+                <a:solidFill>
+                  <a:schemeClr val="tx1"/>
+                </a:solidFill>
+                <a:latin typeface="Arial" charset="0"/>
+                <a:ea typeface="+mn-ea"/>
+                <a:cs typeface="+mn-cs"/>
+              </a:rPr>
+              <a:t>In order to avoid that the </a:t>
+            </a:r>
+            <a:r>
+              <a:rPr lang="en-US" altLang="zh-CN" sz="1600" b="0" i="0" u="none" strike="noStrike" kern="1200" baseline="0" dirty="0" err="1">
+                <a:solidFill>
+                  <a:schemeClr val="tx1"/>
+                </a:solidFill>
+                <a:latin typeface="Arial" charset="0"/>
+                <a:ea typeface="+mn-ea"/>
+                <a:cs typeface="+mn-cs"/>
+              </a:rPr>
+              <a:t>vddm</a:t>
+            </a:r>
+            <a:r>
+              <a:rPr lang="en-US" altLang="zh-CN" sz="1600" b="0" i="0" u="none" strike="noStrike" kern="1200" baseline="0" dirty="0">
+                <a:solidFill>
+                  <a:schemeClr val="tx1"/>
+                </a:solidFill>
+                <a:latin typeface="Arial" charset="0"/>
+                <a:ea typeface="+mn-ea"/>
+                <a:cs typeface="+mn-cs"/>
+              </a:rPr>
+              <a:t> influence the performance of the circuits, we just connect the </a:t>
+            </a:r>
+            <a:r>
+              <a:rPr lang="en-US" altLang="zh-CN" sz="1600" b="0" i="0" u="none" strike="noStrike" kern="1200" baseline="0" dirty="0" err="1">
+                <a:solidFill>
+                  <a:schemeClr val="tx1"/>
+                </a:solidFill>
+                <a:latin typeface="Arial" charset="0"/>
+                <a:ea typeface="+mn-ea"/>
+                <a:cs typeface="+mn-cs"/>
+              </a:rPr>
+              <a:t>vddm</a:t>
+            </a:r>
+            <a:r>
+              <a:rPr lang="en-US" altLang="zh-CN" sz="1600" b="0" i="0" u="none" strike="noStrike" kern="1200" baseline="0" dirty="0">
+                <a:solidFill>
+                  <a:schemeClr val="tx1"/>
+                </a:solidFill>
+                <a:latin typeface="Arial" charset="0"/>
+                <a:ea typeface="+mn-ea"/>
+                <a:cs typeface="+mn-cs"/>
+              </a:rPr>
+              <a:t> to non-critical path of the circuit and </a:t>
+            </a:r>
+            <a:r>
+              <a:rPr lang="en-US" altLang="zh-CN" sz="1600" b="0" i="0" u="none" strike="noStrike" kern="1200" baseline="0" dirty="0" err="1">
+                <a:solidFill>
+                  <a:schemeClr val="tx1"/>
+                </a:solidFill>
+                <a:latin typeface="Arial" charset="0"/>
+                <a:ea typeface="+mn-ea"/>
+                <a:cs typeface="+mn-cs"/>
+              </a:rPr>
+              <a:t>vdd</a:t>
+            </a:r>
+            <a:r>
+              <a:rPr lang="en-US" altLang="zh-CN" sz="1600" b="0" i="0" u="none" strike="noStrike" kern="1200" baseline="0" dirty="0">
+                <a:solidFill>
+                  <a:schemeClr val="tx1"/>
+                </a:solidFill>
+                <a:latin typeface="Arial" charset="0"/>
+                <a:ea typeface="+mn-ea"/>
+                <a:cs typeface="+mn-cs"/>
+              </a:rPr>
+              <a:t> is still connect to the critical paths</a:t>
+            </a:r>
+          </a:p>
+          <a:p>
+            <a:pPr marL="0" marR="0" lvl="0" indent="0" algn="l" defTabSz="1219170" rtl="0" eaLnBrk="1" fontAlgn="auto" latinLnBrk="0" hangingPunct="1">
+              <a:lnSpc>
+                <a:spcPct val="100000"/>
+              </a:lnSpc>
+              <a:spcBef>
+                <a:spcPts val="0"/>
+              </a:spcBef>
+              <a:spcAft>
+                <a:spcPts val="0"/>
+              </a:spcAft>
+              <a:buClrTx/>
+              <a:buSzTx/>
+              <a:buFontTx/>
+              <a:buNone/>
+              <a:tabLst/>
+              <a:defRPr/>
+            </a:pPr>
+            <a:endParaRPr lang="zh-CN" altLang="en-US" dirty="0"/>
+          </a:p>
+          <a:p>
             <a:endParaRPr lang="zh-CN" altLang="en-US" dirty="0"/>
           </a:p>
         </p:txBody>
@@ -2202,7 +2190,7 @@
             <a:fld id="{02322656-8894-1544-92AA-01B3CF5E6182}" type="slidenum">
               <a:rPr lang="en-US" smtClean="0"/>
               <a:pPr/>
-              <a:t>19</a:t>
+              <a:t>18</a:t>
             </a:fld>
             <a:endParaRPr lang="en-US" dirty="0"/>
           </a:p>
@@ -2211,7 +2199,7 @@
     </p:spTree>
     <p:extLst>
       <p:ext uri="{BB962C8B-B14F-4D97-AF65-F5344CB8AC3E}">
-        <p14:creationId xmlns:p14="http://schemas.microsoft.com/office/powerpoint/2010/main" val="2667024294"/>
+        <p14:creationId xmlns:p14="http://schemas.microsoft.com/office/powerpoint/2010/main" val="2702013047"/>
       </p:ext>
     </p:extLst>
   </p:cSld>
@@ -2265,23 +2253,6 @@
           <a:bodyPr/>
           <a:lstStyle/>
           <a:p>
-            <a:pPr marL="0" marR="0" lvl="0" indent="0" algn="l" defTabSz="1219170" rtl="0" eaLnBrk="1" fontAlgn="auto" latinLnBrk="0" hangingPunct="1">
-              <a:lnSpc>
-                <a:spcPct val="100000"/>
-              </a:lnSpc>
-              <a:spcBef>
-                <a:spcPts val="0"/>
-              </a:spcBef>
-              <a:spcAft>
-                <a:spcPts val="0"/>
-              </a:spcAft>
-              <a:buClrTx/>
-              <a:buSzTx/>
-              <a:buFontTx/>
-              <a:buNone/>
-              <a:tabLst/>
-              <a:defRPr/>
-            </a:pPr>
             <a:r>
               <a:rPr lang="en-US" altLang="zh-CN" sz="1600" b="0" i="0" u="none" strike="noStrike" kern="1200" baseline="0" dirty="0">
                 <a:solidFill>
@@ -2291,22 +2262,19 @@
                 <a:ea typeface="+mn-ea"/>
                 <a:cs typeface="+mn-cs"/>
               </a:rPr>
-              <a:t>And we use compensatory unit to enhance the scheme. Because that </a:t>
-            </a:r>
-            <a:r>
-              <a:rPr lang="en-US" altLang="zh-CN" dirty="0"/>
-              <a:t>the power consumption for variant data transitions (0 →1 and 1→0) is larger than that for invariant ones (0→0 and 1→1)</a:t>
-            </a:r>
-            <a:endParaRPr lang="en-US" altLang="zh-CN" sz="1600" b="0" i="0" u="none" strike="noStrike" kern="1200" baseline="0" dirty="0">
-              <a:solidFill>
-                <a:schemeClr val="tx1"/>
-              </a:solidFill>
-              <a:latin typeface="Arial" charset="0"/>
-              <a:ea typeface="+mn-ea"/>
-              <a:cs typeface="+mn-cs"/>
-            </a:endParaRPr>
-          </a:p>
-          <a:p>
+              <a:t>the critical paths are marked in brown and those components off the critical paths which are connected with </a:t>
+            </a:r>
+            <a:r>
+              <a:rPr lang="en-US" altLang="zh-CN" sz="1600" b="0" i="0" u="none" strike="noStrike" kern="1200" baseline="0" dirty="0" err="1">
+                <a:solidFill>
+                  <a:schemeClr val="tx1"/>
+                </a:solidFill>
+                <a:latin typeface="Arial" charset="0"/>
+                <a:ea typeface="+mn-ea"/>
+                <a:cs typeface="+mn-cs"/>
+              </a:rPr>
+              <a:t>VDDm</a:t>
+            </a:r>
             <a:r>
               <a:rPr lang="en-US" altLang="zh-CN" sz="1600" b="0" i="0" u="none" strike="noStrike" kern="1200" baseline="0" dirty="0">
                 <a:solidFill>
@@ -2316,65 +2284,13 @@
                 <a:ea typeface="+mn-ea"/>
                 <a:cs typeface="+mn-cs"/>
               </a:rPr>
-              <a:t>When the FF makes a 0 to 1 or 1 to 0 transition during the clock pulse window (</a:t>
-            </a:r>
-            <a:r>
-              <a:rPr lang="en-US" altLang="zh-CN" sz="1600" b="0" i="0" u="none" strike="noStrike" kern="1200" baseline="0" dirty="0" err="1">
-                <a:solidFill>
-                  <a:schemeClr val="tx1"/>
-                </a:solidFill>
-                <a:latin typeface="Arial" charset="0"/>
-                <a:ea typeface="+mn-ea"/>
-                <a:cs typeface="+mn-cs"/>
-              </a:rPr>
-              <a:t>tCLKp</a:t>
-            </a:r>
-            <a:r>
-              <a:rPr lang="en-US" altLang="zh-CN" sz="1600" b="0" i="0" u="none" strike="noStrike" kern="1200" baseline="0" dirty="0">
-                <a:solidFill>
-                  <a:schemeClr val="tx1"/>
-                </a:solidFill>
-                <a:latin typeface="Arial" charset="0"/>
-                <a:ea typeface="+mn-ea"/>
-                <a:cs typeface="+mn-cs"/>
-              </a:rPr>
-              <a:t> ), one of the pass-transistor gates controlled by D or DB is switched off while the other one outputs 0. So the CU is off.</a:t>
-            </a:r>
-          </a:p>
-          <a:p>
-            <a:r>
-              <a:rPr lang="en-US" altLang="zh-CN" sz="1600" b="0" i="0" u="none" strike="noStrike" kern="1200" baseline="0" dirty="0">
-                <a:solidFill>
-                  <a:schemeClr val="tx1"/>
-                </a:solidFill>
-                <a:latin typeface="Arial" charset="0"/>
-                <a:ea typeface="+mn-ea"/>
-                <a:cs typeface="+mn-cs"/>
-              </a:rPr>
-              <a:t>Otherwise, when the inputs of FF keep unchanged, the CU is turned on, which consumes compensatory dynamic power during </a:t>
-            </a:r>
-            <a:r>
-              <a:rPr lang="en-US" altLang="zh-CN" sz="1600" b="0" i="0" u="none" strike="noStrike" kern="1200" baseline="0" dirty="0" err="1">
-                <a:solidFill>
-                  <a:schemeClr val="tx1"/>
-                </a:solidFill>
-                <a:latin typeface="Arial" charset="0"/>
-                <a:ea typeface="+mn-ea"/>
-                <a:cs typeface="+mn-cs"/>
-              </a:rPr>
-              <a:t>CLKp</a:t>
-            </a:r>
-            <a:r>
-              <a:rPr lang="en-US" altLang="zh-CN" sz="1600" b="0" i="0" u="none" strike="noStrike" kern="1200" baseline="0" dirty="0">
-                <a:solidFill>
-                  <a:schemeClr val="tx1"/>
-                </a:solidFill>
-                <a:latin typeface="Arial" charset="0"/>
-                <a:ea typeface="+mn-ea"/>
-                <a:cs typeface="+mn-cs"/>
-              </a:rPr>
-              <a:t>.</a:t>
-            </a:r>
+              <a:t> are marked in blue l</a:t>
+            </a:r>
+            <a:r>
+              <a:rPr lang="en-US" altLang="zh-CN" dirty="0"/>
+              <a:t>ike pull-up unit, feed-back unit and so on</a:t>
+            </a:r>
+            <a:endParaRPr lang="zh-CN" altLang="en-US" dirty="0"/>
           </a:p>
         </p:txBody>
       </p:sp>
@@ -2396,7 +2312,7 @@
             <a:fld id="{02322656-8894-1544-92AA-01B3CF5E6182}" type="slidenum">
               <a:rPr lang="en-US" smtClean="0"/>
               <a:pPr/>
-              <a:t>21</a:t>
+              <a:t>19</a:t>
             </a:fld>
             <a:endParaRPr lang="en-US" dirty="0"/>
           </a:p>
@@ -2405,7 +2321,7 @@
     </p:spTree>
     <p:extLst>
       <p:ext uri="{BB962C8B-B14F-4D97-AF65-F5344CB8AC3E}">
-        <p14:creationId xmlns:p14="http://schemas.microsoft.com/office/powerpoint/2010/main" val="864290698"/>
+        <p14:creationId xmlns:p14="http://schemas.microsoft.com/office/powerpoint/2010/main" val="2667024294"/>
       </p:ext>
     </p:extLst>
   </p:cSld>
@@ -2459,6 +2375,23 @@
           <a:bodyPr/>
           <a:lstStyle/>
           <a:p>
+            <a:pPr marL="0" marR="0" lvl="0" indent="0" algn="l" defTabSz="1219170" rtl="0" eaLnBrk="1" fontAlgn="auto" latinLnBrk="0" hangingPunct="1">
+              <a:lnSpc>
+                <a:spcPct val="100000"/>
+              </a:lnSpc>
+              <a:spcBef>
+                <a:spcPts val="0"/>
+              </a:spcBef>
+              <a:spcAft>
+                <a:spcPts val="0"/>
+              </a:spcAft>
+              <a:buClrTx/>
+              <a:buSzTx/>
+              <a:buFontTx/>
+              <a:buNone/>
+              <a:tabLst/>
+              <a:defRPr/>
+            </a:pPr>
             <a:r>
               <a:rPr lang="en-US" altLang="zh-CN" sz="1600" b="0" i="0" u="none" strike="noStrike" kern="1200" baseline="0" dirty="0">
                 <a:solidFill>
@@ -2468,7 +2401,32 @@
                 <a:ea typeface="+mn-ea"/>
                 <a:cs typeface="+mn-cs"/>
               </a:rPr>
-              <a:t>As aforementioned, the total power of FPL-FF (</a:t>
+              <a:t>And we use compensatory unit to enhance the scheme. Because that </a:t>
+            </a:r>
+            <a:r>
+              <a:rPr lang="en-US" altLang="zh-CN" dirty="0"/>
+              <a:t>the power consumption for variant data transitions (0 →1 and 1→0) is larger than that for invariant ones (0→0 and 1→1)</a:t>
+            </a:r>
+            <a:endParaRPr lang="en-US" altLang="zh-CN" sz="1600" b="0" i="0" u="none" strike="noStrike" kern="1200" baseline="0" dirty="0">
+              <a:solidFill>
+                <a:schemeClr val="tx1"/>
+              </a:solidFill>
+              <a:latin typeface="Arial" charset="0"/>
+              <a:ea typeface="+mn-ea"/>
+              <a:cs typeface="+mn-cs"/>
+            </a:endParaRPr>
+          </a:p>
+          <a:p>
+            <a:r>
+              <a:rPr lang="en-US" altLang="zh-CN" sz="1600" b="0" i="0" u="none" strike="noStrike" kern="1200" baseline="0" dirty="0">
+                <a:solidFill>
+                  <a:schemeClr val="tx1"/>
+                </a:solidFill>
+                <a:latin typeface="Arial" charset="0"/>
+                <a:ea typeface="+mn-ea"/>
+                <a:cs typeface="+mn-cs"/>
+              </a:rPr>
+              <a:t>When the FF makes a 0 to 1 or 1 to 0 transition during the clock pulse window (</a:t>
             </a:r>
             <a:r>
               <a:rPr lang="en-US" altLang="zh-CN" sz="1600" b="0" i="0" u="none" strike="noStrike" kern="1200" baseline="0" dirty="0" err="1">
@@ -2479,7 +2437,7 @@
                 <a:ea typeface="+mn-ea"/>
                 <a:cs typeface="+mn-cs"/>
               </a:rPr>
-              <a:t>Ptotal</a:t>
+              <a:t>tCLKp</a:t>
             </a:r>
             <a:r>
               <a:rPr lang="en-US" altLang="zh-CN" sz="1600" b="0" i="0" u="none" strike="noStrike" kern="1200" baseline="0" dirty="0">
@@ -2490,7 +2448,7 @@
                 <a:ea typeface="+mn-ea"/>
                 <a:cs typeface="+mn-cs"/>
               </a:rPr>
-              <a:t>) consists of three parts: the power of original FF (PFF ), the power of CVL unit</a:t>
+              <a:t> ), one of the pass-transistor gates controlled by D or DB is switched off while the other one outputs 0. So the CU is off.</a:t>
             </a:r>
           </a:p>
           <a:p>
@@ -2503,7 +2461,7 @@
                 <a:ea typeface="+mn-ea"/>
                 <a:cs typeface="+mn-cs"/>
               </a:rPr>
-              <a:t>(PCV L) and the power of CU (PCU). So the randomness of power is derived from the uncertain sum of three parts relying on </a:t>
+              <a:t>Otherwise, when the inputs of FF keep unchanged, the CU is turned on, which consumes compensatory dynamic power during </a:t>
             </a:r>
             <a:r>
               <a:rPr lang="en-US" altLang="zh-CN" sz="1600" b="0" i="0" u="none" strike="noStrike" kern="1200" baseline="0" dirty="0" err="1">
@@ -2514,7 +2472,7 @@
                 <a:ea typeface="+mn-ea"/>
                 <a:cs typeface="+mn-cs"/>
               </a:rPr>
-              <a:t>VDDm</a:t>
+              <a:t>CLKp</a:t>
             </a:r>
             <a:r>
               <a:rPr lang="en-US" altLang="zh-CN" sz="1600" b="0" i="0" u="none" strike="noStrike" kern="1200" baseline="0" dirty="0">
@@ -2527,10 +2485,6 @@
               </a:rPr>
               <a:t>.</a:t>
             </a:r>
-            <a:endParaRPr lang="zh-CN" altLang="en-US" dirty="0"/>
-          </a:p>
-          <a:p>
-            <a:endParaRPr lang="zh-CN" altLang="en-US" dirty="0"/>
           </a:p>
         </p:txBody>
       </p:sp>
@@ -2552,7 +2506,7 @@
             <a:fld id="{02322656-8894-1544-92AA-01B3CF5E6182}" type="slidenum">
               <a:rPr lang="en-US" smtClean="0"/>
               <a:pPr/>
-              <a:t>22</a:t>
+              <a:t>21</a:t>
             </a:fld>
             <a:endParaRPr lang="en-US" dirty="0"/>
           </a:p>
@@ -2561,7 +2515,7 @@
     </p:spTree>
     <p:extLst>
       <p:ext uri="{BB962C8B-B14F-4D97-AF65-F5344CB8AC3E}">
-        <p14:creationId xmlns:p14="http://schemas.microsoft.com/office/powerpoint/2010/main" val="3410888393"/>
+        <p14:creationId xmlns:p14="http://schemas.microsoft.com/office/powerpoint/2010/main" val="864290698"/>
       </p:ext>
     </p:extLst>
   </p:cSld>
@@ -2616,9 +2570,76 @@
           <a:lstStyle/>
           <a:p>
             <a:r>
-              <a:rPr lang="en-US" altLang="zh-CN" dirty="0"/>
-              <a:t>The third part, I will show the simulation we did for FPL</a:t>
-            </a:r>
+              <a:rPr lang="en-US" altLang="zh-CN" sz="1600" b="0" i="0" u="none" strike="noStrike" kern="1200" baseline="0" dirty="0">
+                <a:solidFill>
+                  <a:schemeClr val="tx1"/>
+                </a:solidFill>
+                <a:latin typeface="Arial" charset="0"/>
+                <a:ea typeface="+mn-ea"/>
+                <a:cs typeface="+mn-cs"/>
+              </a:rPr>
+              <a:t>As aforementioned, the total power of FPL-FF (</a:t>
+            </a:r>
+            <a:r>
+              <a:rPr lang="en-US" altLang="zh-CN" sz="1600" b="0" i="0" u="none" strike="noStrike" kern="1200" baseline="0" dirty="0" err="1">
+                <a:solidFill>
+                  <a:schemeClr val="tx1"/>
+                </a:solidFill>
+                <a:latin typeface="Arial" charset="0"/>
+                <a:ea typeface="+mn-ea"/>
+                <a:cs typeface="+mn-cs"/>
+              </a:rPr>
+              <a:t>Ptotal</a:t>
+            </a:r>
+            <a:r>
+              <a:rPr lang="en-US" altLang="zh-CN" sz="1600" b="0" i="0" u="none" strike="noStrike" kern="1200" baseline="0" dirty="0">
+                <a:solidFill>
+                  <a:schemeClr val="tx1"/>
+                </a:solidFill>
+                <a:latin typeface="Arial" charset="0"/>
+                <a:ea typeface="+mn-ea"/>
+                <a:cs typeface="+mn-cs"/>
+              </a:rPr>
+              <a:t>) consists of three parts: the power of original FF (PFF ), the power of CVL unit</a:t>
+            </a:r>
+          </a:p>
+          <a:p>
+            <a:r>
+              <a:rPr lang="en-US" altLang="zh-CN" sz="1600" b="0" i="0" u="none" strike="noStrike" kern="1200" baseline="0" dirty="0">
+                <a:solidFill>
+                  <a:schemeClr val="tx1"/>
+                </a:solidFill>
+                <a:latin typeface="Arial" charset="0"/>
+                <a:ea typeface="+mn-ea"/>
+                <a:cs typeface="+mn-cs"/>
+              </a:rPr>
+              <a:t>(PCV L) and the power of CU (PCU). So the randomness of power is derived from the uncertain sum of three parts relying on </a:t>
+            </a:r>
+            <a:r>
+              <a:rPr lang="en-US" altLang="zh-CN" sz="1600" b="0" i="0" u="none" strike="noStrike" kern="1200" baseline="0" dirty="0" err="1">
+                <a:solidFill>
+                  <a:schemeClr val="tx1"/>
+                </a:solidFill>
+                <a:latin typeface="Arial" charset="0"/>
+                <a:ea typeface="+mn-ea"/>
+                <a:cs typeface="+mn-cs"/>
+              </a:rPr>
+              <a:t>VDDm</a:t>
+            </a:r>
+            <a:r>
+              <a:rPr lang="en-US" altLang="zh-CN" sz="1600" b="0" i="0" u="none" strike="noStrike" kern="1200" baseline="0" dirty="0">
+                <a:solidFill>
+                  <a:schemeClr val="tx1"/>
+                </a:solidFill>
+                <a:latin typeface="Arial" charset="0"/>
+                <a:ea typeface="+mn-ea"/>
+                <a:cs typeface="+mn-cs"/>
+              </a:rPr>
+              <a:t>.</a:t>
+            </a:r>
+            <a:endParaRPr lang="zh-CN" altLang="en-US" dirty="0"/>
+          </a:p>
+          <a:p>
             <a:endParaRPr lang="zh-CN" altLang="en-US" dirty="0"/>
           </a:p>
         </p:txBody>
@@ -2641,7 +2662,7 @@
             <a:fld id="{02322656-8894-1544-92AA-01B3CF5E6182}" type="slidenum">
               <a:rPr lang="en-US" smtClean="0"/>
               <a:pPr/>
-              <a:t>23</a:t>
+              <a:t>22</a:t>
             </a:fld>
             <a:endParaRPr lang="en-US" dirty="0"/>
           </a:p>
@@ -2650,7 +2671,7 @@
     </p:spTree>
     <p:extLst>
       <p:ext uri="{BB962C8B-B14F-4D97-AF65-F5344CB8AC3E}">
-        <p14:creationId xmlns:p14="http://schemas.microsoft.com/office/powerpoint/2010/main" val="2872454581"/>
+        <p14:creationId xmlns:p14="http://schemas.microsoft.com/office/powerpoint/2010/main" val="3410888393"/>
       </p:ext>
     </p:extLst>
   </p:cSld>
@@ -2794,89 +2815,8 @@
           <a:lstStyle/>
           <a:p>
             <a:r>
-              <a:rPr lang="en-US" altLang="zh-CN" sz="1600" b="0" i="0" u="none" strike="noStrike" kern="1200" baseline="0" dirty="0">
-                <a:solidFill>
-                  <a:schemeClr val="tx1"/>
-                </a:solidFill>
-                <a:latin typeface="Arial" charset="0"/>
-                <a:ea typeface="+mn-ea"/>
-                <a:cs typeface="+mn-cs"/>
-              </a:rPr>
-              <a:t>For the purpose of illustration, only the case of n equal to 4 is applied and verified in the same test bench for both algorithms</a:t>
-            </a:r>
-          </a:p>
-          <a:p>
-            <a:r>
-              <a:rPr lang="en-US" altLang="zh-CN" sz="1600" b="0" i="0" u="none" strike="noStrike" kern="1200" baseline="0" dirty="0">
-                <a:solidFill>
-                  <a:schemeClr val="tx1"/>
-                </a:solidFill>
-                <a:latin typeface="Arial" charset="0"/>
-                <a:ea typeface="+mn-ea"/>
-                <a:cs typeface="+mn-cs"/>
-              </a:rPr>
-              <a:t>And we do compiling and synthesis by Design Compiler (DC)</a:t>
-            </a:r>
-          </a:p>
-          <a:p>
-            <a:r>
-              <a:rPr lang="en-US" altLang="zh-CN" sz="1600" b="0" i="0" u="none" strike="noStrike" kern="1200" baseline="0" dirty="0">
-                <a:solidFill>
-                  <a:schemeClr val="tx1"/>
-                </a:solidFill>
-                <a:latin typeface="Arial" charset="0"/>
-                <a:ea typeface="+mn-ea"/>
-                <a:cs typeface="+mn-cs"/>
-              </a:rPr>
-              <a:t>In this simulation setup, all power traces are acquired from ideal digital circuits by detailed transistor level simulation through HSPICE</a:t>
-            </a:r>
-          </a:p>
-          <a:p>
-            <a:r>
-              <a:rPr lang="en-US" altLang="zh-CN" sz="1600" b="0" i="0" u="none" strike="noStrike" kern="1200" baseline="0" dirty="0">
-                <a:solidFill>
-                  <a:schemeClr val="tx1"/>
-                </a:solidFill>
-                <a:latin typeface="Arial" charset="0"/>
-                <a:ea typeface="+mn-ea"/>
-                <a:cs typeface="+mn-cs"/>
-              </a:rPr>
-              <a:t>The applied experiment setup consists of two 4/8-bit input registers(Data, Key), one 4/8-bit output register, one 4/8-bit XOR gate and</a:t>
-            </a:r>
-          </a:p>
-          <a:p>
-            <a:r>
-              <a:rPr lang="en-US" altLang="zh-CN" sz="1600" b="0" i="0" u="none" strike="noStrike" kern="1200" baseline="0" dirty="0">
-                <a:solidFill>
-                  <a:schemeClr val="tx1"/>
-                </a:solidFill>
-                <a:latin typeface="Arial" charset="0"/>
-                <a:ea typeface="+mn-ea"/>
-                <a:cs typeface="+mn-cs"/>
-              </a:rPr>
-              <a:t>the </a:t>
-            </a:r>
-            <a:r>
-              <a:rPr lang="en-US" altLang="zh-CN" sz="1600" b="0" i="0" u="none" strike="noStrike" kern="1200" baseline="0" dirty="0" err="1">
-                <a:solidFill>
-                  <a:schemeClr val="tx1"/>
-                </a:solidFill>
-                <a:latin typeface="Arial" charset="0"/>
-                <a:ea typeface="+mn-ea"/>
-                <a:cs typeface="+mn-cs"/>
-              </a:rPr>
-              <a:t>SBox</a:t>
-            </a:r>
-            <a:r>
-              <a:rPr lang="en-US" altLang="zh-CN" sz="1600" b="0" i="0" u="none" strike="noStrike" kern="1200" baseline="0" dirty="0">
-                <a:solidFill>
-                  <a:schemeClr val="tx1"/>
-                </a:solidFill>
-                <a:latin typeface="Arial" charset="0"/>
-                <a:ea typeface="+mn-ea"/>
-                <a:cs typeface="+mn-cs"/>
-              </a:rPr>
-              <a:t> module from the PRESENT/AES algorithms</a:t>
+              <a:rPr lang="en-US" altLang="zh-CN" dirty="0"/>
+              <a:t>The third part, I will show the simulation we did for FPL</a:t>
             </a:r>
             <a:endParaRPr lang="zh-CN" altLang="en-US" dirty="0"/>
           </a:p>
@@ -2900,7 +2840,7 @@
             <a:fld id="{02322656-8894-1544-92AA-01B3CF5E6182}" type="slidenum">
               <a:rPr lang="en-US" smtClean="0"/>
               <a:pPr/>
-              <a:t>24</a:t>
+              <a:t>23</a:t>
             </a:fld>
             <a:endParaRPr lang="en-US" dirty="0"/>
           </a:p>
@@ -2909,7 +2849,7 @@
     </p:spTree>
     <p:extLst>
       <p:ext uri="{BB962C8B-B14F-4D97-AF65-F5344CB8AC3E}">
-        <p14:creationId xmlns:p14="http://schemas.microsoft.com/office/powerpoint/2010/main" val="2681745086"/>
+        <p14:creationId xmlns:p14="http://schemas.microsoft.com/office/powerpoint/2010/main" val="2872454581"/>
       </p:ext>
     </p:extLst>
   </p:cSld>
@@ -2972,10 +2912,60 @@
                 <a:ea typeface="+mn-ea"/>
                 <a:cs typeface="+mn-cs"/>
               </a:rPr>
-              <a:t>To be specific, the Gate equivalents (GE) of SC-, FPL- and WDDL-based testbench implementations are summarized in the first row of Table. </a:t>
-            </a:r>
-          </a:p>
-          <a:p>
+              <a:t>For the purpose of illustration, only the case of n equal to 4 is applied and verified in the same test bench for both algorithms</a:t>
+            </a:r>
+          </a:p>
+          <a:p>
+            <a:r>
+              <a:rPr lang="en-US" altLang="zh-CN" sz="1600" b="0" i="0" u="none" strike="noStrike" kern="1200" baseline="0" dirty="0">
+                <a:solidFill>
+                  <a:schemeClr val="tx1"/>
+                </a:solidFill>
+                <a:latin typeface="Arial" charset="0"/>
+                <a:ea typeface="+mn-ea"/>
+                <a:cs typeface="+mn-cs"/>
+              </a:rPr>
+              <a:t>And we do compiling and synthesis by Design Compiler (DC)</a:t>
+            </a:r>
+          </a:p>
+          <a:p>
+            <a:r>
+              <a:rPr lang="en-US" altLang="zh-CN" sz="1600" b="0" i="0" u="none" strike="noStrike" kern="1200" baseline="0" dirty="0">
+                <a:solidFill>
+                  <a:schemeClr val="tx1"/>
+                </a:solidFill>
+                <a:latin typeface="Arial" charset="0"/>
+                <a:ea typeface="+mn-ea"/>
+                <a:cs typeface="+mn-cs"/>
+              </a:rPr>
+              <a:t>In this simulation setup, all power traces are acquired from ideal digital circuits by detailed transistor level simulation through HSPICE</a:t>
+            </a:r>
+          </a:p>
+          <a:p>
+            <a:r>
+              <a:rPr lang="en-US" altLang="zh-CN" sz="1600" b="0" i="0" u="none" strike="noStrike" kern="1200" baseline="0" dirty="0">
+                <a:solidFill>
+                  <a:schemeClr val="tx1"/>
+                </a:solidFill>
+                <a:latin typeface="Arial" charset="0"/>
+                <a:ea typeface="+mn-ea"/>
+                <a:cs typeface="+mn-cs"/>
+              </a:rPr>
+              <a:t>The applied experiment setup consists of two 4/8-bit input registers(Data, Key), one 4/8-bit output register, one 4/8-bit XOR gate and</a:t>
+            </a:r>
+          </a:p>
+          <a:p>
+            <a:r>
+              <a:rPr lang="en-US" altLang="zh-CN" sz="1600" b="0" i="0" u="none" strike="noStrike" kern="1200" baseline="0" dirty="0">
+                <a:solidFill>
+                  <a:schemeClr val="tx1"/>
+                </a:solidFill>
+                <a:latin typeface="Arial" charset="0"/>
+                <a:ea typeface="+mn-ea"/>
+                <a:cs typeface="+mn-cs"/>
+              </a:rPr>
+              <a:t>the </a:t>
+            </a:r>
             <a:r>
               <a:rPr lang="en-US" altLang="zh-CN" sz="1600" b="0" i="0" u="none" strike="noStrike" kern="1200" baseline="0" dirty="0" err="1">
                 <a:solidFill>
@@ -2985,7 +2975,7 @@
                 <a:ea typeface="+mn-ea"/>
                 <a:cs typeface="+mn-cs"/>
               </a:rPr>
-              <a:t>Pavg</a:t>
+              <a:t>SBox</a:t>
             </a:r>
             <a:r>
               <a:rPr lang="en-US" altLang="zh-CN" sz="1600" b="0" i="0" u="none" strike="noStrike" kern="1200" baseline="0" dirty="0">
@@ -2996,20 +2986,7 @@
                 <a:ea typeface="+mn-ea"/>
                 <a:cs typeface="+mn-cs"/>
               </a:rPr>
-              <a:t> and P are the mean and standard deviation</a:t>
-            </a:r>
-          </a:p>
-          <a:p>
-            <a:r>
-              <a:rPr lang="en-US" altLang="zh-CN" sz="1600" b="0" i="0" u="none" strike="noStrike" kern="1200" baseline="0" dirty="0">
-                <a:solidFill>
-                  <a:schemeClr val="tx1"/>
-                </a:solidFill>
-                <a:latin typeface="Arial" charset="0"/>
-                <a:ea typeface="+mn-ea"/>
-                <a:cs typeface="+mn-cs"/>
-              </a:rPr>
-              <a:t>We can see that, although FPL-based FF use more gates and power, but it performance is better than WDDL-based schemes.</a:t>
+              <a:t> module from the PRESENT/AES algorithms</a:t>
             </a:r>
             <a:endParaRPr lang="zh-CN" altLang="en-US" dirty="0"/>
           </a:p>
@@ -3033,7 +3010,7 @@
             <a:fld id="{02322656-8894-1544-92AA-01B3CF5E6182}" type="slidenum">
               <a:rPr lang="en-US" smtClean="0"/>
               <a:pPr/>
-              <a:t>25</a:t>
+              <a:t>24</a:t>
             </a:fld>
             <a:endParaRPr lang="en-US" dirty="0"/>
           </a:p>
@@ -3042,7 +3019,7 @@
     </p:spTree>
     <p:extLst>
       <p:ext uri="{BB962C8B-B14F-4D97-AF65-F5344CB8AC3E}">
-        <p14:creationId xmlns:p14="http://schemas.microsoft.com/office/powerpoint/2010/main" val="1518347687"/>
+        <p14:creationId xmlns:p14="http://schemas.microsoft.com/office/powerpoint/2010/main" val="2681745086"/>
       </p:ext>
     </p:extLst>
   </p:cSld>
@@ -3097,42 +3074,52 @@
           <a:lstStyle/>
           <a:p>
             <a:r>
-              <a:rPr lang="en-US" altLang="zh-CN" dirty="0"/>
-              <a:t>The</a:t>
-            </a:r>
-            <a:r>
-              <a:rPr lang="zh-CN" altLang="en-US" dirty="0"/>
-              <a:t> </a:t>
-            </a:r>
-            <a:r>
-              <a:rPr lang="en-US" altLang="zh-CN" dirty="0"/>
-              <a:t>simulation</a:t>
-            </a:r>
-            <a:r>
-              <a:rPr lang="zh-CN" altLang="en-US" dirty="0"/>
-              <a:t> </a:t>
-            </a:r>
-            <a:r>
-              <a:rPr lang="en-US" altLang="zh-CN" dirty="0"/>
-              <a:t>results are plotted here.</a:t>
-            </a:r>
-          </a:p>
-          <a:p>
-            <a:r>
-              <a:rPr lang="en-US" altLang="zh-CN" dirty="0"/>
-              <a:t>We compare standard AES implementation and FPL based AES implementation and these are correlation to number of traces</a:t>
-            </a:r>
-          </a:p>
-          <a:p>
-            <a:r>
-              <a:rPr lang="en-US" altLang="zh-CN" dirty="0"/>
-              <a:t>As you can see, in standard implementation, the correlation of the right key guess is the red line and will appear using thirty traces</a:t>
-            </a:r>
-          </a:p>
-          <a:p>
-            <a:r>
-              <a:rPr lang="en-US" altLang="zh-CN" dirty="0"/>
-              <a:t>But in FPL implementation, it need at least two hundred traces.</a:t>
+              <a:rPr lang="en-US" altLang="zh-CN" sz="1600" b="0" i="0" u="none" strike="noStrike" kern="1200" baseline="0" dirty="0">
+                <a:solidFill>
+                  <a:schemeClr val="tx1"/>
+                </a:solidFill>
+                <a:latin typeface="Arial" charset="0"/>
+                <a:ea typeface="+mn-ea"/>
+                <a:cs typeface="+mn-cs"/>
+              </a:rPr>
+              <a:t>To be specific, the Gate equivalents (GE) of SC-, FPL- and WDDL-based testbench implementations are summarized in the first row of Table. </a:t>
+            </a:r>
+          </a:p>
+          <a:p>
+            <a:r>
+              <a:rPr lang="en-US" altLang="zh-CN" sz="1600" b="0" i="0" u="none" strike="noStrike" kern="1200" baseline="0" dirty="0" err="1">
+                <a:solidFill>
+                  <a:schemeClr val="tx1"/>
+                </a:solidFill>
+                <a:latin typeface="Arial" charset="0"/>
+                <a:ea typeface="+mn-ea"/>
+                <a:cs typeface="+mn-cs"/>
+              </a:rPr>
+              <a:t>Pavg</a:t>
+            </a:r>
+            <a:r>
+              <a:rPr lang="en-US" altLang="zh-CN" sz="1600" b="0" i="0" u="none" strike="noStrike" kern="1200" baseline="0" dirty="0">
+                <a:solidFill>
+                  <a:schemeClr val="tx1"/>
+                </a:solidFill>
+                <a:latin typeface="Arial" charset="0"/>
+                <a:ea typeface="+mn-ea"/>
+                <a:cs typeface="+mn-cs"/>
+              </a:rPr>
+              <a:t> and P are the mean and standard deviation</a:t>
+            </a:r>
+          </a:p>
+          <a:p>
+            <a:r>
+              <a:rPr lang="en-US" altLang="zh-CN" sz="1600" b="0" i="0" u="none" strike="noStrike" kern="1200" baseline="0" dirty="0">
+                <a:solidFill>
+                  <a:schemeClr val="tx1"/>
+                </a:solidFill>
+                <a:latin typeface="Arial" charset="0"/>
+                <a:ea typeface="+mn-ea"/>
+                <a:cs typeface="+mn-cs"/>
+              </a:rPr>
+              <a:t>We can see that, although FPL-based FF use more gates and power, but it performance is better than WDDL-based schemes.</a:t>
             </a:r>
             <a:endParaRPr lang="zh-CN" altLang="en-US" dirty="0"/>
           </a:p>
@@ -3156,7 +3143,7 @@
             <a:fld id="{02322656-8894-1544-92AA-01B3CF5E6182}" type="slidenum">
               <a:rPr lang="en-US" smtClean="0"/>
               <a:pPr/>
-              <a:t>26</a:t>
+              <a:t>25</a:t>
             </a:fld>
             <a:endParaRPr lang="en-US" dirty="0"/>
           </a:p>
@@ -3165,7 +3152,7 @@
     </p:spTree>
     <p:extLst>
       <p:ext uri="{BB962C8B-B14F-4D97-AF65-F5344CB8AC3E}">
-        <p14:creationId xmlns:p14="http://schemas.microsoft.com/office/powerpoint/2010/main" val="2572655887"/>
+        <p14:creationId xmlns:p14="http://schemas.microsoft.com/office/powerpoint/2010/main" val="1518347687"/>
       </p:ext>
     </p:extLst>
   </p:cSld>
@@ -3221,16 +3208,42 @@
           <a:p>
             <a:r>
               <a:rPr lang="en-US" altLang="zh-CN" dirty="0"/>
-              <a:t>these are plots of correlation to length of a trace</a:t>
-            </a:r>
-          </a:p>
-          <a:p>
-            <a:r>
-              <a:rPr lang="en-US" altLang="zh-CN" dirty="0"/>
-              <a:t>We can see there is a obvious peak of correlation in standard implementation but there is no peak in FPL implementation</a:t>
-            </a:r>
-          </a:p>
-          <a:p>
+              <a:t>The</a:t>
+            </a:r>
+            <a:r>
+              <a:rPr lang="zh-CN" altLang="en-US" dirty="0"/>
+              <a:t> </a:t>
+            </a:r>
+            <a:r>
+              <a:rPr lang="en-US" altLang="zh-CN" dirty="0"/>
+              <a:t>simulation</a:t>
+            </a:r>
+            <a:r>
+              <a:rPr lang="zh-CN" altLang="en-US" dirty="0"/>
+              <a:t> </a:t>
+            </a:r>
+            <a:r>
+              <a:rPr lang="en-US" altLang="zh-CN" dirty="0"/>
+              <a:t>results are plotted here.</a:t>
+            </a:r>
+          </a:p>
+          <a:p>
+            <a:r>
+              <a:rPr lang="en-US" altLang="zh-CN" dirty="0"/>
+              <a:t>We compare standard AES implementation and FPL based AES implementation and these are correlation to number of traces</a:t>
+            </a:r>
+          </a:p>
+          <a:p>
+            <a:r>
+              <a:rPr lang="en-US" altLang="zh-CN" dirty="0"/>
+              <a:t>As you can see, in standard implementation, the correlation of the right key guess is the red line and will appear using thirty traces</a:t>
+            </a:r>
+          </a:p>
+          <a:p>
+            <a:r>
+              <a:rPr lang="en-US" altLang="zh-CN" dirty="0"/>
+              <a:t>But in FPL implementation, it need at least two hundred traces.</a:t>
+            </a:r>
             <a:endParaRPr lang="zh-CN" altLang="en-US" dirty="0"/>
           </a:p>
         </p:txBody>
@@ -3253,7 +3266,7 @@
             <a:fld id="{02322656-8894-1544-92AA-01B3CF5E6182}" type="slidenum">
               <a:rPr lang="en-US" smtClean="0"/>
               <a:pPr/>
-              <a:t>27</a:t>
+              <a:t>26</a:t>
             </a:fld>
             <a:endParaRPr lang="en-US" dirty="0"/>
           </a:p>
@@ -3262,7 +3275,7 @@
     </p:spTree>
     <p:extLst>
       <p:ext uri="{BB962C8B-B14F-4D97-AF65-F5344CB8AC3E}">
-        <p14:creationId xmlns:p14="http://schemas.microsoft.com/office/powerpoint/2010/main" val="2226964129"/>
+        <p14:creationId xmlns:p14="http://schemas.microsoft.com/office/powerpoint/2010/main" val="2572655887"/>
       </p:ext>
     </p:extLst>
   </p:cSld>
@@ -3318,6 +3331,103 @@
           <a:p>
             <a:r>
               <a:rPr lang="en-US" altLang="zh-CN" dirty="0"/>
+              <a:t>these are plots of correlation to length of a trace</a:t>
+            </a:r>
+          </a:p>
+          <a:p>
+            <a:r>
+              <a:rPr lang="en-US" altLang="zh-CN" dirty="0"/>
+              <a:t>We can see there is a obvious peak of correlation in standard implementation but there is no peak in FPL implementation</a:t>
+            </a:r>
+          </a:p>
+          <a:p>
+            <a:endParaRPr lang="zh-CN" altLang="en-US" dirty="0"/>
+          </a:p>
+        </p:txBody>
+      </p:sp>
+      <p:sp>
+        <p:nvSpPr>
+          <p:cNvPr id="4" name="灯片编号占位符 3"/>
+          <p:cNvSpPr>
+            <a:spLocks noGrp="1"/>
+          </p:cNvSpPr>
+          <p:nvPr>
+            <p:ph type="sldNum" sz="quarter" idx="5"/>
+          </p:nvPr>
+        </p:nvSpPr>
+        <p:spPr/>
+        <p:txBody>
+          <a:bodyPr/>
+          <a:lstStyle/>
+          <a:p>
+            <a:fld id="{02322656-8894-1544-92AA-01B3CF5E6182}" type="slidenum">
+              <a:rPr lang="en-US" smtClean="0"/>
+              <a:pPr/>
+              <a:t>27</a:t>
+            </a:fld>
+            <a:endParaRPr lang="en-US" dirty="0"/>
+          </a:p>
+        </p:txBody>
+      </p:sp>
+    </p:spTree>
+    <p:extLst>
+      <p:ext uri="{BB962C8B-B14F-4D97-AF65-F5344CB8AC3E}">
+        <p14:creationId xmlns:p14="http://schemas.microsoft.com/office/powerpoint/2010/main" val="2226964129"/>
+      </p:ext>
+    </p:extLst>
+  </p:cSld>
+  <p:clrMapOvr>
+    <a:masterClrMapping/>
+  </p:clrMapOvr>
+</p:notes>
+</file>
+
+<file path=ppt/notesSlides/notesSlide25.xml><?xml version="1.0" encoding="utf-8"?>
+<p:notes xmlns:a="http://schemas.openxmlformats.org/drawingml/2006/main" xmlns:r="http://schemas.openxmlformats.org/officeDocument/2006/relationships" xmlns:p="http://schemas.openxmlformats.org/presentationml/2006/main">
+  <p:cSld>
+    <p:spTree>
+      <p:nvGrpSpPr>
+        <p:cNvPr id="1" name=""/>
+        <p:cNvGrpSpPr/>
+        <p:nvPr/>
+      </p:nvGrpSpPr>
+      <p:grpSpPr>
+        <a:xfrm>
+          <a:off x="0" y="0"/>
+          <a:ext cx="0" cy="0"/>
+          <a:chOff x="0" y="0"/>
+          <a:chExt cx="0" cy="0"/>
+        </a:xfrm>
+      </p:grpSpPr>
+      <p:sp>
+        <p:nvSpPr>
+          <p:cNvPr id="2" name="幻灯片图像占位符 1"/>
+          <p:cNvSpPr>
+            <a:spLocks noGrp="1" noRot="1" noChangeAspect="1"/>
+          </p:cNvSpPr>
+          <p:nvPr>
+            <p:ph type="sldImg"/>
+          </p:nvPr>
+        </p:nvSpPr>
+        <p:spPr/>
+      </p:sp>
+      <p:sp>
+        <p:nvSpPr>
+          <p:cNvPr id="3" name="备注占位符 2"/>
+          <p:cNvSpPr>
+            <a:spLocks noGrp="1"/>
+          </p:cNvSpPr>
+          <p:nvPr>
+            <p:ph type="body" idx="1"/>
+          </p:nvPr>
+        </p:nvSpPr>
+        <p:spPr/>
+        <p:txBody>
+          <a:bodyPr/>
+          <a:lstStyle/>
+          <a:p>
+            <a:r>
+              <a:rPr lang="en-US" altLang="zh-CN" dirty="0"/>
               <a:t>We can see the same result in PRESENT</a:t>
             </a:r>
           </a:p>
@@ -3367,7 +3477,7 @@
 </p:notes>
 </file>
 
-<file path=ppt/notesSlides/notesSlide25.xml><?xml version="1.0" encoding="utf-8"?>
+<file path=ppt/notesSlides/notesSlide26.xml><?xml version="1.0" encoding="utf-8"?>
 <p:notes xmlns:a="http://schemas.openxmlformats.org/drawingml/2006/main" xmlns:r="http://schemas.openxmlformats.org/officeDocument/2006/relationships" xmlns:p="http://schemas.openxmlformats.org/presentationml/2006/main">
   <p:cSld>
     <p:spTree>
@@ -3969,21 +4079,27 @@
           <a:p>
             <a:r>
               <a:rPr lang="en-US" altLang="zh-CN" dirty="0"/>
-              <a:t>The</a:t>
-            </a:r>
-            <a:r>
-              <a:rPr lang="zh-CN" altLang="en-US" dirty="0"/>
-              <a:t> </a:t>
-            </a:r>
-            <a:r>
-              <a:rPr lang="en-US" altLang="zh-CN" dirty="0"/>
-              <a:t>correlation of the three part is shown in the picture. The masking and hiding care more about the power model.</a:t>
-            </a:r>
-          </a:p>
-          <a:p>
-            <a:r>
-              <a:rPr lang="en-US" altLang="zh-CN" dirty="0"/>
-              <a:t>Our work aims to remove the correlation between key-dependent data and power dissipation directly, regardless of whether the power model is known to the adversary.</a:t>
+              <a:t>WDDL is </a:t>
+            </a:r>
+            <a:r>
+              <a:rPr lang="en-US" altLang="zh-CN" sz="1600" dirty="0"/>
+              <a:t>one implementation of DPL based on standard cell flow</a:t>
+            </a:r>
+          </a:p>
+          <a:p>
+            <a:r>
+              <a:rPr lang="en-US" altLang="zh-CN" sz="1600" dirty="0"/>
+              <a:t>But it require a very strict complementary capacitive balance, making it difficult to implement in practice</a:t>
+            </a:r>
+          </a:p>
+          <a:p>
+            <a:r>
+              <a:rPr lang="en-US" altLang="zh-CN" sz="1600" dirty="0"/>
+              <a:t>We will compare the performance between WDDL and </a:t>
+            </a:r>
+            <a:r>
+              <a:rPr lang="en-US" altLang="zh-CN" sz="1600"/>
+              <a:t>our work</a:t>
             </a:r>
             <a:endParaRPr lang="zh-CN" altLang="en-US" dirty="0"/>
           </a:p>
@@ -4007,7 +4123,7 @@
             <a:fld id="{02322656-8894-1544-92AA-01B3CF5E6182}" type="slidenum">
               <a:rPr lang="en-US" smtClean="0"/>
               <a:pPr/>
-              <a:t>8</a:t>
+              <a:t>7</a:t>
             </a:fld>
             <a:endParaRPr lang="en-US" dirty="0"/>
           </a:p>
@@ -4016,7 +4132,7 @@
     </p:spTree>
     <p:extLst>
       <p:ext uri="{BB962C8B-B14F-4D97-AF65-F5344CB8AC3E}">
-        <p14:creationId xmlns:p14="http://schemas.microsoft.com/office/powerpoint/2010/main" val="3005727602"/>
+        <p14:creationId xmlns:p14="http://schemas.microsoft.com/office/powerpoint/2010/main" val="24794791"/>
       </p:ext>
     </p:extLst>
   </p:cSld>
@@ -4080,66 +4196,14 @@
             </a:r>
             <a:r>
               <a:rPr lang="en-US" altLang="zh-CN" dirty="0"/>
-              <a:t>second</a:t>
-            </a:r>
-            <a:r>
-              <a:rPr lang="zh-CN" altLang="en-US" dirty="0"/>
-              <a:t> </a:t>
-            </a:r>
-            <a:r>
-              <a:rPr lang="en-US" altLang="zh-CN" dirty="0"/>
-              <a:t>part</a:t>
-            </a:r>
-            <a:r>
-              <a:rPr lang="zh-CN" altLang="en-US" dirty="0"/>
-              <a:t> </a:t>
-            </a:r>
-            <a:r>
-              <a:rPr lang="en-US" altLang="zh-CN" dirty="0"/>
-              <a:t>let</a:t>
-            </a:r>
-            <a:r>
-              <a:rPr lang="zh-CN" altLang="en-US" dirty="0"/>
-              <a:t> </a:t>
-            </a:r>
-            <a:r>
-              <a:rPr lang="en-US" altLang="zh-CN" dirty="0"/>
-              <a:t>me</a:t>
-            </a:r>
-            <a:r>
-              <a:rPr lang="zh-CN" altLang="en-US" dirty="0"/>
-              <a:t> </a:t>
-            </a:r>
-            <a:r>
-              <a:rPr lang="en-US" altLang="zh-CN" dirty="0"/>
-              <a:t>introduce</a:t>
-            </a:r>
-            <a:r>
-              <a:rPr lang="zh-CN" altLang="en-US" dirty="0"/>
-              <a:t> </a:t>
-            </a:r>
-            <a:r>
-              <a:rPr lang="en-US" altLang="zh-CN" dirty="0"/>
-              <a:t>the</a:t>
-            </a:r>
-            <a:r>
-              <a:rPr lang="zh-CN" altLang="en-US" dirty="0"/>
-              <a:t> </a:t>
-            </a:r>
-            <a:r>
-              <a:rPr lang="en-US" altLang="zh-CN" dirty="0"/>
-              <a:t>FPL</a:t>
-            </a:r>
-            <a:r>
-              <a:rPr lang="zh-CN" altLang="en-US" dirty="0"/>
-              <a:t> </a:t>
-            </a:r>
-            <a:r>
-              <a:rPr lang="en-US" altLang="zh-CN" dirty="0"/>
-              <a:t>scheme</a:t>
-            </a:r>
-          </a:p>
-          <a:p>
+              <a:t>correlation of the three part is shown in the picture. The masking and hiding care more about the power model.</a:t>
+            </a:r>
+          </a:p>
+          <a:p>
+            <a:r>
+              <a:rPr lang="en-US" altLang="zh-CN" dirty="0"/>
+              <a:t>Our work aims to remove the correlation between key-dependent data and power dissipation directly, regardless of whether the power model is known to the adversary.</a:t>
+            </a:r>
             <a:endParaRPr lang="zh-CN" altLang="en-US" dirty="0"/>
           </a:p>
         </p:txBody>
@@ -4162,7 +4226,7 @@
             <a:fld id="{02322656-8894-1544-92AA-01B3CF5E6182}" type="slidenum">
               <a:rPr lang="en-US" smtClean="0"/>
               <a:pPr/>
-              <a:t>10</a:t>
+              <a:t>8</a:t>
             </a:fld>
             <a:endParaRPr lang="en-US" dirty="0"/>
           </a:p>
@@ -4171,7 +4235,7 @@
     </p:spTree>
     <p:extLst>
       <p:ext uri="{BB962C8B-B14F-4D97-AF65-F5344CB8AC3E}">
-        <p14:creationId xmlns:p14="http://schemas.microsoft.com/office/powerpoint/2010/main" val="703921004"/>
+        <p14:creationId xmlns:p14="http://schemas.microsoft.com/office/powerpoint/2010/main" val="3005727602"/>
       </p:ext>
     </p:extLst>
   </p:cSld>
@@ -4227,28 +4291,74 @@
           <a:p>
             <a:r>
               <a:rPr lang="en-US" altLang="zh-CN" dirty="0"/>
-              <a:t>the CVL unit is connected to VDD and a PRNG pseudo random number generator. consists of n NMOS and n diodes</a:t>
-            </a:r>
-          </a:p>
-          <a:p>
-            <a:r>
-              <a:rPr lang="en-US" altLang="zh-CN" dirty="0"/>
-              <a:t>Then it has one PMOS and one n-input OR-gate. The input of the OR-gate is controlled by PRNG</a:t>
-            </a:r>
-          </a:p>
-          <a:p>
-            <a:r>
-              <a:rPr lang="en-US" altLang="zh-CN" dirty="0"/>
-              <a:t>And the CVL unit will produce a OUTPUT named </a:t>
-            </a:r>
-            <a:r>
-              <a:rPr lang="en-US" altLang="zh-CN" dirty="0" err="1"/>
-              <a:t>vddm</a:t>
-            </a:r>
-            <a:r>
-              <a:rPr lang="en-US" altLang="zh-CN" dirty="0"/>
-              <a:t> to substitute the VDD with a random voltage drop.</a:t>
-            </a:r>
+              <a:t>The</a:t>
+            </a:r>
+            <a:r>
+              <a:rPr lang="zh-CN" altLang="en-US" dirty="0"/>
+              <a:t> </a:t>
+            </a:r>
+            <a:r>
+              <a:rPr lang="en-US" altLang="zh-CN" dirty="0"/>
+              <a:t>second</a:t>
+            </a:r>
+            <a:r>
+              <a:rPr lang="zh-CN" altLang="en-US" dirty="0"/>
+              <a:t> </a:t>
+            </a:r>
+            <a:r>
+              <a:rPr lang="en-US" altLang="zh-CN" dirty="0"/>
+              <a:t>part</a:t>
+            </a:r>
+            <a:r>
+              <a:rPr lang="zh-CN" altLang="en-US" dirty="0"/>
+              <a:t> </a:t>
+            </a:r>
+            <a:r>
+              <a:rPr lang="en-US" altLang="zh-CN" dirty="0"/>
+              <a:t>let</a:t>
+            </a:r>
+            <a:r>
+              <a:rPr lang="zh-CN" altLang="en-US" dirty="0"/>
+              <a:t> </a:t>
+            </a:r>
+            <a:r>
+              <a:rPr lang="en-US" altLang="zh-CN" dirty="0"/>
+              <a:t>me</a:t>
+            </a:r>
+            <a:r>
+              <a:rPr lang="zh-CN" altLang="en-US" dirty="0"/>
+              <a:t> </a:t>
+            </a:r>
+            <a:r>
+              <a:rPr lang="en-US" altLang="zh-CN" dirty="0"/>
+              <a:t>introduce</a:t>
+            </a:r>
+            <a:r>
+              <a:rPr lang="zh-CN" altLang="en-US" dirty="0"/>
+              <a:t> </a:t>
+            </a:r>
+            <a:r>
+              <a:rPr lang="en-US" altLang="zh-CN" dirty="0"/>
+              <a:t>the</a:t>
+            </a:r>
+            <a:r>
+              <a:rPr lang="zh-CN" altLang="en-US" dirty="0"/>
+              <a:t> </a:t>
+            </a:r>
+            <a:r>
+              <a:rPr lang="en-US" altLang="zh-CN" dirty="0"/>
+              <a:t>FPL</a:t>
+            </a:r>
+            <a:r>
+              <a:rPr lang="zh-CN" altLang="en-US" dirty="0"/>
+              <a:t> </a:t>
+            </a:r>
+            <a:r>
+              <a:rPr lang="en-US" altLang="zh-CN" dirty="0"/>
+              <a:t>scheme</a:t>
+            </a:r>
+          </a:p>
+          <a:p>
             <a:endParaRPr lang="zh-CN" altLang="en-US" dirty="0"/>
           </a:p>
         </p:txBody>
@@ -4271,7 +4381,7 @@
             <a:fld id="{02322656-8894-1544-92AA-01B3CF5E6182}" type="slidenum">
               <a:rPr lang="en-US" smtClean="0"/>
               <a:pPr/>
-              <a:t>12</a:t>
+              <a:t>10</a:t>
             </a:fld>
             <a:endParaRPr lang="en-US" dirty="0"/>
           </a:p>
@@ -4280,7 +4390,7 @@
     </p:spTree>
     <p:extLst>
       <p:ext uri="{BB962C8B-B14F-4D97-AF65-F5344CB8AC3E}">
-        <p14:creationId xmlns:p14="http://schemas.microsoft.com/office/powerpoint/2010/main" val="520256759"/>
+        <p14:creationId xmlns:p14="http://schemas.microsoft.com/office/powerpoint/2010/main" val="703921004"/>
       </p:ext>
     </p:extLst>
   </p:cSld>
@@ -6356,8 +6466,8 @@
           </a:prstGeom>
         </p:spPr>
       </p:pic>
-      <mc:AlternateContent xmlns:mc="http://schemas.openxmlformats.org/markup-compatibility/2006">
-        <mc:Choice xmlns:a14="http://schemas.microsoft.com/office/drawing/2010/main" Requires="a14">
+      <mc:AlternateContent xmlns:mc="http://schemas.openxmlformats.org/markup-compatibility/2006" xmlns:a14="http://schemas.microsoft.com/office/drawing/2010/main">
+        <mc:Choice Requires="a14">
           <p:sp>
             <p:nvSpPr>
               <p:cNvPr id="7" name="矩形 6">
@@ -6474,7 +6584,7 @@
             </p:txBody>
           </p:sp>
         </mc:Choice>
-        <mc:Fallback>
+        <mc:Fallback xmlns="">
           <p:sp>
             <p:nvSpPr>
               <p:cNvPr id="7" name="矩形 6">
@@ -6736,8 +6846,8 @@
           </a:prstGeom>
         </p:spPr>
       </p:pic>
-      <mc:AlternateContent xmlns:mc="http://schemas.openxmlformats.org/markup-compatibility/2006">
-        <mc:Choice xmlns:a14="http://schemas.microsoft.com/office/drawing/2010/main" Requires="a14">
+      <mc:AlternateContent xmlns:mc="http://schemas.openxmlformats.org/markup-compatibility/2006" xmlns:a14="http://schemas.microsoft.com/office/drawing/2010/main">
+        <mc:Choice Requires="a14">
           <p:sp>
             <p:nvSpPr>
               <p:cNvPr id="7" name="矩形 6">
@@ -6854,7 +6964,7 @@
             </p:txBody>
           </p:sp>
         </mc:Choice>
-        <mc:Fallback>
+        <mc:Fallback xmlns="">
           <p:sp>
             <p:nvSpPr>
               <p:cNvPr id="7" name="矩形 6">
@@ -7112,8 +7222,8 @@
           </a:prstGeom>
         </p:spPr>
       </p:pic>
-      <mc:AlternateContent xmlns:mc="http://schemas.openxmlformats.org/markup-compatibility/2006">
-        <mc:Choice xmlns:a14="http://schemas.microsoft.com/office/drawing/2010/main" Requires="a14">
+      <mc:AlternateContent xmlns:mc="http://schemas.openxmlformats.org/markup-compatibility/2006" xmlns:a14="http://schemas.microsoft.com/office/drawing/2010/main">
+        <mc:Choice Requires="a14">
           <p:sp>
             <p:nvSpPr>
               <p:cNvPr id="7" name="矩形 6">
@@ -7230,7 +7340,7 @@
             </p:txBody>
           </p:sp>
         </mc:Choice>
-        <mc:Fallback>
+        <mc:Fallback xmlns="">
           <p:sp>
             <p:nvSpPr>
               <p:cNvPr id="7" name="矩形 6">
@@ -10870,6 +10980,122 @@
     <p:extLst>
       <p:ext uri="{BB962C8B-B14F-4D97-AF65-F5344CB8AC3E}">
         <p14:creationId xmlns:p14="http://schemas.microsoft.com/office/powerpoint/2010/main" val="1126469158"/>
+      </p:ext>
+    </p:extLst>
+  </p:cSld>
+  <p:clrMapOvr>
+    <a:masterClrMapping/>
+  </p:clrMapOvr>
+</p:sld>
+</file>
+
+<file path=ppt/slides/slide32.xml><?xml version="1.0" encoding="utf-8"?>
+<p:sld xmlns:a="http://schemas.openxmlformats.org/drawingml/2006/main" xmlns:r="http://schemas.openxmlformats.org/officeDocument/2006/relationships" xmlns:p="http://schemas.openxmlformats.org/presentationml/2006/main">
+  <p:cSld>
+    <p:spTree>
+      <p:nvGrpSpPr>
+        <p:cNvPr id="1" name=""/>
+        <p:cNvGrpSpPr/>
+        <p:nvPr/>
+      </p:nvGrpSpPr>
+      <p:grpSpPr>
+        <a:xfrm>
+          <a:off x="0" y="0"/>
+          <a:ext cx="0" cy="0"/>
+          <a:chOff x="0" y="0"/>
+          <a:chExt cx="0" cy="0"/>
+        </a:xfrm>
+      </p:grpSpPr>
+      <p:sp>
+        <p:nvSpPr>
+          <p:cNvPr id="2" name="内容占位符 1">
+            <a:extLst>
+              <a:ext uri="{FF2B5EF4-FFF2-40B4-BE49-F238E27FC236}">
+                <a16:creationId xmlns:a16="http://schemas.microsoft.com/office/drawing/2014/main" id="{D5CEC288-ED48-4679-80A2-6C4BD4341997}"/>
+              </a:ext>
+            </a:extLst>
+          </p:cNvPr>
+          <p:cNvSpPr>
+            <a:spLocks noGrp="1"/>
+          </p:cNvSpPr>
+          <p:nvPr>
+            <p:ph sz="quarter" idx="10"/>
+          </p:nvPr>
+        </p:nvSpPr>
+        <p:spPr/>
+        <p:txBody>
+          <a:bodyPr/>
+          <a:lstStyle/>
+          <a:p>
+            <a:endParaRPr lang="zh-CN" altLang="en-US"/>
+          </a:p>
+        </p:txBody>
+      </p:sp>
+      <p:sp>
+        <p:nvSpPr>
+          <p:cNvPr id="4" name="矩形 3">
+            <a:extLst>
+              <a:ext uri="{FF2B5EF4-FFF2-40B4-BE49-F238E27FC236}">
+                <a16:creationId xmlns:a16="http://schemas.microsoft.com/office/drawing/2014/main" id="{1894CBE7-2DFD-4AA2-A6DA-6446597E44D7}"/>
+              </a:ext>
+            </a:extLst>
+          </p:cNvPr>
+          <p:cNvSpPr/>
+          <p:nvPr/>
+        </p:nvSpPr>
+        <p:spPr>
+          <a:xfrm>
+            <a:off x="4185861" y="2967335"/>
+            <a:ext cx="3820277" cy="923330"/>
+          </a:xfrm>
+          <a:prstGeom prst="rect">
+            <a:avLst/>
+          </a:prstGeom>
+          <a:noFill/>
+        </p:spPr>
+        <p:txBody>
+          <a:bodyPr wrap="none" lIns="91440" tIns="45720" rIns="91440" bIns="45720">
+            <a:spAutoFit/>
+          </a:bodyPr>
+          <a:lstStyle/>
+          <a:p>
+            <a:pPr algn="ctr"/>
+            <a:r>
+              <a:rPr lang="en-US" altLang="zh-CN" sz="5400" dirty="0">
+                <a:ln w="0"/>
+                <a:solidFill>
+                  <a:schemeClr val="accent1"/>
+                </a:solidFill>
+                <a:effectLst>
+                  <a:outerShdw blurRad="38100" dist="25400" dir="5400000" algn="ctr" rotWithShape="0">
+                    <a:srgbClr val="6E747A">
+                      <a:alpha val="43000"/>
+                    </a:srgbClr>
+                  </a:outerShdw>
+                </a:effectLst>
+              </a:rPr>
+              <a:t>Thank you~</a:t>
+            </a:r>
+            <a:endParaRPr lang="zh-CN" altLang="en-US" sz="5400" b="0" cap="none" spc="0" dirty="0">
+              <a:ln w="0"/>
+              <a:solidFill>
+                <a:schemeClr val="accent1"/>
+              </a:solidFill>
+              <a:effectLst>
+                <a:outerShdw blurRad="38100" dist="25400" dir="5400000" algn="ctr" rotWithShape="0">
+                  <a:srgbClr val="6E747A">
+                    <a:alpha val="43000"/>
+                  </a:srgbClr>
+                </a:outerShdw>
+              </a:effectLst>
+            </a:endParaRPr>
+          </a:p>
+        </p:txBody>
+      </p:sp>
+    </p:spTree>
+    <p:extLst>
+      <p:ext uri="{BB962C8B-B14F-4D97-AF65-F5344CB8AC3E}">
+        <p14:creationId xmlns:p14="http://schemas.microsoft.com/office/powerpoint/2010/main" val="4148029259"/>
       </p:ext>
     </p:extLst>
   </p:cSld>
@@ -11174,7 +11400,7 @@
           <a:graphicData uri="http://schemas.openxmlformats.org/presentationml/2006/ole">
             <mc:AlternateContent xmlns:mc="http://schemas.openxmlformats.org/markup-compatibility/2006">
               <mc:Choice xmlns:v="urn:schemas-microsoft-com:vml" Requires="v">
-                <p:oleObj spid="_x0000_s1050" name="Equation" r:id="rId6" imgW="2044440" imgH="457200" progId="Equation.DSMT4">
+                <p:oleObj spid="_x0000_s1057" name="Equation" r:id="rId6" imgW="2044440" imgH="457200" progId="Equation.DSMT4">
                   <p:embed/>
                 </p:oleObj>
               </mc:Choice>
@@ -11469,20 +11695,20 @@
           <p:nvPr>
             <p:extLst>
               <p:ext uri="{D42A27DB-BD31-4B8C-83A1-F6EECF244321}">
-                <p14:modId xmlns:p14="http://schemas.microsoft.com/office/powerpoint/2010/main" val="1850368225"/>
+                <p14:modId xmlns:p14="http://schemas.microsoft.com/office/powerpoint/2010/main" val="869406655"/>
               </p:ext>
             </p:extLst>
           </p:nvPr>
         </p:nvGraphicFramePr>
         <p:xfrm>
-          <a:off x="3934422" y="2835501"/>
+          <a:off x="944672" y="3224779"/>
           <a:ext cx="2989750" cy="778556"/>
         </p:xfrm>
         <a:graphic>
           <a:graphicData uri="http://schemas.openxmlformats.org/presentationml/2006/ole">
             <mc:AlternateContent xmlns:mc="http://schemas.openxmlformats.org/markup-compatibility/2006">
               <mc:Choice xmlns:v="urn:schemas-microsoft-com:vml" Requires="v">
-                <p:oleObj spid="_x0000_s2068" name="Equation" r:id="rId4" imgW="583920" imgH="152280" progId="Equation.DSMT4">
+                <p:oleObj spid="_x0000_s2075" name="Equation" r:id="rId4" imgW="583920" imgH="152280" progId="Equation.DSMT4">
                   <p:embed/>
                 </p:oleObj>
               </mc:Choice>
@@ -11509,7 +11735,7 @@
                     </p:blipFill>
                     <p:spPr>
                       <a:xfrm>
-                        <a:off x="3934422" y="2835501"/>
+                        <a:off x="944672" y="3224779"/>
                         <a:ext cx="2989750" cy="778556"/>
                       </a:xfrm>
                       <a:prstGeom prst="rect">
@@ -11523,6 +11749,36 @@
           </a:graphicData>
         </a:graphic>
       </p:graphicFrame>
+      <p:pic>
+        <p:nvPicPr>
+          <p:cNvPr id="5" name="Picture 7">
+            <a:extLst>
+              <a:ext uri="{FF2B5EF4-FFF2-40B4-BE49-F238E27FC236}">
+                <a16:creationId xmlns:a16="http://schemas.microsoft.com/office/drawing/2014/main" id="{D94CE667-2F1E-4ADF-96E1-2E2A89764346}"/>
+              </a:ext>
+            </a:extLst>
+          </p:cNvPr>
+          <p:cNvPicPr>
+            <a:picLocks noChangeAspect="1"/>
+          </p:cNvPicPr>
+          <p:nvPr/>
+        </p:nvPicPr>
+        <p:blipFill>
+          <a:blip r:embed="rId6"/>
+          <a:stretch>
+            <a:fillRect/>
+          </a:stretch>
+        </p:blipFill>
+        <p:spPr>
+          <a:xfrm>
+            <a:off x="5669728" y="2762525"/>
+            <a:ext cx="4072986" cy="3922309"/>
+          </a:xfrm>
+          <a:prstGeom prst="rect">
+            <a:avLst/>
+          </a:prstGeom>
+        </p:spPr>
+      </p:pic>
     </p:spTree>
     <p:extLst>
       <p:ext uri="{BB962C8B-B14F-4D97-AF65-F5344CB8AC3E}">
@@ -11576,7 +11832,15 @@
           <a:p>
             <a:r>
               <a:rPr lang="en-US" altLang="zh-CN" sz="3200" dirty="0"/>
-              <a:t>A DPL based on standard cell flow, proposed by K. </a:t>
+              <a:t>One of the dual-rail </a:t>
+            </a:r>
+            <a:r>
+              <a:rPr lang="en-US" altLang="zh-CN" sz="3200" dirty="0" err="1"/>
+              <a:t>precharge</a:t>
+            </a:r>
+            <a:r>
+              <a:rPr lang="en-US" altLang="zh-CN" sz="3200" dirty="0"/>
+              <a:t> logic based on standard cell flow, proposed by K. </a:t>
             </a:r>
             <a:r>
               <a:rPr lang="en-US" altLang="zh-CN" sz="3200" dirty="0" err="1"/>
@@ -11587,13 +11851,7 @@
           <a:p>
             <a:r>
               <a:rPr lang="en-US" altLang="zh-CN" sz="3200" dirty="0"/>
-              <a:t> require a very strict complementary</a:t>
-            </a:r>
-          </a:p>
-          <a:p>
-            <a:r>
-              <a:rPr lang="en-US" altLang="zh-CN" sz="3200" dirty="0"/>
-              <a:t>capacitive balance, making them difficult to implement in practice</a:t>
+              <a:t> require a very strict complementary capacitive balance, making it difficult to implement in practice</a:t>
             </a:r>
             <a:endParaRPr lang="zh-CN" altLang="en-US" sz="3200" dirty="0"/>
           </a:p>
